--- a/FGCS-2019/reworked-fig8.pptx
+++ b/FGCS-2019/reworked-fig8.pptx
@@ -344,7 +344,7 @@
           <a:p>
             <a:fld id="{2DE544F1-4EB3-B943-BAC8-4587CDEC2BDB}" type="datetimeFigureOut">
               <a:rPr lang="en-US" smtClean="0"/>
-              <a:t>9/9/19</a:t>
+              <a:t>9/27/19</a:t>
             </a:fld>
             <a:endParaRPr lang="en-US"/>
           </a:p>
@@ -542,7 +542,7 @@
           <a:p>
             <a:fld id="{2DE544F1-4EB3-B943-BAC8-4587CDEC2BDB}" type="datetimeFigureOut">
               <a:rPr lang="en-US" smtClean="0"/>
-              <a:t>9/9/19</a:t>
+              <a:t>9/27/19</a:t>
             </a:fld>
             <a:endParaRPr lang="en-US"/>
           </a:p>
@@ -750,7 +750,7 @@
           <a:p>
             <a:fld id="{2DE544F1-4EB3-B943-BAC8-4587CDEC2BDB}" type="datetimeFigureOut">
               <a:rPr lang="en-US" smtClean="0"/>
-              <a:t>9/9/19</a:t>
+              <a:t>9/27/19</a:t>
             </a:fld>
             <a:endParaRPr lang="en-US"/>
           </a:p>
@@ -948,7 +948,7 @@
           <a:p>
             <a:fld id="{2DE544F1-4EB3-B943-BAC8-4587CDEC2BDB}" type="datetimeFigureOut">
               <a:rPr lang="en-US" smtClean="0"/>
-              <a:t>9/9/19</a:t>
+              <a:t>9/27/19</a:t>
             </a:fld>
             <a:endParaRPr lang="en-US"/>
           </a:p>
@@ -1223,7 +1223,7 @@
           <a:p>
             <a:fld id="{2DE544F1-4EB3-B943-BAC8-4587CDEC2BDB}" type="datetimeFigureOut">
               <a:rPr lang="en-US" smtClean="0"/>
-              <a:t>9/9/19</a:t>
+              <a:t>9/27/19</a:t>
             </a:fld>
             <a:endParaRPr lang="en-US"/>
           </a:p>
@@ -1488,7 +1488,7 @@
           <a:p>
             <a:fld id="{2DE544F1-4EB3-B943-BAC8-4587CDEC2BDB}" type="datetimeFigureOut">
               <a:rPr lang="en-US" smtClean="0"/>
-              <a:t>9/9/19</a:t>
+              <a:t>9/27/19</a:t>
             </a:fld>
             <a:endParaRPr lang="en-US"/>
           </a:p>
@@ -1900,7 +1900,7 @@
           <a:p>
             <a:fld id="{2DE544F1-4EB3-B943-BAC8-4587CDEC2BDB}" type="datetimeFigureOut">
               <a:rPr lang="en-US" smtClean="0"/>
-              <a:t>9/9/19</a:t>
+              <a:t>9/27/19</a:t>
             </a:fld>
             <a:endParaRPr lang="en-US"/>
           </a:p>
@@ -2041,7 +2041,7 @@
           <a:p>
             <a:fld id="{2DE544F1-4EB3-B943-BAC8-4587CDEC2BDB}" type="datetimeFigureOut">
               <a:rPr lang="en-US" smtClean="0"/>
-              <a:t>9/9/19</a:t>
+              <a:t>9/27/19</a:t>
             </a:fld>
             <a:endParaRPr lang="en-US"/>
           </a:p>
@@ -2154,7 +2154,7 @@
           <a:p>
             <a:fld id="{2DE544F1-4EB3-B943-BAC8-4587CDEC2BDB}" type="datetimeFigureOut">
               <a:rPr lang="en-US" smtClean="0"/>
-              <a:t>9/9/19</a:t>
+              <a:t>9/27/19</a:t>
             </a:fld>
             <a:endParaRPr lang="en-US"/>
           </a:p>
@@ -2465,7 +2465,7 @@
           <a:p>
             <a:fld id="{2DE544F1-4EB3-B943-BAC8-4587CDEC2BDB}" type="datetimeFigureOut">
               <a:rPr lang="en-US" smtClean="0"/>
-              <a:t>9/9/19</a:t>
+              <a:t>9/27/19</a:t>
             </a:fld>
             <a:endParaRPr lang="en-US"/>
           </a:p>
@@ -2753,7 +2753,7 @@
           <a:p>
             <a:fld id="{2DE544F1-4EB3-B943-BAC8-4587CDEC2BDB}" type="datetimeFigureOut">
               <a:rPr lang="en-US" smtClean="0"/>
-              <a:t>9/9/19</a:t>
+              <a:t>9/27/19</a:t>
             </a:fld>
             <a:endParaRPr lang="en-US"/>
           </a:p>
@@ -2994,7 +2994,7 @@
           <a:p>
             <a:fld id="{2DE544F1-4EB3-B943-BAC8-4587CDEC2BDB}" type="datetimeFigureOut">
               <a:rPr lang="en-US" smtClean="0"/>
-              <a:t>9/9/19</a:t>
+              <a:t>9/27/19</a:t>
             </a:fld>
             <a:endParaRPr lang="en-US"/>
           </a:p>
@@ -10880,44 +10880,6 @@
           </a:p>
         </p:txBody>
       </p:sp>
-      <p:sp>
-        <p:nvSpPr>
-          <p:cNvPr id="502" name="TextBox 501">
-            <a:extLst>
-              <a:ext uri="{FF2B5EF4-FFF2-40B4-BE49-F238E27FC236}">
-                <a16:creationId xmlns:a16="http://schemas.microsoft.com/office/drawing/2014/main" id="{09492B73-D037-5E47-8E49-7C030971D11B}"/>
-              </a:ext>
-            </a:extLst>
-          </p:cNvPr>
-          <p:cNvSpPr txBox="1"/>
-          <p:nvPr/>
-        </p:nvSpPr>
-        <p:spPr>
-          <a:xfrm>
-            <a:off x="2280668" y="4433340"/>
-            <a:ext cx="482824" cy="276999"/>
-          </a:xfrm>
-          <a:prstGeom prst="rect">
-            <a:avLst/>
-          </a:prstGeom>
-          <a:noFill/>
-        </p:spPr>
-        <p:txBody>
-          <a:bodyPr wrap="none" rtlCol="0">
-            <a:spAutoFit/>
-          </a:bodyPr>
-          <a:lstStyle/>
-          <a:p>
-            <a:r>
-              <a:rPr lang="en-US" sz="1200" dirty="0">
-                <a:latin typeface="+mj-lt"/>
-                <a:cs typeface="Times New Roman" panose="02020603050405020304" pitchFamily="18" charset="0"/>
-              </a:rPr>
-              <a:t>used</a:t>
-            </a:r>
-          </a:p>
-        </p:txBody>
-      </p:sp>
       <p:grpSp>
         <p:nvGrpSpPr>
           <p:cNvPr id="507" name="Group 506">
@@ -11566,6 +11528,782 @@
           </a:fontRef>
         </p:style>
       </p:cxnSp>
+      <p:sp>
+        <p:nvSpPr>
+          <p:cNvPr id="199" name="TextBox 198">
+            <a:extLst>
+              <a:ext uri="{FF2B5EF4-FFF2-40B4-BE49-F238E27FC236}">
+                <a16:creationId xmlns:a16="http://schemas.microsoft.com/office/drawing/2014/main" id="{56AAB109-1AF6-AB4A-8672-E259F57FF97F}"/>
+              </a:ext>
+            </a:extLst>
+          </p:cNvPr>
+          <p:cNvSpPr txBox="1"/>
+          <p:nvPr/>
+        </p:nvSpPr>
+        <p:spPr>
+          <a:xfrm>
+            <a:off x="1801984" y="632841"/>
+            <a:ext cx="482824" cy="276999"/>
+          </a:xfrm>
+          <a:prstGeom prst="rect">
+            <a:avLst/>
+          </a:prstGeom>
+          <a:noFill/>
+        </p:spPr>
+        <p:txBody>
+          <a:bodyPr wrap="none" rtlCol="0">
+            <a:spAutoFit/>
+          </a:bodyPr>
+          <a:lstStyle/>
+          <a:p>
+            <a:r>
+              <a:rPr lang="en-US" sz="1200" dirty="0">
+                <a:latin typeface="+mj-lt"/>
+                <a:cs typeface="Times New Roman" panose="02020603050405020304" pitchFamily="18" charset="0"/>
+              </a:rPr>
+              <a:t>used</a:t>
+            </a:r>
+          </a:p>
+        </p:txBody>
+      </p:sp>
+      <p:sp>
+        <p:nvSpPr>
+          <p:cNvPr id="255" name="TextBox 254">
+            <a:extLst>
+              <a:ext uri="{FF2B5EF4-FFF2-40B4-BE49-F238E27FC236}">
+                <a16:creationId xmlns:a16="http://schemas.microsoft.com/office/drawing/2014/main" id="{03C907C3-AD3A-3845-9D28-9C7F1294C3E3}"/>
+              </a:ext>
+            </a:extLst>
+          </p:cNvPr>
+          <p:cNvSpPr txBox="1"/>
+          <p:nvPr/>
+        </p:nvSpPr>
+        <p:spPr>
+          <a:xfrm>
+            <a:off x="2512164" y="297113"/>
+            <a:ext cx="364202" cy="276999"/>
+          </a:xfrm>
+          <a:prstGeom prst="rect">
+            <a:avLst/>
+          </a:prstGeom>
+          <a:noFill/>
+        </p:spPr>
+        <p:txBody>
+          <a:bodyPr wrap="none" rtlCol="0">
+            <a:spAutoFit/>
+          </a:bodyPr>
+          <a:lstStyle/>
+          <a:p>
+            <a:r>
+              <a:rPr lang="en-US" sz="1200" dirty="0">
+                <a:latin typeface="Times New Roman" panose="02020603050405020304" pitchFamily="18" charset="0"/>
+                <a:cs typeface="Times New Roman" panose="02020603050405020304" pitchFamily="18" charset="0"/>
+              </a:rPr>
+              <a:t>(a)</a:t>
+            </a:r>
+          </a:p>
+        </p:txBody>
+      </p:sp>
+      <p:sp>
+        <p:nvSpPr>
+          <p:cNvPr id="256" name="TextBox 255">
+            <a:extLst>
+              <a:ext uri="{FF2B5EF4-FFF2-40B4-BE49-F238E27FC236}">
+                <a16:creationId xmlns:a16="http://schemas.microsoft.com/office/drawing/2014/main" id="{FE84C85F-C5A9-C041-95D5-9F1724A87329}"/>
+              </a:ext>
+            </a:extLst>
+          </p:cNvPr>
+          <p:cNvSpPr txBox="1"/>
+          <p:nvPr/>
+        </p:nvSpPr>
+        <p:spPr>
+          <a:xfrm>
+            <a:off x="846219" y="3679851"/>
+            <a:ext cx="510333" cy="276999"/>
+          </a:xfrm>
+          <a:prstGeom prst="rect">
+            <a:avLst/>
+          </a:prstGeom>
+          <a:noFill/>
+        </p:spPr>
+        <p:txBody>
+          <a:bodyPr wrap="none" rtlCol="0">
+            <a:spAutoFit/>
+          </a:bodyPr>
+          <a:lstStyle/>
+          <a:p>
+            <a:r>
+              <a:rPr lang="en-US" sz="1200" dirty="0" err="1">
+                <a:latin typeface="+mj-lt"/>
+                <a:cs typeface="Times New Roman" panose="02020603050405020304" pitchFamily="18" charset="0"/>
+              </a:rPr>
+              <a:t>wgBy</a:t>
+            </a:r>
+            <a:endParaRPr lang="en-US" sz="1200" dirty="0">
+              <a:latin typeface="+mj-lt"/>
+              <a:cs typeface="Times New Roman" panose="02020603050405020304" pitchFamily="18" charset="0"/>
+            </a:endParaRPr>
+          </a:p>
+        </p:txBody>
+      </p:sp>
+      <p:sp>
+        <p:nvSpPr>
+          <p:cNvPr id="257" name="TextBox 256">
+            <a:extLst>
+              <a:ext uri="{FF2B5EF4-FFF2-40B4-BE49-F238E27FC236}">
+                <a16:creationId xmlns:a16="http://schemas.microsoft.com/office/drawing/2014/main" id="{D02F6C57-26BE-DD48-9341-17B372548595}"/>
+              </a:ext>
+            </a:extLst>
+          </p:cNvPr>
+          <p:cNvSpPr txBox="1"/>
+          <p:nvPr/>
+        </p:nvSpPr>
+        <p:spPr>
+          <a:xfrm>
+            <a:off x="1794365" y="2245440"/>
+            <a:ext cx="482824" cy="276999"/>
+          </a:xfrm>
+          <a:prstGeom prst="rect">
+            <a:avLst/>
+          </a:prstGeom>
+          <a:noFill/>
+        </p:spPr>
+        <p:txBody>
+          <a:bodyPr wrap="none" rtlCol="0">
+            <a:spAutoFit/>
+          </a:bodyPr>
+          <a:lstStyle/>
+          <a:p>
+            <a:r>
+              <a:rPr lang="en-US" sz="1200" dirty="0">
+                <a:latin typeface="+mj-lt"/>
+                <a:cs typeface="Times New Roman" panose="02020603050405020304" pitchFamily="18" charset="0"/>
+              </a:rPr>
+              <a:t>used</a:t>
+            </a:r>
+          </a:p>
+        </p:txBody>
+      </p:sp>
+      <p:sp>
+        <p:nvSpPr>
+          <p:cNvPr id="258" name="TextBox 257">
+            <a:extLst>
+              <a:ext uri="{FF2B5EF4-FFF2-40B4-BE49-F238E27FC236}">
+                <a16:creationId xmlns:a16="http://schemas.microsoft.com/office/drawing/2014/main" id="{5BECCDCE-D034-5C41-ABF8-E9107555CD95}"/>
+              </a:ext>
+            </a:extLst>
+          </p:cNvPr>
+          <p:cNvSpPr txBox="1"/>
+          <p:nvPr/>
+        </p:nvSpPr>
+        <p:spPr>
+          <a:xfrm>
+            <a:off x="1895314" y="1380858"/>
+            <a:ext cx="482824" cy="276999"/>
+          </a:xfrm>
+          <a:prstGeom prst="rect">
+            <a:avLst/>
+          </a:prstGeom>
+          <a:noFill/>
+        </p:spPr>
+        <p:txBody>
+          <a:bodyPr wrap="none" rtlCol="0">
+            <a:spAutoFit/>
+          </a:bodyPr>
+          <a:lstStyle/>
+          <a:p>
+            <a:r>
+              <a:rPr lang="en-US" sz="1200" dirty="0">
+                <a:latin typeface="+mj-lt"/>
+                <a:cs typeface="Times New Roman" panose="02020603050405020304" pitchFamily="18" charset="0"/>
+              </a:rPr>
+              <a:t>used</a:t>
+            </a:r>
+          </a:p>
+        </p:txBody>
+      </p:sp>
+      <p:sp>
+        <p:nvSpPr>
+          <p:cNvPr id="260" name="TextBox 259">
+            <a:extLst>
+              <a:ext uri="{FF2B5EF4-FFF2-40B4-BE49-F238E27FC236}">
+                <a16:creationId xmlns:a16="http://schemas.microsoft.com/office/drawing/2014/main" id="{C33A7D5B-627E-3946-8220-77D1F53F4809}"/>
+              </a:ext>
+            </a:extLst>
+          </p:cNvPr>
+          <p:cNvSpPr txBox="1"/>
+          <p:nvPr/>
+        </p:nvSpPr>
+        <p:spPr>
+          <a:xfrm>
+            <a:off x="3518887" y="1249328"/>
+            <a:ext cx="482824" cy="276999"/>
+          </a:xfrm>
+          <a:prstGeom prst="rect">
+            <a:avLst/>
+          </a:prstGeom>
+          <a:noFill/>
+        </p:spPr>
+        <p:txBody>
+          <a:bodyPr wrap="none" rtlCol="0">
+            <a:spAutoFit/>
+          </a:bodyPr>
+          <a:lstStyle/>
+          <a:p>
+            <a:r>
+              <a:rPr lang="en-US" sz="1200" dirty="0">
+                <a:latin typeface="+mj-lt"/>
+                <a:cs typeface="Times New Roman" panose="02020603050405020304" pitchFamily="18" charset="0"/>
+              </a:rPr>
+              <a:t>used</a:t>
+            </a:r>
+          </a:p>
+        </p:txBody>
+      </p:sp>
+      <p:sp>
+        <p:nvSpPr>
+          <p:cNvPr id="261" name="TextBox 260">
+            <a:extLst>
+              <a:ext uri="{FF2B5EF4-FFF2-40B4-BE49-F238E27FC236}">
+                <a16:creationId xmlns:a16="http://schemas.microsoft.com/office/drawing/2014/main" id="{61D0D6BB-F4EC-934F-A330-66D04332DDED}"/>
+              </a:ext>
+            </a:extLst>
+          </p:cNvPr>
+          <p:cNvSpPr txBox="1"/>
+          <p:nvPr/>
+        </p:nvSpPr>
+        <p:spPr>
+          <a:xfrm>
+            <a:off x="7272160" y="638677"/>
+            <a:ext cx="482824" cy="276999"/>
+          </a:xfrm>
+          <a:prstGeom prst="rect">
+            <a:avLst/>
+          </a:prstGeom>
+          <a:noFill/>
+        </p:spPr>
+        <p:txBody>
+          <a:bodyPr wrap="none" rtlCol="0">
+            <a:spAutoFit/>
+          </a:bodyPr>
+          <a:lstStyle/>
+          <a:p>
+            <a:r>
+              <a:rPr lang="en-US" sz="1200" dirty="0">
+                <a:latin typeface="+mj-lt"/>
+                <a:cs typeface="Times New Roman" panose="02020603050405020304" pitchFamily="18" charset="0"/>
+              </a:rPr>
+              <a:t>used</a:t>
+            </a:r>
+          </a:p>
+        </p:txBody>
+      </p:sp>
+      <p:sp>
+        <p:nvSpPr>
+          <p:cNvPr id="262" name="TextBox 261">
+            <a:extLst>
+              <a:ext uri="{FF2B5EF4-FFF2-40B4-BE49-F238E27FC236}">
+                <a16:creationId xmlns:a16="http://schemas.microsoft.com/office/drawing/2014/main" id="{DA1BC310-4883-4143-9357-2808D7E89A0D}"/>
+              </a:ext>
+            </a:extLst>
+          </p:cNvPr>
+          <p:cNvSpPr txBox="1"/>
+          <p:nvPr/>
+        </p:nvSpPr>
+        <p:spPr>
+          <a:xfrm>
+            <a:off x="7387539" y="1386536"/>
+            <a:ext cx="482824" cy="276999"/>
+          </a:xfrm>
+          <a:prstGeom prst="rect">
+            <a:avLst/>
+          </a:prstGeom>
+          <a:noFill/>
+        </p:spPr>
+        <p:txBody>
+          <a:bodyPr wrap="none" rtlCol="0">
+            <a:spAutoFit/>
+          </a:bodyPr>
+          <a:lstStyle/>
+          <a:p>
+            <a:r>
+              <a:rPr lang="en-US" sz="1200" dirty="0">
+                <a:latin typeface="+mj-lt"/>
+                <a:cs typeface="Times New Roman" panose="02020603050405020304" pitchFamily="18" charset="0"/>
+              </a:rPr>
+              <a:t>used</a:t>
+            </a:r>
+          </a:p>
+        </p:txBody>
+      </p:sp>
+      <p:sp>
+        <p:nvSpPr>
+          <p:cNvPr id="263" name="TextBox 262">
+            <a:extLst>
+              <a:ext uri="{FF2B5EF4-FFF2-40B4-BE49-F238E27FC236}">
+                <a16:creationId xmlns:a16="http://schemas.microsoft.com/office/drawing/2014/main" id="{9BD30AFE-32CB-7E4B-885D-53CCBEAD6502}"/>
+              </a:ext>
+            </a:extLst>
+          </p:cNvPr>
+          <p:cNvSpPr txBox="1"/>
+          <p:nvPr/>
+        </p:nvSpPr>
+        <p:spPr>
+          <a:xfrm>
+            <a:off x="7393064" y="2247346"/>
+            <a:ext cx="482824" cy="276999"/>
+          </a:xfrm>
+          <a:prstGeom prst="rect">
+            <a:avLst/>
+          </a:prstGeom>
+          <a:noFill/>
+        </p:spPr>
+        <p:txBody>
+          <a:bodyPr wrap="none" rtlCol="0">
+            <a:spAutoFit/>
+          </a:bodyPr>
+          <a:lstStyle/>
+          <a:p>
+            <a:r>
+              <a:rPr lang="en-US" sz="1200" dirty="0">
+                <a:latin typeface="+mj-lt"/>
+                <a:cs typeface="Times New Roman" panose="02020603050405020304" pitchFamily="18" charset="0"/>
+              </a:rPr>
+              <a:t>used</a:t>
+            </a:r>
+          </a:p>
+        </p:txBody>
+      </p:sp>
+      <p:sp>
+        <p:nvSpPr>
+          <p:cNvPr id="264" name="TextBox 263">
+            <a:extLst>
+              <a:ext uri="{FF2B5EF4-FFF2-40B4-BE49-F238E27FC236}">
+                <a16:creationId xmlns:a16="http://schemas.microsoft.com/office/drawing/2014/main" id="{D0D1F8CD-D588-3343-948C-11B1A6885A84}"/>
+              </a:ext>
+            </a:extLst>
+          </p:cNvPr>
+          <p:cNvSpPr txBox="1"/>
+          <p:nvPr/>
+        </p:nvSpPr>
+        <p:spPr>
+          <a:xfrm>
+            <a:off x="6350159" y="1148911"/>
+            <a:ext cx="510333" cy="276999"/>
+          </a:xfrm>
+          <a:prstGeom prst="rect">
+            <a:avLst/>
+          </a:prstGeom>
+          <a:noFill/>
+        </p:spPr>
+        <p:txBody>
+          <a:bodyPr wrap="none" rtlCol="0">
+            <a:spAutoFit/>
+          </a:bodyPr>
+          <a:lstStyle/>
+          <a:p>
+            <a:r>
+              <a:rPr lang="en-US" sz="1200" dirty="0" err="1">
+                <a:latin typeface="+mj-lt"/>
+                <a:cs typeface="Times New Roman" panose="02020603050405020304" pitchFamily="18" charset="0"/>
+              </a:rPr>
+              <a:t>wgBy</a:t>
+            </a:r>
+            <a:endParaRPr lang="en-US" sz="1200" dirty="0">
+              <a:latin typeface="+mj-lt"/>
+              <a:cs typeface="Times New Roman" panose="02020603050405020304" pitchFamily="18" charset="0"/>
+            </a:endParaRPr>
+          </a:p>
+        </p:txBody>
+      </p:sp>
+      <p:sp>
+        <p:nvSpPr>
+          <p:cNvPr id="265" name="TextBox 264">
+            <a:extLst>
+              <a:ext uri="{FF2B5EF4-FFF2-40B4-BE49-F238E27FC236}">
+                <a16:creationId xmlns:a16="http://schemas.microsoft.com/office/drawing/2014/main" id="{1D6C337E-98B9-654F-A81C-B66943714594}"/>
+              </a:ext>
+            </a:extLst>
+          </p:cNvPr>
+          <p:cNvSpPr txBox="1"/>
+          <p:nvPr/>
+        </p:nvSpPr>
+        <p:spPr>
+          <a:xfrm>
+            <a:off x="8949673" y="1309227"/>
+            <a:ext cx="482824" cy="276999"/>
+          </a:xfrm>
+          <a:prstGeom prst="rect">
+            <a:avLst/>
+          </a:prstGeom>
+          <a:noFill/>
+        </p:spPr>
+        <p:txBody>
+          <a:bodyPr wrap="none" rtlCol="0">
+            <a:spAutoFit/>
+          </a:bodyPr>
+          <a:lstStyle/>
+          <a:p>
+            <a:r>
+              <a:rPr lang="en-US" sz="1200" dirty="0">
+                <a:latin typeface="+mj-lt"/>
+                <a:cs typeface="Times New Roman" panose="02020603050405020304" pitchFamily="18" charset="0"/>
+              </a:rPr>
+              <a:t>used</a:t>
+            </a:r>
+          </a:p>
+        </p:txBody>
+      </p:sp>
+      <p:sp>
+        <p:nvSpPr>
+          <p:cNvPr id="266" name="TextBox 265">
+            <a:extLst>
+              <a:ext uri="{FF2B5EF4-FFF2-40B4-BE49-F238E27FC236}">
+                <a16:creationId xmlns:a16="http://schemas.microsoft.com/office/drawing/2014/main" id="{0BA588E7-FE0A-C34A-AF3E-D4EC487DA280}"/>
+              </a:ext>
+            </a:extLst>
+          </p:cNvPr>
+          <p:cNvSpPr txBox="1"/>
+          <p:nvPr/>
+        </p:nvSpPr>
+        <p:spPr>
+          <a:xfrm>
+            <a:off x="8964224" y="3889324"/>
+            <a:ext cx="482824" cy="276999"/>
+          </a:xfrm>
+          <a:prstGeom prst="rect">
+            <a:avLst/>
+          </a:prstGeom>
+          <a:noFill/>
+        </p:spPr>
+        <p:txBody>
+          <a:bodyPr wrap="none" rtlCol="0">
+            <a:spAutoFit/>
+          </a:bodyPr>
+          <a:lstStyle/>
+          <a:p>
+            <a:r>
+              <a:rPr lang="en-US" sz="1200" dirty="0">
+                <a:latin typeface="+mj-lt"/>
+                <a:cs typeface="Times New Roman" panose="02020603050405020304" pitchFamily="18" charset="0"/>
+              </a:rPr>
+              <a:t>used</a:t>
+            </a:r>
+          </a:p>
+        </p:txBody>
+      </p:sp>
+      <p:sp>
+        <p:nvSpPr>
+          <p:cNvPr id="267" name="TextBox 266">
+            <a:extLst>
+              <a:ext uri="{FF2B5EF4-FFF2-40B4-BE49-F238E27FC236}">
+                <a16:creationId xmlns:a16="http://schemas.microsoft.com/office/drawing/2014/main" id="{1905CCA9-0202-304D-A88A-E00A7660080F}"/>
+              </a:ext>
+            </a:extLst>
+          </p:cNvPr>
+          <p:cNvSpPr txBox="1"/>
+          <p:nvPr/>
+        </p:nvSpPr>
+        <p:spPr>
+          <a:xfrm>
+            <a:off x="7351313" y="3962701"/>
+            <a:ext cx="482824" cy="276999"/>
+          </a:xfrm>
+          <a:prstGeom prst="rect">
+            <a:avLst/>
+          </a:prstGeom>
+          <a:noFill/>
+        </p:spPr>
+        <p:txBody>
+          <a:bodyPr wrap="none" rtlCol="0">
+            <a:spAutoFit/>
+          </a:bodyPr>
+          <a:lstStyle/>
+          <a:p>
+            <a:r>
+              <a:rPr lang="en-US" sz="1200" dirty="0">
+                <a:latin typeface="+mj-lt"/>
+                <a:cs typeface="Times New Roman" panose="02020603050405020304" pitchFamily="18" charset="0"/>
+              </a:rPr>
+              <a:t>used</a:t>
+            </a:r>
+          </a:p>
+        </p:txBody>
+      </p:sp>
+      <p:sp>
+        <p:nvSpPr>
+          <p:cNvPr id="268" name="TextBox 267">
+            <a:extLst>
+              <a:ext uri="{FF2B5EF4-FFF2-40B4-BE49-F238E27FC236}">
+                <a16:creationId xmlns:a16="http://schemas.microsoft.com/office/drawing/2014/main" id="{AE2404AC-1A26-7848-BB8A-E73CD3734CA9}"/>
+              </a:ext>
+            </a:extLst>
+          </p:cNvPr>
+          <p:cNvSpPr txBox="1"/>
+          <p:nvPr/>
+        </p:nvSpPr>
+        <p:spPr>
+          <a:xfrm>
+            <a:off x="7464663" y="3358490"/>
+            <a:ext cx="482824" cy="276999"/>
+          </a:xfrm>
+          <a:prstGeom prst="rect">
+            <a:avLst/>
+          </a:prstGeom>
+          <a:noFill/>
+        </p:spPr>
+        <p:txBody>
+          <a:bodyPr wrap="none" rtlCol="0">
+            <a:spAutoFit/>
+          </a:bodyPr>
+          <a:lstStyle/>
+          <a:p>
+            <a:r>
+              <a:rPr lang="en-US" sz="1200" dirty="0">
+                <a:latin typeface="+mj-lt"/>
+                <a:cs typeface="Times New Roman" panose="02020603050405020304" pitchFamily="18" charset="0"/>
+              </a:rPr>
+              <a:t>used</a:t>
+            </a:r>
+          </a:p>
+        </p:txBody>
+      </p:sp>
+      <p:sp>
+        <p:nvSpPr>
+          <p:cNvPr id="269" name="TextBox 268">
+            <a:extLst>
+              <a:ext uri="{FF2B5EF4-FFF2-40B4-BE49-F238E27FC236}">
+                <a16:creationId xmlns:a16="http://schemas.microsoft.com/office/drawing/2014/main" id="{A1F98A0E-D0AC-CE4C-B54C-B17BD1E39095}"/>
+              </a:ext>
+            </a:extLst>
+          </p:cNvPr>
+          <p:cNvSpPr txBox="1"/>
+          <p:nvPr/>
+        </p:nvSpPr>
+        <p:spPr>
+          <a:xfrm>
+            <a:off x="7393064" y="4819501"/>
+            <a:ext cx="482824" cy="276999"/>
+          </a:xfrm>
+          <a:prstGeom prst="rect">
+            <a:avLst/>
+          </a:prstGeom>
+          <a:noFill/>
+        </p:spPr>
+        <p:txBody>
+          <a:bodyPr wrap="none" rtlCol="0">
+            <a:spAutoFit/>
+          </a:bodyPr>
+          <a:lstStyle/>
+          <a:p>
+            <a:r>
+              <a:rPr lang="en-US" sz="1200" dirty="0">
+                <a:latin typeface="+mj-lt"/>
+                <a:cs typeface="Times New Roman" panose="02020603050405020304" pitchFamily="18" charset="0"/>
+              </a:rPr>
+              <a:t>used</a:t>
+            </a:r>
+          </a:p>
+        </p:txBody>
+      </p:sp>
+      <p:sp>
+        <p:nvSpPr>
+          <p:cNvPr id="270" name="TextBox 269">
+            <a:extLst>
+              <a:ext uri="{FF2B5EF4-FFF2-40B4-BE49-F238E27FC236}">
+                <a16:creationId xmlns:a16="http://schemas.microsoft.com/office/drawing/2014/main" id="{25EE0574-0226-7D40-94CD-94F02A6506EC}"/>
+              </a:ext>
+            </a:extLst>
+          </p:cNvPr>
+          <p:cNvSpPr txBox="1"/>
+          <p:nvPr/>
+        </p:nvSpPr>
+        <p:spPr>
+          <a:xfrm>
+            <a:off x="854944" y="1298101"/>
+            <a:ext cx="510333" cy="276999"/>
+          </a:xfrm>
+          <a:prstGeom prst="rect">
+            <a:avLst/>
+          </a:prstGeom>
+          <a:noFill/>
+        </p:spPr>
+        <p:txBody>
+          <a:bodyPr wrap="none" rtlCol="0">
+            <a:spAutoFit/>
+          </a:bodyPr>
+          <a:lstStyle/>
+          <a:p>
+            <a:r>
+              <a:rPr lang="en-US" sz="1200" dirty="0" err="1">
+                <a:latin typeface="+mj-lt"/>
+                <a:cs typeface="Times New Roman" panose="02020603050405020304" pitchFamily="18" charset="0"/>
+              </a:rPr>
+              <a:t>wgBy</a:t>
+            </a:r>
+            <a:endParaRPr lang="en-US" sz="1200" dirty="0">
+              <a:latin typeface="+mj-lt"/>
+              <a:cs typeface="Times New Roman" panose="02020603050405020304" pitchFamily="18" charset="0"/>
+            </a:endParaRPr>
+          </a:p>
+        </p:txBody>
+      </p:sp>
+      <p:sp>
+        <p:nvSpPr>
+          <p:cNvPr id="271" name="TextBox 270">
+            <a:extLst>
+              <a:ext uri="{FF2B5EF4-FFF2-40B4-BE49-F238E27FC236}">
+                <a16:creationId xmlns:a16="http://schemas.microsoft.com/office/drawing/2014/main" id="{C1B1AA9C-47C9-634A-AB17-AEE4E90F732E}"/>
+              </a:ext>
+            </a:extLst>
+          </p:cNvPr>
+          <p:cNvSpPr txBox="1"/>
+          <p:nvPr/>
+        </p:nvSpPr>
+        <p:spPr>
+          <a:xfrm>
+            <a:off x="6358763" y="3727313"/>
+            <a:ext cx="510333" cy="276999"/>
+          </a:xfrm>
+          <a:prstGeom prst="rect">
+            <a:avLst/>
+          </a:prstGeom>
+          <a:noFill/>
+        </p:spPr>
+        <p:txBody>
+          <a:bodyPr wrap="none" rtlCol="0">
+            <a:spAutoFit/>
+          </a:bodyPr>
+          <a:lstStyle/>
+          <a:p>
+            <a:r>
+              <a:rPr lang="en-US" sz="1200" dirty="0" err="1">
+                <a:latin typeface="+mj-lt"/>
+                <a:cs typeface="Times New Roman" panose="02020603050405020304" pitchFamily="18" charset="0"/>
+              </a:rPr>
+              <a:t>wgBy</a:t>
+            </a:r>
+            <a:endParaRPr lang="en-US" sz="1200" dirty="0">
+              <a:latin typeface="+mj-lt"/>
+              <a:cs typeface="Times New Roman" panose="02020603050405020304" pitchFamily="18" charset="0"/>
+            </a:endParaRPr>
+          </a:p>
+        </p:txBody>
+      </p:sp>
+      <p:sp>
+        <p:nvSpPr>
+          <p:cNvPr id="272" name="TextBox 271">
+            <a:extLst>
+              <a:ext uri="{FF2B5EF4-FFF2-40B4-BE49-F238E27FC236}">
+                <a16:creationId xmlns:a16="http://schemas.microsoft.com/office/drawing/2014/main" id="{6790B259-4671-9144-B672-20D3C02889D9}"/>
+              </a:ext>
+            </a:extLst>
+          </p:cNvPr>
+          <p:cNvSpPr txBox="1"/>
+          <p:nvPr/>
+        </p:nvSpPr>
+        <p:spPr>
+          <a:xfrm>
+            <a:off x="2401447" y="3733811"/>
+            <a:ext cx="482824" cy="276999"/>
+          </a:xfrm>
+          <a:prstGeom prst="rect">
+            <a:avLst/>
+          </a:prstGeom>
+          <a:noFill/>
+        </p:spPr>
+        <p:txBody>
+          <a:bodyPr wrap="none" rtlCol="0">
+            <a:spAutoFit/>
+          </a:bodyPr>
+          <a:lstStyle/>
+          <a:p>
+            <a:r>
+              <a:rPr lang="en-US" sz="1200" dirty="0">
+                <a:latin typeface="+mj-lt"/>
+                <a:cs typeface="Times New Roman" panose="02020603050405020304" pitchFamily="18" charset="0"/>
+              </a:rPr>
+              <a:t>used</a:t>
+            </a:r>
+          </a:p>
+        </p:txBody>
+      </p:sp>
+      <p:sp>
+        <p:nvSpPr>
+          <p:cNvPr id="273" name="TextBox 272">
+            <a:extLst>
+              <a:ext uri="{FF2B5EF4-FFF2-40B4-BE49-F238E27FC236}">
+                <a16:creationId xmlns:a16="http://schemas.microsoft.com/office/drawing/2014/main" id="{5BA303EF-5B50-F14A-94B2-440FBA334248}"/>
+              </a:ext>
+            </a:extLst>
+          </p:cNvPr>
+          <p:cNvSpPr txBox="1"/>
+          <p:nvPr/>
+        </p:nvSpPr>
+        <p:spPr>
+          <a:xfrm>
+            <a:off x="2135090" y="4515344"/>
+            <a:ext cx="482824" cy="276999"/>
+          </a:xfrm>
+          <a:prstGeom prst="rect">
+            <a:avLst/>
+          </a:prstGeom>
+          <a:noFill/>
+        </p:spPr>
+        <p:txBody>
+          <a:bodyPr wrap="none" rtlCol="0">
+            <a:spAutoFit/>
+          </a:bodyPr>
+          <a:lstStyle/>
+          <a:p>
+            <a:r>
+              <a:rPr lang="en-US" sz="1200" dirty="0">
+                <a:latin typeface="+mj-lt"/>
+                <a:cs typeface="Times New Roman" panose="02020603050405020304" pitchFamily="18" charset="0"/>
+              </a:rPr>
+              <a:t>used</a:t>
+            </a:r>
+          </a:p>
+        </p:txBody>
+      </p:sp>
+      <p:sp>
+        <p:nvSpPr>
+          <p:cNvPr id="274" name="TextBox 273">
+            <a:extLst>
+              <a:ext uri="{FF2B5EF4-FFF2-40B4-BE49-F238E27FC236}">
+                <a16:creationId xmlns:a16="http://schemas.microsoft.com/office/drawing/2014/main" id="{40A33AD6-5F27-C143-AA28-BDEB251B3532}"/>
+              </a:ext>
+            </a:extLst>
+          </p:cNvPr>
+          <p:cNvSpPr txBox="1"/>
+          <p:nvPr/>
+        </p:nvSpPr>
+        <p:spPr>
+          <a:xfrm>
+            <a:off x="2253140" y="4250342"/>
+            <a:ext cx="482824" cy="276999"/>
+          </a:xfrm>
+          <a:prstGeom prst="rect">
+            <a:avLst/>
+          </a:prstGeom>
+          <a:noFill/>
+        </p:spPr>
+        <p:txBody>
+          <a:bodyPr wrap="none" rtlCol="0">
+            <a:spAutoFit/>
+          </a:bodyPr>
+          <a:lstStyle/>
+          <a:p>
+            <a:r>
+              <a:rPr lang="en-US" sz="1200" dirty="0">
+                <a:latin typeface="+mj-lt"/>
+                <a:cs typeface="Times New Roman" panose="02020603050405020304" pitchFamily="18" charset="0"/>
+              </a:rPr>
+              <a:t>used</a:t>
+            </a:r>
+          </a:p>
+        </p:txBody>
+      </p:sp>
     </p:spTree>
     <p:extLst>
       <p:ext uri="{BB962C8B-B14F-4D97-AF65-F5344CB8AC3E}">

--- a/FGCS-2019/reworked-fig8.pptx
+++ b/FGCS-2019/reworked-fig8.pptx
@@ -106,7 +106,7 @@
   </p:defaultTextStyle>
   <p:extLst>
     <p:ext uri="{EFAFB233-063F-42B5-8137-9DF3F51BA10A}">
-      <p15:sldGuideLst xmlns:p15="http://schemas.microsoft.com/office/powerpoint/2012/main"/>
+      <p15:sldGuideLst xmlns:p15="http://schemas.microsoft.com/office/powerpoint/2012/main" xmlns=""/>
     </p:ext>
   </p:extLst>
 </p:presentation>
@@ -219,7 +219,7 @@
           <p:cNvPr id="2" name="Title 1">
             <a:extLst>
               <a:ext uri="{FF2B5EF4-FFF2-40B4-BE49-F238E27FC236}">
-                <a16:creationId xmlns:a16="http://schemas.microsoft.com/office/drawing/2014/main" id="{965FF277-41B4-F045-BBBC-8ED057E37314}"/>
+                <a16:creationId xmlns:a16="http://schemas.microsoft.com/office/drawing/2014/main" xmlns="" id="{965FF277-41B4-F045-BBBC-8ED057E37314}"/>
               </a:ext>
             </a:extLst>
           </p:cNvPr>
@@ -256,7 +256,7 @@
           <p:cNvPr id="3" name="Subtitle 2">
             <a:extLst>
               <a:ext uri="{FF2B5EF4-FFF2-40B4-BE49-F238E27FC236}">
-                <a16:creationId xmlns:a16="http://schemas.microsoft.com/office/drawing/2014/main" id="{24D9B25E-07F2-0442-8EB4-DC9D5598B2C0}"/>
+                <a16:creationId xmlns:a16="http://schemas.microsoft.com/office/drawing/2014/main" xmlns="" id="{24D9B25E-07F2-0442-8EB4-DC9D5598B2C0}"/>
               </a:ext>
             </a:extLst>
           </p:cNvPr>
@@ -326,7 +326,7 @@
           <p:cNvPr id="4" name="Date Placeholder 3">
             <a:extLst>
               <a:ext uri="{FF2B5EF4-FFF2-40B4-BE49-F238E27FC236}">
-                <a16:creationId xmlns:a16="http://schemas.microsoft.com/office/drawing/2014/main" id="{0887BAED-74DB-5C4A-B46B-68634B493862}"/>
+                <a16:creationId xmlns:a16="http://schemas.microsoft.com/office/drawing/2014/main" xmlns="" id="{0887BAED-74DB-5C4A-B46B-68634B493862}"/>
               </a:ext>
             </a:extLst>
           </p:cNvPr>
@@ -344,7 +344,7 @@
           <a:p>
             <a:fld id="{2DE544F1-4EB3-B943-BAC8-4587CDEC2BDB}" type="datetimeFigureOut">
               <a:rPr lang="en-US" smtClean="0"/>
-              <a:t>9/27/19</a:t>
+              <a:t>01/10/19</a:t>
             </a:fld>
             <a:endParaRPr lang="en-US"/>
           </a:p>
@@ -355,7 +355,7 @@
           <p:cNvPr id="5" name="Footer Placeholder 4">
             <a:extLst>
               <a:ext uri="{FF2B5EF4-FFF2-40B4-BE49-F238E27FC236}">
-                <a16:creationId xmlns:a16="http://schemas.microsoft.com/office/drawing/2014/main" id="{B3694175-10E4-B646-B89A-AF840CE3A96B}"/>
+                <a16:creationId xmlns:a16="http://schemas.microsoft.com/office/drawing/2014/main" xmlns="" id="{B3694175-10E4-B646-B89A-AF840CE3A96B}"/>
               </a:ext>
             </a:extLst>
           </p:cNvPr>
@@ -380,7 +380,7 @@
           <p:cNvPr id="6" name="Slide Number Placeholder 5">
             <a:extLst>
               <a:ext uri="{FF2B5EF4-FFF2-40B4-BE49-F238E27FC236}">
-                <a16:creationId xmlns:a16="http://schemas.microsoft.com/office/drawing/2014/main" id="{A90B5999-24E5-9943-AFD3-C484292C9E75}"/>
+                <a16:creationId xmlns:a16="http://schemas.microsoft.com/office/drawing/2014/main" xmlns="" id="{A90B5999-24E5-9943-AFD3-C484292C9E75}"/>
               </a:ext>
             </a:extLst>
           </p:cNvPr>
@@ -439,7 +439,7 @@
           <p:cNvPr id="2" name="Title 1">
             <a:extLst>
               <a:ext uri="{FF2B5EF4-FFF2-40B4-BE49-F238E27FC236}">
-                <a16:creationId xmlns:a16="http://schemas.microsoft.com/office/drawing/2014/main" id="{564E0741-759B-9A4D-AE02-9953BD597CF9}"/>
+                <a16:creationId xmlns:a16="http://schemas.microsoft.com/office/drawing/2014/main" xmlns="" id="{564E0741-759B-9A4D-AE02-9953BD597CF9}"/>
               </a:ext>
             </a:extLst>
           </p:cNvPr>
@@ -467,7 +467,7 @@
           <p:cNvPr id="3" name="Vertical Text Placeholder 2">
             <a:extLst>
               <a:ext uri="{FF2B5EF4-FFF2-40B4-BE49-F238E27FC236}">
-                <a16:creationId xmlns:a16="http://schemas.microsoft.com/office/drawing/2014/main" id="{333C04FE-666A-BA4B-8C1A-368E662D37A0}"/>
+                <a16:creationId xmlns:a16="http://schemas.microsoft.com/office/drawing/2014/main" xmlns="" id="{333C04FE-666A-BA4B-8C1A-368E662D37A0}"/>
               </a:ext>
             </a:extLst>
           </p:cNvPr>
@@ -524,7 +524,7 @@
           <p:cNvPr id="4" name="Date Placeholder 3">
             <a:extLst>
               <a:ext uri="{FF2B5EF4-FFF2-40B4-BE49-F238E27FC236}">
-                <a16:creationId xmlns:a16="http://schemas.microsoft.com/office/drawing/2014/main" id="{A2AEBE5B-7E28-5C40-BADA-AAA2BD972204}"/>
+                <a16:creationId xmlns:a16="http://schemas.microsoft.com/office/drawing/2014/main" xmlns="" id="{A2AEBE5B-7E28-5C40-BADA-AAA2BD972204}"/>
               </a:ext>
             </a:extLst>
           </p:cNvPr>
@@ -542,7 +542,7 @@
           <a:p>
             <a:fld id="{2DE544F1-4EB3-B943-BAC8-4587CDEC2BDB}" type="datetimeFigureOut">
               <a:rPr lang="en-US" smtClean="0"/>
-              <a:t>9/27/19</a:t>
+              <a:t>01/10/19</a:t>
             </a:fld>
             <a:endParaRPr lang="en-US"/>
           </a:p>
@@ -553,7 +553,7 @@
           <p:cNvPr id="5" name="Footer Placeholder 4">
             <a:extLst>
               <a:ext uri="{FF2B5EF4-FFF2-40B4-BE49-F238E27FC236}">
-                <a16:creationId xmlns:a16="http://schemas.microsoft.com/office/drawing/2014/main" id="{A7C7C461-7FA9-A044-8E51-63D7E6984B36}"/>
+                <a16:creationId xmlns:a16="http://schemas.microsoft.com/office/drawing/2014/main" xmlns="" id="{A7C7C461-7FA9-A044-8E51-63D7E6984B36}"/>
               </a:ext>
             </a:extLst>
           </p:cNvPr>
@@ -578,7 +578,7 @@
           <p:cNvPr id="6" name="Slide Number Placeholder 5">
             <a:extLst>
               <a:ext uri="{FF2B5EF4-FFF2-40B4-BE49-F238E27FC236}">
-                <a16:creationId xmlns:a16="http://schemas.microsoft.com/office/drawing/2014/main" id="{536CE7E5-078A-D44B-8BF8-A6B09E497429}"/>
+                <a16:creationId xmlns:a16="http://schemas.microsoft.com/office/drawing/2014/main" xmlns="" id="{536CE7E5-078A-D44B-8BF8-A6B09E497429}"/>
               </a:ext>
             </a:extLst>
           </p:cNvPr>
@@ -637,7 +637,7 @@
           <p:cNvPr id="2" name="Vertical Title 1">
             <a:extLst>
               <a:ext uri="{FF2B5EF4-FFF2-40B4-BE49-F238E27FC236}">
-                <a16:creationId xmlns:a16="http://schemas.microsoft.com/office/drawing/2014/main" id="{CC286196-ECDE-1B4E-9BF9-F7B3DAED73C4}"/>
+                <a16:creationId xmlns:a16="http://schemas.microsoft.com/office/drawing/2014/main" xmlns="" id="{CC286196-ECDE-1B4E-9BF9-F7B3DAED73C4}"/>
               </a:ext>
             </a:extLst>
           </p:cNvPr>
@@ -670,7 +670,7 @@
           <p:cNvPr id="3" name="Vertical Text Placeholder 2">
             <a:extLst>
               <a:ext uri="{FF2B5EF4-FFF2-40B4-BE49-F238E27FC236}">
-                <a16:creationId xmlns:a16="http://schemas.microsoft.com/office/drawing/2014/main" id="{3746A5AE-5EE2-C846-897F-6CB4F588CF95}"/>
+                <a16:creationId xmlns:a16="http://schemas.microsoft.com/office/drawing/2014/main" xmlns="" id="{3746A5AE-5EE2-C846-897F-6CB4F588CF95}"/>
               </a:ext>
             </a:extLst>
           </p:cNvPr>
@@ -732,7 +732,7 @@
           <p:cNvPr id="4" name="Date Placeholder 3">
             <a:extLst>
               <a:ext uri="{FF2B5EF4-FFF2-40B4-BE49-F238E27FC236}">
-                <a16:creationId xmlns:a16="http://schemas.microsoft.com/office/drawing/2014/main" id="{6E274BB2-4695-114B-8730-0E0A62744089}"/>
+                <a16:creationId xmlns:a16="http://schemas.microsoft.com/office/drawing/2014/main" xmlns="" id="{6E274BB2-4695-114B-8730-0E0A62744089}"/>
               </a:ext>
             </a:extLst>
           </p:cNvPr>
@@ -750,7 +750,7 @@
           <a:p>
             <a:fld id="{2DE544F1-4EB3-B943-BAC8-4587CDEC2BDB}" type="datetimeFigureOut">
               <a:rPr lang="en-US" smtClean="0"/>
-              <a:t>9/27/19</a:t>
+              <a:t>01/10/19</a:t>
             </a:fld>
             <a:endParaRPr lang="en-US"/>
           </a:p>
@@ -761,7 +761,7 @@
           <p:cNvPr id="5" name="Footer Placeholder 4">
             <a:extLst>
               <a:ext uri="{FF2B5EF4-FFF2-40B4-BE49-F238E27FC236}">
-                <a16:creationId xmlns:a16="http://schemas.microsoft.com/office/drawing/2014/main" id="{AF003033-261E-1742-81DD-062ED3802075}"/>
+                <a16:creationId xmlns:a16="http://schemas.microsoft.com/office/drawing/2014/main" xmlns="" id="{AF003033-261E-1742-81DD-062ED3802075}"/>
               </a:ext>
             </a:extLst>
           </p:cNvPr>
@@ -786,7 +786,7 @@
           <p:cNvPr id="6" name="Slide Number Placeholder 5">
             <a:extLst>
               <a:ext uri="{FF2B5EF4-FFF2-40B4-BE49-F238E27FC236}">
-                <a16:creationId xmlns:a16="http://schemas.microsoft.com/office/drawing/2014/main" id="{04314896-2328-D843-B9F0-383DE9D1730D}"/>
+                <a16:creationId xmlns:a16="http://schemas.microsoft.com/office/drawing/2014/main" xmlns="" id="{04314896-2328-D843-B9F0-383DE9D1730D}"/>
               </a:ext>
             </a:extLst>
           </p:cNvPr>
@@ -845,7 +845,7 @@
           <p:cNvPr id="2" name="Title 1">
             <a:extLst>
               <a:ext uri="{FF2B5EF4-FFF2-40B4-BE49-F238E27FC236}">
-                <a16:creationId xmlns:a16="http://schemas.microsoft.com/office/drawing/2014/main" id="{4B83831B-85EC-8A45-B579-237E40BB44DE}"/>
+                <a16:creationId xmlns:a16="http://schemas.microsoft.com/office/drawing/2014/main" xmlns="" id="{4B83831B-85EC-8A45-B579-237E40BB44DE}"/>
               </a:ext>
             </a:extLst>
           </p:cNvPr>
@@ -873,7 +873,7 @@
           <p:cNvPr id="3" name="Content Placeholder 2">
             <a:extLst>
               <a:ext uri="{FF2B5EF4-FFF2-40B4-BE49-F238E27FC236}">
-                <a16:creationId xmlns:a16="http://schemas.microsoft.com/office/drawing/2014/main" id="{3CF9D412-D17D-9748-995F-0C3DF690B756}"/>
+                <a16:creationId xmlns:a16="http://schemas.microsoft.com/office/drawing/2014/main" xmlns="" id="{3CF9D412-D17D-9748-995F-0C3DF690B756}"/>
               </a:ext>
             </a:extLst>
           </p:cNvPr>
@@ -930,7 +930,7 @@
           <p:cNvPr id="4" name="Date Placeholder 3">
             <a:extLst>
               <a:ext uri="{FF2B5EF4-FFF2-40B4-BE49-F238E27FC236}">
-                <a16:creationId xmlns:a16="http://schemas.microsoft.com/office/drawing/2014/main" id="{13C91C50-0907-D944-BF6F-13235F2CBA29}"/>
+                <a16:creationId xmlns:a16="http://schemas.microsoft.com/office/drawing/2014/main" xmlns="" id="{13C91C50-0907-D944-BF6F-13235F2CBA29}"/>
               </a:ext>
             </a:extLst>
           </p:cNvPr>
@@ -948,7 +948,7 @@
           <a:p>
             <a:fld id="{2DE544F1-4EB3-B943-BAC8-4587CDEC2BDB}" type="datetimeFigureOut">
               <a:rPr lang="en-US" smtClean="0"/>
-              <a:t>9/27/19</a:t>
+              <a:t>01/10/19</a:t>
             </a:fld>
             <a:endParaRPr lang="en-US"/>
           </a:p>
@@ -959,7 +959,7 @@
           <p:cNvPr id="5" name="Footer Placeholder 4">
             <a:extLst>
               <a:ext uri="{FF2B5EF4-FFF2-40B4-BE49-F238E27FC236}">
-                <a16:creationId xmlns:a16="http://schemas.microsoft.com/office/drawing/2014/main" id="{F0D1120E-2B1E-F94F-AFB3-DA62FB07B9E6}"/>
+                <a16:creationId xmlns:a16="http://schemas.microsoft.com/office/drawing/2014/main" xmlns="" id="{F0D1120E-2B1E-F94F-AFB3-DA62FB07B9E6}"/>
               </a:ext>
             </a:extLst>
           </p:cNvPr>
@@ -984,7 +984,7 @@
           <p:cNvPr id="6" name="Slide Number Placeholder 5">
             <a:extLst>
               <a:ext uri="{FF2B5EF4-FFF2-40B4-BE49-F238E27FC236}">
-                <a16:creationId xmlns:a16="http://schemas.microsoft.com/office/drawing/2014/main" id="{E39C254E-2529-8746-BE9B-07DFE2426A45}"/>
+                <a16:creationId xmlns:a16="http://schemas.microsoft.com/office/drawing/2014/main" xmlns="" id="{E39C254E-2529-8746-BE9B-07DFE2426A45}"/>
               </a:ext>
             </a:extLst>
           </p:cNvPr>
@@ -1043,7 +1043,7 @@
           <p:cNvPr id="2" name="Title 1">
             <a:extLst>
               <a:ext uri="{FF2B5EF4-FFF2-40B4-BE49-F238E27FC236}">
-                <a16:creationId xmlns:a16="http://schemas.microsoft.com/office/drawing/2014/main" id="{827AEE71-9E55-CE45-96BD-E5A293D6EFB7}"/>
+                <a16:creationId xmlns:a16="http://schemas.microsoft.com/office/drawing/2014/main" xmlns="" id="{827AEE71-9E55-CE45-96BD-E5A293D6EFB7}"/>
               </a:ext>
             </a:extLst>
           </p:cNvPr>
@@ -1080,7 +1080,7 @@
           <p:cNvPr id="3" name="Text Placeholder 2">
             <a:extLst>
               <a:ext uri="{FF2B5EF4-FFF2-40B4-BE49-F238E27FC236}">
-                <a16:creationId xmlns:a16="http://schemas.microsoft.com/office/drawing/2014/main" id="{D7F2901C-C569-2341-8430-7AE25328937A}"/>
+                <a16:creationId xmlns:a16="http://schemas.microsoft.com/office/drawing/2014/main" xmlns="" id="{D7F2901C-C569-2341-8430-7AE25328937A}"/>
               </a:ext>
             </a:extLst>
           </p:cNvPr>
@@ -1205,7 +1205,7 @@
           <p:cNvPr id="4" name="Date Placeholder 3">
             <a:extLst>
               <a:ext uri="{FF2B5EF4-FFF2-40B4-BE49-F238E27FC236}">
-                <a16:creationId xmlns:a16="http://schemas.microsoft.com/office/drawing/2014/main" id="{C54783FD-37D5-9B4B-9976-CEB89B11305B}"/>
+                <a16:creationId xmlns:a16="http://schemas.microsoft.com/office/drawing/2014/main" xmlns="" id="{C54783FD-37D5-9B4B-9976-CEB89B11305B}"/>
               </a:ext>
             </a:extLst>
           </p:cNvPr>
@@ -1223,7 +1223,7 @@
           <a:p>
             <a:fld id="{2DE544F1-4EB3-B943-BAC8-4587CDEC2BDB}" type="datetimeFigureOut">
               <a:rPr lang="en-US" smtClean="0"/>
-              <a:t>9/27/19</a:t>
+              <a:t>01/10/19</a:t>
             </a:fld>
             <a:endParaRPr lang="en-US"/>
           </a:p>
@@ -1234,7 +1234,7 @@
           <p:cNvPr id="5" name="Footer Placeholder 4">
             <a:extLst>
               <a:ext uri="{FF2B5EF4-FFF2-40B4-BE49-F238E27FC236}">
-                <a16:creationId xmlns:a16="http://schemas.microsoft.com/office/drawing/2014/main" id="{F7C4BB00-0062-8A4D-9F8F-9CD6414BB4B7}"/>
+                <a16:creationId xmlns:a16="http://schemas.microsoft.com/office/drawing/2014/main" xmlns="" id="{F7C4BB00-0062-8A4D-9F8F-9CD6414BB4B7}"/>
               </a:ext>
             </a:extLst>
           </p:cNvPr>
@@ -1259,7 +1259,7 @@
           <p:cNvPr id="6" name="Slide Number Placeholder 5">
             <a:extLst>
               <a:ext uri="{FF2B5EF4-FFF2-40B4-BE49-F238E27FC236}">
-                <a16:creationId xmlns:a16="http://schemas.microsoft.com/office/drawing/2014/main" id="{C4807B27-1EE8-3547-9A0B-DD5C9D433E28}"/>
+                <a16:creationId xmlns:a16="http://schemas.microsoft.com/office/drawing/2014/main" xmlns="" id="{C4807B27-1EE8-3547-9A0B-DD5C9D433E28}"/>
               </a:ext>
             </a:extLst>
           </p:cNvPr>
@@ -1318,7 +1318,7 @@
           <p:cNvPr id="2" name="Title 1">
             <a:extLst>
               <a:ext uri="{FF2B5EF4-FFF2-40B4-BE49-F238E27FC236}">
-                <a16:creationId xmlns:a16="http://schemas.microsoft.com/office/drawing/2014/main" id="{7CDB40D5-1D42-8F4E-AF6C-F764362F75D7}"/>
+                <a16:creationId xmlns:a16="http://schemas.microsoft.com/office/drawing/2014/main" xmlns="" id="{7CDB40D5-1D42-8F4E-AF6C-F764362F75D7}"/>
               </a:ext>
             </a:extLst>
           </p:cNvPr>
@@ -1346,7 +1346,7 @@
           <p:cNvPr id="3" name="Content Placeholder 2">
             <a:extLst>
               <a:ext uri="{FF2B5EF4-FFF2-40B4-BE49-F238E27FC236}">
-                <a16:creationId xmlns:a16="http://schemas.microsoft.com/office/drawing/2014/main" id="{FCF64B05-2FC6-F744-8D28-B3E9D406BCF1}"/>
+                <a16:creationId xmlns:a16="http://schemas.microsoft.com/office/drawing/2014/main" xmlns="" id="{FCF64B05-2FC6-F744-8D28-B3E9D406BCF1}"/>
               </a:ext>
             </a:extLst>
           </p:cNvPr>
@@ -1408,7 +1408,7 @@
           <p:cNvPr id="4" name="Content Placeholder 3">
             <a:extLst>
               <a:ext uri="{FF2B5EF4-FFF2-40B4-BE49-F238E27FC236}">
-                <a16:creationId xmlns:a16="http://schemas.microsoft.com/office/drawing/2014/main" id="{1732B7D9-3957-B74F-8308-78750CD678A8}"/>
+                <a16:creationId xmlns:a16="http://schemas.microsoft.com/office/drawing/2014/main" xmlns="" id="{1732B7D9-3957-B74F-8308-78750CD678A8}"/>
               </a:ext>
             </a:extLst>
           </p:cNvPr>
@@ -1470,7 +1470,7 @@
           <p:cNvPr id="5" name="Date Placeholder 4">
             <a:extLst>
               <a:ext uri="{FF2B5EF4-FFF2-40B4-BE49-F238E27FC236}">
-                <a16:creationId xmlns:a16="http://schemas.microsoft.com/office/drawing/2014/main" id="{623F55C9-0897-3545-B165-13F114D86421}"/>
+                <a16:creationId xmlns:a16="http://schemas.microsoft.com/office/drawing/2014/main" xmlns="" id="{623F55C9-0897-3545-B165-13F114D86421}"/>
               </a:ext>
             </a:extLst>
           </p:cNvPr>
@@ -1488,7 +1488,7 @@
           <a:p>
             <a:fld id="{2DE544F1-4EB3-B943-BAC8-4587CDEC2BDB}" type="datetimeFigureOut">
               <a:rPr lang="en-US" smtClean="0"/>
-              <a:t>9/27/19</a:t>
+              <a:t>01/10/19</a:t>
             </a:fld>
             <a:endParaRPr lang="en-US"/>
           </a:p>
@@ -1499,7 +1499,7 @@
           <p:cNvPr id="6" name="Footer Placeholder 5">
             <a:extLst>
               <a:ext uri="{FF2B5EF4-FFF2-40B4-BE49-F238E27FC236}">
-                <a16:creationId xmlns:a16="http://schemas.microsoft.com/office/drawing/2014/main" id="{FC26BAA0-4A7A-F546-ADB8-827466D40CD4}"/>
+                <a16:creationId xmlns:a16="http://schemas.microsoft.com/office/drawing/2014/main" xmlns="" id="{FC26BAA0-4A7A-F546-ADB8-827466D40CD4}"/>
               </a:ext>
             </a:extLst>
           </p:cNvPr>
@@ -1524,7 +1524,7 @@
           <p:cNvPr id="7" name="Slide Number Placeholder 6">
             <a:extLst>
               <a:ext uri="{FF2B5EF4-FFF2-40B4-BE49-F238E27FC236}">
-                <a16:creationId xmlns:a16="http://schemas.microsoft.com/office/drawing/2014/main" id="{F4311401-922A-BF43-9486-5C08407C4D80}"/>
+                <a16:creationId xmlns:a16="http://schemas.microsoft.com/office/drawing/2014/main" xmlns="" id="{F4311401-922A-BF43-9486-5C08407C4D80}"/>
               </a:ext>
             </a:extLst>
           </p:cNvPr>
@@ -1583,7 +1583,7 @@
           <p:cNvPr id="2" name="Title 1">
             <a:extLst>
               <a:ext uri="{FF2B5EF4-FFF2-40B4-BE49-F238E27FC236}">
-                <a16:creationId xmlns:a16="http://schemas.microsoft.com/office/drawing/2014/main" id="{C797646F-E613-B044-8F03-6292E7012395}"/>
+                <a16:creationId xmlns:a16="http://schemas.microsoft.com/office/drawing/2014/main" xmlns="" id="{C797646F-E613-B044-8F03-6292E7012395}"/>
               </a:ext>
             </a:extLst>
           </p:cNvPr>
@@ -1616,7 +1616,7 @@
           <p:cNvPr id="3" name="Text Placeholder 2">
             <a:extLst>
               <a:ext uri="{FF2B5EF4-FFF2-40B4-BE49-F238E27FC236}">
-                <a16:creationId xmlns:a16="http://schemas.microsoft.com/office/drawing/2014/main" id="{BF63445D-D0C0-5B49-93DE-968A58791380}"/>
+                <a16:creationId xmlns:a16="http://schemas.microsoft.com/office/drawing/2014/main" xmlns="" id="{BF63445D-D0C0-5B49-93DE-968A58791380}"/>
               </a:ext>
             </a:extLst>
           </p:cNvPr>
@@ -1687,7 +1687,7 @@
           <p:cNvPr id="4" name="Content Placeholder 3">
             <a:extLst>
               <a:ext uri="{FF2B5EF4-FFF2-40B4-BE49-F238E27FC236}">
-                <a16:creationId xmlns:a16="http://schemas.microsoft.com/office/drawing/2014/main" id="{6A7CC758-BB43-724A-84CA-51593CC2E365}"/>
+                <a16:creationId xmlns:a16="http://schemas.microsoft.com/office/drawing/2014/main" xmlns="" id="{6A7CC758-BB43-724A-84CA-51593CC2E365}"/>
               </a:ext>
             </a:extLst>
           </p:cNvPr>
@@ -1749,7 +1749,7 @@
           <p:cNvPr id="5" name="Text Placeholder 4">
             <a:extLst>
               <a:ext uri="{FF2B5EF4-FFF2-40B4-BE49-F238E27FC236}">
-                <a16:creationId xmlns:a16="http://schemas.microsoft.com/office/drawing/2014/main" id="{5FEFBE86-47D5-494E-80C8-B9BA4F58E19A}"/>
+                <a16:creationId xmlns:a16="http://schemas.microsoft.com/office/drawing/2014/main" xmlns="" id="{5FEFBE86-47D5-494E-80C8-B9BA4F58E19A}"/>
               </a:ext>
             </a:extLst>
           </p:cNvPr>
@@ -1820,7 +1820,7 @@
           <p:cNvPr id="6" name="Content Placeholder 5">
             <a:extLst>
               <a:ext uri="{FF2B5EF4-FFF2-40B4-BE49-F238E27FC236}">
-                <a16:creationId xmlns:a16="http://schemas.microsoft.com/office/drawing/2014/main" id="{822F432D-73B9-BB4A-BA2C-F1510E0802E9}"/>
+                <a16:creationId xmlns:a16="http://schemas.microsoft.com/office/drawing/2014/main" xmlns="" id="{822F432D-73B9-BB4A-BA2C-F1510E0802E9}"/>
               </a:ext>
             </a:extLst>
           </p:cNvPr>
@@ -1882,7 +1882,7 @@
           <p:cNvPr id="7" name="Date Placeholder 6">
             <a:extLst>
               <a:ext uri="{FF2B5EF4-FFF2-40B4-BE49-F238E27FC236}">
-                <a16:creationId xmlns:a16="http://schemas.microsoft.com/office/drawing/2014/main" id="{C62C7FA8-C17D-8541-8AD5-5C5FFA3C396A}"/>
+                <a16:creationId xmlns:a16="http://schemas.microsoft.com/office/drawing/2014/main" xmlns="" id="{C62C7FA8-C17D-8541-8AD5-5C5FFA3C396A}"/>
               </a:ext>
             </a:extLst>
           </p:cNvPr>
@@ -1900,7 +1900,7 @@
           <a:p>
             <a:fld id="{2DE544F1-4EB3-B943-BAC8-4587CDEC2BDB}" type="datetimeFigureOut">
               <a:rPr lang="en-US" smtClean="0"/>
-              <a:t>9/27/19</a:t>
+              <a:t>01/10/19</a:t>
             </a:fld>
             <a:endParaRPr lang="en-US"/>
           </a:p>
@@ -1911,7 +1911,7 @@
           <p:cNvPr id="8" name="Footer Placeholder 7">
             <a:extLst>
               <a:ext uri="{FF2B5EF4-FFF2-40B4-BE49-F238E27FC236}">
-                <a16:creationId xmlns:a16="http://schemas.microsoft.com/office/drawing/2014/main" id="{2F30AB70-06EC-C34E-9134-F2F90A8D367A}"/>
+                <a16:creationId xmlns:a16="http://schemas.microsoft.com/office/drawing/2014/main" xmlns="" id="{2F30AB70-06EC-C34E-9134-F2F90A8D367A}"/>
               </a:ext>
             </a:extLst>
           </p:cNvPr>
@@ -1936,7 +1936,7 @@
           <p:cNvPr id="9" name="Slide Number Placeholder 8">
             <a:extLst>
               <a:ext uri="{FF2B5EF4-FFF2-40B4-BE49-F238E27FC236}">
-                <a16:creationId xmlns:a16="http://schemas.microsoft.com/office/drawing/2014/main" id="{F78BFD63-B3ED-0849-9431-95975B24B91C}"/>
+                <a16:creationId xmlns:a16="http://schemas.microsoft.com/office/drawing/2014/main" xmlns="" id="{F78BFD63-B3ED-0849-9431-95975B24B91C}"/>
               </a:ext>
             </a:extLst>
           </p:cNvPr>
@@ -1995,7 +1995,7 @@
           <p:cNvPr id="2" name="Title 1">
             <a:extLst>
               <a:ext uri="{FF2B5EF4-FFF2-40B4-BE49-F238E27FC236}">
-                <a16:creationId xmlns:a16="http://schemas.microsoft.com/office/drawing/2014/main" id="{53F67DB0-E5E7-FA4D-A964-00EE41B83914}"/>
+                <a16:creationId xmlns:a16="http://schemas.microsoft.com/office/drawing/2014/main" xmlns="" id="{53F67DB0-E5E7-FA4D-A964-00EE41B83914}"/>
               </a:ext>
             </a:extLst>
           </p:cNvPr>
@@ -2023,7 +2023,7 @@
           <p:cNvPr id="3" name="Date Placeholder 2">
             <a:extLst>
               <a:ext uri="{FF2B5EF4-FFF2-40B4-BE49-F238E27FC236}">
-                <a16:creationId xmlns:a16="http://schemas.microsoft.com/office/drawing/2014/main" id="{66866299-4493-564D-9246-80A3B1DE64A6}"/>
+                <a16:creationId xmlns:a16="http://schemas.microsoft.com/office/drawing/2014/main" xmlns="" id="{66866299-4493-564D-9246-80A3B1DE64A6}"/>
               </a:ext>
             </a:extLst>
           </p:cNvPr>
@@ -2041,7 +2041,7 @@
           <a:p>
             <a:fld id="{2DE544F1-4EB3-B943-BAC8-4587CDEC2BDB}" type="datetimeFigureOut">
               <a:rPr lang="en-US" smtClean="0"/>
-              <a:t>9/27/19</a:t>
+              <a:t>01/10/19</a:t>
             </a:fld>
             <a:endParaRPr lang="en-US"/>
           </a:p>
@@ -2052,7 +2052,7 @@
           <p:cNvPr id="4" name="Footer Placeholder 3">
             <a:extLst>
               <a:ext uri="{FF2B5EF4-FFF2-40B4-BE49-F238E27FC236}">
-                <a16:creationId xmlns:a16="http://schemas.microsoft.com/office/drawing/2014/main" id="{6095E531-72E9-3C4A-9609-AF7F0222A577}"/>
+                <a16:creationId xmlns:a16="http://schemas.microsoft.com/office/drawing/2014/main" xmlns="" id="{6095E531-72E9-3C4A-9609-AF7F0222A577}"/>
               </a:ext>
             </a:extLst>
           </p:cNvPr>
@@ -2077,7 +2077,7 @@
           <p:cNvPr id="5" name="Slide Number Placeholder 4">
             <a:extLst>
               <a:ext uri="{FF2B5EF4-FFF2-40B4-BE49-F238E27FC236}">
-                <a16:creationId xmlns:a16="http://schemas.microsoft.com/office/drawing/2014/main" id="{C24D38F8-EA88-0346-8B7C-C3E4E0608755}"/>
+                <a16:creationId xmlns:a16="http://schemas.microsoft.com/office/drawing/2014/main" xmlns="" id="{C24D38F8-EA88-0346-8B7C-C3E4E0608755}"/>
               </a:ext>
             </a:extLst>
           </p:cNvPr>
@@ -2136,7 +2136,7 @@
           <p:cNvPr id="2" name="Date Placeholder 1">
             <a:extLst>
               <a:ext uri="{FF2B5EF4-FFF2-40B4-BE49-F238E27FC236}">
-                <a16:creationId xmlns:a16="http://schemas.microsoft.com/office/drawing/2014/main" id="{5F9CC305-138D-234B-B271-0AB7489F733A}"/>
+                <a16:creationId xmlns:a16="http://schemas.microsoft.com/office/drawing/2014/main" xmlns="" id="{5F9CC305-138D-234B-B271-0AB7489F733A}"/>
               </a:ext>
             </a:extLst>
           </p:cNvPr>
@@ -2154,7 +2154,7 @@
           <a:p>
             <a:fld id="{2DE544F1-4EB3-B943-BAC8-4587CDEC2BDB}" type="datetimeFigureOut">
               <a:rPr lang="en-US" smtClean="0"/>
-              <a:t>9/27/19</a:t>
+              <a:t>01/10/19</a:t>
             </a:fld>
             <a:endParaRPr lang="en-US"/>
           </a:p>
@@ -2165,7 +2165,7 @@
           <p:cNvPr id="3" name="Footer Placeholder 2">
             <a:extLst>
               <a:ext uri="{FF2B5EF4-FFF2-40B4-BE49-F238E27FC236}">
-                <a16:creationId xmlns:a16="http://schemas.microsoft.com/office/drawing/2014/main" id="{8D896E52-D328-4544-9214-7DF58C524E40}"/>
+                <a16:creationId xmlns:a16="http://schemas.microsoft.com/office/drawing/2014/main" xmlns="" id="{8D896E52-D328-4544-9214-7DF58C524E40}"/>
               </a:ext>
             </a:extLst>
           </p:cNvPr>
@@ -2190,7 +2190,7 @@
           <p:cNvPr id="4" name="Slide Number Placeholder 3">
             <a:extLst>
               <a:ext uri="{FF2B5EF4-FFF2-40B4-BE49-F238E27FC236}">
-                <a16:creationId xmlns:a16="http://schemas.microsoft.com/office/drawing/2014/main" id="{78D8F00A-64C9-F541-A41C-323677AC8114}"/>
+                <a16:creationId xmlns:a16="http://schemas.microsoft.com/office/drawing/2014/main" xmlns="" id="{78D8F00A-64C9-F541-A41C-323677AC8114}"/>
               </a:ext>
             </a:extLst>
           </p:cNvPr>
@@ -2249,7 +2249,7 @@
           <p:cNvPr id="2" name="Title 1">
             <a:extLst>
               <a:ext uri="{FF2B5EF4-FFF2-40B4-BE49-F238E27FC236}">
-                <a16:creationId xmlns:a16="http://schemas.microsoft.com/office/drawing/2014/main" id="{D43566F7-F27B-1849-BCF4-CC560D4563DC}"/>
+                <a16:creationId xmlns:a16="http://schemas.microsoft.com/office/drawing/2014/main" xmlns="" id="{D43566F7-F27B-1849-BCF4-CC560D4563DC}"/>
               </a:ext>
             </a:extLst>
           </p:cNvPr>
@@ -2286,7 +2286,7 @@
           <p:cNvPr id="3" name="Content Placeholder 2">
             <a:extLst>
               <a:ext uri="{FF2B5EF4-FFF2-40B4-BE49-F238E27FC236}">
-                <a16:creationId xmlns:a16="http://schemas.microsoft.com/office/drawing/2014/main" id="{163A8BE9-5679-0341-8760-E588EE9B85AB}"/>
+                <a16:creationId xmlns:a16="http://schemas.microsoft.com/office/drawing/2014/main" xmlns="" id="{163A8BE9-5679-0341-8760-E588EE9B85AB}"/>
               </a:ext>
             </a:extLst>
           </p:cNvPr>
@@ -2376,7 +2376,7 @@
           <p:cNvPr id="4" name="Text Placeholder 3">
             <a:extLst>
               <a:ext uri="{FF2B5EF4-FFF2-40B4-BE49-F238E27FC236}">
-                <a16:creationId xmlns:a16="http://schemas.microsoft.com/office/drawing/2014/main" id="{C54710D3-5E14-4342-9BAC-74A2DC5ED347}"/>
+                <a16:creationId xmlns:a16="http://schemas.microsoft.com/office/drawing/2014/main" xmlns="" id="{C54710D3-5E14-4342-9BAC-74A2DC5ED347}"/>
               </a:ext>
             </a:extLst>
           </p:cNvPr>
@@ -2447,7 +2447,7 @@
           <p:cNvPr id="5" name="Date Placeholder 4">
             <a:extLst>
               <a:ext uri="{FF2B5EF4-FFF2-40B4-BE49-F238E27FC236}">
-                <a16:creationId xmlns:a16="http://schemas.microsoft.com/office/drawing/2014/main" id="{797EB2CB-2957-6447-A6AC-E53DDDB43C64}"/>
+                <a16:creationId xmlns:a16="http://schemas.microsoft.com/office/drawing/2014/main" xmlns="" id="{797EB2CB-2957-6447-A6AC-E53DDDB43C64}"/>
               </a:ext>
             </a:extLst>
           </p:cNvPr>
@@ -2465,7 +2465,7 @@
           <a:p>
             <a:fld id="{2DE544F1-4EB3-B943-BAC8-4587CDEC2BDB}" type="datetimeFigureOut">
               <a:rPr lang="en-US" smtClean="0"/>
-              <a:t>9/27/19</a:t>
+              <a:t>01/10/19</a:t>
             </a:fld>
             <a:endParaRPr lang="en-US"/>
           </a:p>
@@ -2476,7 +2476,7 @@
           <p:cNvPr id="6" name="Footer Placeholder 5">
             <a:extLst>
               <a:ext uri="{FF2B5EF4-FFF2-40B4-BE49-F238E27FC236}">
-                <a16:creationId xmlns:a16="http://schemas.microsoft.com/office/drawing/2014/main" id="{F967E312-5962-5246-80F6-484F166C7D1C}"/>
+                <a16:creationId xmlns:a16="http://schemas.microsoft.com/office/drawing/2014/main" xmlns="" id="{F967E312-5962-5246-80F6-484F166C7D1C}"/>
               </a:ext>
             </a:extLst>
           </p:cNvPr>
@@ -2501,7 +2501,7 @@
           <p:cNvPr id="7" name="Slide Number Placeholder 6">
             <a:extLst>
               <a:ext uri="{FF2B5EF4-FFF2-40B4-BE49-F238E27FC236}">
-                <a16:creationId xmlns:a16="http://schemas.microsoft.com/office/drawing/2014/main" id="{E7A89C9D-6DC9-B149-B759-DFF7E76B7AF9}"/>
+                <a16:creationId xmlns:a16="http://schemas.microsoft.com/office/drawing/2014/main" xmlns="" id="{E7A89C9D-6DC9-B149-B759-DFF7E76B7AF9}"/>
               </a:ext>
             </a:extLst>
           </p:cNvPr>
@@ -2560,7 +2560,7 @@
           <p:cNvPr id="2" name="Title 1">
             <a:extLst>
               <a:ext uri="{FF2B5EF4-FFF2-40B4-BE49-F238E27FC236}">
-                <a16:creationId xmlns:a16="http://schemas.microsoft.com/office/drawing/2014/main" id="{C93B9349-1FFD-5B41-8FD7-D5578B0CFC8B}"/>
+                <a16:creationId xmlns:a16="http://schemas.microsoft.com/office/drawing/2014/main" xmlns="" id="{C93B9349-1FFD-5B41-8FD7-D5578B0CFC8B}"/>
               </a:ext>
             </a:extLst>
           </p:cNvPr>
@@ -2597,7 +2597,7 @@
           <p:cNvPr id="3" name="Picture Placeholder 2">
             <a:extLst>
               <a:ext uri="{FF2B5EF4-FFF2-40B4-BE49-F238E27FC236}">
-                <a16:creationId xmlns:a16="http://schemas.microsoft.com/office/drawing/2014/main" id="{0E61308D-A818-834D-A252-B9E2EEF7A62D}"/>
+                <a16:creationId xmlns:a16="http://schemas.microsoft.com/office/drawing/2014/main" xmlns="" id="{0E61308D-A818-834D-A252-B9E2EEF7A62D}"/>
               </a:ext>
             </a:extLst>
           </p:cNvPr>
@@ -2664,7 +2664,7 @@
           <p:cNvPr id="4" name="Text Placeholder 3">
             <a:extLst>
               <a:ext uri="{FF2B5EF4-FFF2-40B4-BE49-F238E27FC236}">
-                <a16:creationId xmlns:a16="http://schemas.microsoft.com/office/drawing/2014/main" id="{052BEC32-BFFC-FA42-B68C-0976B5EFAECE}"/>
+                <a16:creationId xmlns:a16="http://schemas.microsoft.com/office/drawing/2014/main" xmlns="" id="{052BEC32-BFFC-FA42-B68C-0976B5EFAECE}"/>
               </a:ext>
             </a:extLst>
           </p:cNvPr>
@@ -2735,7 +2735,7 @@
           <p:cNvPr id="5" name="Date Placeholder 4">
             <a:extLst>
               <a:ext uri="{FF2B5EF4-FFF2-40B4-BE49-F238E27FC236}">
-                <a16:creationId xmlns:a16="http://schemas.microsoft.com/office/drawing/2014/main" id="{597ED76F-0338-EF4E-91B3-C6E9ED1CFD14}"/>
+                <a16:creationId xmlns:a16="http://schemas.microsoft.com/office/drawing/2014/main" xmlns="" id="{597ED76F-0338-EF4E-91B3-C6E9ED1CFD14}"/>
               </a:ext>
             </a:extLst>
           </p:cNvPr>
@@ -2753,7 +2753,7 @@
           <a:p>
             <a:fld id="{2DE544F1-4EB3-B943-BAC8-4587CDEC2BDB}" type="datetimeFigureOut">
               <a:rPr lang="en-US" smtClean="0"/>
-              <a:t>9/27/19</a:t>
+              <a:t>01/10/19</a:t>
             </a:fld>
             <a:endParaRPr lang="en-US"/>
           </a:p>
@@ -2764,7 +2764,7 @@
           <p:cNvPr id="6" name="Footer Placeholder 5">
             <a:extLst>
               <a:ext uri="{FF2B5EF4-FFF2-40B4-BE49-F238E27FC236}">
-                <a16:creationId xmlns:a16="http://schemas.microsoft.com/office/drawing/2014/main" id="{6B7C1833-1AEE-6E43-838D-186872C74604}"/>
+                <a16:creationId xmlns:a16="http://schemas.microsoft.com/office/drawing/2014/main" xmlns="" id="{6B7C1833-1AEE-6E43-838D-186872C74604}"/>
               </a:ext>
             </a:extLst>
           </p:cNvPr>
@@ -2789,7 +2789,7 @@
           <p:cNvPr id="7" name="Slide Number Placeholder 6">
             <a:extLst>
               <a:ext uri="{FF2B5EF4-FFF2-40B4-BE49-F238E27FC236}">
-                <a16:creationId xmlns:a16="http://schemas.microsoft.com/office/drawing/2014/main" id="{D45790CD-5CD5-044A-881B-FA491696A86D}"/>
+                <a16:creationId xmlns:a16="http://schemas.microsoft.com/office/drawing/2014/main" xmlns="" id="{D45790CD-5CD5-044A-881B-FA491696A86D}"/>
               </a:ext>
             </a:extLst>
           </p:cNvPr>
@@ -2853,7 +2853,7 @@
           <p:cNvPr id="2" name="Title Placeholder 1">
             <a:extLst>
               <a:ext uri="{FF2B5EF4-FFF2-40B4-BE49-F238E27FC236}">
-                <a16:creationId xmlns:a16="http://schemas.microsoft.com/office/drawing/2014/main" id="{CCD54339-20FD-9344-AF24-5BE9316484A9}"/>
+                <a16:creationId xmlns:a16="http://schemas.microsoft.com/office/drawing/2014/main" xmlns="" id="{CCD54339-20FD-9344-AF24-5BE9316484A9}"/>
               </a:ext>
             </a:extLst>
           </p:cNvPr>
@@ -2891,7 +2891,7 @@
           <p:cNvPr id="3" name="Text Placeholder 2">
             <a:extLst>
               <a:ext uri="{FF2B5EF4-FFF2-40B4-BE49-F238E27FC236}">
-                <a16:creationId xmlns:a16="http://schemas.microsoft.com/office/drawing/2014/main" id="{7A4FC7D7-528F-B14F-8A9B-2EC982EEFF6E}"/>
+                <a16:creationId xmlns:a16="http://schemas.microsoft.com/office/drawing/2014/main" xmlns="" id="{7A4FC7D7-528F-B14F-8A9B-2EC982EEFF6E}"/>
               </a:ext>
             </a:extLst>
           </p:cNvPr>
@@ -2958,7 +2958,7 @@
           <p:cNvPr id="4" name="Date Placeholder 3">
             <a:extLst>
               <a:ext uri="{FF2B5EF4-FFF2-40B4-BE49-F238E27FC236}">
-                <a16:creationId xmlns:a16="http://schemas.microsoft.com/office/drawing/2014/main" id="{2F852DB0-A196-4348-B1D8-D99C460AD8BB}"/>
+                <a16:creationId xmlns:a16="http://schemas.microsoft.com/office/drawing/2014/main" xmlns="" id="{2F852DB0-A196-4348-B1D8-D99C460AD8BB}"/>
               </a:ext>
             </a:extLst>
           </p:cNvPr>
@@ -2994,7 +2994,7 @@
           <a:p>
             <a:fld id="{2DE544F1-4EB3-B943-BAC8-4587CDEC2BDB}" type="datetimeFigureOut">
               <a:rPr lang="en-US" smtClean="0"/>
-              <a:t>9/27/19</a:t>
+              <a:t>01/10/19</a:t>
             </a:fld>
             <a:endParaRPr lang="en-US"/>
           </a:p>
@@ -3005,7 +3005,7 @@
           <p:cNvPr id="5" name="Footer Placeholder 4">
             <a:extLst>
               <a:ext uri="{FF2B5EF4-FFF2-40B4-BE49-F238E27FC236}">
-                <a16:creationId xmlns:a16="http://schemas.microsoft.com/office/drawing/2014/main" id="{6C5ABAE8-B076-FA45-BA20-1D55E72A0AC9}"/>
+                <a16:creationId xmlns:a16="http://schemas.microsoft.com/office/drawing/2014/main" xmlns="" id="{6C5ABAE8-B076-FA45-BA20-1D55E72A0AC9}"/>
               </a:ext>
             </a:extLst>
           </p:cNvPr>
@@ -3048,7 +3048,7 @@
           <p:cNvPr id="6" name="Slide Number Placeholder 5">
             <a:extLst>
               <a:ext uri="{FF2B5EF4-FFF2-40B4-BE49-F238E27FC236}">
-                <a16:creationId xmlns:a16="http://schemas.microsoft.com/office/drawing/2014/main" id="{03C9AE5A-E8CF-0E42-A471-8FC1309716B3}"/>
+                <a16:creationId xmlns:a16="http://schemas.microsoft.com/office/drawing/2014/main" xmlns="" id="{03C9AE5A-E8CF-0E42-A471-8FC1309716B3}"/>
               </a:ext>
             </a:extLst>
           </p:cNvPr>
@@ -3416,7 +3416,7 @@
           <p:cNvPr id="4" name="Group 3">
             <a:extLst>
               <a:ext uri="{FF2B5EF4-FFF2-40B4-BE49-F238E27FC236}">
-                <a16:creationId xmlns:a16="http://schemas.microsoft.com/office/drawing/2014/main" id="{55314FED-6453-FD43-961D-8254778ED840}"/>
+                <a16:creationId xmlns:a16="http://schemas.microsoft.com/office/drawing/2014/main" xmlns="" id="{55314FED-6453-FD43-961D-8254778ED840}"/>
               </a:ext>
             </a:extLst>
           </p:cNvPr>
@@ -3425,7 +3425,7 @@
         </p:nvGrpSpPr>
         <p:grpSpPr>
           <a:xfrm>
-            <a:off x="1319264" y="621310"/>
+            <a:off x="1038289" y="621310"/>
             <a:ext cx="394531" cy="394531"/>
             <a:chOff x="2397512" y="1594624"/>
             <a:chExt cx="635620" cy="635620"/>
@@ -3437,7 +3437,7 @@
             <p:cNvPr id="5" name="Oval 4">
               <a:extLst>
                 <a:ext uri="{FF2B5EF4-FFF2-40B4-BE49-F238E27FC236}">
-                  <a16:creationId xmlns:a16="http://schemas.microsoft.com/office/drawing/2014/main" id="{3BBFE5DD-7E1E-8D48-B332-ACD70B994D54}"/>
+                  <a16:creationId xmlns:a16="http://schemas.microsoft.com/office/drawing/2014/main" xmlns="" id="{3BBFE5DD-7E1E-8D48-B332-ACD70B994D54}"/>
                 </a:ext>
               </a:extLst>
             </p:cNvPr>
@@ -3497,7 +3497,7 @@
             <p:cNvPr id="6" name="TextBox 5">
               <a:extLst>
                 <a:ext uri="{FF2B5EF4-FFF2-40B4-BE49-F238E27FC236}">
-                  <a16:creationId xmlns:a16="http://schemas.microsoft.com/office/drawing/2014/main" id="{C06A917E-4978-2946-96D6-F2553A813A97}"/>
+                  <a16:creationId xmlns:a16="http://schemas.microsoft.com/office/drawing/2014/main" xmlns="" id="{C06A917E-4978-2946-96D6-F2553A813A97}"/>
                 </a:ext>
               </a:extLst>
             </p:cNvPr>
@@ -3533,7 +3533,7 @@
           <p:cNvPr id="7" name="Group 6">
             <a:extLst>
               <a:ext uri="{FF2B5EF4-FFF2-40B4-BE49-F238E27FC236}">
-                <a16:creationId xmlns:a16="http://schemas.microsoft.com/office/drawing/2014/main" id="{CB8B1DA8-0759-5442-BF30-49944267F668}"/>
+                <a16:creationId xmlns:a16="http://schemas.microsoft.com/office/drawing/2014/main" xmlns="" id="{CB8B1DA8-0759-5442-BF30-49944267F668}"/>
               </a:ext>
             </a:extLst>
           </p:cNvPr>
@@ -3542,7 +3542,7 @@
         </p:nvGrpSpPr>
         <p:grpSpPr>
           <a:xfrm>
-            <a:off x="1319883" y="1169173"/>
+            <a:off x="1038908" y="1169173"/>
             <a:ext cx="394531" cy="394531"/>
             <a:chOff x="2397512" y="1594624"/>
             <a:chExt cx="635620" cy="635620"/>
@@ -3553,7 +3553,7 @@
             <p:cNvPr id="8" name="Oval 7">
               <a:extLst>
                 <a:ext uri="{FF2B5EF4-FFF2-40B4-BE49-F238E27FC236}">
-                  <a16:creationId xmlns:a16="http://schemas.microsoft.com/office/drawing/2014/main" id="{934FE891-ED40-5E4D-97FB-8EDB87EF846A}"/>
+                  <a16:creationId xmlns:a16="http://schemas.microsoft.com/office/drawing/2014/main" xmlns="" id="{934FE891-ED40-5E4D-97FB-8EDB87EF846A}"/>
                 </a:ext>
               </a:extLst>
             </p:cNvPr>
@@ -3613,7 +3613,7 @@
             <p:cNvPr id="9" name="TextBox 8">
               <a:extLst>
                 <a:ext uri="{FF2B5EF4-FFF2-40B4-BE49-F238E27FC236}">
-                  <a16:creationId xmlns:a16="http://schemas.microsoft.com/office/drawing/2014/main" id="{D8DFE8B4-AEA7-1943-B323-03AB18BB67F2}"/>
+                  <a16:creationId xmlns:a16="http://schemas.microsoft.com/office/drawing/2014/main" xmlns="" id="{D8DFE8B4-AEA7-1943-B323-03AB18BB67F2}"/>
                 </a:ext>
               </a:extLst>
             </p:cNvPr>
@@ -3649,7 +3649,7 @@
           <p:cNvPr id="10" name="Group 9">
             <a:extLst>
               <a:ext uri="{FF2B5EF4-FFF2-40B4-BE49-F238E27FC236}">
-                <a16:creationId xmlns:a16="http://schemas.microsoft.com/office/drawing/2014/main" id="{8C656272-76EF-8A4C-BCA2-E977C3751A4B}"/>
+                <a16:creationId xmlns:a16="http://schemas.microsoft.com/office/drawing/2014/main" xmlns="" id="{8C656272-76EF-8A4C-BCA2-E977C3751A4B}"/>
               </a:ext>
             </a:extLst>
           </p:cNvPr>
@@ -3658,7 +3658,7 @@
         </p:nvGrpSpPr>
         <p:grpSpPr>
           <a:xfrm>
-            <a:off x="1332292" y="1724919"/>
+            <a:off x="1051317" y="1724919"/>
             <a:ext cx="394531" cy="394531"/>
             <a:chOff x="2397512" y="1594624"/>
             <a:chExt cx="635620" cy="635620"/>
@@ -3670,7 +3670,7 @@
             <p:cNvPr id="11" name="Oval 10">
               <a:extLst>
                 <a:ext uri="{FF2B5EF4-FFF2-40B4-BE49-F238E27FC236}">
-                  <a16:creationId xmlns:a16="http://schemas.microsoft.com/office/drawing/2014/main" id="{D99DDA3E-6C2D-A844-B021-F245E5EEBC5D}"/>
+                  <a16:creationId xmlns:a16="http://schemas.microsoft.com/office/drawing/2014/main" xmlns="" id="{D99DDA3E-6C2D-A844-B021-F245E5EEBC5D}"/>
                 </a:ext>
               </a:extLst>
             </p:cNvPr>
@@ -3730,7 +3730,7 @@
             <p:cNvPr id="12" name="TextBox 11">
               <a:extLst>
                 <a:ext uri="{FF2B5EF4-FFF2-40B4-BE49-F238E27FC236}">
-                  <a16:creationId xmlns:a16="http://schemas.microsoft.com/office/drawing/2014/main" id="{1E4DC8D5-D4D8-854E-9C74-CD70E62AE430}"/>
+                  <a16:creationId xmlns:a16="http://schemas.microsoft.com/office/drawing/2014/main" xmlns="" id="{1E4DC8D5-D4D8-854E-9C74-CD70E62AE430}"/>
                 </a:ext>
               </a:extLst>
             </p:cNvPr>
@@ -3766,7 +3766,7 @@
           <p:cNvPr id="13" name="Group 12">
             <a:extLst>
               <a:ext uri="{FF2B5EF4-FFF2-40B4-BE49-F238E27FC236}">
-                <a16:creationId xmlns:a16="http://schemas.microsoft.com/office/drawing/2014/main" id="{3F3C6156-07D9-CE49-9436-2C758A39D604}"/>
+                <a16:creationId xmlns:a16="http://schemas.microsoft.com/office/drawing/2014/main" xmlns="" id="{3F3C6156-07D9-CE49-9436-2C758A39D604}"/>
               </a:ext>
             </a:extLst>
           </p:cNvPr>
@@ -3775,7 +3775,7 @@
         </p:nvGrpSpPr>
         <p:grpSpPr>
           <a:xfrm>
-            <a:off x="2350903" y="852522"/>
+            <a:off x="2069928" y="852522"/>
             <a:ext cx="370458" cy="394531"/>
             <a:chOff x="2651620" y="4455131"/>
             <a:chExt cx="370458" cy="394531"/>
@@ -3789,7 +3789,7 @@
             <p:cNvPr id="14" name="Rectangle 13">
               <a:extLst>
                 <a:ext uri="{FF2B5EF4-FFF2-40B4-BE49-F238E27FC236}">
-                  <a16:creationId xmlns:a16="http://schemas.microsoft.com/office/drawing/2014/main" id="{3476E380-346B-5C45-91A2-5D90DFBA394E}"/>
+                  <a16:creationId xmlns:a16="http://schemas.microsoft.com/office/drawing/2014/main" xmlns="" id="{3476E380-346B-5C45-91A2-5D90DFBA394E}"/>
                 </a:ext>
               </a:extLst>
             </p:cNvPr>
@@ -3849,7 +3849,7 @@
             <p:cNvPr id="15" name="TextBox 14">
               <a:extLst>
                 <a:ext uri="{FF2B5EF4-FFF2-40B4-BE49-F238E27FC236}">
-                  <a16:creationId xmlns:a16="http://schemas.microsoft.com/office/drawing/2014/main" id="{CEFFADCD-5327-C44E-9659-03C85D45FF1A}"/>
+                  <a16:creationId xmlns:a16="http://schemas.microsoft.com/office/drawing/2014/main" xmlns="" id="{CEFFADCD-5327-C44E-9659-03C85D45FF1A}"/>
                 </a:ext>
               </a:extLst>
             </p:cNvPr>
@@ -3888,7 +3888,7 @@
           <p:cNvPr id="16" name="Group 15">
             <a:extLst>
               <a:ext uri="{FF2B5EF4-FFF2-40B4-BE49-F238E27FC236}">
-                <a16:creationId xmlns:a16="http://schemas.microsoft.com/office/drawing/2014/main" id="{60B53682-92EB-C047-ADEB-A7E534B4E8A8}"/>
+                <a16:creationId xmlns:a16="http://schemas.microsoft.com/office/drawing/2014/main" xmlns="" id="{60B53682-92EB-C047-ADEB-A7E534B4E8A8}"/>
               </a:ext>
             </a:extLst>
           </p:cNvPr>
@@ -3897,7 +3897,7 @@
         </p:nvGrpSpPr>
         <p:grpSpPr>
           <a:xfrm>
-            <a:off x="2366732" y="1723712"/>
+            <a:off x="2085757" y="1723712"/>
             <a:ext cx="363601" cy="394531"/>
             <a:chOff x="2658477" y="5322765"/>
             <a:chExt cx="363601" cy="394531"/>
@@ -3911,7 +3911,7 @@
             <p:cNvPr id="17" name="Rectangle 16">
               <a:extLst>
                 <a:ext uri="{FF2B5EF4-FFF2-40B4-BE49-F238E27FC236}">
-                  <a16:creationId xmlns:a16="http://schemas.microsoft.com/office/drawing/2014/main" id="{D318E7C6-EA46-9945-AE2B-0870F2915DCE}"/>
+                  <a16:creationId xmlns:a16="http://schemas.microsoft.com/office/drawing/2014/main" xmlns="" id="{D318E7C6-EA46-9945-AE2B-0870F2915DCE}"/>
                 </a:ext>
               </a:extLst>
             </p:cNvPr>
@@ -3971,7 +3971,7 @@
             <p:cNvPr id="18" name="TextBox 17">
               <a:extLst>
                 <a:ext uri="{FF2B5EF4-FFF2-40B4-BE49-F238E27FC236}">
-                  <a16:creationId xmlns:a16="http://schemas.microsoft.com/office/drawing/2014/main" id="{2045FE4C-22C9-2947-9282-64AD8E488BA0}"/>
+                  <a16:creationId xmlns:a16="http://schemas.microsoft.com/office/drawing/2014/main" xmlns="" id="{2045FE4C-22C9-2947-9282-64AD8E488BA0}"/>
                 </a:ext>
               </a:extLst>
             </p:cNvPr>
@@ -4010,7 +4010,7 @@
           <p:cNvPr id="19" name="Straight Arrow Connector 18">
             <a:extLst>
               <a:ext uri="{FF2B5EF4-FFF2-40B4-BE49-F238E27FC236}">
-                <a16:creationId xmlns:a16="http://schemas.microsoft.com/office/drawing/2014/main" id="{A2ED6E3C-6BC2-2548-8267-05DFADBD7DE7}"/>
+                <a16:creationId xmlns:a16="http://schemas.microsoft.com/office/drawing/2014/main" xmlns="" id="{A2ED6E3C-6BC2-2548-8267-05DFADBD7DE7}"/>
               </a:ext>
             </a:extLst>
           </p:cNvPr>
@@ -4023,7 +4023,7 @@
         </p:nvCxnSpPr>
         <p:spPr>
           <a:xfrm flipH="1" flipV="1">
-            <a:off x="1713794" y="818575"/>
+            <a:off x="1432819" y="818575"/>
             <a:ext cx="643966" cy="231212"/>
           </a:xfrm>
           <a:prstGeom prst="straightConnector1">
@@ -4056,7 +4056,7 @@
           <p:cNvPr id="20" name="Straight Arrow Connector 19">
             <a:extLst>
               <a:ext uri="{FF2B5EF4-FFF2-40B4-BE49-F238E27FC236}">
-                <a16:creationId xmlns:a16="http://schemas.microsoft.com/office/drawing/2014/main" id="{0936CCBA-0D37-4646-98D7-AB0D21115FDD}"/>
+                <a16:creationId xmlns:a16="http://schemas.microsoft.com/office/drawing/2014/main" xmlns="" id="{0936CCBA-0D37-4646-98D7-AB0D21115FDD}"/>
               </a:ext>
             </a:extLst>
           </p:cNvPr>
@@ -4069,7 +4069,7 @@
         </p:nvCxnSpPr>
         <p:spPr>
           <a:xfrm flipH="1">
-            <a:off x="1714414" y="1049788"/>
+            <a:off x="1433439" y="1049788"/>
             <a:ext cx="643347" cy="316651"/>
           </a:xfrm>
           <a:prstGeom prst="straightConnector1">
@@ -4102,7 +4102,7 @@
           <p:cNvPr id="21" name="Straight Arrow Connector 20">
             <a:extLst>
               <a:ext uri="{FF2B5EF4-FFF2-40B4-BE49-F238E27FC236}">
-                <a16:creationId xmlns:a16="http://schemas.microsoft.com/office/drawing/2014/main" id="{B9669FF4-AB6F-9D43-8E3E-81009DAA6582}"/>
+                <a16:creationId xmlns:a16="http://schemas.microsoft.com/office/drawing/2014/main" xmlns="" id="{B9669FF4-AB6F-9D43-8E3E-81009DAA6582}"/>
               </a:ext>
             </a:extLst>
           </p:cNvPr>
@@ -4114,7 +4114,7 @@
         </p:nvCxnSpPr>
         <p:spPr>
           <a:xfrm flipH="1">
-            <a:off x="1726822" y="1920978"/>
+            <a:off x="1445847" y="1920978"/>
             <a:ext cx="639910" cy="1207"/>
           </a:xfrm>
           <a:prstGeom prst="straightConnector1">
@@ -4147,7 +4147,7 @@
           <p:cNvPr id="22" name="Straight Arrow Connector 21">
             <a:extLst>
               <a:ext uri="{FF2B5EF4-FFF2-40B4-BE49-F238E27FC236}">
-                <a16:creationId xmlns:a16="http://schemas.microsoft.com/office/drawing/2014/main" id="{FA4F0DD6-8299-CB4E-AC3B-EAC78C0F0131}"/>
+                <a16:creationId xmlns:a16="http://schemas.microsoft.com/office/drawing/2014/main" xmlns="" id="{FA4F0DD6-8299-CB4E-AC3B-EAC78C0F0131}"/>
               </a:ext>
             </a:extLst>
           </p:cNvPr>
@@ -4159,7 +4159,7 @@
         </p:nvCxnSpPr>
         <p:spPr>
           <a:xfrm flipH="1" flipV="1">
-            <a:off x="1714414" y="1366439"/>
+            <a:off x="1433439" y="1366439"/>
             <a:ext cx="652319" cy="554539"/>
           </a:xfrm>
           <a:prstGeom prst="straightConnector1">
@@ -4192,7 +4192,7 @@
           <p:cNvPr id="24" name="Oval 23">
             <a:extLst>
               <a:ext uri="{FF2B5EF4-FFF2-40B4-BE49-F238E27FC236}">
-                <a16:creationId xmlns:a16="http://schemas.microsoft.com/office/drawing/2014/main" id="{80EA9C69-888B-F44A-BCF3-ECC655A1727B}"/>
+                <a16:creationId xmlns:a16="http://schemas.microsoft.com/office/drawing/2014/main" xmlns="" id="{80EA9C69-888B-F44A-BCF3-ECC655A1727B}"/>
               </a:ext>
             </a:extLst>
           </p:cNvPr>
@@ -4201,7 +4201,7 @@
         </p:nvSpPr>
         <p:spPr>
           <a:xfrm>
-            <a:off x="3243360" y="852521"/>
+            <a:off x="2962385" y="852521"/>
             <a:ext cx="394531" cy="394531"/>
           </a:xfrm>
           <a:prstGeom prst="ellipse">
@@ -4254,7 +4254,7 @@
           <p:cNvPr id="25" name="TextBox 24">
             <a:extLst>
               <a:ext uri="{FF2B5EF4-FFF2-40B4-BE49-F238E27FC236}">
-                <a16:creationId xmlns:a16="http://schemas.microsoft.com/office/drawing/2014/main" id="{B8860875-F1F4-6848-BFFC-A2C8CACF3302}"/>
+                <a16:creationId xmlns:a16="http://schemas.microsoft.com/office/drawing/2014/main" xmlns="" id="{B8860875-F1F4-6848-BFFC-A2C8CACF3302}"/>
               </a:ext>
             </a:extLst>
           </p:cNvPr>
@@ -4263,7 +4263,7 @@
         </p:nvSpPr>
         <p:spPr>
           <a:xfrm>
-            <a:off x="3259333" y="881064"/>
+            <a:off x="2978358" y="881064"/>
             <a:ext cx="373718" cy="276999"/>
           </a:xfrm>
           <a:prstGeom prst="rect">
@@ -4292,7 +4292,7 @@
           <p:cNvPr id="27" name="Oval 26">
             <a:extLst>
               <a:ext uri="{FF2B5EF4-FFF2-40B4-BE49-F238E27FC236}">
-                <a16:creationId xmlns:a16="http://schemas.microsoft.com/office/drawing/2014/main" id="{6B8D91CC-452C-9F40-8A18-6EEF72196750}"/>
+                <a16:creationId xmlns:a16="http://schemas.microsoft.com/office/drawing/2014/main" xmlns="" id="{6B8D91CC-452C-9F40-8A18-6EEF72196750}"/>
               </a:ext>
             </a:extLst>
           </p:cNvPr>
@@ -4301,7 +4301,7 @@
         </p:nvSpPr>
         <p:spPr>
           <a:xfrm>
-            <a:off x="3243360" y="1725744"/>
+            <a:off x="2962385" y="1725744"/>
             <a:ext cx="394531" cy="394531"/>
           </a:xfrm>
           <a:prstGeom prst="ellipse">
@@ -4352,7 +4352,7 @@
           <p:cNvPr id="28" name="TextBox 27">
             <a:extLst>
               <a:ext uri="{FF2B5EF4-FFF2-40B4-BE49-F238E27FC236}">
-                <a16:creationId xmlns:a16="http://schemas.microsoft.com/office/drawing/2014/main" id="{6C0D91D2-D0BD-3748-8D36-A65DA478E317}"/>
+                <a16:creationId xmlns:a16="http://schemas.microsoft.com/office/drawing/2014/main" xmlns="" id="{6C0D91D2-D0BD-3748-8D36-A65DA478E317}"/>
               </a:ext>
             </a:extLst>
           </p:cNvPr>
@@ -4361,7 +4361,7 @@
         </p:nvSpPr>
         <p:spPr>
           <a:xfrm>
-            <a:off x="3248243" y="1784509"/>
+            <a:off x="2967268" y="1784509"/>
             <a:ext cx="340158" cy="276999"/>
           </a:xfrm>
           <a:prstGeom prst="rect">
@@ -4390,7 +4390,7 @@
           <p:cNvPr id="29" name="Group 28">
             <a:extLst>
               <a:ext uri="{FF2B5EF4-FFF2-40B4-BE49-F238E27FC236}">
-                <a16:creationId xmlns:a16="http://schemas.microsoft.com/office/drawing/2014/main" id="{58DDEB8D-7BE7-CB41-B0C9-81495875BA69}"/>
+                <a16:creationId xmlns:a16="http://schemas.microsoft.com/office/drawing/2014/main" xmlns="" id="{58DDEB8D-7BE7-CB41-B0C9-81495875BA69}"/>
               </a:ext>
             </a:extLst>
           </p:cNvPr>
@@ -4399,7 +4399,7 @@
         </p:nvGrpSpPr>
         <p:grpSpPr>
           <a:xfrm>
-            <a:off x="4131749" y="818575"/>
+            <a:off x="3850774" y="818575"/>
             <a:ext cx="363601" cy="394531"/>
             <a:chOff x="2658477" y="4455131"/>
             <a:chExt cx="363601" cy="394531"/>
@@ -4413,7 +4413,7 @@
             <p:cNvPr id="30" name="Rectangle 29">
               <a:extLst>
                 <a:ext uri="{FF2B5EF4-FFF2-40B4-BE49-F238E27FC236}">
-                  <a16:creationId xmlns:a16="http://schemas.microsoft.com/office/drawing/2014/main" id="{5A873860-AFEE-C846-B7CA-0E3764F4C6C8}"/>
+                  <a16:creationId xmlns:a16="http://schemas.microsoft.com/office/drawing/2014/main" xmlns="" id="{5A873860-AFEE-C846-B7CA-0E3764F4C6C8}"/>
                 </a:ext>
               </a:extLst>
             </p:cNvPr>
@@ -4473,7 +4473,7 @@
             <p:cNvPr id="31" name="TextBox 30">
               <a:extLst>
                 <a:ext uri="{FF2B5EF4-FFF2-40B4-BE49-F238E27FC236}">
-                  <a16:creationId xmlns:a16="http://schemas.microsoft.com/office/drawing/2014/main" id="{026EFF95-A269-9B4E-AD07-2002435F0D32}"/>
+                  <a16:creationId xmlns:a16="http://schemas.microsoft.com/office/drawing/2014/main" xmlns="" id="{026EFF95-A269-9B4E-AD07-2002435F0D32}"/>
                 </a:ext>
               </a:extLst>
             </p:cNvPr>
@@ -4512,7 +4512,7 @@
           <p:cNvPr id="32" name="Group 31">
             <a:extLst>
               <a:ext uri="{FF2B5EF4-FFF2-40B4-BE49-F238E27FC236}">
-                <a16:creationId xmlns:a16="http://schemas.microsoft.com/office/drawing/2014/main" id="{ADB79DEC-DF71-A04A-AA69-FB3D253340FE}"/>
+                <a16:creationId xmlns:a16="http://schemas.microsoft.com/office/drawing/2014/main" xmlns="" id="{ADB79DEC-DF71-A04A-AA69-FB3D253340FE}"/>
               </a:ext>
             </a:extLst>
           </p:cNvPr>
@@ -4521,7 +4521,7 @@
         </p:nvGrpSpPr>
         <p:grpSpPr>
           <a:xfrm>
-            <a:off x="4142166" y="1723711"/>
+            <a:off x="3861191" y="1723711"/>
             <a:ext cx="363601" cy="394531"/>
             <a:chOff x="2658477" y="4455131"/>
             <a:chExt cx="363601" cy="394531"/>
@@ -4532,7 +4532,7 @@
             <p:cNvPr id="33" name="Rectangle 32">
               <a:extLst>
                 <a:ext uri="{FF2B5EF4-FFF2-40B4-BE49-F238E27FC236}">
-                  <a16:creationId xmlns:a16="http://schemas.microsoft.com/office/drawing/2014/main" id="{BF1237CB-3D98-2E4F-B768-D020BFF9EB00}"/>
+                  <a16:creationId xmlns:a16="http://schemas.microsoft.com/office/drawing/2014/main" xmlns="" id="{BF1237CB-3D98-2E4F-B768-D020BFF9EB00}"/>
                 </a:ext>
               </a:extLst>
             </p:cNvPr>
@@ -4592,7 +4592,7 @@
             <p:cNvPr id="34" name="TextBox 33">
               <a:extLst>
                 <a:ext uri="{FF2B5EF4-FFF2-40B4-BE49-F238E27FC236}">
-                  <a16:creationId xmlns:a16="http://schemas.microsoft.com/office/drawing/2014/main" id="{02BA6998-2549-1044-86AE-4D1A2F91731F}"/>
+                  <a16:creationId xmlns:a16="http://schemas.microsoft.com/office/drawing/2014/main" xmlns="" id="{02BA6998-2549-1044-86AE-4D1A2F91731F}"/>
                 </a:ext>
               </a:extLst>
             </p:cNvPr>
@@ -4631,7 +4631,7 @@
           <p:cNvPr id="35" name="TextBox 34">
             <a:extLst>
               <a:ext uri="{FF2B5EF4-FFF2-40B4-BE49-F238E27FC236}">
-                <a16:creationId xmlns:a16="http://schemas.microsoft.com/office/drawing/2014/main" id="{5D8454A0-98CC-EC44-B0DA-7F34630D876F}"/>
+                <a16:creationId xmlns:a16="http://schemas.microsoft.com/office/drawing/2014/main" xmlns="" id="{5D8454A0-98CC-EC44-B0DA-7F34630D876F}"/>
               </a:ext>
             </a:extLst>
           </p:cNvPr>
@@ -4640,7 +4640,7 @@
         </p:nvSpPr>
         <p:spPr>
           <a:xfrm>
-            <a:off x="1358677" y="1774425"/>
+            <a:off x="1077702" y="1774425"/>
             <a:ext cx="340158" cy="276999"/>
           </a:xfrm>
           <a:prstGeom prst="rect">
@@ -4669,7 +4669,7 @@
           <p:cNvPr id="36" name="TextBox 35">
             <a:extLst>
               <a:ext uri="{FF2B5EF4-FFF2-40B4-BE49-F238E27FC236}">
-                <a16:creationId xmlns:a16="http://schemas.microsoft.com/office/drawing/2014/main" id="{8FCA1C51-B0F3-FE47-9302-B674C382B0BD}"/>
+                <a16:creationId xmlns:a16="http://schemas.microsoft.com/office/drawing/2014/main" xmlns="" id="{8FCA1C51-B0F3-FE47-9302-B674C382B0BD}"/>
               </a:ext>
             </a:extLst>
           </p:cNvPr>
@@ -4678,7 +4678,7 @@
         </p:nvSpPr>
         <p:spPr>
           <a:xfrm>
-            <a:off x="1358677" y="1232328"/>
+            <a:off x="1077702" y="1232328"/>
             <a:ext cx="340158" cy="276999"/>
           </a:xfrm>
           <a:prstGeom prst="rect">
@@ -4707,7 +4707,7 @@
           <p:cNvPr id="37" name="TextBox 36">
             <a:extLst>
               <a:ext uri="{FF2B5EF4-FFF2-40B4-BE49-F238E27FC236}">
-                <a16:creationId xmlns:a16="http://schemas.microsoft.com/office/drawing/2014/main" id="{89B02DFF-A3D2-9D41-AE96-E6EADE35D8BF}"/>
+                <a16:creationId xmlns:a16="http://schemas.microsoft.com/office/drawing/2014/main" xmlns="" id="{89B02DFF-A3D2-9D41-AE96-E6EADE35D8BF}"/>
               </a:ext>
             </a:extLst>
           </p:cNvPr>
@@ -4716,7 +4716,7 @@
         </p:nvSpPr>
         <p:spPr>
           <a:xfrm>
-            <a:off x="1383699" y="695422"/>
+            <a:off x="1102724" y="695422"/>
             <a:ext cx="340158" cy="276999"/>
           </a:xfrm>
           <a:prstGeom prst="rect">
@@ -4745,7 +4745,7 @@
           <p:cNvPr id="38" name="Straight Arrow Connector 37">
             <a:extLst>
               <a:ext uri="{FF2B5EF4-FFF2-40B4-BE49-F238E27FC236}">
-                <a16:creationId xmlns:a16="http://schemas.microsoft.com/office/drawing/2014/main" id="{9774CE3A-A97F-DC46-A82D-3F506103356B}"/>
+                <a16:creationId xmlns:a16="http://schemas.microsoft.com/office/drawing/2014/main" xmlns="" id="{9774CE3A-A97F-DC46-A82D-3F506103356B}"/>
               </a:ext>
             </a:extLst>
           </p:cNvPr>
@@ -4757,7 +4757,7 @@
         </p:nvCxnSpPr>
         <p:spPr>
           <a:xfrm flipH="1">
-            <a:off x="2721361" y="1049787"/>
+            <a:off x="2440386" y="1049787"/>
             <a:ext cx="521996" cy="1"/>
           </a:xfrm>
           <a:prstGeom prst="straightConnector1">
@@ -4790,7 +4790,7 @@
           <p:cNvPr id="39" name="Straight Arrow Connector 38">
             <a:extLst>
               <a:ext uri="{FF2B5EF4-FFF2-40B4-BE49-F238E27FC236}">
-                <a16:creationId xmlns:a16="http://schemas.microsoft.com/office/drawing/2014/main" id="{E43912C9-718E-E849-8467-C9359972B555}"/>
+                <a16:creationId xmlns:a16="http://schemas.microsoft.com/office/drawing/2014/main" xmlns="" id="{E43912C9-718E-E849-8467-C9359972B555}"/>
               </a:ext>
             </a:extLst>
           </p:cNvPr>
@@ -4802,7 +4802,7 @@
         </p:nvCxnSpPr>
         <p:spPr>
           <a:xfrm flipH="1" flipV="1">
-            <a:off x="2726494" y="1906023"/>
+            <a:off x="2445519" y="1906023"/>
             <a:ext cx="516866" cy="16987"/>
           </a:xfrm>
           <a:prstGeom prst="straightConnector1">
@@ -4835,7 +4835,7 @@
           <p:cNvPr id="40" name="Straight Arrow Connector 39">
             <a:extLst>
               <a:ext uri="{FF2B5EF4-FFF2-40B4-BE49-F238E27FC236}">
-                <a16:creationId xmlns:a16="http://schemas.microsoft.com/office/drawing/2014/main" id="{3F0BB5AA-803C-A249-800F-155E27C62A0A}"/>
+                <a16:creationId xmlns:a16="http://schemas.microsoft.com/office/drawing/2014/main" xmlns="" id="{3F0BB5AA-803C-A249-800F-155E27C62A0A}"/>
               </a:ext>
             </a:extLst>
           </p:cNvPr>
@@ -4848,7 +4848,7 @@
         </p:nvCxnSpPr>
         <p:spPr>
           <a:xfrm flipH="1">
-            <a:off x="3633051" y="1015841"/>
+            <a:off x="3352076" y="1015841"/>
             <a:ext cx="498698" cy="3723"/>
           </a:xfrm>
           <a:prstGeom prst="straightConnector1">
@@ -4881,7 +4881,7 @@
           <p:cNvPr id="41" name="Straight Arrow Connector 40">
             <a:extLst>
               <a:ext uri="{FF2B5EF4-FFF2-40B4-BE49-F238E27FC236}">
-                <a16:creationId xmlns:a16="http://schemas.microsoft.com/office/drawing/2014/main" id="{9F3E0B84-0909-B743-9080-B0E41D6E4599}"/>
+                <a16:creationId xmlns:a16="http://schemas.microsoft.com/office/drawing/2014/main" xmlns="" id="{9F3E0B84-0909-B743-9080-B0E41D6E4599}"/>
               </a:ext>
             </a:extLst>
           </p:cNvPr>
@@ -4893,7 +4893,7 @@
         </p:nvCxnSpPr>
         <p:spPr>
           <a:xfrm flipH="1">
-            <a:off x="3637891" y="1920977"/>
+            <a:off x="3356916" y="1920977"/>
             <a:ext cx="504275" cy="2033"/>
           </a:xfrm>
           <a:prstGeom prst="straightConnector1">
@@ -4926,7 +4926,7 @@
           <p:cNvPr id="42" name="TextBox 41">
             <a:extLst>
               <a:ext uri="{FF2B5EF4-FFF2-40B4-BE49-F238E27FC236}">
-                <a16:creationId xmlns:a16="http://schemas.microsoft.com/office/drawing/2014/main" id="{382F6A67-8867-814F-BAAB-0BE1923D755A}"/>
+                <a16:creationId xmlns:a16="http://schemas.microsoft.com/office/drawing/2014/main" xmlns="" id="{382F6A67-8867-814F-BAAB-0BE1923D755A}"/>
               </a:ext>
             </a:extLst>
           </p:cNvPr>
@@ -4935,7 +4935,7 @@
         </p:nvSpPr>
         <p:spPr>
           <a:xfrm>
-            <a:off x="1723349" y="922600"/>
+            <a:off x="1442374" y="922600"/>
             <a:ext cx="482824" cy="276999"/>
           </a:xfrm>
           <a:prstGeom prst="rect">
@@ -4964,7 +4964,7 @@
           <p:cNvPr id="43" name="TextBox 42">
             <a:extLst>
               <a:ext uri="{FF2B5EF4-FFF2-40B4-BE49-F238E27FC236}">
-                <a16:creationId xmlns:a16="http://schemas.microsoft.com/office/drawing/2014/main" id="{CB857827-BEAB-2C43-BB49-B5126CC79607}"/>
+                <a16:creationId xmlns:a16="http://schemas.microsoft.com/office/drawing/2014/main" xmlns="" id="{CB857827-BEAB-2C43-BB49-B5126CC79607}"/>
               </a:ext>
             </a:extLst>
           </p:cNvPr>
@@ -4973,7 +4973,7 @@
         </p:nvSpPr>
         <p:spPr>
           <a:xfrm>
-            <a:off x="1733768" y="1683090"/>
+            <a:off x="1452793" y="1683090"/>
             <a:ext cx="482824" cy="276999"/>
           </a:xfrm>
           <a:prstGeom prst="rect">
@@ -5002,7 +5002,7 @@
           <p:cNvPr id="44" name="TextBox 43">
             <a:extLst>
               <a:ext uri="{FF2B5EF4-FFF2-40B4-BE49-F238E27FC236}">
-                <a16:creationId xmlns:a16="http://schemas.microsoft.com/office/drawing/2014/main" id="{2C40AC4A-8D7C-484D-83E3-080746DCE7B8}"/>
+                <a16:creationId xmlns:a16="http://schemas.microsoft.com/office/drawing/2014/main" xmlns="" id="{2C40AC4A-8D7C-484D-83E3-080746DCE7B8}"/>
               </a:ext>
             </a:extLst>
           </p:cNvPr>
@@ -5011,7 +5011,7 @@
         </p:nvSpPr>
         <p:spPr>
           <a:xfrm>
-            <a:off x="3656738" y="769964"/>
+            <a:off x="3375763" y="769964"/>
             <a:ext cx="482824" cy="276999"/>
           </a:xfrm>
           <a:prstGeom prst="rect">
@@ -5040,7 +5040,7 @@
           <p:cNvPr id="45" name="TextBox 44">
             <a:extLst>
               <a:ext uri="{FF2B5EF4-FFF2-40B4-BE49-F238E27FC236}">
-                <a16:creationId xmlns:a16="http://schemas.microsoft.com/office/drawing/2014/main" id="{0909D81B-E2EA-1B4A-88FA-637B628A0894}"/>
+                <a16:creationId xmlns:a16="http://schemas.microsoft.com/office/drawing/2014/main" xmlns="" id="{0909D81B-E2EA-1B4A-88FA-637B628A0894}"/>
               </a:ext>
             </a:extLst>
           </p:cNvPr>
@@ -5049,7 +5049,7 @@
         </p:nvSpPr>
         <p:spPr>
           <a:xfrm>
-            <a:off x="3664551" y="1669062"/>
+            <a:off x="3383576" y="1669062"/>
             <a:ext cx="479618" cy="276999"/>
           </a:xfrm>
           <a:prstGeom prst="rect">
@@ -5078,7 +5078,7 @@
           <p:cNvPr id="46" name="TextBox 45">
             <a:extLst>
               <a:ext uri="{FF2B5EF4-FFF2-40B4-BE49-F238E27FC236}">
-                <a16:creationId xmlns:a16="http://schemas.microsoft.com/office/drawing/2014/main" id="{F6E48A18-590F-BA44-95B6-FE5AE87BCD61}"/>
+                <a16:creationId xmlns:a16="http://schemas.microsoft.com/office/drawing/2014/main" xmlns="" id="{F6E48A18-590F-BA44-95B6-FE5AE87BCD61}"/>
               </a:ext>
             </a:extLst>
           </p:cNvPr>
@@ -5087,7 +5087,7 @@
         </p:nvSpPr>
         <p:spPr>
           <a:xfrm>
-            <a:off x="2746493" y="769965"/>
+            <a:off x="2465518" y="769965"/>
             <a:ext cx="510333" cy="276999"/>
           </a:xfrm>
           <a:prstGeom prst="rect">
@@ -5120,7 +5120,7 @@
           <p:cNvPr id="47" name="TextBox 46">
             <a:extLst>
               <a:ext uri="{FF2B5EF4-FFF2-40B4-BE49-F238E27FC236}">
-                <a16:creationId xmlns:a16="http://schemas.microsoft.com/office/drawing/2014/main" id="{ACDB9B83-7FA9-F34E-9FFD-62B731AD3F63}"/>
+                <a16:creationId xmlns:a16="http://schemas.microsoft.com/office/drawing/2014/main" xmlns="" id="{ACDB9B83-7FA9-F34E-9FFD-62B731AD3F63}"/>
               </a:ext>
             </a:extLst>
           </p:cNvPr>
@@ -5129,7 +5129,7 @@
         </p:nvSpPr>
         <p:spPr>
           <a:xfrm>
-            <a:off x="2757574" y="1643708"/>
+            <a:off x="2476599" y="1643708"/>
             <a:ext cx="510333" cy="276999"/>
           </a:xfrm>
           <a:prstGeom prst="rect">
@@ -5162,7 +5162,7 @@
           <p:cNvPr id="48" name="Group 47">
             <a:extLst>
               <a:ext uri="{FF2B5EF4-FFF2-40B4-BE49-F238E27FC236}">
-                <a16:creationId xmlns:a16="http://schemas.microsoft.com/office/drawing/2014/main" id="{61077C08-5BDA-6C46-A3BA-5A85846826E7}"/>
+                <a16:creationId xmlns:a16="http://schemas.microsoft.com/office/drawing/2014/main" xmlns="" id="{61077C08-5BDA-6C46-A3BA-5A85846826E7}"/>
               </a:ext>
             </a:extLst>
           </p:cNvPr>
@@ -5171,7 +5171,7 @@
         </p:nvGrpSpPr>
         <p:grpSpPr>
           <a:xfrm>
-            <a:off x="1340449" y="2315509"/>
+            <a:off x="1059474" y="2315509"/>
             <a:ext cx="394531" cy="394531"/>
             <a:chOff x="2397512" y="1594624"/>
             <a:chExt cx="635620" cy="635620"/>
@@ -5182,7 +5182,7 @@
             <p:cNvPr id="49" name="Oval 48">
               <a:extLst>
                 <a:ext uri="{FF2B5EF4-FFF2-40B4-BE49-F238E27FC236}">
-                  <a16:creationId xmlns:a16="http://schemas.microsoft.com/office/drawing/2014/main" id="{E77536E7-9BF1-E14B-8B59-881B6D36FAE4}"/>
+                  <a16:creationId xmlns:a16="http://schemas.microsoft.com/office/drawing/2014/main" xmlns="" id="{E77536E7-9BF1-E14B-8B59-881B6D36FAE4}"/>
                 </a:ext>
               </a:extLst>
             </p:cNvPr>
@@ -5242,7 +5242,7 @@
             <p:cNvPr id="50" name="TextBox 49">
               <a:extLst>
                 <a:ext uri="{FF2B5EF4-FFF2-40B4-BE49-F238E27FC236}">
-                  <a16:creationId xmlns:a16="http://schemas.microsoft.com/office/drawing/2014/main" id="{42EE10A0-DAAF-8E47-8559-C17258085AD5}"/>
+                  <a16:creationId xmlns:a16="http://schemas.microsoft.com/office/drawing/2014/main" xmlns="" id="{42EE10A0-DAAF-8E47-8559-C17258085AD5}"/>
                 </a:ext>
               </a:extLst>
             </p:cNvPr>
@@ -5278,7 +5278,7 @@
           <p:cNvPr id="51" name="TextBox 50">
             <a:extLst>
               <a:ext uri="{FF2B5EF4-FFF2-40B4-BE49-F238E27FC236}">
-                <a16:creationId xmlns:a16="http://schemas.microsoft.com/office/drawing/2014/main" id="{2A891E9F-C49E-F640-BDF6-D5E49C8ECC59}"/>
+                <a16:creationId xmlns:a16="http://schemas.microsoft.com/office/drawing/2014/main" xmlns="" id="{2A891E9F-C49E-F640-BDF6-D5E49C8ECC59}"/>
               </a:ext>
             </a:extLst>
           </p:cNvPr>
@@ -5287,7 +5287,7 @@
         </p:nvSpPr>
         <p:spPr>
           <a:xfrm>
-            <a:off x="1354977" y="2378641"/>
+            <a:off x="1074002" y="2378641"/>
             <a:ext cx="340158" cy="276999"/>
           </a:xfrm>
           <a:prstGeom prst="rect">
@@ -5316,7 +5316,7 @@
           <p:cNvPr id="52" name="Group 51">
             <a:extLst>
               <a:ext uri="{FF2B5EF4-FFF2-40B4-BE49-F238E27FC236}">
-                <a16:creationId xmlns:a16="http://schemas.microsoft.com/office/drawing/2014/main" id="{1A8AE750-EEE6-8241-9A37-A92CC21EB9F4}"/>
+                <a16:creationId xmlns:a16="http://schemas.microsoft.com/office/drawing/2014/main" xmlns="" id="{1A8AE750-EEE6-8241-9A37-A92CC21EB9F4}"/>
               </a:ext>
             </a:extLst>
           </p:cNvPr>
@@ -5325,7 +5325,7 @@
         </p:nvGrpSpPr>
         <p:grpSpPr>
           <a:xfrm>
-            <a:off x="466872" y="1169173"/>
+            <a:off x="185897" y="1169173"/>
             <a:ext cx="370458" cy="394531"/>
             <a:chOff x="2651620" y="4455131"/>
             <a:chExt cx="370458" cy="394531"/>
@@ -5336,7 +5336,7 @@
             <p:cNvPr id="53" name="Rectangle 52">
               <a:extLst>
                 <a:ext uri="{FF2B5EF4-FFF2-40B4-BE49-F238E27FC236}">
-                  <a16:creationId xmlns:a16="http://schemas.microsoft.com/office/drawing/2014/main" id="{837D8F6F-EA16-C84C-B809-1D13FDE19145}"/>
+                  <a16:creationId xmlns:a16="http://schemas.microsoft.com/office/drawing/2014/main" xmlns="" id="{837D8F6F-EA16-C84C-B809-1D13FDE19145}"/>
                 </a:ext>
               </a:extLst>
             </p:cNvPr>
@@ -5396,7 +5396,7 @@
             <p:cNvPr id="54" name="TextBox 53">
               <a:extLst>
                 <a:ext uri="{FF2B5EF4-FFF2-40B4-BE49-F238E27FC236}">
-                  <a16:creationId xmlns:a16="http://schemas.microsoft.com/office/drawing/2014/main" id="{59104A85-84E1-A74E-BEDC-8B12CE421E7F}"/>
+                  <a16:creationId xmlns:a16="http://schemas.microsoft.com/office/drawing/2014/main" xmlns="" id="{59104A85-84E1-A74E-BEDC-8B12CE421E7F}"/>
                 </a:ext>
               </a:extLst>
             </p:cNvPr>
@@ -5435,7 +5435,7 @@
           <p:cNvPr id="55" name="Straight Arrow Connector 54">
             <a:extLst>
               <a:ext uri="{FF2B5EF4-FFF2-40B4-BE49-F238E27FC236}">
-                <a16:creationId xmlns:a16="http://schemas.microsoft.com/office/drawing/2014/main" id="{256322CD-CB7B-EE43-B71C-7B87AC68DEAC}"/>
+                <a16:creationId xmlns:a16="http://schemas.microsoft.com/office/drawing/2014/main" xmlns="" id="{256322CD-CB7B-EE43-B71C-7B87AC68DEAC}"/>
               </a:ext>
             </a:extLst>
           </p:cNvPr>
@@ -5447,7 +5447,7 @@
         </p:nvCxnSpPr>
         <p:spPr>
           <a:xfrm flipH="1">
-            <a:off x="3637891" y="1015841"/>
+            <a:off x="3356916" y="1015841"/>
             <a:ext cx="493858" cy="907169"/>
           </a:xfrm>
           <a:prstGeom prst="straightConnector1">
@@ -5480,7 +5480,7 @@
           <p:cNvPr id="56" name="Straight Arrow Connector 55">
             <a:extLst>
               <a:ext uri="{FF2B5EF4-FFF2-40B4-BE49-F238E27FC236}">
-                <a16:creationId xmlns:a16="http://schemas.microsoft.com/office/drawing/2014/main" id="{9074B50E-5498-1848-9CAC-49664F08DE70}"/>
+                <a16:creationId xmlns:a16="http://schemas.microsoft.com/office/drawing/2014/main" xmlns="" id="{9074B50E-5498-1848-9CAC-49664F08DE70}"/>
               </a:ext>
             </a:extLst>
           </p:cNvPr>
@@ -5492,7 +5492,7 @@
         </p:nvCxnSpPr>
         <p:spPr>
           <a:xfrm flipH="1">
-            <a:off x="1734980" y="1920978"/>
+            <a:off x="1454005" y="1920978"/>
             <a:ext cx="631752" cy="591797"/>
           </a:xfrm>
           <a:prstGeom prst="straightConnector1">
@@ -5525,7 +5525,7 @@
           <p:cNvPr id="57" name="Straight Arrow Connector 56">
             <a:extLst>
               <a:ext uri="{FF2B5EF4-FFF2-40B4-BE49-F238E27FC236}">
-                <a16:creationId xmlns:a16="http://schemas.microsoft.com/office/drawing/2014/main" id="{5DBCEC3E-6DCE-A049-BF77-D52ACA58E010}"/>
+                <a16:creationId xmlns:a16="http://schemas.microsoft.com/office/drawing/2014/main" xmlns="" id="{5DBCEC3E-6DCE-A049-BF77-D52ACA58E010}"/>
               </a:ext>
             </a:extLst>
           </p:cNvPr>
@@ -5537,7 +5537,7 @@
         </p:nvCxnSpPr>
         <p:spPr>
           <a:xfrm flipH="1">
-            <a:off x="837330" y="1366439"/>
+            <a:off x="556355" y="1366439"/>
             <a:ext cx="482553" cy="0"/>
           </a:xfrm>
           <a:prstGeom prst="straightConnector1">
@@ -5570,7 +5570,7 @@
           <p:cNvPr id="3" name="Right Arrow 2">
             <a:extLst>
               <a:ext uri="{FF2B5EF4-FFF2-40B4-BE49-F238E27FC236}">
-                <a16:creationId xmlns:a16="http://schemas.microsoft.com/office/drawing/2014/main" id="{309B02C5-4186-164A-8C58-1BE1D6E9FF7E}"/>
+                <a16:creationId xmlns:a16="http://schemas.microsoft.com/office/drawing/2014/main" xmlns="" id="{309B02C5-4186-164A-8C58-1BE1D6E9FF7E}"/>
               </a:ext>
             </a:extLst>
           </p:cNvPr>
@@ -5579,7 +5579,7 @@
         </p:nvSpPr>
         <p:spPr>
           <a:xfrm>
-            <a:off x="4887310" y="1208113"/>
+            <a:off x="4606335" y="1208113"/>
             <a:ext cx="672662" cy="435595"/>
           </a:xfrm>
           <a:prstGeom prst="rightArrow">
@@ -5626,7 +5626,7 @@
           <p:cNvPr id="167" name="TextBox 166">
             <a:extLst>
               <a:ext uri="{FF2B5EF4-FFF2-40B4-BE49-F238E27FC236}">
-                <a16:creationId xmlns:a16="http://schemas.microsoft.com/office/drawing/2014/main" id="{87437BDE-D805-3049-ABDC-12EFC587E8EB}"/>
+                <a16:creationId xmlns:a16="http://schemas.microsoft.com/office/drawing/2014/main" xmlns="" id="{87437BDE-D805-3049-ABDC-12EFC587E8EB}"/>
               </a:ext>
             </a:extLst>
           </p:cNvPr>
@@ -5635,7 +5635,7 @@
         </p:nvSpPr>
         <p:spPr>
           <a:xfrm flipH="1">
-            <a:off x="4892257" y="973800"/>
+            <a:off x="4611282" y="973800"/>
             <a:ext cx="799600" cy="276999"/>
           </a:xfrm>
           <a:prstGeom prst="rect">
@@ -5671,7 +5671,7 @@
           <p:cNvPr id="222" name="TextBox 221">
             <a:extLst>
               <a:ext uri="{FF2B5EF4-FFF2-40B4-BE49-F238E27FC236}">
-                <a16:creationId xmlns:a16="http://schemas.microsoft.com/office/drawing/2014/main" id="{5D6C6D38-69A3-7847-A534-1EBCD7DB4C8A}"/>
+                <a16:creationId xmlns:a16="http://schemas.microsoft.com/office/drawing/2014/main" xmlns="" id="{5D6C6D38-69A3-7847-A534-1EBCD7DB4C8A}"/>
               </a:ext>
             </a:extLst>
           </p:cNvPr>
@@ -5680,7 +5680,7 @@
         </p:nvSpPr>
         <p:spPr>
           <a:xfrm>
-            <a:off x="2512164" y="297113"/>
+            <a:off x="2231189" y="297113"/>
             <a:ext cx="364202" cy="276999"/>
           </a:xfrm>
           <a:prstGeom prst="rect">
@@ -5709,7 +5709,7 @@
           <p:cNvPr id="223" name="TextBox 222">
             <a:extLst>
               <a:ext uri="{FF2B5EF4-FFF2-40B4-BE49-F238E27FC236}">
-                <a16:creationId xmlns:a16="http://schemas.microsoft.com/office/drawing/2014/main" id="{D9ECEB25-3CBC-834E-B8F6-C3560FA3D0B0}"/>
+                <a16:creationId xmlns:a16="http://schemas.microsoft.com/office/drawing/2014/main" xmlns="" id="{D9ECEB25-3CBC-834E-B8F6-C3560FA3D0B0}"/>
               </a:ext>
             </a:extLst>
           </p:cNvPr>
@@ -5718,7 +5718,7 @@
         </p:nvSpPr>
         <p:spPr>
           <a:xfrm>
-            <a:off x="8119389" y="326322"/>
+            <a:off x="7838414" y="326322"/>
             <a:ext cx="364202" cy="276999"/>
           </a:xfrm>
           <a:prstGeom prst="rect">
@@ -5747,7 +5747,7 @@
           <p:cNvPr id="354" name="Group 353">
             <a:extLst>
               <a:ext uri="{FF2B5EF4-FFF2-40B4-BE49-F238E27FC236}">
-                <a16:creationId xmlns:a16="http://schemas.microsoft.com/office/drawing/2014/main" id="{5069867D-A003-B04B-A61F-5AF3B5B16D41}"/>
+                <a16:creationId xmlns:a16="http://schemas.microsoft.com/office/drawing/2014/main" xmlns="" id="{5069867D-A003-B04B-A61F-5AF3B5B16D41}"/>
               </a:ext>
             </a:extLst>
           </p:cNvPr>
@@ -5756,7 +5756,7 @@
         </p:nvGrpSpPr>
         <p:grpSpPr>
           <a:xfrm>
-            <a:off x="6818987" y="684465"/>
+            <a:off x="6538012" y="684465"/>
             <a:ext cx="394531" cy="394531"/>
             <a:chOff x="2397512" y="1594624"/>
             <a:chExt cx="635620" cy="635620"/>
@@ -5768,7 +5768,7 @@
             <p:cNvPr id="355" name="Oval 354">
               <a:extLst>
                 <a:ext uri="{FF2B5EF4-FFF2-40B4-BE49-F238E27FC236}">
-                  <a16:creationId xmlns:a16="http://schemas.microsoft.com/office/drawing/2014/main" id="{2718DE82-7421-DC4D-A074-C9085C71424E}"/>
+                  <a16:creationId xmlns:a16="http://schemas.microsoft.com/office/drawing/2014/main" xmlns="" id="{2718DE82-7421-DC4D-A074-C9085C71424E}"/>
                 </a:ext>
               </a:extLst>
             </p:cNvPr>
@@ -5828,7 +5828,7 @@
             <p:cNvPr id="356" name="TextBox 355">
               <a:extLst>
                 <a:ext uri="{FF2B5EF4-FFF2-40B4-BE49-F238E27FC236}">
-                  <a16:creationId xmlns:a16="http://schemas.microsoft.com/office/drawing/2014/main" id="{503B1426-7FFF-6640-AAD1-BC01D2454F77}"/>
+                  <a16:creationId xmlns:a16="http://schemas.microsoft.com/office/drawing/2014/main" xmlns="" id="{503B1426-7FFF-6640-AAD1-BC01D2454F77}"/>
                 </a:ext>
               </a:extLst>
             </p:cNvPr>
@@ -5864,7 +5864,7 @@
           <p:cNvPr id="357" name="Group 356">
             <a:extLst>
               <a:ext uri="{FF2B5EF4-FFF2-40B4-BE49-F238E27FC236}">
-                <a16:creationId xmlns:a16="http://schemas.microsoft.com/office/drawing/2014/main" id="{7652EB00-7E13-674F-9F4E-CD11CC3F10E9}"/>
+                <a16:creationId xmlns:a16="http://schemas.microsoft.com/office/drawing/2014/main" xmlns="" id="{7652EB00-7E13-674F-9F4E-CD11CC3F10E9}"/>
               </a:ext>
             </a:extLst>
           </p:cNvPr>
@@ -5873,7 +5873,7 @@
         </p:nvGrpSpPr>
         <p:grpSpPr>
           <a:xfrm>
-            <a:off x="6819606" y="1232328"/>
+            <a:off x="6538631" y="1232328"/>
             <a:ext cx="394531" cy="394531"/>
             <a:chOff x="2397512" y="1594624"/>
             <a:chExt cx="635620" cy="635620"/>
@@ -5884,7 +5884,7 @@
             <p:cNvPr id="358" name="Oval 357">
               <a:extLst>
                 <a:ext uri="{FF2B5EF4-FFF2-40B4-BE49-F238E27FC236}">
-                  <a16:creationId xmlns:a16="http://schemas.microsoft.com/office/drawing/2014/main" id="{D636F2CC-4BEF-D649-A89B-BFFB70373C3A}"/>
+                  <a16:creationId xmlns:a16="http://schemas.microsoft.com/office/drawing/2014/main" xmlns="" id="{D636F2CC-4BEF-D649-A89B-BFFB70373C3A}"/>
                 </a:ext>
               </a:extLst>
             </p:cNvPr>
@@ -5944,7 +5944,7 @@
             <p:cNvPr id="359" name="TextBox 358">
               <a:extLst>
                 <a:ext uri="{FF2B5EF4-FFF2-40B4-BE49-F238E27FC236}">
-                  <a16:creationId xmlns:a16="http://schemas.microsoft.com/office/drawing/2014/main" id="{94FC722C-D623-7F40-AF6D-E80D6465B83C}"/>
+                  <a16:creationId xmlns:a16="http://schemas.microsoft.com/office/drawing/2014/main" xmlns="" id="{94FC722C-D623-7F40-AF6D-E80D6465B83C}"/>
                 </a:ext>
               </a:extLst>
             </p:cNvPr>
@@ -5980,7 +5980,7 @@
           <p:cNvPr id="360" name="Group 359">
             <a:extLst>
               <a:ext uri="{FF2B5EF4-FFF2-40B4-BE49-F238E27FC236}">
-                <a16:creationId xmlns:a16="http://schemas.microsoft.com/office/drawing/2014/main" id="{65E2EA6E-686D-B444-AD35-891AFA7A92B5}"/>
+                <a16:creationId xmlns:a16="http://schemas.microsoft.com/office/drawing/2014/main" xmlns="" id="{65E2EA6E-686D-B444-AD35-891AFA7A92B5}"/>
               </a:ext>
             </a:extLst>
           </p:cNvPr>
@@ -5989,7 +5989,7 @@
         </p:nvGrpSpPr>
         <p:grpSpPr>
           <a:xfrm>
-            <a:off x="6832015" y="1788074"/>
+            <a:off x="6551040" y="1788074"/>
             <a:ext cx="394531" cy="394531"/>
             <a:chOff x="2397512" y="1594624"/>
             <a:chExt cx="635620" cy="635620"/>
@@ -6001,7 +6001,7 @@
             <p:cNvPr id="361" name="Oval 360">
               <a:extLst>
                 <a:ext uri="{FF2B5EF4-FFF2-40B4-BE49-F238E27FC236}">
-                  <a16:creationId xmlns:a16="http://schemas.microsoft.com/office/drawing/2014/main" id="{8D08A969-B038-2D46-ADCA-738E2AD7065E}"/>
+                  <a16:creationId xmlns:a16="http://schemas.microsoft.com/office/drawing/2014/main" xmlns="" id="{8D08A969-B038-2D46-ADCA-738E2AD7065E}"/>
                 </a:ext>
               </a:extLst>
             </p:cNvPr>
@@ -6061,7 +6061,7 @@
             <p:cNvPr id="362" name="TextBox 361">
               <a:extLst>
                 <a:ext uri="{FF2B5EF4-FFF2-40B4-BE49-F238E27FC236}">
-                  <a16:creationId xmlns:a16="http://schemas.microsoft.com/office/drawing/2014/main" id="{F5A03E56-7DAD-4643-BC85-DCE553F1F4BC}"/>
+                  <a16:creationId xmlns:a16="http://schemas.microsoft.com/office/drawing/2014/main" xmlns="" id="{F5A03E56-7DAD-4643-BC85-DCE553F1F4BC}"/>
                 </a:ext>
               </a:extLst>
             </p:cNvPr>
@@ -6097,7 +6097,7 @@
           <p:cNvPr id="363" name="Group 362">
             <a:extLst>
               <a:ext uri="{FF2B5EF4-FFF2-40B4-BE49-F238E27FC236}">
-                <a16:creationId xmlns:a16="http://schemas.microsoft.com/office/drawing/2014/main" id="{3F523AFB-678E-234C-B3F1-7B6BC00A0B7B}"/>
+                <a16:creationId xmlns:a16="http://schemas.microsoft.com/office/drawing/2014/main" xmlns="" id="{3F523AFB-678E-234C-B3F1-7B6BC00A0B7B}"/>
               </a:ext>
             </a:extLst>
           </p:cNvPr>
@@ -6106,7 +6106,7 @@
         </p:nvGrpSpPr>
         <p:grpSpPr>
           <a:xfrm>
-            <a:off x="7850626" y="915677"/>
+            <a:off x="7569651" y="915677"/>
             <a:ext cx="370458" cy="394531"/>
             <a:chOff x="2651620" y="4455131"/>
             <a:chExt cx="370458" cy="394531"/>
@@ -6120,7 +6120,7 @@
             <p:cNvPr id="364" name="Rectangle 363">
               <a:extLst>
                 <a:ext uri="{FF2B5EF4-FFF2-40B4-BE49-F238E27FC236}">
-                  <a16:creationId xmlns:a16="http://schemas.microsoft.com/office/drawing/2014/main" id="{96E4F394-A919-254D-BBA6-C86315ECA318}"/>
+                  <a16:creationId xmlns:a16="http://schemas.microsoft.com/office/drawing/2014/main" xmlns="" id="{96E4F394-A919-254D-BBA6-C86315ECA318}"/>
                 </a:ext>
               </a:extLst>
             </p:cNvPr>
@@ -6180,7 +6180,7 @@
             <p:cNvPr id="365" name="TextBox 364">
               <a:extLst>
                 <a:ext uri="{FF2B5EF4-FFF2-40B4-BE49-F238E27FC236}">
-                  <a16:creationId xmlns:a16="http://schemas.microsoft.com/office/drawing/2014/main" id="{C0875E73-60E8-DD49-98FF-3C1FF650FEB2}"/>
+                  <a16:creationId xmlns:a16="http://schemas.microsoft.com/office/drawing/2014/main" xmlns="" id="{C0875E73-60E8-DD49-98FF-3C1FF650FEB2}"/>
                 </a:ext>
               </a:extLst>
             </p:cNvPr>
@@ -6219,7 +6219,7 @@
           <p:cNvPr id="366" name="Group 365">
             <a:extLst>
               <a:ext uri="{FF2B5EF4-FFF2-40B4-BE49-F238E27FC236}">
-                <a16:creationId xmlns:a16="http://schemas.microsoft.com/office/drawing/2014/main" id="{67DE781B-892A-2B4B-9C18-785343914396}"/>
+                <a16:creationId xmlns:a16="http://schemas.microsoft.com/office/drawing/2014/main" xmlns="" id="{67DE781B-892A-2B4B-9C18-785343914396}"/>
               </a:ext>
             </a:extLst>
           </p:cNvPr>
@@ -6228,7 +6228,7 @@
         </p:nvGrpSpPr>
         <p:grpSpPr>
           <a:xfrm>
-            <a:off x="7866455" y="1786867"/>
+            <a:off x="7585480" y="1786867"/>
             <a:ext cx="363601" cy="394531"/>
             <a:chOff x="2658477" y="5322765"/>
             <a:chExt cx="363601" cy="394531"/>
@@ -6242,7 +6242,7 @@
             <p:cNvPr id="367" name="Rectangle 366">
               <a:extLst>
                 <a:ext uri="{FF2B5EF4-FFF2-40B4-BE49-F238E27FC236}">
-                  <a16:creationId xmlns:a16="http://schemas.microsoft.com/office/drawing/2014/main" id="{19D5DD43-23BD-894B-AC63-209FFE839D72}"/>
+                  <a16:creationId xmlns:a16="http://schemas.microsoft.com/office/drawing/2014/main" xmlns="" id="{19D5DD43-23BD-894B-AC63-209FFE839D72}"/>
                 </a:ext>
               </a:extLst>
             </p:cNvPr>
@@ -6302,7 +6302,7 @@
             <p:cNvPr id="368" name="TextBox 367">
               <a:extLst>
                 <a:ext uri="{FF2B5EF4-FFF2-40B4-BE49-F238E27FC236}">
-                  <a16:creationId xmlns:a16="http://schemas.microsoft.com/office/drawing/2014/main" id="{1784E870-788C-A74B-B016-334AAED3109F}"/>
+                  <a16:creationId xmlns:a16="http://schemas.microsoft.com/office/drawing/2014/main" xmlns="" id="{1784E870-788C-A74B-B016-334AAED3109F}"/>
                 </a:ext>
               </a:extLst>
             </p:cNvPr>
@@ -6341,7 +6341,7 @@
           <p:cNvPr id="369" name="Straight Arrow Connector 368">
             <a:extLst>
               <a:ext uri="{FF2B5EF4-FFF2-40B4-BE49-F238E27FC236}">
-                <a16:creationId xmlns:a16="http://schemas.microsoft.com/office/drawing/2014/main" id="{7B3FFE04-6D78-CC45-B9D1-4370A49DD134}"/>
+                <a16:creationId xmlns:a16="http://schemas.microsoft.com/office/drawing/2014/main" xmlns="" id="{7B3FFE04-6D78-CC45-B9D1-4370A49DD134}"/>
               </a:ext>
             </a:extLst>
           </p:cNvPr>
@@ -6354,7 +6354,7 @@
         </p:nvCxnSpPr>
         <p:spPr>
           <a:xfrm flipH="1" flipV="1">
-            <a:off x="7213517" y="881730"/>
+            <a:off x="6932542" y="881730"/>
             <a:ext cx="643966" cy="231212"/>
           </a:xfrm>
           <a:prstGeom prst="straightConnector1">
@@ -6387,7 +6387,7 @@
           <p:cNvPr id="370" name="Straight Arrow Connector 369">
             <a:extLst>
               <a:ext uri="{FF2B5EF4-FFF2-40B4-BE49-F238E27FC236}">
-                <a16:creationId xmlns:a16="http://schemas.microsoft.com/office/drawing/2014/main" id="{94050C01-A9C6-CD47-A955-4C2A89487047}"/>
+                <a16:creationId xmlns:a16="http://schemas.microsoft.com/office/drawing/2014/main" xmlns="" id="{94050C01-A9C6-CD47-A955-4C2A89487047}"/>
               </a:ext>
             </a:extLst>
           </p:cNvPr>
@@ -6400,7 +6400,7 @@
         </p:nvCxnSpPr>
         <p:spPr>
           <a:xfrm flipH="1">
-            <a:off x="7214137" y="1112943"/>
+            <a:off x="6933162" y="1112943"/>
             <a:ext cx="643347" cy="316651"/>
           </a:xfrm>
           <a:prstGeom prst="straightConnector1">
@@ -6433,7 +6433,7 @@
           <p:cNvPr id="371" name="Straight Arrow Connector 370">
             <a:extLst>
               <a:ext uri="{FF2B5EF4-FFF2-40B4-BE49-F238E27FC236}">
-                <a16:creationId xmlns:a16="http://schemas.microsoft.com/office/drawing/2014/main" id="{6A8322F8-4B4C-9247-AB2B-4E569BA71095}"/>
+                <a16:creationId xmlns:a16="http://schemas.microsoft.com/office/drawing/2014/main" xmlns="" id="{6A8322F8-4B4C-9247-AB2B-4E569BA71095}"/>
               </a:ext>
             </a:extLst>
           </p:cNvPr>
@@ -6446,7 +6446,7 @@
         </p:nvCxnSpPr>
         <p:spPr>
           <a:xfrm flipH="1">
-            <a:off x="7226545" y="1984133"/>
+            <a:off x="6945570" y="1984133"/>
             <a:ext cx="639910" cy="1207"/>
           </a:xfrm>
           <a:prstGeom prst="straightConnector1">
@@ -6479,7 +6479,7 @@
           <p:cNvPr id="372" name="Straight Arrow Connector 371">
             <a:extLst>
               <a:ext uri="{FF2B5EF4-FFF2-40B4-BE49-F238E27FC236}">
-                <a16:creationId xmlns:a16="http://schemas.microsoft.com/office/drawing/2014/main" id="{D82CB521-F802-0648-A090-4CF7B2144B85}"/>
+                <a16:creationId xmlns:a16="http://schemas.microsoft.com/office/drawing/2014/main" xmlns="" id="{D82CB521-F802-0648-A090-4CF7B2144B85}"/>
               </a:ext>
             </a:extLst>
           </p:cNvPr>
@@ -6492,7 +6492,7 @@
         </p:nvCxnSpPr>
         <p:spPr>
           <a:xfrm flipH="1" flipV="1">
-            <a:off x="7214137" y="1429594"/>
+            <a:off x="6933162" y="1429594"/>
             <a:ext cx="652319" cy="554539"/>
           </a:xfrm>
           <a:prstGeom prst="straightConnector1">
@@ -6525,7 +6525,7 @@
           <p:cNvPr id="373" name="Oval 372">
             <a:extLst>
               <a:ext uri="{FF2B5EF4-FFF2-40B4-BE49-F238E27FC236}">
-                <a16:creationId xmlns:a16="http://schemas.microsoft.com/office/drawing/2014/main" id="{2483E009-9497-8F45-B720-4067E9871EBA}"/>
+                <a16:creationId xmlns:a16="http://schemas.microsoft.com/office/drawing/2014/main" xmlns="" id="{2483E009-9497-8F45-B720-4067E9871EBA}"/>
               </a:ext>
             </a:extLst>
           </p:cNvPr>
@@ -6534,7 +6534,7 @@
         </p:nvSpPr>
         <p:spPr>
           <a:xfrm>
-            <a:off x="8743083" y="915676"/>
+            <a:off x="8462108" y="915676"/>
             <a:ext cx="394531" cy="394531"/>
           </a:xfrm>
           <a:prstGeom prst="ellipse">
@@ -6587,7 +6587,7 @@
           <p:cNvPr id="374" name="TextBox 373">
             <a:extLst>
               <a:ext uri="{FF2B5EF4-FFF2-40B4-BE49-F238E27FC236}">
-                <a16:creationId xmlns:a16="http://schemas.microsoft.com/office/drawing/2014/main" id="{51541407-D04A-B74C-BBC7-8A184B1CB27A}"/>
+                <a16:creationId xmlns:a16="http://schemas.microsoft.com/office/drawing/2014/main" xmlns="" id="{51541407-D04A-B74C-BBC7-8A184B1CB27A}"/>
               </a:ext>
             </a:extLst>
           </p:cNvPr>
@@ -6596,7 +6596,7 @@
         </p:nvSpPr>
         <p:spPr>
           <a:xfrm>
-            <a:off x="8759056" y="944219"/>
+            <a:off x="8478081" y="944219"/>
             <a:ext cx="373718" cy="276999"/>
           </a:xfrm>
           <a:prstGeom prst="rect">
@@ -6625,7 +6625,7 @@
           <p:cNvPr id="375" name="Oval 374">
             <a:extLst>
               <a:ext uri="{FF2B5EF4-FFF2-40B4-BE49-F238E27FC236}">
-                <a16:creationId xmlns:a16="http://schemas.microsoft.com/office/drawing/2014/main" id="{42FA1C46-7AE7-2D4F-98FA-8EB9DF16BE84}"/>
+                <a16:creationId xmlns:a16="http://schemas.microsoft.com/office/drawing/2014/main" xmlns="" id="{42FA1C46-7AE7-2D4F-98FA-8EB9DF16BE84}"/>
               </a:ext>
             </a:extLst>
           </p:cNvPr>
@@ -6634,7 +6634,7 @@
         </p:nvSpPr>
         <p:spPr>
           <a:xfrm>
-            <a:off x="8743083" y="1788899"/>
+            <a:off x="8462108" y="1788899"/>
             <a:ext cx="394531" cy="394531"/>
           </a:xfrm>
           <a:prstGeom prst="ellipse">
@@ -6687,7 +6687,7 @@
           <p:cNvPr id="376" name="TextBox 375">
             <a:extLst>
               <a:ext uri="{FF2B5EF4-FFF2-40B4-BE49-F238E27FC236}">
-                <a16:creationId xmlns:a16="http://schemas.microsoft.com/office/drawing/2014/main" id="{34EE7832-C5E7-834D-B02D-89BDFE9F97CC}"/>
+                <a16:creationId xmlns:a16="http://schemas.microsoft.com/office/drawing/2014/main" xmlns="" id="{34EE7832-C5E7-834D-B02D-89BDFE9F97CC}"/>
               </a:ext>
             </a:extLst>
           </p:cNvPr>
@@ -6696,7 +6696,7 @@
         </p:nvSpPr>
         <p:spPr>
           <a:xfrm>
-            <a:off x="8747966" y="1847664"/>
+            <a:off x="8466991" y="1847664"/>
             <a:ext cx="340158" cy="276999"/>
           </a:xfrm>
           <a:prstGeom prst="rect">
@@ -6725,7 +6725,7 @@
           <p:cNvPr id="377" name="Group 376">
             <a:extLst>
               <a:ext uri="{FF2B5EF4-FFF2-40B4-BE49-F238E27FC236}">
-                <a16:creationId xmlns:a16="http://schemas.microsoft.com/office/drawing/2014/main" id="{D937642C-11FB-EF4E-A188-22531101BE1F}"/>
+                <a16:creationId xmlns:a16="http://schemas.microsoft.com/office/drawing/2014/main" xmlns="" id="{D937642C-11FB-EF4E-A188-22531101BE1F}"/>
               </a:ext>
             </a:extLst>
           </p:cNvPr>
@@ -6734,7 +6734,7 @@
         </p:nvGrpSpPr>
         <p:grpSpPr>
           <a:xfrm>
-            <a:off x="9631472" y="881730"/>
+            <a:off x="9350497" y="881730"/>
             <a:ext cx="363601" cy="394531"/>
             <a:chOff x="2658477" y="4455131"/>
             <a:chExt cx="363601" cy="394531"/>
@@ -6748,7 +6748,7 @@
             <p:cNvPr id="378" name="Rectangle 377">
               <a:extLst>
                 <a:ext uri="{FF2B5EF4-FFF2-40B4-BE49-F238E27FC236}">
-                  <a16:creationId xmlns:a16="http://schemas.microsoft.com/office/drawing/2014/main" id="{673D0D20-25B9-1848-8ABB-E8249FEDF200}"/>
+                  <a16:creationId xmlns:a16="http://schemas.microsoft.com/office/drawing/2014/main" xmlns="" id="{673D0D20-25B9-1848-8ABB-E8249FEDF200}"/>
                 </a:ext>
               </a:extLst>
             </p:cNvPr>
@@ -6808,7 +6808,7 @@
             <p:cNvPr id="379" name="TextBox 378">
               <a:extLst>
                 <a:ext uri="{FF2B5EF4-FFF2-40B4-BE49-F238E27FC236}">
-                  <a16:creationId xmlns:a16="http://schemas.microsoft.com/office/drawing/2014/main" id="{12ADB63F-583E-A748-8D0A-BE2E872C6248}"/>
+                  <a16:creationId xmlns:a16="http://schemas.microsoft.com/office/drawing/2014/main" xmlns="" id="{12ADB63F-583E-A748-8D0A-BE2E872C6248}"/>
                 </a:ext>
               </a:extLst>
             </p:cNvPr>
@@ -6847,7 +6847,7 @@
           <p:cNvPr id="380" name="Group 379">
             <a:extLst>
               <a:ext uri="{FF2B5EF4-FFF2-40B4-BE49-F238E27FC236}">
-                <a16:creationId xmlns:a16="http://schemas.microsoft.com/office/drawing/2014/main" id="{17F30D3E-FE0F-D74D-BD29-177F06384787}"/>
+                <a16:creationId xmlns:a16="http://schemas.microsoft.com/office/drawing/2014/main" xmlns="" id="{17F30D3E-FE0F-D74D-BD29-177F06384787}"/>
               </a:ext>
             </a:extLst>
           </p:cNvPr>
@@ -6856,7 +6856,7 @@
         </p:nvGrpSpPr>
         <p:grpSpPr>
           <a:xfrm>
-            <a:off x="9641889" y="1786866"/>
+            <a:off x="9360914" y="1786866"/>
             <a:ext cx="363601" cy="394531"/>
             <a:chOff x="2658477" y="4455131"/>
             <a:chExt cx="363601" cy="394531"/>
@@ -6867,7 +6867,7 @@
             <p:cNvPr id="381" name="Rectangle 380">
               <a:extLst>
                 <a:ext uri="{FF2B5EF4-FFF2-40B4-BE49-F238E27FC236}">
-                  <a16:creationId xmlns:a16="http://schemas.microsoft.com/office/drawing/2014/main" id="{1E9E6FC9-4D41-2147-BAD4-73DF998FF786}"/>
+                  <a16:creationId xmlns:a16="http://schemas.microsoft.com/office/drawing/2014/main" xmlns="" id="{1E9E6FC9-4D41-2147-BAD4-73DF998FF786}"/>
                 </a:ext>
               </a:extLst>
             </p:cNvPr>
@@ -6927,7 +6927,7 @@
             <p:cNvPr id="382" name="TextBox 381">
               <a:extLst>
                 <a:ext uri="{FF2B5EF4-FFF2-40B4-BE49-F238E27FC236}">
-                  <a16:creationId xmlns:a16="http://schemas.microsoft.com/office/drawing/2014/main" id="{10F8DF1A-5183-404C-9F03-B823BA61E6C5}"/>
+                  <a16:creationId xmlns:a16="http://schemas.microsoft.com/office/drawing/2014/main" xmlns="" id="{10F8DF1A-5183-404C-9F03-B823BA61E6C5}"/>
                 </a:ext>
               </a:extLst>
             </p:cNvPr>
@@ -6966,7 +6966,7 @@
           <p:cNvPr id="383" name="TextBox 382">
             <a:extLst>
               <a:ext uri="{FF2B5EF4-FFF2-40B4-BE49-F238E27FC236}">
-                <a16:creationId xmlns:a16="http://schemas.microsoft.com/office/drawing/2014/main" id="{CB12F755-2F24-1D4E-9BD3-B0CB714DF20F}"/>
+                <a16:creationId xmlns:a16="http://schemas.microsoft.com/office/drawing/2014/main" xmlns="" id="{CB12F755-2F24-1D4E-9BD3-B0CB714DF20F}"/>
               </a:ext>
             </a:extLst>
           </p:cNvPr>
@@ -6975,7 +6975,7 @@
         </p:nvSpPr>
         <p:spPr>
           <a:xfrm>
-            <a:off x="6858400" y="1837580"/>
+            <a:off x="6577425" y="1837580"/>
             <a:ext cx="340158" cy="276999"/>
           </a:xfrm>
           <a:prstGeom prst="rect">
@@ -7004,7 +7004,7 @@
           <p:cNvPr id="384" name="TextBox 383">
             <a:extLst>
               <a:ext uri="{FF2B5EF4-FFF2-40B4-BE49-F238E27FC236}">
-                <a16:creationId xmlns:a16="http://schemas.microsoft.com/office/drawing/2014/main" id="{50149D36-4957-1843-8F07-0BBB01CCE93D}"/>
+                <a16:creationId xmlns:a16="http://schemas.microsoft.com/office/drawing/2014/main" xmlns="" id="{50149D36-4957-1843-8F07-0BBB01CCE93D}"/>
               </a:ext>
             </a:extLst>
           </p:cNvPr>
@@ -7013,7 +7013,7 @@
         </p:nvSpPr>
         <p:spPr>
           <a:xfrm>
-            <a:off x="6858400" y="1295483"/>
+            <a:off x="6577425" y="1295483"/>
             <a:ext cx="340158" cy="276999"/>
           </a:xfrm>
           <a:prstGeom prst="rect">
@@ -7042,7 +7042,7 @@
           <p:cNvPr id="385" name="TextBox 384">
             <a:extLst>
               <a:ext uri="{FF2B5EF4-FFF2-40B4-BE49-F238E27FC236}">
-                <a16:creationId xmlns:a16="http://schemas.microsoft.com/office/drawing/2014/main" id="{ED94E494-15F9-0F4C-851C-A6A7B0ECE599}"/>
+                <a16:creationId xmlns:a16="http://schemas.microsoft.com/office/drawing/2014/main" xmlns="" id="{ED94E494-15F9-0F4C-851C-A6A7B0ECE599}"/>
               </a:ext>
             </a:extLst>
           </p:cNvPr>
@@ -7051,7 +7051,7 @@
         </p:nvSpPr>
         <p:spPr>
           <a:xfrm>
-            <a:off x="6883422" y="758577"/>
+            <a:off x="6602447" y="758577"/>
             <a:ext cx="340158" cy="276999"/>
           </a:xfrm>
           <a:prstGeom prst="rect">
@@ -7080,7 +7080,7 @@
           <p:cNvPr id="386" name="Straight Arrow Connector 385">
             <a:extLst>
               <a:ext uri="{FF2B5EF4-FFF2-40B4-BE49-F238E27FC236}">
-                <a16:creationId xmlns:a16="http://schemas.microsoft.com/office/drawing/2014/main" id="{85EDBC1B-D7A6-B34C-A003-A0DE99424DC3}"/>
+                <a16:creationId xmlns:a16="http://schemas.microsoft.com/office/drawing/2014/main" xmlns="" id="{85EDBC1B-D7A6-B34C-A003-A0DE99424DC3}"/>
               </a:ext>
             </a:extLst>
           </p:cNvPr>
@@ -7093,7 +7093,7 @@
         </p:nvCxnSpPr>
         <p:spPr>
           <a:xfrm flipH="1">
-            <a:off x="8221084" y="1112942"/>
+            <a:off x="7940109" y="1112942"/>
             <a:ext cx="521996" cy="1"/>
           </a:xfrm>
           <a:prstGeom prst="straightConnector1">
@@ -7126,7 +7126,7 @@
           <p:cNvPr id="387" name="Straight Arrow Connector 386">
             <a:extLst>
               <a:ext uri="{FF2B5EF4-FFF2-40B4-BE49-F238E27FC236}">
-                <a16:creationId xmlns:a16="http://schemas.microsoft.com/office/drawing/2014/main" id="{C2F9823D-0B7F-A04B-8CEF-00C7EAF439D5}"/>
+                <a16:creationId xmlns:a16="http://schemas.microsoft.com/office/drawing/2014/main" xmlns="" id="{C2F9823D-0B7F-A04B-8CEF-00C7EAF439D5}"/>
               </a:ext>
             </a:extLst>
           </p:cNvPr>
@@ -7139,7 +7139,7 @@
         </p:nvCxnSpPr>
         <p:spPr>
           <a:xfrm flipH="1" flipV="1">
-            <a:off x="8226217" y="1969178"/>
+            <a:off x="7945242" y="1969178"/>
             <a:ext cx="516866" cy="16987"/>
           </a:xfrm>
           <a:prstGeom prst="straightConnector1">
@@ -7172,7 +7172,7 @@
           <p:cNvPr id="388" name="Straight Arrow Connector 387">
             <a:extLst>
               <a:ext uri="{FF2B5EF4-FFF2-40B4-BE49-F238E27FC236}">
-                <a16:creationId xmlns:a16="http://schemas.microsoft.com/office/drawing/2014/main" id="{8CA9DBAF-AF45-264B-96CE-204BFBD88EB1}"/>
+                <a16:creationId xmlns:a16="http://schemas.microsoft.com/office/drawing/2014/main" xmlns="" id="{8CA9DBAF-AF45-264B-96CE-204BFBD88EB1}"/>
               </a:ext>
             </a:extLst>
           </p:cNvPr>
@@ -7185,7 +7185,7 @@
         </p:nvCxnSpPr>
         <p:spPr>
           <a:xfrm flipH="1">
-            <a:off x="9132774" y="1078996"/>
+            <a:off x="8851799" y="1078996"/>
             <a:ext cx="498698" cy="3723"/>
           </a:xfrm>
           <a:prstGeom prst="straightConnector1">
@@ -7218,7 +7218,7 @@
           <p:cNvPr id="389" name="Straight Arrow Connector 388">
             <a:extLst>
               <a:ext uri="{FF2B5EF4-FFF2-40B4-BE49-F238E27FC236}">
-                <a16:creationId xmlns:a16="http://schemas.microsoft.com/office/drawing/2014/main" id="{35C09593-025F-1E48-BAF0-3C0676A2C9AF}"/>
+                <a16:creationId xmlns:a16="http://schemas.microsoft.com/office/drawing/2014/main" xmlns="" id="{35C09593-025F-1E48-BAF0-3C0676A2C9AF}"/>
               </a:ext>
             </a:extLst>
           </p:cNvPr>
@@ -7231,7 +7231,7 @@
         </p:nvCxnSpPr>
         <p:spPr>
           <a:xfrm flipH="1">
-            <a:off x="9137614" y="1984132"/>
+            <a:off x="8856639" y="1984132"/>
             <a:ext cx="504275" cy="2033"/>
           </a:xfrm>
           <a:prstGeom prst="straightConnector1">
@@ -7264,7 +7264,7 @@
           <p:cNvPr id="390" name="TextBox 389">
             <a:extLst>
               <a:ext uri="{FF2B5EF4-FFF2-40B4-BE49-F238E27FC236}">
-                <a16:creationId xmlns:a16="http://schemas.microsoft.com/office/drawing/2014/main" id="{66D3688B-4BE3-444F-9E01-5692277BA5FD}"/>
+                <a16:creationId xmlns:a16="http://schemas.microsoft.com/office/drawing/2014/main" xmlns="" id="{66D3688B-4BE3-444F-9E01-5692277BA5FD}"/>
               </a:ext>
             </a:extLst>
           </p:cNvPr>
@@ -7273,7 +7273,7 @@
         </p:nvSpPr>
         <p:spPr>
           <a:xfrm>
-            <a:off x="7223072" y="985755"/>
+            <a:off x="6942097" y="985755"/>
             <a:ext cx="482824" cy="276999"/>
           </a:xfrm>
           <a:prstGeom prst="rect">
@@ -7302,7 +7302,7 @@
           <p:cNvPr id="391" name="TextBox 390">
             <a:extLst>
               <a:ext uri="{FF2B5EF4-FFF2-40B4-BE49-F238E27FC236}">
-                <a16:creationId xmlns:a16="http://schemas.microsoft.com/office/drawing/2014/main" id="{FFB335F5-83EC-454E-9073-4A115695688D}"/>
+                <a16:creationId xmlns:a16="http://schemas.microsoft.com/office/drawing/2014/main" xmlns="" id="{FFB335F5-83EC-454E-9073-4A115695688D}"/>
               </a:ext>
             </a:extLst>
           </p:cNvPr>
@@ -7311,7 +7311,7 @@
         </p:nvSpPr>
         <p:spPr>
           <a:xfrm>
-            <a:off x="7233491" y="1746245"/>
+            <a:off x="6952516" y="1746245"/>
             <a:ext cx="482824" cy="276999"/>
           </a:xfrm>
           <a:prstGeom prst="rect">
@@ -7340,7 +7340,7 @@
           <p:cNvPr id="392" name="TextBox 391">
             <a:extLst>
               <a:ext uri="{FF2B5EF4-FFF2-40B4-BE49-F238E27FC236}">
-                <a16:creationId xmlns:a16="http://schemas.microsoft.com/office/drawing/2014/main" id="{B9FB69B7-2657-824C-8443-E2708B4CA1E5}"/>
+                <a16:creationId xmlns:a16="http://schemas.microsoft.com/office/drawing/2014/main" xmlns="" id="{B9FB69B7-2657-824C-8443-E2708B4CA1E5}"/>
               </a:ext>
             </a:extLst>
           </p:cNvPr>
@@ -7349,7 +7349,7 @@
         </p:nvSpPr>
         <p:spPr>
           <a:xfrm>
-            <a:off x="9156461" y="833119"/>
+            <a:off x="8875486" y="833119"/>
             <a:ext cx="482824" cy="276999"/>
           </a:xfrm>
           <a:prstGeom prst="rect">
@@ -7378,7 +7378,7 @@
           <p:cNvPr id="393" name="TextBox 392">
             <a:extLst>
               <a:ext uri="{FF2B5EF4-FFF2-40B4-BE49-F238E27FC236}">
-                <a16:creationId xmlns:a16="http://schemas.microsoft.com/office/drawing/2014/main" id="{96C5B6DC-709B-3D4C-AC2C-6146B97D47E6}"/>
+                <a16:creationId xmlns:a16="http://schemas.microsoft.com/office/drawing/2014/main" xmlns="" id="{96C5B6DC-709B-3D4C-AC2C-6146B97D47E6}"/>
               </a:ext>
             </a:extLst>
           </p:cNvPr>
@@ -7387,7 +7387,7 @@
         </p:nvSpPr>
         <p:spPr>
           <a:xfrm>
-            <a:off x="9164274" y="1732217"/>
+            <a:off x="8883299" y="1732217"/>
             <a:ext cx="479618" cy="276999"/>
           </a:xfrm>
           <a:prstGeom prst="rect">
@@ -7416,7 +7416,7 @@
           <p:cNvPr id="394" name="TextBox 393">
             <a:extLst>
               <a:ext uri="{FF2B5EF4-FFF2-40B4-BE49-F238E27FC236}">
-                <a16:creationId xmlns:a16="http://schemas.microsoft.com/office/drawing/2014/main" id="{FE808D17-CFEA-014E-8C98-F32B22AF34EC}"/>
+                <a16:creationId xmlns:a16="http://schemas.microsoft.com/office/drawing/2014/main" xmlns="" id="{FE808D17-CFEA-014E-8C98-F32B22AF34EC}"/>
               </a:ext>
             </a:extLst>
           </p:cNvPr>
@@ -7425,7 +7425,7 @@
         </p:nvSpPr>
         <p:spPr>
           <a:xfrm>
-            <a:off x="8246216" y="833120"/>
+            <a:off x="7965241" y="833120"/>
             <a:ext cx="510333" cy="276999"/>
           </a:xfrm>
           <a:prstGeom prst="rect">
@@ -7458,7 +7458,7 @@
           <p:cNvPr id="395" name="TextBox 394">
             <a:extLst>
               <a:ext uri="{FF2B5EF4-FFF2-40B4-BE49-F238E27FC236}">
-                <a16:creationId xmlns:a16="http://schemas.microsoft.com/office/drawing/2014/main" id="{27BBD939-57A3-C346-BAB2-D7F76DC93EE1}"/>
+                <a16:creationId xmlns:a16="http://schemas.microsoft.com/office/drawing/2014/main" xmlns="" id="{27BBD939-57A3-C346-BAB2-D7F76DC93EE1}"/>
               </a:ext>
             </a:extLst>
           </p:cNvPr>
@@ -7467,7 +7467,7 @@
         </p:nvSpPr>
         <p:spPr>
           <a:xfrm>
-            <a:off x="8257297" y="1706863"/>
+            <a:off x="7976322" y="1706863"/>
             <a:ext cx="510333" cy="276999"/>
           </a:xfrm>
           <a:prstGeom prst="rect">
@@ -7500,7 +7500,7 @@
           <p:cNvPr id="396" name="Group 395">
             <a:extLst>
               <a:ext uri="{FF2B5EF4-FFF2-40B4-BE49-F238E27FC236}">
-                <a16:creationId xmlns:a16="http://schemas.microsoft.com/office/drawing/2014/main" id="{F1AF6747-1230-EB4F-96F1-228B965B1ED3}"/>
+                <a16:creationId xmlns:a16="http://schemas.microsoft.com/office/drawing/2014/main" xmlns="" id="{F1AF6747-1230-EB4F-96F1-228B965B1ED3}"/>
               </a:ext>
             </a:extLst>
           </p:cNvPr>
@@ -7509,7 +7509,7 @@
         </p:nvGrpSpPr>
         <p:grpSpPr>
           <a:xfrm>
-            <a:off x="6840172" y="2378664"/>
+            <a:off x="6559197" y="2378664"/>
             <a:ext cx="394531" cy="394531"/>
             <a:chOff x="2397512" y="1594624"/>
             <a:chExt cx="635620" cy="635620"/>
@@ -7520,7 +7520,7 @@
             <p:cNvPr id="397" name="Oval 396">
               <a:extLst>
                 <a:ext uri="{FF2B5EF4-FFF2-40B4-BE49-F238E27FC236}">
-                  <a16:creationId xmlns:a16="http://schemas.microsoft.com/office/drawing/2014/main" id="{6669E784-1D49-7F48-9B58-B7412D14EE36}"/>
+                  <a16:creationId xmlns:a16="http://schemas.microsoft.com/office/drawing/2014/main" xmlns="" id="{6669E784-1D49-7F48-9B58-B7412D14EE36}"/>
                 </a:ext>
               </a:extLst>
             </p:cNvPr>
@@ -7580,7 +7580,7 @@
             <p:cNvPr id="398" name="TextBox 397">
               <a:extLst>
                 <a:ext uri="{FF2B5EF4-FFF2-40B4-BE49-F238E27FC236}">
-                  <a16:creationId xmlns:a16="http://schemas.microsoft.com/office/drawing/2014/main" id="{9C7FD75B-E1E7-9043-BB04-6A272AC377C2}"/>
+                  <a16:creationId xmlns:a16="http://schemas.microsoft.com/office/drawing/2014/main" xmlns="" id="{9C7FD75B-E1E7-9043-BB04-6A272AC377C2}"/>
                 </a:ext>
               </a:extLst>
             </p:cNvPr>
@@ -7616,7 +7616,7 @@
           <p:cNvPr id="399" name="TextBox 398">
             <a:extLst>
               <a:ext uri="{FF2B5EF4-FFF2-40B4-BE49-F238E27FC236}">
-                <a16:creationId xmlns:a16="http://schemas.microsoft.com/office/drawing/2014/main" id="{8B22958D-7FE1-2F4F-A0AD-11AA4EF2CA0D}"/>
+                <a16:creationId xmlns:a16="http://schemas.microsoft.com/office/drawing/2014/main" xmlns="" id="{8B22958D-7FE1-2F4F-A0AD-11AA4EF2CA0D}"/>
               </a:ext>
             </a:extLst>
           </p:cNvPr>
@@ -7625,7 +7625,7 @@
         </p:nvSpPr>
         <p:spPr>
           <a:xfrm>
-            <a:off x="6854700" y="2441796"/>
+            <a:off x="6573725" y="2441796"/>
             <a:ext cx="340158" cy="276999"/>
           </a:xfrm>
           <a:prstGeom prst="rect">
@@ -7654,7 +7654,7 @@
           <p:cNvPr id="400" name="Group 399">
             <a:extLst>
               <a:ext uri="{FF2B5EF4-FFF2-40B4-BE49-F238E27FC236}">
-                <a16:creationId xmlns:a16="http://schemas.microsoft.com/office/drawing/2014/main" id="{9B417B4E-5EAC-C041-87E5-BA17D26CE416}"/>
+                <a16:creationId xmlns:a16="http://schemas.microsoft.com/office/drawing/2014/main" xmlns="" id="{9B417B4E-5EAC-C041-87E5-BA17D26CE416}"/>
               </a:ext>
             </a:extLst>
           </p:cNvPr>
@@ -7663,7 +7663,7 @@
         </p:nvGrpSpPr>
         <p:grpSpPr>
           <a:xfrm>
-            <a:off x="5966595" y="1232328"/>
+            <a:off x="5685620" y="1232328"/>
             <a:ext cx="370458" cy="394531"/>
             <a:chOff x="2651620" y="4455131"/>
             <a:chExt cx="370458" cy="394531"/>
@@ -7674,7 +7674,7 @@
             <p:cNvPr id="401" name="Rectangle 400">
               <a:extLst>
                 <a:ext uri="{FF2B5EF4-FFF2-40B4-BE49-F238E27FC236}">
-                  <a16:creationId xmlns:a16="http://schemas.microsoft.com/office/drawing/2014/main" id="{FB944C2B-2A96-B847-A70A-18403585E15A}"/>
+                  <a16:creationId xmlns:a16="http://schemas.microsoft.com/office/drawing/2014/main" xmlns="" id="{FB944C2B-2A96-B847-A70A-18403585E15A}"/>
                 </a:ext>
               </a:extLst>
             </p:cNvPr>
@@ -7734,7 +7734,7 @@
             <p:cNvPr id="402" name="TextBox 401">
               <a:extLst>
                 <a:ext uri="{FF2B5EF4-FFF2-40B4-BE49-F238E27FC236}">
-                  <a16:creationId xmlns:a16="http://schemas.microsoft.com/office/drawing/2014/main" id="{2CC06AC3-BCC9-7A46-B1C4-A04E4EFD4DCB}"/>
+                  <a16:creationId xmlns:a16="http://schemas.microsoft.com/office/drawing/2014/main" xmlns="" id="{2CC06AC3-BCC9-7A46-B1C4-A04E4EFD4DCB}"/>
                 </a:ext>
               </a:extLst>
             </p:cNvPr>
@@ -7773,7 +7773,7 @@
           <p:cNvPr id="403" name="Straight Arrow Connector 402">
             <a:extLst>
               <a:ext uri="{FF2B5EF4-FFF2-40B4-BE49-F238E27FC236}">
-                <a16:creationId xmlns:a16="http://schemas.microsoft.com/office/drawing/2014/main" id="{4AA0F44B-9228-8542-881F-B19ECDF8AA36}"/>
+                <a16:creationId xmlns:a16="http://schemas.microsoft.com/office/drawing/2014/main" xmlns="" id="{4AA0F44B-9228-8542-881F-B19ECDF8AA36}"/>
               </a:ext>
             </a:extLst>
           </p:cNvPr>
@@ -7786,7 +7786,7 @@
         </p:nvCxnSpPr>
         <p:spPr>
           <a:xfrm flipH="1">
-            <a:off x="9137614" y="1078996"/>
+            <a:off x="8856639" y="1078996"/>
             <a:ext cx="493858" cy="907169"/>
           </a:xfrm>
           <a:prstGeom prst="straightConnector1">
@@ -7819,7 +7819,7 @@
           <p:cNvPr id="404" name="Straight Arrow Connector 403">
             <a:extLst>
               <a:ext uri="{FF2B5EF4-FFF2-40B4-BE49-F238E27FC236}">
-                <a16:creationId xmlns:a16="http://schemas.microsoft.com/office/drawing/2014/main" id="{B7CA54A9-E227-EC4B-BEF6-1C815041E073}"/>
+                <a16:creationId xmlns:a16="http://schemas.microsoft.com/office/drawing/2014/main" xmlns="" id="{B7CA54A9-E227-EC4B-BEF6-1C815041E073}"/>
               </a:ext>
             </a:extLst>
           </p:cNvPr>
@@ -7832,7 +7832,7 @@
         </p:nvCxnSpPr>
         <p:spPr>
           <a:xfrm flipH="1">
-            <a:off x="7234703" y="1984133"/>
+            <a:off x="6953728" y="1984133"/>
             <a:ext cx="631752" cy="591797"/>
           </a:xfrm>
           <a:prstGeom prst="straightConnector1">
@@ -7865,7 +7865,7 @@
           <p:cNvPr id="405" name="Straight Arrow Connector 404">
             <a:extLst>
               <a:ext uri="{FF2B5EF4-FFF2-40B4-BE49-F238E27FC236}">
-                <a16:creationId xmlns:a16="http://schemas.microsoft.com/office/drawing/2014/main" id="{8E9ED1CE-276B-5D49-BD8C-41625340690F}"/>
+                <a16:creationId xmlns:a16="http://schemas.microsoft.com/office/drawing/2014/main" xmlns="" id="{8E9ED1CE-276B-5D49-BD8C-41625340690F}"/>
               </a:ext>
             </a:extLst>
           </p:cNvPr>
@@ -7878,7 +7878,7 @@
         </p:nvCxnSpPr>
         <p:spPr>
           <a:xfrm flipH="1">
-            <a:off x="6337053" y="1429594"/>
+            <a:off x="6056078" y="1429594"/>
             <a:ext cx="482553" cy="0"/>
           </a:xfrm>
           <a:prstGeom prst="straightConnector1">
@@ -7911,7 +7911,7 @@
           <p:cNvPr id="409" name="TextBox 408">
             <a:extLst>
               <a:ext uri="{FF2B5EF4-FFF2-40B4-BE49-F238E27FC236}">
-                <a16:creationId xmlns:a16="http://schemas.microsoft.com/office/drawing/2014/main" id="{2DA0D36D-E121-0442-93B0-72F6CF8AF1F1}"/>
+                <a16:creationId xmlns:a16="http://schemas.microsoft.com/office/drawing/2014/main" xmlns="" id="{2DA0D36D-E121-0442-93B0-72F6CF8AF1F1}"/>
               </a:ext>
             </a:extLst>
           </p:cNvPr>
@@ -7920,7 +7920,7 @@
         </p:nvSpPr>
         <p:spPr>
           <a:xfrm>
-            <a:off x="8145194" y="5303738"/>
+            <a:off x="7864219" y="5303738"/>
             <a:ext cx="356188" cy="276999"/>
           </a:xfrm>
           <a:prstGeom prst="rect">
@@ -7949,7 +7949,7 @@
           <p:cNvPr id="410" name="Group 409">
             <a:extLst>
               <a:ext uri="{FF2B5EF4-FFF2-40B4-BE49-F238E27FC236}">
-                <a16:creationId xmlns:a16="http://schemas.microsoft.com/office/drawing/2014/main" id="{6E4BB244-53C4-5743-A03C-523AD205D80D}"/>
+                <a16:creationId xmlns:a16="http://schemas.microsoft.com/office/drawing/2014/main" xmlns="" id="{6E4BB244-53C4-5743-A03C-523AD205D80D}"/>
               </a:ext>
             </a:extLst>
           </p:cNvPr>
@@ -7958,7 +7958,7 @@
         </p:nvGrpSpPr>
         <p:grpSpPr>
           <a:xfrm>
-            <a:off x="6818987" y="3246569"/>
+            <a:off x="6538012" y="3246569"/>
             <a:ext cx="394531" cy="394531"/>
             <a:chOff x="2397512" y="1594624"/>
             <a:chExt cx="635620" cy="635620"/>
@@ -7970,7 +7970,7 @@
             <p:cNvPr id="411" name="Oval 410">
               <a:extLst>
                 <a:ext uri="{FF2B5EF4-FFF2-40B4-BE49-F238E27FC236}">
-                  <a16:creationId xmlns:a16="http://schemas.microsoft.com/office/drawing/2014/main" id="{816F322C-B40B-E147-B1CE-C62354A9DEB2}"/>
+                  <a16:creationId xmlns:a16="http://schemas.microsoft.com/office/drawing/2014/main" xmlns="" id="{816F322C-B40B-E147-B1CE-C62354A9DEB2}"/>
                 </a:ext>
               </a:extLst>
             </p:cNvPr>
@@ -8030,7 +8030,7 @@
             <p:cNvPr id="412" name="TextBox 411">
               <a:extLst>
                 <a:ext uri="{FF2B5EF4-FFF2-40B4-BE49-F238E27FC236}">
-                  <a16:creationId xmlns:a16="http://schemas.microsoft.com/office/drawing/2014/main" id="{8A8427E7-5B92-0C41-92A4-06E1CA57EB88}"/>
+                  <a16:creationId xmlns:a16="http://schemas.microsoft.com/office/drawing/2014/main" xmlns="" id="{8A8427E7-5B92-0C41-92A4-06E1CA57EB88}"/>
                 </a:ext>
               </a:extLst>
             </p:cNvPr>
@@ -8066,7 +8066,7 @@
           <p:cNvPr id="413" name="Group 412">
             <a:extLst>
               <a:ext uri="{FF2B5EF4-FFF2-40B4-BE49-F238E27FC236}">
-                <a16:creationId xmlns:a16="http://schemas.microsoft.com/office/drawing/2014/main" id="{7AEBD9CC-660B-F840-AAAB-98112AAC0C3B}"/>
+                <a16:creationId xmlns:a16="http://schemas.microsoft.com/office/drawing/2014/main" xmlns="" id="{7AEBD9CC-660B-F840-AAAB-98112AAC0C3B}"/>
               </a:ext>
             </a:extLst>
           </p:cNvPr>
@@ -8075,7 +8075,7 @@
         </p:nvGrpSpPr>
         <p:grpSpPr>
           <a:xfrm>
-            <a:off x="6819606" y="3794432"/>
+            <a:off x="6538631" y="3794432"/>
             <a:ext cx="394531" cy="394531"/>
             <a:chOff x="2397512" y="1594624"/>
             <a:chExt cx="635620" cy="635620"/>
@@ -8086,7 +8086,7 @@
             <p:cNvPr id="414" name="Oval 413">
               <a:extLst>
                 <a:ext uri="{FF2B5EF4-FFF2-40B4-BE49-F238E27FC236}">
-                  <a16:creationId xmlns:a16="http://schemas.microsoft.com/office/drawing/2014/main" id="{9F9D0F1F-04D7-9A47-BC0B-ADA558A69F1C}"/>
+                  <a16:creationId xmlns:a16="http://schemas.microsoft.com/office/drawing/2014/main" xmlns="" id="{9F9D0F1F-04D7-9A47-BC0B-ADA558A69F1C}"/>
                 </a:ext>
               </a:extLst>
             </p:cNvPr>
@@ -8146,7 +8146,7 @@
             <p:cNvPr id="415" name="TextBox 414">
               <a:extLst>
                 <a:ext uri="{FF2B5EF4-FFF2-40B4-BE49-F238E27FC236}">
-                  <a16:creationId xmlns:a16="http://schemas.microsoft.com/office/drawing/2014/main" id="{1407C62E-F108-3741-A523-1190EAD9EED1}"/>
+                  <a16:creationId xmlns:a16="http://schemas.microsoft.com/office/drawing/2014/main" xmlns="" id="{1407C62E-F108-3741-A523-1190EAD9EED1}"/>
                 </a:ext>
               </a:extLst>
             </p:cNvPr>
@@ -8182,7 +8182,7 @@
           <p:cNvPr id="416" name="Group 415">
             <a:extLst>
               <a:ext uri="{FF2B5EF4-FFF2-40B4-BE49-F238E27FC236}">
-                <a16:creationId xmlns:a16="http://schemas.microsoft.com/office/drawing/2014/main" id="{BFF3691B-F006-E84B-A1BB-FBADA4CFAB90}"/>
+                <a16:creationId xmlns:a16="http://schemas.microsoft.com/office/drawing/2014/main" xmlns="" id="{BFF3691B-F006-E84B-A1BB-FBADA4CFAB90}"/>
               </a:ext>
             </a:extLst>
           </p:cNvPr>
@@ -8191,7 +8191,7 @@
         </p:nvGrpSpPr>
         <p:grpSpPr>
           <a:xfrm>
-            <a:off x="6832015" y="4350178"/>
+            <a:off x="6551040" y="4350178"/>
             <a:ext cx="394531" cy="394531"/>
             <a:chOff x="2397512" y="1594624"/>
             <a:chExt cx="635620" cy="635620"/>
@@ -8203,7 +8203,7 @@
             <p:cNvPr id="417" name="Oval 416">
               <a:extLst>
                 <a:ext uri="{FF2B5EF4-FFF2-40B4-BE49-F238E27FC236}">
-                  <a16:creationId xmlns:a16="http://schemas.microsoft.com/office/drawing/2014/main" id="{78804412-04FB-D441-B7B5-638CD8D14081}"/>
+                  <a16:creationId xmlns:a16="http://schemas.microsoft.com/office/drawing/2014/main" xmlns="" id="{78804412-04FB-D441-B7B5-638CD8D14081}"/>
                 </a:ext>
               </a:extLst>
             </p:cNvPr>
@@ -8263,7 +8263,7 @@
             <p:cNvPr id="418" name="TextBox 417">
               <a:extLst>
                 <a:ext uri="{FF2B5EF4-FFF2-40B4-BE49-F238E27FC236}">
-                  <a16:creationId xmlns:a16="http://schemas.microsoft.com/office/drawing/2014/main" id="{7429FCDE-8B05-6843-BF2F-912A63516CEA}"/>
+                  <a16:creationId xmlns:a16="http://schemas.microsoft.com/office/drawing/2014/main" xmlns="" id="{7429FCDE-8B05-6843-BF2F-912A63516CEA}"/>
                 </a:ext>
               </a:extLst>
             </p:cNvPr>
@@ -8299,7 +8299,7 @@
           <p:cNvPr id="419" name="Group 418">
             <a:extLst>
               <a:ext uri="{FF2B5EF4-FFF2-40B4-BE49-F238E27FC236}">
-                <a16:creationId xmlns:a16="http://schemas.microsoft.com/office/drawing/2014/main" id="{7B09BB12-7642-7F4C-ACCE-71D32F59C2C2}"/>
+                <a16:creationId xmlns:a16="http://schemas.microsoft.com/office/drawing/2014/main" xmlns="" id="{7B09BB12-7642-7F4C-ACCE-71D32F59C2C2}"/>
               </a:ext>
             </a:extLst>
           </p:cNvPr>
@@ -8308,7 +8308,7 @@
         </p:nvGrpSpPr>
         <p:grpSpPr>
           <a:xfrm>
-            <a:off x="7850626" y="3477781"/>
+            <a:off x="7569651" y="3477781"/>
             <a:ext cx="370458" cy="394531"/>
             <a:chOff x="2651620" y="4455131"/>
             <a:chExt cx="370458" cy="394531"/>
@@ -8322,7 +8322,7 @@
             <p:cNvPr id="420" name="Rectangle 419">
               <a:extLst>
                 <a:ext uri="{FF2B5EF4-FFF2-40B4-BE49-F238E27FC236}">
-                  <a16:creationId xmlns:a16="http://schemas.microsoft.com/office/drawing/2014/main" id="{B264606F-57EC-7044-87BE-ED12AF287D9E}"/>
+                  <a16:creationId xmlns:a16="http://schemas.microsoft.com/office/drawing/2014/main" xmlns="" id="{B264606F-57EC-7044-87BE-ED12AF287D9E}"/>
                 </a:ext>
               </a:extLst>
             </p:cNvPr>
@@ -8382,7 +8382,7 @@
             <p:cNvPr id="421" name="TextBox 420">
               <a:extLst>
                 <a:ext uri="{FF2B5EF4-FFF2-40B4-BE49-F238E27FC236}">
-                  <a16:creationId xmlns:a16="http://schemas.microsoft.com/office/drawing/2014/main" id="{34400148-7F6F-3C47-8C73-0A1C867DBEFF}"/>
+                  <a16:creationId xmlns:a16="http://schemas.microsoft.com/office/drawing/2014/main" xmlns="" id="{34400148-7F6F-3C47-8C73-0A1C867DBEFF}"/>
                 </a:ext>
               </a:extLst>
             </p:cNvPr>
@@ -8421,7 +8421,7 @@
           <p:cNvPr id="422" name="Group 421">
             <a:extLst>
               <a:ext uri="{FF2B5EF4-FFF2-40B4-BE49-F238E27FC236}">
-                <a16:creationId xmlns:a16="http://schemas.microsoft.com/office/drawing/2014/main" id="{1298C85B-DACD-5449-91BA-1CF9B7CBD2DF}"/>
+                <a16:creationId xmlns:a16="http://schemas.microsoft.com/office/drawing/2014/main" xmlns="" id="{1298C85B-DACD-5449-91BA-1CF9B7CBD2DF}"/>
               </a:ext>
             </a:extLst>
           </p:cNvPr>
@@ -8430,7 +8430,7 @@
         </p:nvGrpSpPr>
         <p:grpSpPr>
           <a:xfrm>
-            <a:off x="7866455" y="4348971"/>
+            <a:off x="7585480" y="4348971"/>
             <a:ext cx="363601" cy="394531"/>
             <a:chOff x="2658477" y="5322765"/>
             <a:chExt cx="363601" cy="394531"/>
@@ -8444,7 +8444,7 @@
             <p:cNvPr id="423" name="Rectangle 422">
               <a:extLst>
                 <a:ext uri="{FF2B5EF4-FFF2-40B4-BE49-F238E27FC236}">
-                  <a16:creationId xmlns:a16="http://schemas.microsoft.com/office/drawing/2014/main" id="{A0DC535D-A3CC-A14E-A9B2-F8F3F2FDA482}"/>
+                  <a16:creationId xmlns:a16="http://schemas.microsoft.com/office/drawing/2014/main" xmlns="" id="{A0DC535D-A3CC-A14E-A9B2-F8F3F2FDA482}"/>
                 </a:ext>
               </a:extLst>
             </p:cNvPr>
@@ -8504,7 +8504,7 @@
             <p:cNvPr id="424" name="TextBox 423">
               <a:extLst>
                 <a:ext uri="{FF2B5EF4-FFF2-40B4-BE49-F238E27FC236}">
-                  <a16:creationId xmlns:a16="http://schemas.microsoft.com/office/drawing/2014/main" id="{BF510072-AF43-F94B-BF86-D92C73C5395F}"/>
+                  <a16:creationId xmlns:a16="http://schemas.microsoft.com/office/drawing/2014/main" xmlns="" id="{BF510072-AF43-F94B-BF86-D92C73C5395F}"/>
                 </a:ext>
               </a:extLst>
             </p:cNvPr>
@@ -8543,7 +8543,7 @@
           <p:cNvPr id="425" name="Straight Arrow Connector 424">
             <a:extLst>
               <a:ext uri="{FF2B5EF4-FFF2-40B4-BE49-F238E27FC236}">
-                <a16:creationId xmlns:a16="http://schemas.microsoft.com/office/drawing/2014/main" id="{2B2B91FC-BED0-D743-94CE-9BEEC686C7EA}"/>
+                <a16:creationId xmlns:a16="http://schemas.microsoft.com/office/drawing/2014/main" xmlns="" id="{2B2B91FC-BED0-D743-94CE-9BEEC686C7EA}"/>
               </a:ext>
             </a:extLst>
           </p:cNvPr>
@@ -8556,7 +8556,7 @@
         </p:nvCxnSpPr>
         <p:spPr>
           <a:xfrm flipH="1" flipV="1">
-            <a:off x="7213517" y="3443834"/>
+            <a:off x="6932542" y="3443834"/>
             <a:ext cx="643966" cy="231212"/>
           </a:xfrm>
           <a:prstGeom prst="straightConnector1">
@@ -8589,7 +8589,7 @@
           <p:cNvPr id="426" name="Straight Arrow Connector 425">
             <a:extLst>
               <a:ext uri="{FF2B5EF4-FFF2-40B4-BE49-F238E27FC236}">
-                <a16:creationId xmlns:a16="http://schemas.microsoft.com/office/drawing/2014/main" id="{0A6D0E1C-6623-7A4E-ABF6-BFBC589EC1D6}"/>
+                <a16:creationId xmlns:a16="http://schemas.microsoft.com/office/drawing/2014/main" xmlns="" id="{0A6D0E1C-6623-7A4E-ABF6-BFBC589EC1D6}"/>
               </a:ext>
             </a:extLst>
           </p:cNvPr>
@@ -8602,7 +8602,7 @@
         </p:nvCxnSpPr>
         <p:spPr>
           <a:xfrm flipH="1">
-            <a:off x="7214137" y="3675047"/>
+            <a:off x="6933162" y="3675047"/>
             <a:ext cx="643347" cy="316651"/>
           </a:xfrm>
           <a:prstGeom prst="straightConnector1">
@@ -8635,7 +8635,7 @@
           <p:cNvPr id="427" name="Straight Arrow Connector 426">
             <a:extLst>
               <a:ext uri="{FF2B5EF4-FFF2-40B4-BE49-F238E27FC236}">
-                <a16:creationId xmlns:a16="http://schemas.microsoft.com/office/drawing/2014/main" id="{E3898624-72A6-E647-9760-A5B7F68C5CAE}"/>
+                <a16:creationId xmlns:a16="http://schemas.microsoft.com/office/drawing/2014/main" xmlns="" id="{E3898624-72A6-E647-9760-A5B7F68C5CAE}"/>
               </a:ext>
             </a:extLst>
           </p:cNvPr>
@@ -8648,7 +8648,7 @@
         </p:nvCxnSpPr>
         <p:spPr>
           <a:xfrm flipH="1">
-            <a:off x="7226545" y="4546237"/>
+            <a:off x="6945570" y="4546237"/>
             <a:ext cx="639910" cy="1207"/>
           </a:xfrm>
           <a:prstGeom prst="straightConnector1">
@@ -8681,7 +8681,7 @@
           <p:cNvPr id="428" name="Straight Arrow Connector 427">
             <a:extLst>
               <a:ext uri="{FF2B5EF4-FFF2-40B4-BE49-F238E27FC236}">
-                <a16:creationId xmlns:a16="http://schemas.microsoft.com/office/drawing/2014/main" id="{63EC254A-3699-164F-AB73-F86896630235}"/>
+                <a16:creationId xmlns:a16="http://schemas.microsoft.com/office/drawing/2014/main" xmlns="" id="{63EC254A-3699-164F-AB73-F86896630235}"/>
               </a:ext>
             </a:extLst>
           </p:cNvPr>
@@ -8694,7 +8694,7 @@
         </p:nvCxnSpPr>
         <p:spPr>
           <a:xfrm flipH="1" flipV="1">
-            <a:off x="7214137" y="3991698"/>
+            <a:off x="6933162" y="3991698"/>
             <a:ext cx="652319" cy="554539"/>
           </a:xfrm>
           <a:prstGeom prst="straightConnector1">
@@ -8727,7 +8727,7 @@
           <p:cNvPr id="429" name="Oval 428">
             <a:extLst>
               <a:ext uri="{FF2B5EF4-FFF2-40B4-BE49-F238E27FC236}">
-                <a16:creationId xmlns:a16="http://schemas.microsoft.com/office/drawing/2014/main" id="{CF38870D-F07A-5045-907F-08C925DD53A7}"/>
+                <a16:creationId xmlns:a16="http://schemas.microsoft.com/office/drawing/2014/main" xmlns="" id="{CF38870D-F07A-5045-907F-08C925DD53A7}"/>
               </a:ext>
             </a:extLst>
           </p:cNvPr>
@@ -8736,7 +8736,7 @@
         </p:nvSpPr>
         <p:spPr>
           <a:xfrm>
-            <a:off x="8743083" y="3477780"/>
+            <a:off x="8462108" y="3477780"/>
             <a:ext cx="394531" cy="394531"/>
           </a:xfrm>
           <a:prstGeom prst="ellipse">
@@ -8789,7 +8789,7 @@
           <p:cNvPr id="430" name="TextBox 429">
             <a:extLst>
               <a:ext uri="{FF2B5EF4-FFF2-40B4-BE49-F238E27FC236}">
-                <a16:creationId xmlns:a16="http://schemas.microsoft.com/office/drawing/2014/main" id="{E4BEA4A5-5809-6347-9087-DD99F9DBFFA6}"/>
+                <a16:creationId xmlns:a16="http://schemas.microsoft.com/office/drawing/2014/main" xmlns="" id="{E4BEA4A5-5809-6347-9087-DD99F9DBFFA6}"/>
               </a:ext>
             </a:extLst>
           </p:cNvPr>
@@ -8798,7 +8798,7 @@
         </p:nvSpPr>
         <p:spPr>
           <a:xfrm>
-            <a:off x="8759056" y="3506323"/>
+            <a:off x="8478081" y="3506323"/>
             <a:ext cx="373718" cy="276999"/>
           </a:xfrm>
           <a:prstGeom prst="rect">
@@ -8827,7 +8827,7 @@
           <p:cNvPr id="431" name="Oval 430">
             <a:extLst>
               <a:ext uri="{FF2B5EF4-FFF2-40B4-BE49-F238E27FC236}">
-                <a16:creationId xmlns:a16="http://schemas.microsoft.com/office/drawing/2014/main" id="{D6282D35-91AC-6C49-AEA2-9AA7262B4837}"/>
+                <a16:creationId xmlns:a16="http://schemas.microsoft.com/office/drawing/2014/main" xmlns="" id="{D6282D35-91AC-6C49-AEA2-9AA7262B4837}"/>
               </a:ext>
             </a:extLst>
           </p:cNvPr>
@@ -8836,7 +8836,7 @@
         </p:nvSpPr>
         <p:spPr>
           <a:xfrm>
-            <a:off x="8743083" y="4351003"/>
+            <a:off x="8462108" y="4351003"/>
             <a:ext cx="394531" cy="394531"/>
           </a:xfrm>
           <a:prstGeom prst="ellipse">
@@ -8889,7 +8889,7 @@
           <p:cNvPr id="432" name="TextBox 431">
             <a:extLst>
               <a:ext uri="{FF2B5EF4-FFF2-40B4-BE49-F238E27FC236}">
-                <a16:creationId xmlns:a16="http://schemas.microsoft.com/office/drawing/2014/main" id="{2B55D70E-1D49-4149-8A68-54E71B45CE69}"/>
+                <a16:creationId xmlns:a16="http://schemas.microsoft.com/office/drawing/2014/main" xmlns="" id="{2B55D70E-1D49-4149-8A68-54E71B45CE69}"/>
               </a:ext>
             </a:extLst>
           </p:cNvPr>
@@ -8898,7 +8898,7 @@
         </p:nvSpPr>
         <p:spPr>
           <a:xfrm>
-            <a:off x="8747966" y="4409768"/>
+            <a:off x="8466991" y="4409768"/>
             <a:ext cx="340158" cy="276999"/>
           </a:xfrm>
           <a:prstGeom prst="rect">
@@ -8927,7 +8927,7 @@
           <p:cNvPr id="433" name="Group 432">
             <a:extLst>
               <a:ext uri="{FF2B5EF4-FFF2-40B4-BE49-F238E27FC236}">
-                <a16:creationId xmlns:a16="http://schemas.microsoft.com/office/drawing/2014/main" id="{F976A282-2049-3747-9B3A-86598B83A86D}"/>
+                <a16:creationId xmlns:a16="http://schemas.microsoft.com/office/drawing/2014/main" xmlns="" id="{F976A282-2049-3747-9B3A-86598B83A86D}"/>
               </a:ext>
             </a:extLst>
           </p:cNvPr>
@@ -8936,7 +8936,7 @@
         </p:nvGrpSpPr>
         <p:grpSpPr>
           <a:xfrm>
-            <a:off x="9631472" y="3443834"/>
+            <a:off x="9350497" y="3443834"/>
             <a:ext cx="363601" cy="394531"/>
             <a:chOff x="2658477" y="4455131"/>
             <a:chExt cx="363601" cy="394531"/>
@@ -8950,7 +8950,7 @@
             <p:cNvPr id="434" name="Rectangle 433">
               <a:extLst>
                 <a:ext uri="{FF2B5EF4-FFF2-40B4-BE49-F238E27FC236}">
-                  <a16:creationId xmlns:a16="http://schemas.microsoft.com/office/drawing/2014/main" id="{16824020-9DB6-4646-9D9A-F3402AED4922}"/>
+                  <a16:creationId xmlns:a16="http://schemas.microsoft.com/office/drawing/2014/main" xmlns="" id="{16824020-9DB6-4646-9D9A-F3402AED4922}"/>
                 </a:ext>
               </a:extLst>
             </p:cNvPr>
@@ -9010,7 +9010,7 @@
             <p:cNvPr id="435" name="TextBox 434">
               <a:extLst>
                 <a:ext uri="{FF2B5EF4-FFF2-40B4-BE49-F238E27FC236}">
-                  <a16:creationId xmlns:a16="http://schemas.microsoft.com/office/drawing/2014/main" id="{52EA7904-5B98-6040-B3D1-E1F8BC23B6FE}"/>
+                  <a16:creationId xmlns:a16="http://schemas.microsoft.com/office/drawing/2014/main" xmlns="" id="{52EA7904-5B98-6040-B3D1-E1F8BC23B6FE}"/>
                 </a:ext>
               </a:extLst>
             </p:cNvPr>
@@ -9049,7 +9049,7 @@
           <p:cNvPr id="436" name="Group 435">
             <a:extLst>
               <a:ext uri="{FF2B5EF4-FFF2-40B4-BE49-F238E27FC236}">
-                <a16:creationId xmlns:a16="http://schemas.microsoft.com/office/drawing/2014/main" id="{8E49D455-E70D-8948-9CD8-DDCE66797EA7}"/>
+                <a16:creationId xmlns:a16="http://schemas.microsoft.com/office/drawing/2014/main" xmlns="" id="{8E49D455-E70D-8948-9CD8-DDCE66797EA7}"/>
               </a:ext>
             </a:extLst>
           </p:cNvPr>
@@ -9058,7 +9058,7 @@
         </p:nvGrpSpPr>
         <p:grpSpPr>
           <a:xfrm>
-            <a:off x="9641889" y="4348970"/>
+            <a:off x="9360914" y="4348970"/>
             <a:ext cx="363601" cy="394531"/>
             <a:chOff x="2658477" y="4455131"/>
             <a:chExt cx="363601" cy="394531"/>
@@ -9072,7 +9072,7 @@
             <p:cNvPr id="437" name="Rectangle 436">
               <a:extLst>
                 <a:ext uri="{FF2B5EF4-FFF2-40B4-BE49-F238E27FC236}">
-                  <a16:creationId xmlns:a16="http://schemas.microsoft.com/office/drawing/2014/main" id="{293E5CA5-11BF-5C43-869F-5A41AAF2F345}"/>
+                  <a16:creationId xmlns:a16="http://schemas.microsoft.com/office/drawing/2014/main" xmlns="" id="{293E5CA5-11BF-5C43-869F-5A41AAF2F345}"/>
                 </a:ext>
               </a:extLst>
             </p:cNvPr>
@@ -9132,7 +9132,7 @@
             <p:cNvPr id="438" name="TextBox 437">
               <a:extLst>
                 <a:ext uri="{FF2B5EF4-FFF2-40B4-BE49-F238E27FC236}">
-                  <a16:creationId xmlns:a16="http://schemas.microsoft.com/office/drawing/2014/main" id="{C69305AE-6323-F84D-9582-C7309A01BAFE}"/>
+                  <a16:creationId xmlns:a16="http://schemas.microsoft.com/office/drawing/2014/main" xmlns="" id="{C69305AE-6323-F84D-9582-C7309A01BAFE}"/>
                 </a:ext>
               </a:extLst>
             </p:cNvPr>
@@ -9171,7 +9171,7 @@
           <p:cNvPr id="439" name="TextBox 438">
             <a:extLst>
               <a:ext uri="{FF2B5EF4-FFF2-40B4-BE49-F238E27FC236}">
-                <a16:creationId xmlns:a16="http://schemas.microsoft.com/office/drawing/2014/main" id="{F0491576-9AD0-B944-AE81-1CA7B5CBB845}"/>
+                <a16:creationId xmlns:a16="http://schemas.microsoft.com/office/drawing/2014/main" xmlns="" id="{F0491576-9AD0-B944-AE81-1CA7B5CBB845}"/>
               </a:ext>
             </a:extLst>
           </p:cNvPr>
@@ -9180,7 +9180,7 @@
         </p:nvSpPr>
         <p:spPr>
           <a:xfrm>
-            <a:off x="6858400" y="4399684"/>
+            <a:off x="6577425" y="4399684"/>
             <a:ext cx="340158" cy="276999"/>
           </a:xfrm>
           <a:prstGeom prst="rect">
@@ -9209,7 +9209,7 @@
           <p:cNvPr id="440" name="TextBox 439">
             <a:extLst>
               <a:ext uri="{FF2B5EF4-FFF2-40B4-BE49-F238E27FC236}">
-                <a16:creationId xmlns:a16="http://schemas.microsoft.com/office/drawing/2014/main" id="{BF3E6D94-ACEB-374E-91C7-ED01963847F6}"/>
+                <a16:creationId xmlns:a16="http://schemas.microsoft.com/office/drawing/2014/main" xmlns="" id="{BF3E6D94-ACEB-374E-91C7-ED01963847F6}"/>
               </a:ext>
             </a:extLst>
           </p:cNvPr>
@@ -9218,7 +9218,7 @@
         </p:nvSpPr>
         <p:spPr>
           <a:xfrm>
-            <a:off x="6858400" y="3857587"/>
+            <a:off x="6577425" y="3857587"/>
             <a:ext cx="340158" cy="276999"/>
           </a:xfrm>
           <a:prstGeom prst="rect">
@@ -9247,7 +9247,7 @@
           <p:cNvPr id="441" name="TextBox 440">
             <a:extLst>
               <a:ext uri="{FF2B5EF4-FFF2-40B4-BE49-F238E27FC236}">
-                <a16:creationId xmlns:a16="http://schemas.microsoft.com/office/drawing/2014/main" id="{F4A2CC0D-1D33-9E46-BC5D-3A319B1A05B6}"/>
+                <a16:creationId xmlns:a16="http://schemas.microsoft.com/office/drawing/2014/main" xmlns="" id="{F4A2CC0D-1D33-9E46-BC5D-3A319B1A05B6}"/>
               </a:ext>
             </a:extLst>
           </p:cNvPr>
@@ -9256,7 +9256,7 @@
         </p:nvSpPr>
         <p:spPr>
           <a:xfrm>
-            <a:off x="6883422" y="3320681"/>
+            <a:off x="6602447" y="3320681"/>
             <a:ext cx="340158" cy="276999"/>
           </a:xfrm>
           <a:prstGeom prst="rect">
@@ -9285,7 +9285,7 @@
           <p:cNvPr id="442" name="Straight Arrow Connector 441">
             <a:extLst>
               <a:ext uri="{FF2B5EF4-FFF2-40B4-BE49-F238E27FC236}">
-                <a16:creationId xmlns:a16="http://schemas.microsoft.com/office/drawing/2014/main" id="{97711CA6-054B-9F47-A0F2-981826764F12}"/>
+                <a16:creationId xmlns:a16="http://schemas.microsoft.com/office/drawing/2014/main" xmlns="" id="{97711CA6-054B-9F47-A0F2-981826764F12}"/>
               </a:ext>
             </a:extLst>
           </p:cNvPr>
@@ -9298,7 +9298,7 @@
         </p:nvCxnSpPr>
         <p:spPr>
           <a:xfrm flipH="1">
-            <a:off x="8221084" y="3675046"/>
+            <a:off x="7940109" y="3675046"/>
             <a:ext cx="521996" cy="1"/>
           </a:xfrm>
           <a:prstGeom prst="straightConnector1">
@@ -9331,7 +9331,7 @@
           <p:cNvPr id="443" name="Straight Arrow Connector 442">
             <a:extLst>
               <a:ext uri="{FF2B5EF4-FFF2-40B4-BE49-F238E27FC236}">
-                <a16:creationId xmlns:a16="http://schemas.microsoft.com/office/drawing/2014/main" id="{4DFCBA40-3407-3D41-BC85-73924A567D6D}"/>
+                <a16:creationId xmlns:a16="http://schemas.microsoft.com/office/drawing/2014/main" xmlns="" id="{4DFCBA40-3407-3D41-BC85-73924A567D6D}"/>
               </a:ext>
             </a:extLst>
           </p:cNvPr>
@@ -9344,7 +9344,7 @@
         </p:nvCxnSpPr>
         <p:spPr>
           <a:xfrm flipH="1" flipV="1">
-            <a:off x="8226217" y="4531282"/>
+            <a:off x="7945242" y="4531282"/>
             <a:ext cx="516866" cy="16987"/>
           </a:xfrm>
           <a:prstGeom prst="straightConnector1">
@@ -9377,7 +9377,7 @@
           <p:cNvPr id="444" name="Straight Arrow Connector 443">
             <a:extLst>
               <a:ext uri="{FF2B5EF4-FFF2-40B4-BE49-F238E27FC236}">
-                <a16:creationId xmlns:a16="http://schemas.microsoft.com/office/drawing/2014/main" id="{089E0605-0A6E-0340-9B88-1D22B2CD8F32}"/>
+                <a16:creationId xmlns:a16="http://schemas.microsoft.com/office/drawing/2014/main" xmlns="" id="{089E0605-0A6E-0340-9B88-1D22B2CD8F32}"/>
               </a:ext>
             </a:extLst>
           </p:cNvPr>
@@ -9390,7 +9390,7 @@
         </p:nvCxnSpPr>
         <p:spPr>
           <a:xfrm flipH="1">
-            <a:off x="9132774" y="3641100"/>
+            <a:off x="8851799" y="3641100"/>
             <a:ext cx="498698" cy="3723"/>
           </a:xfrm>
           <a:prstGeom prst="straightConnector1">
@@ -9423,7 +9423,7 @@
           <p:cNvPr id="445" name="Straight Arrow Connector 444">
             <a:extLst>
               <a:ext uri="{FF2B5EF4-FFF2-40B4-BE49-F238E27FC236}">
-                <a16:creationId xmlns:a16="http://schemas.microsoft.com/office/drawing/2014/main" id="{BE2B71C1-D48D-2A44-9407-B2BCEE708AB0}"/>
+                <a16:creationId xmlns:a16="http://schemas.microsoft.com/office/drawing/2014/main" xmlns="" id="{BE2B71C1-D48D-2A44-9407-B2BCEE708AB0}"/>
               </a:ext>
             </a:extLst>
           </p:cNvPr>
@@ -9436,7 +9436,7 @@
         </p:nvCxnSpPr>
         <p:spPr>
           <a:xfrm flipH="1">
-            <a:off x="9137614" y="4546236"/>
+            <a:off x="8856639" y="4546236"/>
             <a:ext cx="504275" cy="2033"/>
           </a:xfrm>
           <a:prstGeom prst="straightConnector1">
@@ -9469,7 +9469,7 @@
           <p:cNvPr id="446" name="TextBox 445">
             <a:extLst>
               <a:ext uri="{FF2B5EF4-FFF2-40B4-BE49-F238E27FC236}">
-                <a16:creationId xmlns:a16="http://schemas.microsoft.com/office/drawing/2014/main" id="{4824ED4B-D9DC-5D4D-94BC-C0E73D33A55D}"/>
+                <a16:creationId xmlns:a16="http://schemas.microsoft.com/office/drawing/2014/main" xmlns="" id="{4824ED4B-D9DC-5D4D-94BC-C0E73D33A55D}"/>
               </a:ext>
             </a:extLst>
           </p:cNvPr>
@@ -9478,7 +9478,7 @@
         </p:nvSpPr>
         <p:spPr>
           <a:xfrm>
-            <a:off x="7223072" y="3547859"/>
+            <a:off x="6942097" y="3547859"/>
             <a:ext cx="482824" cy="276999"/>
           </a:xfrm>
           <a:prstGeom prst="rect">
@@ -9507,7 +9507,7 @@
           <p:cNvPr id="447" name="TextBox 446">
             <a:extLst>
               <a:ext uri="{FF2B5EF4-FFF2-40B4-BE49-F238E27FC236}">
-                <a16:creationId xmlns:a16="http://schemas.microsoft.com/office/drawing/2014/main" id="{8D53AAB2-F8E2-294D-9271-DC4E6C92352C}"/>
+                <a16:creationId xmlns:a16="http://schemas.microsoft.com/office/drawing/2014/main" xmlns="" id="{8D53AAB2-F8E2-294D-9271-DC4E6C92352C}"/>
               </a:ext>
             </a:extLst>
           </p:cNvPr>
@@ -9516,7 +9516,7 @@
         </p:nvSpPr>
         <p:spPr>
           <a:xfrm>
-            <a:off x="7233491" y="4308349"/>
+            <a:off x="6952516" y="4308349"/>
             <a:ext cx="482824" cy="276999"/>
           </a:xfrm>
           <a:prstGeom prst="rect">
@@ -9545,7 +9545,7 @@
           <p:cNvPr id="448" name="TextBox 447">
             <a:extLst>
               <a:ext uri="{FF2B5EF4-FFF2-40B4-BE49-F238E27FC236}">
-                <a16:creationId xmlns:a16="http://schemas.microsoft.com/office/drawing/2014/main" id="{A02B6CA2-8C66-D646-B793-0ECB917A03D7}"/>
+                <a16:creationId xmlns:a16="http://schemas.microsoft.com/office/drawing/2014/main" xmlns="" id="{A02B6CA2-8C66-D646-B793-0ECB917A03D7}"/>
               </a:ext>
             </a:extLst>
           </p:cNvPr>
@@ -9554,7 +9554,7 @@
         </p:nvSpPr>
         <p:spPr>
           <a:xfrm>
-            <a:off x="9156461" y="3395223"/>
+            <a:off x="8875486" y="3395223"/>
             <a:ext cx="482824" cy="276999"/>
           </a:xfrm>
           <a:prstGeom prst="rect">
@@ -9583,7 +9583,7 @@
           <p:cNvPr id="449" name="TextBox 448">
             <a:extLst>
               <a:ext uri="{FF2B5EF4-FFF2-40B4-BE49-F238E27FC236}">
-                <a16:creationId xmlns:a16="http://schemas.microsoft.com/office/drawing/2014/main" id="{178BA36C-4AD1-6746-8F72-58BE18BC7544}"/>
+                <a16:creationId xmlns:a16="http://schemas.microsoft.com/office/drawing/2014/main" xmlns="" id="{178BA36C-4AD1-6746-8F72-58BE18BC7544}"/>
               </a:ext>
             </a:extLst>
           </p:cNvPr>
@@ -9592,7 +9592,7 @@
         </p:nvSpPr>
         <p:spPr>
           <a:xfrm>
-            <a:off x="9164274" y="4294321"/>
+            <a:off x="8883299" y="4294321"/>
             <a:ext cx="479618" cy="276999"/>
           </a:xfrm>
           <a:prstGeom prst="rect">
@@ -9621,7 +9621,7 @@
           <p:cNvPr id="450" name="TextBox 449">
             <a:extLst>
               <a:ext uri="{FF2B5EF4-FFF2-40B4-BE49-F238E27FC236}">
-                <a16:creationId xmlns:a16="http://schemas.microsoft.com/office/drawing/2014/main" id="{285F8732-98E2-7348-9550-714917497A2A}"/>
+                <a16:creationId xmlns:a16="http://schemas.microsoft.com/office/drawing/2014/main" xmlns="" id="{285F8732-98E2-7348-9550-714917497A2A}"/>
               </a:ext>
             </a:extLst>
           </p:cNvPr>
@@ -9630,7 +9630,7 @@
         </p:nvSpPr>
         <p:spPr>
           <a:xfrm>
-            <a:off x="8246216" y="3395224"/>
+            <a:off x="7965241" y="3395224"/>
             <a:ext cx="510333" cy="276999"/>
           </a:xfrm>
           <a:prstGeom prst="rect">
@@ -9663,7 +9663,7 @@
           <p:cNvPr id="451" name="TextBox 450">
             <a:extLst>
               <a:ext uri="{FF2B5EF4-FFF2-40B4-BE49-F238E27FC236}">
-                <a16:creationId xmlns:a16="http://schemas.microsoft.com/office/drawing/2014/main" id="{318AA0CC-341E-934B-BFBB-8B0DF94DD700}"/>
+                <a16:creationId xmlns:a16="http://schemas.microsoft.com/office/drawing/2014/main" xmlns="" id="{318AA0CC-341E-934B-BFBB-8B0DF94DD700}"/>
               </a:ext>
             </a:extLst>
           </p:cNvPr>
@@ -9672,7 +9672,7 @@
         </p:nvSpPr>
         <p:spPr>
           <a:xfrm>
-            <a:off x="8257297" y="4268967"/>
+            <a:off x="7976322" y="4268967"/>
             <a:ext cx="510333" cy="276999"/>
           </a:xfrm>
           <a:prstGeom prst="rect">
@@ -9705,7 +9705,7 @@
           <p:cNvPr id="452" name="Group 451">
             <a:extLst>
               <a:ext uri="{FF2B5EF4-FFF2-40B4-BE49-F238E27FC236}">
-                <a16:creationId xmlns:a16="http://schemas.microsoft.com/office/drawing/2014/main" id="{B6B13905-BB99-C949-9AF3-B24E15F35CB5}"/>
+                <a16:creationId xmlns:a16="http://schemas.microsoft.com/office/drawing/2014/main" xmlns="" id="{B6B13905-BB99-C949-9AF3-B24E15F35CB5}"/>
               </a:ext>
             </a:extLst>
           </p:cNvPr>
@@ -9714,7 +9714,7 @@
         </p:nvGrpSpPr>
         <p:grpSpPr>
           <a:xfrm>
-            <a:off x="6840172" y="4940768"/>
+            <a:off x="6559197" y="4940768"/>
             <a:ext cx="394531" cy="394531"/>
             <a:chOff x="2397512" y="1594624"/>
             <a:chExt cx="635620" cy="635620"/>
@@ -9725,7 +9725,7 @@
             <p:cNvPr id="453" name="Oval 452">
               <a:extLst>
                 <a:ext uri="{FF2B5EF4-FFF2-40B4-BE49-F238E27FC236}">
-                  <a16:creationId xmlns:a16="http://schemas.microsoft.com/office/drawing/2014/main" id="{CB33B9B0-7A12-9B4D-A240-47E46B6DF3EC}"/>
+                  <a16:creationId xmlns:a16="http://schemas.microsoft.com/office/drawing/2014/main" xmlns="" id="{CB33B9B0-7A12-9B4D-A240-47E46B6DF3EC}"/>
                 </a:ext>
               </a:extLst>
             </p:cNvPr>
@@ -9785,7 +9785,7 @@
             <p:cNvPr id="454" name="TextBox 453">
               <a:extLst>
                 <a:ext uri="{FF2B5EF4-FFF2-40B4-BE49-F238E27FC236}">
-                  <a16:creationId xmlns:a16="http://schemas.microsoft.com/office/drawing/2014/main" id="{B18AE215-E8A8-9143-9B51-BC9370988516}"/>
+                  <a16:creationId xmlns:a16="http://schemas.microsoft.com/office/drawing/2014/main" xmlns="" id="{B18AE215-E8A8-9143-9B51-BC9370988516}"/>
                 </a:ext>
               </a:extLst>
             </p:cNvPr>
@@ -9821,7 +9821,7 @@
           <p:cNvPr id="455" name="TextBox 454">
             <a:extLst>
               <a:ext uri="{FF2B5EF4-FFF2-40B4-BE49-F238E27FC236}">
-                <a16:creationId xmlns:a16="http://schemas.microsoft.com/office/drawing/2014/main" id="{8BEB09B6-180F-7F42-B93E-5B7FA2A07F16}"/>
+                <a16:creationId xmlns:a16="http://schemas.microsoft.com/office/drawing/2014/main" xmlns="" id="{8BEB09B6-180F-7F42-B93E-5B7FA2A07F16}"/>
               </a:ext>
             </a:extLst>
           </p:cNvPr>
@@ -9830,7 +9830,7 @@
         </p:nvSpPr>
         <p:spPr>
           <a:xfrm>
-            <a:off x="6854700" y="5003900"/>
+            <a:off x="6573725" y="5003900"/>
             <a:ext cx="340158" cy="276999"/>
           </a:xfrm>
           <a:prstGeom prst="rect">
@@ -9859,7 +9859,7 @@
           <p:cNvPr id="456" name="Group 455">
             <a:extLst>
               <a:ext uri="{FF2B5EF4-FFF2-40B4-BE49-F238E27FC236}">
-                <a16:creationId xmlns:a16="http://schemas.microsoft.com/office/drawing/2014/main" id="{F603351A-F7FD-174E-9A5E-AC069144F52F}"/>
+                <a16:creationId xmlns:a16="http://schemas.microsoft.com/office/drawing/2014/main" xmlns="" id="{F603351A-F7FD-174E-9A5E-AC069144F52F}"/>
               </a:ext>
             </a:extLst>
           </p:cNvPr>
@@ -9868,7 +9868,7 @@
         </p:nvGrpSpPr>
         <p:grpSpPr>
           <a:xfrm>
-            <a:off x="5966595" y="3794432"/>
+            <a:off x="5685620" y="3794432"/>
             <a:ext cx="370458" cy="394531"/>
             <a:chOff x="2651620" y="4455131"/>
             <a:chExt cx="370458" cy="394531"/>
@@ -9879,7 +9879,7 @@
             <p:cNvPr id="457" name="Rectangle 456">
               <a:extLst>
                 <a:ext uri="{FF2B5EF4-FFF2-40B4-BE49-F238E27FC236}">
-                  <a16:creationId xmlns:a16="http://schemas.microsoft.com/office/drawing/2014/main" id="{B60C5576-DA26-8B4B-810C-9B880483E9D7}"/>
+                  <a16:creationId xmlns:a16="http://schemas.microsoft.com/office/drawing/2014/main" xmlns="" id="{B60C5576-DA26-8B4B-810C-9B880483E9D7}"/>
                 </a:ext>
               </a:extLst>
             </p:cNvPr>
@@ -9939,7 +9939,7 @@
             <p:cNvPr id="458" name="TextBox 457">
               <a:extLst>
                 <a:ext uri="{FF2B5EF4-FFF2-40B4-BE49-F238E27FC236}">
-                  <a16:creationId xmlns:a16="http://schemas.microsoft.com/office/drawing/2014/main" id="{1F0E27C0-2647-0247-990E-7B2452F4CB64}"/>
+                  <a16:creationId xmlns:a16="http://schemas.microsoft.com/office/drawing/2014/main" xmlns="" id="{1F0E27C0-2647-0247-990E-7B2452F4CB64}"/>
                 </a:ext>
               </a:extLst>
             </p:cNvPr>
@@ -9978,7 +9978,7 @@
           <p:cNvPr id="459" name="Straight Arrow Connector 458">
             <a:extLst>
               <a:ext uri="{FF2B5EF4-FFF2-40B4-BE49-F238E27FC236}">
-                <a16:creationId xmlns:a16="http://schemas.microsoft.com/office/drawing/2014/main" id="{19A0BA80-8E00-2C41-A95D-D531169BE9C1}"/>
+                <a16:creationId xmlns:a16="http://schemas.microsoft.com/office/drawing/2014/main" xmlns="" id="{19A0BA80-8E00-2C41-A95D-D531169BE9C1}"/>
               </a:ext>
             </a:extLst>
           </p:cNvPr>
@@ -9991,7 +9991,7 @@
         </p:nvCxnSpPr>
         <p:spPr>
           <a:xfrm flipH="1">
-            <a:off x="9137614" y="3641100"/>
+            <a:off x="8856639" y="3641100"/>
             <a:ext cx="493858" cy="907169"/>
           </a:xfrm>
           <a:prstGeom prst="straightConnector1">
@@ -10024,7 +10024,7 @@
           <p:cNvPr id="460" name="Straight Arrow Connector 459">
             <a:extLst>
               <a:ext uri="{FF2B5EF4-FFF2-40B4-BE49-F238E27FC236}">
-                <a16:creationId xmlns:a16="http://schemas.microsoft.com/office/drawing/2014/main" id="{B46D2B00-6ED2-B640-8752-29A6BE0B8BE1}"/>
+                <a16:creationId xmlns:a16="http://schemas.microsoft.com/office/drawing/2014/main" xmlns="" id="{B46D2B00-6ED2-B640-8752-29A6BE0B8BE1}"/>
               </a:ext>
             </a:extLst>
           </p:cNvPr>
@@ -10037,7 +10037,7 @@
         </p:nvCxnSpPr>
         <p:spPr>
           <a:xfrm flipH="1">
-            <a:off x="7234703" y="4546237"/>
+            <a:off x="6953728" y="4546237"/>
             <a:ext cx="631752" cy="591797"/>
           </a:xfrm>
           <a:prstGeom prst="straightConnector1">
@@ -10070,7 +10070,7 @@
           <p:cNvPr id="461" name="Straight Arrow Connector 460">
             <a:extLst>
               <a:ext uri="{FF2B5EF4-FFF2-40B4-BE49-F238E27FC236}">
-                <a16:creationId xmlns:a16="http://schemas.microsoft.com/office/drawing/2014/main" id="{8D6D06A7-7B62-0F4A-96AF-4BFEDD2E25E9}"/>
+                <a16:creationId xmlns:a16="http://schemas.microsoft.com/office/drawing/2014/main" xmlns="" id="{8D6D06A7-7B62-0F4A-96AF-4BFEDD2E25E9}"/>
               </a:ext>
             </a:extLst>
           </p:cNvPr>
@@ -10083,7 +10083,7 @@
         </p:nvCxnSpPr>
         <p:spPr>
           <a:xfrm flipH="1">
-            <a:off x="6337053" y="3991698"/>
+            <a:off x="6056078" y="3991698"/>
             <a:ext cx="482553" cy="0"/>
           </a:xfrm>
           <a:prstGeom prst="straightConnector1">
@@ -10116,7 +10116,7 @@
           <p:cNvPr id="462" name="Right Arrow 461">
             <a:extLst>
               <a:ext uri="{FF2B5EF4-FFF2-40B4-BE49-F238E27FC236}">
-                <a16:creationId xmlns:a16="http://schemas.microsoft.com/office/drawing/2014/main" id="{44230562-B9B2-114B-AA6C-A033D39B6A63}"/>
+                <a16:creationId xmlns:a16="http://schemas.microsoft.com/office/drawing/2014/main" xmlns="" id="{44230562-B9B2-114B-AA6C-A033D39B6A63}"/>
               </a:ext>
             </a:extLst>
           </p:cNvPr>
@@ -10125,7 +10125,7 @@
         </p:nvSpPr>
         <p:spPr>
           <a:xfrm rot="5400000">
-            <a:off x="8221084" y="2621074"/>
+            <a:off x="7940109" y="2621074"/>
             <a:ext cx="672662" cy="435595"/>
           </a:xfrm>
           <a:prstGeom prst="rightArrow">
@@ -10172,7 +10172,7 @@
           <p:cNvPr id="463" name="TextBox 462">
             <a:extLst>
               <a:ext uri="{FF2B5EF4-FFF2-40B4-BE49-F238E27FC236}">
-                <a16:creationId xmlns:a16="http://schemas.microsoft.com/office/drawing/2014/main" id="{62DDBE6C-10D3-5948-8531-1A6B0D4588A6}"/>
+                <a16:creationId xmlns:a16="http://schemas.microsoft.com/office/drawing/2014/main" xmlns="" id="{62DDBE6C-10D3-5948-8531-1A6B0D4588A6}"/>
               </a:ext>
             </a:extLst>
           </p:cNvPr>
@@ -10181,7 +10181,7 @@
         </p:nvSpPr>
         <p:spPr>
           <a:xfrm>
-            <a:off x="8679180" y="2604732"/>
+            <a:off x="8398205" y="2604732"/>
             <a:ext cx="748599" cy="276999"/>
           </a:xfrm>
           <a:prstGeom prst="rect">
@@ -10210,7 +10210,7 @@
           <p:cNvPr id="464" name="TextBox 463">
             <a:extLst>
               <a:ext uri="{FF2B5EF4-FFF2-40B4-BE49-F238E27FC236}">
-                <a16:creationId xmlns:a16="http://schemas.microsoft.com/office/drawing/2014/main" id="{8AB30C20-928C-0E4D-8921-0714CDEFDF77}"/>
+                <a16:creationId xmlns:a16="http://schemas.microsoft.com/office/drawing/2014/main" xmlns="" id="{8AB30C20-928C-0E4D-8921-0714CDEFDF77}"/>
               </a:ext>
             </a:extLst>
           </p:cNvPr>
@@ -10219,7 +10219,7 @@
         </p:nvSpPr>
         <p:spPr>
           <a:xfrm>
-            <a:off x="2667992" y="5280899"/>
+            <a:off x="2387017" y="5280899"/>
             <a:ext cx="364202" cy="276999"/>
           </a:xfrm>
           <a:prstGeom prst="rect">
@@ -10248,7 +10248,7 @@
           <p:cNvPr id="465" name="Group 464">
             <a:extLst>
               <a:ext uri="{FF2B5EF4-FFF2-40B4-BE49-F238E27FC236}">
-                <a16:creationId xmlns:a16="http://schemas.microsoft.com/office/drawing/2014/main" id="{DF6B97FF-0C4F-6241-917B-7137FB69EFDA}"/>
+                <a16:creationId xmlns:a16="http://schemas.microsoft.com/office/drawing/2014/main" xmlns="" id="{DF6B97FF-0C4F-6241-917B-7137FB69EFDA}"/>
               </a:ext>
             </a:extLst>
           </p:cNvPr>
@@ -10257,7 +10257,7 @@
         </p:nvGrpSpPr>
         <p:grpSpPr>
           <a:xfrm>
-            <a:off x="1341785" y="3223730"/>
+            <a:off x="1060810" y="3223730"/>
             <a:ext cx="394531" cy="394531"/>
             <a:chOff x="2397512" y="1594624"/>
             <a:chExt cx="635620" cy="635620"/>
@@ -10269,7 +10269,7 @@
             <p:cNvPr id="466" name="Oval 465">
               <a:extLst>
                 <a:ext uri="{FF2B5EF4-FFF2-40B4-BE49-F238E27FC236}">
-                  <a16:creationId xmlns:a16="http://schemas.microsoft.com/office/drawing/2014/main" id="{5D57BCD6-5219-F34F-AA79-69786FAEB38F}"/>
+                  <a16:creationId xmlns:a16="http://schemas.microsoft.com/office/drawing/2014/main" xmlns="" id="{5D57BCD6-5219-F34F-AA79-69786FAEB38F}"/>
                 </a:ext>
               </a:extLst>
             </p:cNvPr>
@@ -10329,7 +10329,7 @@
             <p:cNvPr id="467" name="TextBox 466">
               <a:extLst>
                 <a:ext uri="{FF2B5EF4-FFF2-40B4-BE49-F238E27FC236}">
-                  <a16:creationId xmlns:a16="http://schemas.microsoft.com/office/drawing/2014/main" id="{68640EA6-3968-0047-BBB2-546738824306}"/>
+                  <a16:creationId xmlns:a16="http://schemas.microsoft.com/office/drawing/2014/main" xmlns="" id="{68640EA6-3968-0047-BBB2-546738824306}"/>
                 </a:ext>
               </a:extLst>
             </p:cNvPr>
@@ -10365,7 +10365,7 @@
           <p:cNvPr id="468" name="Group 467">
             <a:extLst>
               <a:ext uri="{FF2B5EF4-FFF2-40B4-BE49-F238E27FC236}">
-                <a16:creationId xmlns:a16="http://schemas.microsoft.com/office/drawing/2014/main" id="{6D2508C4-4CE1-EA47-A607-CC798FF70E5E}"/>
+                <a16:creationId xmlns:a16="http://schemas.microsoft.com/office/drawing/2014/main" xmlns="" id="{6D2508C4-4CE1-EA47-A607-CC798FF70E5E}"/>
               </a:ext>
             </a:extLst>
           </p:cNvPr>
@@ -10374,7 +10374,7 @@
         </p:nvGrpSpPr>
         <p:grpSpPr>
           <a:xfrm>
-            <a:off x="1342404" y="3771593"/>
+            <a:off x="1061429" y="3771593"/>
             <a:ext cx="394531" cy="394531"/>
             <a:chOff x="2397512" y="1594624"/>
             <a:chExt cx="635620" cy="635620"/>
@@ -10385,7 +10385,7 @@
             <p:cNvPr id="469" name="Oval 468">
               <a:extLst>
                 <a:ext uri="{FF2B5EF4-FFF2-40B4-BE49-F238E27FC236}">
-                  <a16:creationId xmlns:a16="http://schemas.microsoft.com/office/drawing/2014/main" id="{5E6BCB0C-C211-C042-8E74-2C5E039EBAA2}"/>
+                  <a16:creationId xmlns:a16="http://schemas.microsoft.com/office/drawing/2014/main" xmlns="" id="{5E6BCB0C-C211-C042-8E74-2C5E039EBAA2}"/>
                 </a:ext>
               </a:extLst>
             </p:cNvPr>
@@ -10445,7 +10445,7 @@
             <p:cNvPr id="470" name="TextBox 469">
               <a:extLst>
                 <a:ext uri="{FF2B5EF4-FFF2-40B4-BE49-F238E27FC236}">
-                  <a16:creationId xmlns:a16="http://schemas.microsoft.com/office/drawing/2014/main" id="{5AB37B09-2B44-3D42-9137-561EBE8D8E52}"/>
+                  <a16:creationId xmlns:a16="http://schemas.microsoft.com/office/drawing/2014/main" xmlns="" id="{5AB37B09-2B44-3D42-9137-561EBE8D8E52}"/>
                 </a:ext>
               </a:extLst>
             </p:cNvPr>
@@ -10481,7 +10481,7 @@
           <p:cNvPr id="471" name="Group 470">
             <a:extLst>
               <a:ext uri="{FF2B5EF4-FFF2-40B4-BE49-F238E27FC236}">
-                <a16:creationId xmlns:a16="http://schemas.microsoft.com/office/drawing/2014/main" id="{C537BD9D-32C3-004A-B672-F6CE1644C0ED}"/>
+                <a16:creationId xmlns:a16="http://schemas.microsoft.com/office/drawing/2014/main" xmlns="" id="{C537BD9D-32C3-004A-B672-F6CE1644C0ED}"/>
               </a:ext>
             </a:extLst>
           </p:cNvPr>
@@ -10490,7 +10490,7 @@
         </p:nvGrpSpPr>
         <p:grpSpPr>
           <a:xfrm>
-            <a:off x="1354813" y="4327339"/>
+            <a:off x="1073838" y="4327339"/>
             <a:ext cx="394531" cy="394531"/>
             <a:chOff x="2397512" y="1594624"/>
             <a:chExt cx="635620" cy="635620"/>
@@ -10502,7 +10502,7 @@
             <p:cNvPr id="472" name="Oval 471">
               <a:extLst>
                 <a:ext uri="{FF2B5EF4-FFF2-40B4-BE49-F238E27FC236}">
-                  <a16:creationId xmlns:a16="http://schemas.microsoft.com/office/drawing/2014/main" id="{63D66E95-155D-764A-B967-25BB01EC718F}"/>
+                  <a16:creationId xmlns:a16="http://schemas.microsoft.com/office/drawing/2014/main" xmlns="" id="{63D66E95-155D-764A-B967-25BB01EC718F}"/>
                 </a:ext>
               </a:extLst>
             </p:cNvPr>
@@ -10562,7 +10562,7 @@
             <p:cNvPr id="473" name="TextBox 472">
               <a:extLst>
                 <a:ext uri="{FF2B5EF4-FFF2-40B4-BE49-F238E27FC236}">
-                  <a16:creationId xmlns:a16="http://schemas.microsoft.com/office/drawing/2014/main" id="{024A0DED-A8BD-564C-AF37-7171A946D446}"/>
+                  <a16:creationId xmlns:a16="http://schemas.microsoft.com/office/drawing/2014/main" xmlns="" id="{024A0DED-A8BD-564C-AF37-7171A946D446}"/>
                 </a:ext>
               </a:extLst>
             </p:cNvPr>
@@ -10598,7 +10598,7 @@
           <p:cNvPr id="480" name="Straight Arrow Connector 479">
             <a:extLst>
               <a:ext uri="{FF2B5EF4-FFF2-40B4-BE49-F238E27FC236}">
-                <a16:creationId xmlns:a16="http://schemas.microsoft.com/office/drawing/2014/main" id="{586291F6-DE58-184E-A276-2312A05B2946}"/>
+                <a16:creationId xmlns:a16="http://schemas.microsoft.com/office/drawing/2014/main" xmlns="" id="{586291F6-DE58-184E-A276-2312A05B2946}"/>
               </a:ext>
             </a:extLst>
           </p:cNvPr>
@@ -10611,7 +10611,7 @@
         </p:nvCxnSpPr>
         <p:spPr>
           <a:xfrm flipH="1" flipV="1">
-            <a:off x="1736316" y="3420996"/>
+            <a:off x="1455341" y="3420996"/>
             <a:ext cx="1279963" cy="891782"/>
           </a:xfrm>
           <a:prstGeom prst="straightConnector1">
@@ -10644,7 +10644,7 @@
           <p:cNvPr id="481" name="Straight Arrow Connector 480">
             <a:extLst>
               <a:ext uri="{FF2B5EF4-FFF2-40B4-BE49-F238E27FC236}">
-                <a16:creationId xmlns:a16="http://schemas.microsoft.com/office/drawing/2014/main" id="{A41A43BC-8538-CA4E-89B8-445E2B864BAA}"/>
+                <a16:creationId xmlns:a16="http://schemas.microsoft.com/office/drawing/2014/main" xmlns="" id="{A41A43BC-8538-CA4E-89B8-445E2B864BAA}"/>
               </a:ext>
             </a:extLst>
           </p:cNvPr>
@@ -10655,7 +10655,7 @@
         </p:nvCxnSpPr>
         <p:spPr>
           <a:xfrm flipH="1" flipV="1">
-            <a:off x="1715417" y="3969738"/>
+            <a:off x="1434442" y="3969738"/>
             <a:ext cx="1260315" cy="454271"/>
           </a:xfrm>
           <a:prstGeom prst="straightConnector1">
@@ -10688,7 +10688,7 @@
           <p:cNvPr id="482" name="Straight Arrow Connector 481">
             <a:extLst>
               <a:ext uri="{FF2B5EF4-FFF2-40B4-BE49-F238E27FC236}">
-                <a16:creationId xmlns:a16="http://schemas.microsoft.com/office/drawing/2014/main" id="{A477E7A4-3C2A-BF46-93A5-E52782051583}"/>
+                <a16:creationId xmlns:a16="http://schemas.microsoft.com/office/drawing/2014/main" xmlns="" id="{A477E7A4-3C2A-BF46-93A5-E52782051583}"/>
               </a:ext>
             </a:extLst>
           </p:cNvPr>
@@ -10700,7 +10700,7 @@
         </p:nvCxnSpPr>
         <p:spPr>
           <a:xfrm flipH="1">
-            <a:off x="1749344" y="4444178"/>
+            <a:off x="1468369" y="4444178"/>
             <a:ext cx="1282850" cy="80427"/>
           </a:xfrm>
           <a:prstGeom prst="straightConnector1">
@@ -10733,7 +10733,7 @@
           <p:cNvPr id="494" name="TextBox 493">
             <a:extLst>
               <a:ext uri="{FF2B5EF4-FFF2-40B4-BE49-F238E27FC236}">
-                <a16:creationId xmlns:a16="http://schemas.microsoft.com/office/drawing/2014/main" id="{3DC8361D-43DC-C441-B139-D47F2381A6FE}"/>
+                <a16:creationId xmlns:a16="http://schemas.microsoft.com/office/drawing/2014/main" xmlns="" id="{3DC8361D-43DC-C441-B139-D47F2381A6FE}"/>
               </a:ext>
             </a:extLst>
           </p:cNvPr>
@@ -10742,7 +10742,7 @@
         </p:nvSpPr>
         <p:spPr>
           <a:xfrm>
-            <a:off x="1381198" y="4376845"/>
+            <a:off x="1100223" y="4376845"/>
             <a:ext cx="340158" cy="276999"/>
           </a:xfrm>
           <a:prstGeom prst="rect">
@@ -10771,7 +10771,7 @@
           <p:cNvPr id="495" name="TextBox 494">
             <a:extLst>
               <a:ext uri="{FF2B5EF4-FFF2-40B4-BE49-F238E27FC236}">
-                <a16:creationId xmlns:a16="http://schemas.microsoft.com/office/drawing/2014/main" id="{24C2DA7C-148C-754F-82FD-AAC44F2E9C74}"/>
+                <a16:creationId xmlns:a16="http://schemas.microsoft.com/office/drawing/2014/main" xmlns="" id="{24C2DA7C-148C-754F-82FD-AAC44F2E9C74}"/>
               </a:ext>
             </a:extLst>
           </p:cNvPr>
@@ -10780,7 +10780,7 @@
         </p:nvSpPr>
         <p:spPr>
           <a:xfrm>
-            <a:off x="1381198" y="3834748"/>
+            <a:off x="1100223" y="3834748"/>
             <a:ext cx="340158" cy="276999"/>
           </a:xfrm>
           <a:prstGeom prst="rect">
@@ -10809,7 +10809,7 @@
           <p:cNvPr id="496" name="TextBox 495">
             <a:extLst>
               <a:ext uri="{FF2B5EF4-FFF2-40B4-BE49-F238E27FC236}">
-                <a16:creationId xmlns:a16="http://schemas.microsoft.com/office/drawing/2014/main" id="{152E05E8-8290-9D4F-984D-1DF28E96E00B}"/>
+                <a16:creationId xmlns:a16="http://schemas.microsoft.com/office/drawing/2014/main" xmlns="" id="{152E05E8-8290-9D4F-984D-1DF28E96E00B}"/>
               </a:ext>
             </a:extLst>
           </p:cNvPr>
@@ -10818,7 +10818,7 @@
         </p:nvSpPr>
         <p:spPr>
           <a:xfrm>
-            <a:off x="1406220" y="3297842"/>
+            <a:off x="1125245" y="3297842"/>
             <a:ext cx="340158" cy="276999"/>
           </a:xfrm>
           <a:prstGeom prst="rect">
@@ -10847,7 +10847,7 @@
           <p:cNvPr id="501" name="TextBox 500">
             <a:extLst>
               <a:ext uri="{FF2B5EF4-FFF2-40B4-BE49-F238E27FC236}">
-                <a16:creationId xmlns:a16="http://schemas.microsoft.com/office/drawing/2014/main" id="{5F69EEA1-2BFB-DC40-B9E7-D8F502FA6E5F}"/>
+                <a16:creationId xmlns:a16="http://schemas.microsoft.com/office/drawing/2014/main" xmlns="" id="{5F69EEA1-2BFB-DC40-B9E7-D8F502FA6E5F}"/>
               </a:ext>
             </a:extLst>
           </p:cNvPr>
@@ -10856,7 +10856,7 @@
         </p:nvSpPr>
         <p:spPr>
           <a:xfrm>
-            <a:off x="2280668" y="4012409"/>
+            <a:off x="1999693" y="4012409"/>
             <a:ext cx="482824" cy="276999"/>
           </a:xfrm>
           <a:prstGeom prst="rect">
@@ -10885,7 +10885,7 @@
           <p:cNvPr id="507" name="Group 506">
             <a:extLst>
               <a:ext uri="{FF2B5EF4-FFF2-40B4-BE49-F238E27FC236}">
-                <a16:creationId xmlns:a16="http://schemas.microsoft.com/office/drawing/2014/main" id="{59B86AAB-C933-B541-BD97-6D237427E62F}"/>
+                <a16:creationId xmlns:a16="http://schemas.microsoft.com/office/drawing/2014/main" xmlns="" id="{59B86AAB-C933-B541-BD97-6D237427E62F}"/>
               </a:ext>
             </a:extLst>
           </p:cNvPr>
@@ -10894,7 +10894,7 @@
         </p:nvGrpSpPr>
         <p:grpSpPr>
           <a:xfrm>
-            <a:off x="1362970" y="4917929"/>
+            <a:off x="1081995" y="4917929"/>
             <a:ext cx="394531" cy="394531"/>
             <a:chOff x="2397512" y="1594624"/>
             <a:chExt cx="635620" cy="635620"/>
@@ -10905,7 +10905,7 @@
             <p:cNvPr id="508" name="Oval 507">
               <a:extLst>
                 <a:ext uri="{FF2B5EF4-FFF2-40B4-BE49-F238E27FC236}">
-                  <a16:creationId xmlns:a16="http://schemas.microsoft.com/office/drawing/2014/main" id="{CA6C0272-7DD9-6B4B-9EAC-0C015BD04F85}"/>
+                  <a16:creationId xmlns:a16="http://schemas.microsoft.com/office/drawing/2014/main" xmlns="" id="{CA6C0272-7DD9-6B4B-9EAC-0C015BD04F85}"/>
                 </a:ext>
               </a:extLst>
             </p:cNvPr>
@@ -10965,7 +10965,7 @@
             <p:cNvPr id="509" name="TextBox 508">
               <a:extLst>
                 <a:ext uri="{FF2B5EF4-FFF2-40B4-BE49-F238E27FC236}">
-                  <a16:creationId xmlns:a16="http://schemas.microsoft.com/office/drawing/2014/main" id="{B9BB64D6-0383-B745-AEA5-E0F525C33A49}"/>
+                  <a16:creationId xmlns:a16="http://schemas.microsoft.com/office/drawing/2014/main" xmlns="" id="{B9BB64D6-0383-B745-AEA5-E0F525C33A49}"/>
                 </a:ext>
               </a:extLst>
             </p:cNvPr>
@@ -11001,7 +11001,7 @@
           <p:cNvPr id="510" name="TextBox 509">
             <a:extLst>
               <a:ext uri="{FF2B5EF4-FFF2-40B4-BE49-F238E27FC236}">
-                <a16:creationId xmlns:a16="http://schemas.microsoft.com/office/drawing/2014/main" id="{F924EB37-67FB-A347-A4EE-15AA81C95867}"/>
+                <a16:creationId xmlns:a16="http://schemas.microsoft.com/office/drawing/2014/main" xmlns="" id="{F924EB37-67FB-A347-A4EE-15AA81C95867}"/>
               </a:ext>
             </a:extLst>
           </p:cNvPr>
@@ -11010,7 +11010,7 @@
         </p:nvSpPr>
         <p:spPr>
           <a:xfrm>
-            <a:off x="1377498" y="4981061"/>
+            <a:off x="1096523" y="4981061"/>
             <a:ext cx="340158" cy="276999"/>
           </a:xfrm>
           <a:prstGeom prst="rect">
@@ -11039,7 +11039,7 @@
           <p:cNvPr id="511" name="Group 510">
             <a:extLst>
               <a:ext uri="{FF2B5EF4-FFF2-40B4-BE49-F238E27FC236}">
-                <a16:creationId xmlns:a16="http://schemas.microsoft.com/office/drawing/2014/main" id="{B48FF1B6-8D96-A349-A4FC-DBEBA5479098}"/>
+                <a16:creationId xmlns:a16="http://schemas.microsoft.com/office/drawing/2014/main" xmlns="" id="{B48FF1B6-8D96-A349-A4FC-DBEBA5479098}"/>
               </a:ext>
             </a:extLst>
           </p:cNvPr>
@@ -11048,7 +11048,7 @@
         </p:nvGrpSpPr>
         <p:grpSpPr>
           <a:xfrm>
-            <a:off x="489393" y="3771593"/>
+            <a:off x="208418" y="3771593"/>
             <a:ext cx="370458" cy="394531"/>
             <a:chOff x="2651620" y="4455131"/>
             <a:chExt cx="370458" cy="394531"/>
@@ -11059,7 +11059,7 @@
             <p:cNvPr id="512" name="Rectangle 511">
               <a:extLst>
                 <a:ext uri="{FF2B5EF4-FFF2-40B4-BE49-F238E27FC236}">
-                  <a16:creationId xmlns:a16="http://schemas.microsoft.com/office/drawing/2014/main" id="{E91ED652-EA1E-0442-B0A3-5CE49CA3F1F8}"/>
+                  <a16:creationId xmlns:a16="http://schemas.microsoft.com/office/drawing/2014/main" xmlns="" id="{E91ED652-EA1E-0442-B0A3-5CE49CA3F1F8}"/>
                 </a:ext>
               </a:extLst>
             </p:cNvPr>
@@ -11119,7 +11119,7 @@
             <p:cNvPr id="513" name="TextBox 512">
               <a:extLst>
                 <a:ext uri="{FF2B5EF4-FFF2-40B4-BE49-F238E27FC236}">
-                  <a16:creationId xmlns:a16="http://schemas.microsoft.com/office/drawing/2014/main" id="{8880FA75-4881-E54E-8643-BC306FA01E12}"/>
+                  <a16:creationId xmlns:a16="http://schemas.microsoft.com/office/drawing/2014/main" xmlns="" id="{8880FA75-4881-E54E-8643-BC306FA01E12}"/>
                 </a:ext>
               </a:extLst>
             </p:cNvPr>
@@ -11158,7 +11158,7 @@
           <p:cNvPr id="515" name="Straight Arrow Connector 514">
             <a:extLst>
               <a:ext uri="{FF2B5EF4-FFF2-40B4-BE49-F238E27FC236}">
-                <a16:creationId xmlns:a16="http://schemas.microsoft.com/office/drawing/2014/main" id="{62F82D6A-F6C9-594F-9EBB-C62A43CA81C2}"/>
+                <a16:creationId xmlns:a16="http://schemas.microsoft.com/office/drawing/2014/main" xmlns="" id="{62F82D6A-F6C9-594F-9EBB-C62A43CA81C2}"/>
               </a:ext>
             </a:extLst>
           </p:cNvPr>
@@ -11170,7 +11170,7 @@
         </p:nvCxnSpPr>
         <p:spPr>
           <a:xfrm flipH="1">
-            <a:off x="1757501" y="4487941"/>
+            <a:off x="1476526" y="4487941"/>
             <a:ext cx="1218231" cy="627254"/>
           </a:xfrm>
           <a:prstGeom prst="straightConnector1">
@@ -11203,7 +11203,7 @@
           <p:cNvPr id="516" name="Straight Arrow Connector 515">
             <a:extLst>
               <a:ext uri="{FF2B5EF4-FFF2-40B4-BE49-F238E27FC236}">
-                <a16:creationId xmlns:a16="http://schemas.microsoft.com/office/drawing/2014/main" id="{4E947511-977C-A546-9CDB-9E411EC6C5FC}"/>
+                <a16:creationId xmlns:a16="http://schemas.microsoft.com/office/drawing/2014/main" xmlns="" id="{4E947511-977C-A546-9CDB-9E411EC6C5FC}"/>
               </a:ext>
             </a:extLst>
           </p:cNvPr>
@@ -11216,7 +11216,7 @@
         </p:nvCxnSpPr>
         <p:spPr>
           <a:xfrm flipH="1">
-            <a:off x="859851" y="3968859"/>
+            <a:off x="578876" y="3968859"/>
             <a:ext cx="482553" cy="0"/>
           </a:xfrm>
           <a:prstGeom prst="straightConnector1">
@@ -11249,7 +11249,7 @@
           <p:cNvPr id="518" name="Rectangle 517">
             <a:extLst>
               <a:ext uri="{FF2B5EF4-FFF2-40B4-BE49-F238E27FC236}">
-                <a16:creationId xmlns:a16="http://schemas.microsoft.com/office/drawing/2014/main" id="{8932A5D0-16A7-CB40-8B78-128F8A773B2B}"/>
+                <a16:creationId xmlns:a16="http://schemas.microsoft.com/office/drawing/2014/main" xmlns="" id="{8932A5D0-16A7-CB40-8B78-128F8A773B2B}"/>
               </a:ext>
             </a:extLst>
           </p:cNvPr>
@@ -11258,7 +11258,7 @@
         </p:nvSpPr>
         <p:spPr>
           <a:xfrm>
-            <a:off x="2830939" y="4268967"/>
+            <a:off x="2549964" y="4268967"/>
             <a:ext cx="363601" cy="394531"/>
           </a:xfrm>
           <a:prstGeom prst="rect">
@@ -11311,7 +11311,7 @@
           <p:cNvPr id="519" name="TextBox 518">
             <a:extLst>
               <a:ext uri="{FF2B5EF4-FFF2-40B4-BE49-F238E27FC236}">
-                <a16:creationId xmlns:a16="http://schemas.microsoft.com/office/drawing/2014/main" id="{3F80F65C-DA1F-234F-BE27-CA16E074B096}"/>
+                <a16:creationId xmlns:a16="http://schemas.microsoft.com/office/drawing/2014/main" xmlns="" id="{3F80F65C-DA1F-234F-BE27-CA16E074B096}"/>
               </a:ext>
             </a:extLst>
           </p:cNvPr>
@@ -11320,7 +11320,7 @@
         </p:nvSpPr>
         <p:spPr>
           <a:xfrm>
-            <a:off x="2789201" y="4312778"/>
+            <a:off x="2508226" y="4312778"/>
             <a:ext cx="454156" cy="276999"/>
           </a:xfrm>
           <a:prstGeom prst="rect">
@@ -11356,7 +11356,7 @@
           <p:cNvPr id="532" name="Right Arrow 531">
             <a:extLst>
               <a:ext uri="{FF2B5EF4-FFF2-40B4-BE49-F238E27FC236}">
-                <a16:creationId xmlns:a16="http://schemas.microsoft.com/office/drawing/2014/main" id="{257D457D-58E3-6245-8694-58EA0D419458}"/>
+                <a16:creationId xmlns:a16="http://schemas.microsoft.com/office/drawing/2014/main" xmlns="" id="{257D457D-58E3-6245-8694-58EA0D419458}"/>
               </a:ext>
             </a:extLst>
           </p:cNvPr>
@@ -11365,7 +11365,7 @@
         </p:nvSpPr>
         <p:spPr>
           <a:xfrm rot="10800000">
-            <a:off x="4816742" y="3615574"/>
+            <a:off x="4535767" y="3615574"/>
             <a:ext cx="672662" cy="435595"/>
           </a:xfrm>
           <a:prstGeom prst="rightArrow">
@@ -11412,7 +11412,7 @@
           <p:cNvPr id="533" name="TextBox 532">
             <a:extLst>
               <a:ext uri="{FF2B5EF4-FFF2-40B4-BE49-F238E27FC236}">
-                <a16:creationId xmlns:a16="http://schemas.microsoft.com/office/drawing/2014/main" id="{88FB5058-BFCB-4545-A2E7-8901DAEFB253}"/>
+                <a16:creationId xmlns:a16="http://schemas.microsoft.com/office/drawing/2014/main" xmlns="" id="{88FB5058-BFCB-4545-A2E7-8901DAEFB253}"/>
               </a:ext>
             </a:extLst>
           </p:cNvPr>
@@ -11421,7 +11421,7 @@
         </p:nvSpPr>
         <p:spPr>
           <a:xfrm>
-            <a:off x="4902811" y="3364101"/>
+            <a:off x="4621836" y="3364101"/>
             <a:ext cx="744819" cy="276999"/>
           </a:xfrm>
           <a:prstGeom prst="rect">
@@ -11450,7 +11450,7 @@
           <p:cNvPr id="197" name="TextBox 196">
             <a:extLst>
               <a:ext uri="{FF2B5EF4-FFF2-40B4-BE49-F238E27FC236}">
-                <a16:creationId xmlns:a16="http://schemas.microsoft.com/office/drawing/2014/main" id="{781ADA0B-3433-164A-B662-024FCB5A6608}"/>
+                <a16:creationId xmlns:a16="http://schemas.microsoft.com/office/drawing/2014/main" xmlns="" id="{781ADA0B-3433-164A-B662-024FCB5A6608}"/>
               </a:ext>
             </a:extLst>
           </p:cNvPr>
@@ -11459,7 +11459,7 @@
         </p:nvSpPr>
         <p:spPr>
           <a:xfrm>
-            <a:off x="7154217" y="3070831"/>
+            <a:off x="6873242" y="3070831"/>
             <a:ext cx="960519" cy="276999"/>
           </a:xfrm>
           <a:prstGeom prst="rect">
@@ -11495,7 +11495,7 @@
           <p:cNvPr id="198" name="Straight Connector 197">
             <a:extLst>
               <a:ext uri="{FF2B5EF4-FFF2-40B4-BE49-F238E27FC236}">
-                <a16:creationId xmlns:a16="http://schemas.microsoft.com/office/drawing/2014/main" id="{AA21A16E-B7D4-584C-8795-9AAB37E69F3C}"/>
+                <a16:creationId xmlns:a16="http://schemas.microsoft.com/office/drawing/2014/main" xmlns="" id="{AA21A16E-B7D4-584C-8795-9AAB37E69F3C}"/>
               </a:ext>
             </a:extLst>
           </p:cNvPr>
@@ -11506,7 +11506,7 @@
         </p:nvCxnSpPr>
         <p:spPr>
           <a:xfrm>
-            <a:off x="7571949" y="3391449"/>
+            <a:off x="7290974" y="3391449"/>
             <a:ext cx="9070" cy="1651991"/>
           </a:xfrm>
           <a:prstGeom prst="line">
@@ -11533,7 +11533,7 @@
           <p:cNvPr id="199" name="TextBox 198">
             <a:extLst>
               <a:ext uri="{FF2B5EF4-FFF2-40B4-BE49-F238E27FC236}">
-                <a16:creationId xmlns:a16="http://schemas.microsoft.com/office/drawing/2014/main" id="{56AAB109-1AF6-AB4A-8672-E259F57FF97F}"/>
+                <a16:creationId xmlns:a16="http://schemas.microsoft.com/office/drawing/2014/main" xmlns="" id="{56AAB109-1AF6-AB4A-8672-E259F57FF97F}"/>
               </a:ext>
             </a:extLst>
           </p:cNvPr>
@@ -11542,7 +11542,7 @@
         </p:nvSpPr>
         <p:spPr>
           <a:xfrm>
-            <a:off x="1801984" y="632841"/>
+            <a:off x="1521009" y="632841"/>
             <a:ext cx="482824" cy="276999"/>
           </a:xfrm>
           <a:prstGeom prst="rect">
@@ -11571,7 +11571,7 @@
           <p:cNvPr id="255" name="TextBox 254">
             <a:extLst>
               <a:ext uri="{FF2B5EF4-FFF2-40B4-BE49-F238E27FC236}">
-                <a16:creationId xmlns:a16="http://schemas.microsoft.com/office/drawing/2014/main" id="{03C907C3-AD3A-3845-9D28-9C7F1294C3E3}"/>
+                <a16:creationId xmlns:a16="http://schemas.microsoft.com/office/drawing/2014/main" xmlns="" id="{03C907C3-AD3A-3845-9D28-9C7F1294C3E3}"/>
               </a:ext>
             </a:extLst>
           </p:cNvPr>
@@ -11580,7 +11580,7 @@
         </p:nvSpPr>
         <p:spPr>
           <a:xfrm>
-            <a:off x="2512164" y="297113"/>
+            <a:off x="2231189" y="297113"/>
             <a:ext cx="364202" cy="276999"/>
           </a:xfrm>
           <a:prstGeom prst="rect">
@@ -11609,7 +11609,7 @@
           <p:cNvPr id="256" name="TextBox 255">
             <a:extLst>
               <a:ext uri="{FF2B5EF4-FFF2-40B4-BE49-F238E27FC236}">
-                <a16:creationId xmlns:a16="http://schemas.microsoft.com/office/drawing/2014/main" id="{FE84C85F-C5A9-C041-95D5-9F1724A87329}"/>
+                <a16:creationId xmlns:a16="http://schemas.microsoft.com/office/drawing/2014/main" xmlns="" id="{FE84C85F-C5A9-C041-95D5-9F1724A87329}"/>
               </a:ext>
             </a:extLst>
           </p:cNvPr>
@@ -11618,7 +11618,7 @@
         </p:nvSpPr>
         <p:spPr>
           <a:xfrm>
-            <a:off x="846219" y="3679851"/>
+            <a:off x="565244" y="3679851"/>
             <a:ext cx="510333" cy="276999"/>
           </a:xfrm>
           <a:prstGeom prst="rect">
@@ -11651,7 +11651,7 @@
           <p:cNvPr id="257" name="TextBox 256">
             <a:extLst>
               <a:ext uri="{FF2B5EF4-FFF2-40B4-BE49-F238E27FC236}">
-                <a16:creationId xmlns:a16="http://schemas.microsoft.com/office/drawing/2014/main" id="{D02F6C57-26BE-DD48-9341-17B372548595}"/>
+                <a16:creationId xmlns:a16="http://schemas.microsoft.com/office/drawing/2014/main" xmlns="" id="{D02F6C57-26BE-DD48-9341-17B372548595}"/>
               </a:ext>
             </a:extLst>
           </p:cNvPr>
@@ -11660,7 +11660,7 @@
         </p:nvSpPr>
         <p:spPr>
           <a:xfrm>
-            <a:off x="1794365" y="2245440"/>
+            <a:off x="1513390" y="2245440"/>
             <a:ext cx="482824" cy="276999"/>
           </a:xfrm>
           <a:prstGeom prst="rect">
@@ -11689,7 +11689,7 @@
           <p:cNvPr id="258" name="TextBox 257">
             <a:extLst>
               <a:ext uri="{FF2B5EF4-FFF2-40B4-BE49-F238E27FC236}">
-                <a16:creationId xmlns:a16="http://schemas.microsoft.com/office/drawing/2014/main" id="{5BECCDCE-D034-5C41-ABF8-E9107555CD95}"/>
+                <a16:creationId xmlns:a16="http://schemas.microsoft.com/office/drawing/2014/main" xmlns="" id="{5BECCDCE-D034-5C41-ABF8-E9107555CD95}"/>
               </a:ext>
             </a:extLst>
           </p:cNvPr>
@@ -11698,7 +11698,7 @@
         </p:nvSpPr>
         <p:spPr>
           <a:xfrm>
-            <a:off x="1895314" y="1380858"/>
+            <a:off x="1614339" y="1380858"/>
             <a:ext cx="482824" cy="276999"/>
           </a:xfrm>
           <a:prstGeom prst="rect">
@@ -11727,7 +11727,7 @@
           <p:cNvPr id="260" name="TextBox 259">
             <a:extLst>
               <a:ext uri="{FF2B5EF4-FFF2-40B4-BE49-F238E27FC236}">
-                <a16:creationId xmlns:a16="http://schemas.microsoft.com/office/drawing/2014/main" id="{C33A7D5B-627E-3946-8220-77D1F53F4809}"/>
+                <a16:creationId xmlns:a16="http://schemas.microsoft.com/office/drawing/2014/main" xmlns="" id="{C33A7D5B-627E-3946-8220-77D1F53F4809}"/>
               </a:ext>
             </a:extLst>
           </p:cNvPr>
@@ -11736,7 +11736,7 @@
         </p:nvSpPr>
         <p:spPr>
           <a:xfrm>
-            <a:off x="3518887" y="1249328"/>
+            <a:off x="3237912" y="1249328"/>
             <a:ext cx="482824" cy="276999"/>
           </a:xfrm>
           <a:prstGeom prst="rect">
@@ -11765,7 +11765,7 @@
           <p:cNvPr id="261" name="TextBox 260">
             <a:extLst>
               <a:ext uri="{FF2B5EF4-FFF2-40B4-BE49-F238E27FC236}">
-                <a16:creationId xmlns:a16="http://schemas.microsoft.com/office/drawing/2014/main" id="{61D0D6BB-F4EC-934F-A330-66D04332DDED}"/>
+                <a16:creationId xmlns:a16="http://schemas.microsoft.com/office/drawing/2014/main" xmlns="" id="{61D0D6BB-F4EC-934F-A330-66D04332DDED}"/>
               </a:ext>
             </a:extLst>
           </p:cNvPr>
@@ -11774,7 +11774,7 @@
         </p:nvSpPr>
         <p:spPr>
           <a:xfrm>
-            <a:off x="7272160" y="638677"/>
+            <a:off x="6991185" y="638677"/>
             <a:ext cx="482824" cy="276999"/>
           </a:xfrm>
           <a:prstGeom prst="rect">
@@ -11803,7 +11803,7 @@
           <p:cNvPr id="262" name="TextBox 261">
             <a:extLst>
               <a:ext uri="{FF2B5EF4-FFF2-40B4-BE49-F238E27FC236}">
-                <a16:creationId xmlns:a16="http://schemas.microsoft.com/office/drawing/2014/main" id="{DA1BC310-4883-4143-9357-2808D7E89A0D}"/>
+                <a16:creationId xmlns:a16="http://schemas.microsoft.com/office/drawing/2014/main" xmlns="" id="{DA1BC310-4883-4143-9357-2808D7E89A0D}"/>
               </a:ext>
             </a:extLst>
           </p:cNvPr>
@@ -11812,7 +11812,7 @@
         </p:nvSpPr>
         <p:spPr>
           <a:xfrm>
-            <a:off x="7387539" y="1386536"/>
+            <a:off x="7106564" y="1386536"/>
             <a:ext cx="482824" cy="276999"/>
           </a:xfrm>
           <a:prstGeom prst="rect">
@@ -11841,7 +11841,7 @@
           <p:cNvPr id="263" name="TextBox 262">
             <a:extLst>
               <a:ext uri="{FF2B5EF4-FFF2-40B4-BE49-F238E27FC236}">
-                <a16:creationId xmlns:a16="http://schemas.microsoft.com/office/drawing/2014/main" id="{9BD30AFE-32CB-7E4B-885D-53CCBEAD6502}"/>
+                <a16:creationId xmlns:a16="http://schemas.microsoft.com/office/drawing/2014/main" xmlns="" id="{9BD30AFE-32CB-7E4B-885D-53CCBEAD6502}"/>
               </a:ext>
             </a:extLst>
           </p:cNvPr>
@@ -11850,7 +11850,7 @@
         </p:nvSpPr>
         <p:spPr>
           <a:xfrm>
-            <a:off x="7393064" y="2247346"/>
+            <a:off x="7112089" y="2247346"/>
             <a:ext cx="482824" cy="276999"/>
           </a:xfrm>
           <a:prstGeom prst="rect">
@@ -11879,7 +11879,7 @@
           <p:cNvPr id="264" name="TextBox 263">
             <a:extLst>
               <a:ext uri="{FF2B5EF4-FFF2-40B4-BE49-F238E27FC236}">
-                <a16:creationId xmlns:a16="http://schemas.microsoft.com/office/drawing/2014/main" id="{D0D1F8CD-D588-3343-948C-11B1A6885A84}"/>
+                <a16:creationId xmlns:a16="http://schemas.microsoft.com/office/drawing/2014/main" xmlns="" id="{D0D1F8CD-D588-3343-948C-11B1A6885A84}"/>
               </a:ext>
             </a:extLst>
           </p:cNvPr>
@@ -11888,7 +11888,7 @@
         </p:nvSpPr>
         <p:spPr>
           <a:xfrm>
-            <a:off x="6350159" y="1148911"/>
+            <a:off x="6069184" y="1148911"/>
             <a:ext cx="510333" cy="276999"/>
           </a:xfrm>
           <a:prstGeom prst="rect">
@@ -11921,7 +11921,7 @@
           <p:cNvPr id="265" name="TextBox 264">
             <a:extLst>
               <a:ext uri="{FF2B5EF4-FFF2-40B4-BE49-F238E27FC236}">
-                <a16:creationId xmlns:a16="http://schemas.microsoft.com/office/drawing/2014/main" id="{1D6C337E-98B9-654F-A81C-B66943714594}"/>
+                <a16:creationId xmlns:a16="http://schemas.microsoft.com/office/drawing/2014/main" xmlns="" id="{1D6C337E-98B9-654F-A81C-B66943714594}"/>
               </a:ext>
             </a:extLst>
           </p:cNvPr>
@@ -11930,7 +11930,7 @@
         </p:nvSpPr>
         <p:spPr>
           <a:xfrm>
-            <a:off x="8949673" y="1309227"/>
+            <a:off x="8668698" y="1309227"/>
             <a:ext cx="482824" cy="276999"/>
           </a:xfrm>
           <a:prstGeom prst="rect">
@@ -11959,7 +11959,7 @@
           <p:cNvPr id="266" name="TextBox 265">
             <a:extLst>
               <a:ext uri="{FF2B5EF4-FFF2-40B4-BE49-F238E27FC236}">
-                <a16:creationId xmlns:a16="http://schemas.microsoft.com/office/drawing/2014/main" id="{0BA588E7-FE0A-C34A-AF3E-D4EC487DA280}"/>
+                <a16:creationId xmlns:a16="http://schemas.microsoft.com/office/drawing/2014/main" xmlns="" id="{0BA588E7-FE0A-C34A-AF3E-D4EC487DA280}"/>
               </a:ext>
             </a:extLst>
           </p:cNvPr>
@@ -11968,7 +11968,7 @@
         </p:nvSpPr>
         <p:spPr>
           <a:xfrm>
-            <a:off x="8964224" y="3889324"/>
+            <a:off x="8683249" y="3889324"/>
             <a:ext cx="482824" cy="276999"/>
           </a:xfrm>
           <a:prstGeom prst="rect">
@@ -11997,7 +11997,7 @@
           <p:cNvPr id="267" name="TextBox 266">
             <a:extLst>
               <a:ext uri="{FF2B5EF4-FFF2-40B4-BE49-F238E27FC236}">
-                <a16:creationId xmlns:a16="http://schemas.microsoft.com/office/drawing/2014/main" id="{1905CCA9-0202-304D-A88A-E00A7660080F}"/>
+                <a16:creationId xmlns:a16="http://schemas.microsoft.com/office/drawing/2014/main" xmlns="" id="{1905CCA9-0202-304D-A88A-E00A7660080F}"/>
               </a:ext>
             </a:extLst>
           </p:cNvPr>
@@ -12006,7 +12006,7 @@
         </p:nvSpPr>
         <p:spPr>
           <a:xfrm>
-            <a:off x="7351313" y="3962701"/>
+            <a:off x="7070338" y="3962701"/>
             <a:ext cx="482824" cy="276999"/>
           </a:xfrm>
           <a:prstGeom prst="rect">
@@ -12035,7 +12035,7 @@
           <p:cNvPr id="268" name="TextBox 267">
             <a:extLst>
               <a:ext uri="{FF2B5EF4-FFF2-40B4-BE49-F238E27FC236}">
-                <a16:creationId xmlns:a16="http://schemas.microsoft.com/office/drawing/2014/main" id="{AE2404AC-1A26-7848-BB8A-E73CD3734CA9}"/>
+                <a16:creationId xmlns:a16="http://schemas.microsoft.com/office/drawing/2014/main" xmlns="" id="{AE2404AC-1A26-7848-BB8A-E73CD3734CA9}"/>
               </a:ext>
             </a:extLst>
           </p:cNvPr>
@@ -12044,7 +12044,7 @@
         </p:nvSpPr>
         <p:spPr>
           <a:xfrm>
-            <a:off x="7464663" y="3358490"/>
+            <a:off x="7183688" y="3358490"/>
             <a:ext cx="482824" cy="276999"/>
           </a:xfrm>
           <a:prstGeom prst="rect">
@@ -12073,7 +12073,7 @@
           <p:cNvPr id="269" name="TextBox 268">
             <a:extLst>
               <a:ext uri="{FF2B5EF4-FFF2-40B4-BE49-F238E27FC236}">
-                <a16:creationId xmlns:a16="http://schemas.microsoft.com/office/drawing/2014/main" id="{A1F98A0E-D0AC-CE4C-B54C-B17BD1E39095}"/>
+                <a16:creationId xmlns:a16="http://schemas.microsoft.com/office/drawing/2014/main" xmlns="" id="{A1F98A0E-D0AC-CE4C-B54C-B17BD1E39095}"/>
               </a:ext>
             </a:extLst>
           </p:cNvPr>
@@ -12082,7 +12082,7 @@
         </p:nvSpPr>
         <p:spPr>
           <a:xfrm>
-            <a:off x="7393064" y="4819501"/>
+            <a:off x="7112089" y="4819501"/>
             <a:ext cx="482824" cy="276999"/>
           </a:xfrm>
           <a:prstGeom prst="rect">
@@ -12111,7 +12111,7 @@
           <p:cNvPr id="270" name="TextBox 269">
             <a:extLst>
               <a:ext uri="{FF2B5EF4-FFF2-40B4-BE49-F238E27FC236}">
-                <a16:creationId xmlns:a16="http://schemas.microsoft.com/office/drawing/2014/main" id="{25EE0574-0226-7D40-94CD-94F02A6506EC}"/>
+                <a16:creationId xmlns:a16="http://schemas.microsoft.com/office/drawing/2014/main" xmlns="" id="{25EE0574-0226-7D40-94CD-94F02A6506EC}"/>
               </a:ext>
             </a:extLst>
           </p:cNvPr>
@@ -12120,7 +12120,7 @@
         </p:nvSpPr>
         <p:spPr>
           <a:xfrm>
-            <a:off x="854944" y="1298101"/>
+            <a:off x="573969" y="1298101"/>
             <a:ext cx="510333" cy="276999"/>
           </a:xfrm>
           <a:prstGeom prst="rect">
@@ -12153,7 +12153,7 @@
           <p:cNvPr id="271" name="TextBox 270">
             <a:extLst>
               <a:ext uri="{FF2B5EF4-FFF2-40B4-BE49-F238E27FC236}">
-                <a16:creationId xmlns:a16="http://schemas.microsoft.com/office/drawing/2014/main" id="{C1B1AA9C-47C9-634A-AB17-AEE4E90F732E}"/>
+                <a16:creationId xmlns:a16="http://schemas.microsoft.com/office/drawing/2014/main" xmlns="" id="{C1B1AA9C-47C9-634A-AB17-AEE4E90F732E}"/>
               </a:ext>
             </a:extLst>
           </p:cNvPr>
@@ -12162,7 +12162,7 @@
         </p:nvSpPr>
         <p:spPr>
           <a:xfrm>
-            <a:off x="6358763" y="3727313"/>
+            <a:off x="6077788" y="3727313"/>
             <a:ext cx="510333" cy="276999"/>
           </a:xfrm>
           <a:prstGeom prst="rect">
@@ -12195,7 +12195,7 @@
           <p:cNvPr id="272" name="TextBox 271">
             <a:extLst>
               <a:ext uri="{FF2B5EF4-FFF2-40B4-BE49-F238E27FC236}">
-                <a16:creationId xmlns:a16="http://schemas.microsoft.com/office/drawing/2014/main" id="{6790B259-4671-9144-B672-20D3C02889D9}"/>
+                <a16:creationId xmlns:a16="http://schemas.microsoft.com/office/drawing/2014/main" xmlns="" id="{6790B259-4671-9144-B672-20D3C02889D9}"/>
               </a:ext>
             </a:extLst>
           </p:cNvPr>
@@ -12204,7 +12204,7 @@
         </p:nvSpPr>
         <p:spPr>
           <a:xfrm>
-            <a:off x="2401447" y="3733811"/>
+            <a:off x="2120472" y="3733811"/>
             <a:ext cx="482824" cy="276999"/>
           </a:xfrm>
           <a:prstGeom prst="rect">
@@ -12233,7 +12233,7 @@
           <p:cNvPr id="273" name="TextBox 272">
             <a:extLst>
               <a:ext uri="{FF2B5EF4-FFF2-40B4-BE49-F238E27FC236}">
-                <a16:creationId xmlns:a16="http://schemas.microsoft.com/office/drawing/2014/main" id="{5BA303EF-5B50-F14A-94B2-440FBA334248}"/>
+                <a16:creationId xmlns:a16="http://schemas.microsoft.com/office/drawing/2014/main" xmlns="" id="{5BA303EF-5B50-F14A-94B2-440FBA334248}"/>
               </a:ext>
             </a:extLst>
           </p:cNvPr>
@@ -12242,7 +12242,7 @@
         </p:nvSpPr>
         <p:spPr>
           <a:xfrm>
-            <a:off x="2135090" y="4515344"/>
+            <a:off x="1854115" y="4515344"/>
             <a:ext cx="482824" cy="276999"/>
           </a:xfrm>
           <a:prstGeom prst="rect">
@@ -12271,7 +12271,7 @@
           <p:cNvPr id="274" name="TextBox 273">
             <a:extLst>
               <a:ext uri="{FF2B5EF4-FFF2-40B4-BE49-F238E27FC236}">
-                <a16:creationId xmlns:a16="http://schemas.microsoft.com/office/drawing/2014/main" id="{40A33AD6-5F27-C143-AA28-BDEB251B3532}"/>
+                <a16:creationId xmlns:a16="http://schemas.microsoft.com/office/drawing/2014/main" xmlns="" id="{40A33AD6-5F27-C143-AA28-BDEB251B3532}"/>
               </a:ext>
             </a:extLst>
           </p:cNvPr>
@@ -12280,7 +12280,7 @@
         </p:nvSpPr>
         <p:spPr>
           <a:xfrm>
-            <a:off x="2253140" y="4250342"/>
+            <a:off x="1972165" y="4250342"/>
             <a:ext cx="482824" cy="276999"/>
           </a:xfrm>
           <a:prstGeom prst="rect">
@@ -12360,7 +12360,7 @@
     </a:clrScheme>
     <a:fontScheme name="Office">
       <a:majorFont>
-        <a:latin typeface="Calibri Light" panose="020F0302020204030204"/>
+        <a:latin typeface="Calibri Light"/>
         <a:ea typeface=""/>
         <a:cs typeface=""/>
         <a:font script="Jpan" typeface="游ゴシック Light"/>
@@ -12412,7 +12412,7 @@
         <a:font script="Tfng" typeface="Ebrima"/>
       </a:majorFont>
       <a:minorFont>
-        <a:latin typeface="Calibri" panose="020F0502020204030204"/>
+        <a:latin typeface="Calibri"/>
         <a:ea typeface=""/>
         <a:cs typeface=""/>
         <a:font script="Jpan" typeface="游ゴシック"/>
@@ -12606,7 +12606,7 @@
   <a:extraClrSchemeLst/>
   <a:extLst>
     <a:ext uri="{05A4C25C-085E-4340-85A3-A5531E510DB2}">
-      <thm15:themeFamily xmlns:thm15="http://schemas.microsoft.com/office/thememl/2012/main" name="Office Theme" id="{62F939B6-93AF-4DB8-9C6B-D6C7DFDC589F}" vid="{4A3C46E8-61CC-4603-A589-7422A47A8E4A}"/>
+      <thm15:themeFamily xmlns:thm15="http://schemas.microsoft.com/office/thememl/2012/main" xmlns="" name="Office Theme" id="{62F939B6-93AF-4DB8-9C6B-D6C7DFDC589F}" vid="{4A3C46E8-61CC-4603-A589-7422A47A8E4A}"/>
     </a:ext>
   </a:extLst>
 </a:theme>

--- a/FGCS-2019/reworked-fig8.pptx
+++ b/FGCS-2019/reworked-fig8.pptx
@@ -106,7 +106,18 @@
   </p:defaultTextStyle>
   <p:extLst>
     <p:ext uri="{EFAFB233-063F-42B5-8137-9DF3F51BA10A}">
-      <p15:sldGuideLst xmlns:p15="http://schemas.microsoft.com/office/powerpoint/2012/main" xmlns=""/>
+      <p15:sldGuideLst xmlns:p15="http://schemas.microsoft.com/office/powerpoint/2012/main">
+        <p15:guide id="1" orient="horz" pos="2160">
+          <p15:clr>
+            <a:srgbClr val="A4A3A4"/>
+          </p15:clr>
+        </p15:guide>
+        <p15:guide id="2" pos="3840">
+          <p15:clr>
+            <a:srgbClr val="A4A3A4"/>
+          </p15:clr>
+        </p15:guide>
+      </p15:sldGuideLst>
     </p:ext>
   </p:extLst>
 </p:presentation>
@@ -219,7 +230,7 @@
           <p:cNvPr id="2" name="Title 1">
             <a:extLst>
               <a:ext uri="{FF2B5EF4-FFF2-40B4-BE49-F238E27FC236}">
-                <a16:creationId xmlns:a16="http://schemas.microsoft.com/office/drawing/2014/main" xmlns="" id="{965FF277-41B4-F045-BBBC-8ED057E37314}"/>
+                <a16:creationId xmlns:a16="http://schemas.microsoft.com/office/drawing/2014/main" id="{965FF277-41B4-F045-BBBC-8ED057E37314}"/>
               </a:ext>
             </a:extLst>
           </p:cNvPr>
@@ -256,7 +267,7 @@
           <p:cNvPr id="3" name="Subtitle 2">
             <a:extLst>
               <a:ext uri="{FF2B5EF4-FFF2-40B4-BE49-F238E27FC236}">
-                <a16:creationId xmlns:a16="http://schemas.microsoft.com/office/drawing/2014/main" xmlns="" id="{24D9B25E-07F2-0442-8EB4-DC9D5598B2C0}"/>
+                <a16:creationId xmlns:a16="http://schemas.microsoft.com/office/drawing/2014/main" id="{24D9B25E-07F2-0442-8EB4-DC9D5598B2C0}"/>
               </a:ext>
             </a:extLst>
           </p:cNvPr>
@@ -326,7 +337,7 @@
           <p:cNvPr id="4" name="Date Placeholder 3">
             <a:extLst>
               <a:ext uri="{FF2B5EF4-FFF2-40B4-BE49-F238E27FC236}">
-                <a16:creationId xmlns:a16="http://schemas.microsoft.com/office/drawing/2014/main" xmlns="" id="{0887BAED-74DB-5C4A-B46B-68634B493862}"/>
+                <a16:creationId xmlns:a16="http://schemas.microsoft.com/office/drawing/2014/main" id="{0887BAED-74DB-5C4A-B46B-68634B493862}"/>
               </a:ext>
             </a:extLst>
           </p:cNvPr>
@@ -344,7 +355,7 @@
           <a:p>
             <a:fld id="{2DE544F1-4EB3-B943-BAC8-4587CDEC2BDB}" type="datetimeFigureOut">
               <a:rPr lang="en-US" smtClean="0"/>
-              <a:t>01/10/19</a:t>
+              <a:t>10/16/19</a:t>
             </a:fld>
             <a:endParaRPr lang="en-US"/>
           </a:p>
@@ -355,7 +366,7 @@
           <p:cNvPr id="5" name="Footer Placeholder 4">
             <a:extLst>
               <a:ext uri="{FF2B5EF4-FFF2-40B4-BE49-F238E27FC236}">
-                <a16:creationId xmlns:a16="http://schemas.microsoft.com/office/drawing/2014/main" xmlns="" id="{B3694175-10E4-B646-B89A-AF840CE3A96B}"/>
+                <a16:creationId xmlns:a16="http://schemas.microsoft.com/office/drawing/2014/main" id="{B3694175-10E4-B646-B89A-AF840CE3A96B}"/>
               </a:ext>
             </a:extLst>
           </p:cNvPr>
@@ -380,7 +391,7 @@
           <p:cNvPr id="6" name="Slide Number Placeholder 5">
             <a:extLst>
               <a:ext uri="{FF2B5EF4-FFF2-40B4-BE49-F238E27FC236}">
-                <a16:creationId xmlns:a16="http://schemas.microsoft.com/office/drawing/2014/main" xmlns="" id="{A90B5999-24E5-9943-AFD3-C484292C9E75}"/>
+                <a16:creationId xmlns:a16="http://schemas.microsoft.com/office/drawing/2014/main" id="{A90B5999-24E5-9943-AFD3-C484292C9E75}"/>
               </a:ext>
             </a:extLst>
           </p:cNvPr>
@@ -439,7 +450,7 @@
           <p:cNvPr id="2" name="Title 1">
             <a:extLst>
               <a:ext uri="{FF2B5EF4-FFF2-40B4-BE49-F238E27FC236}">
-                <a16:creationId xmlns:a16="http://schemas.microsoft.com/office/drawing/2014/main" xmlns="" id="{564E0741-759B-9A4D-AE02-9953BD597CF9}"/>
+                <a16:creationId xmlns:a16="http://schemas.microsoft.com/office/drawing/2014/main" id="{564E0741-759B-9A4D-AE02-9953BD597CF9}"/>
               </a:ext>
             </a:extLst>
           </p:cNvPr>
@@ -467,7 +478,7 @@
           <p:cNvPr id="3" name="Vertical Text Placeholder 2">
             <a:extLst>
               <a:ext uri="{FF2B5EF4-FFF2-40B4-BE49-F238E27FC236}">
-                <a16:creationId xmlns:a16="http://schemas.microsoft.com/office/drawing/2014/main" xmlns="" id="{333C04FE-666A-BA4B-8C1A-368E662D37A0}"/>
+                <a16:creationId xmlns:a16="http://schemas.microsoft.com/office/drawing/2014/main" id="{333C04FE-666A-BA4B-8C1A-368E662D37A0}"/>
               </a:ext>
             </a:extLst>
           </p:cNvPr>
@@ -524,7 +535,7 @@
           <p:cNvPr id="4" name="Date Placeholder 3">
             <a:extLst>
               <a:ext uri="{FF2B5EF4-FFF2-40B4-BE49-F238E27FC236}">
-                <a16:creationId xmlns:a16="http://schemas.microsoft.com/office/drawing/2014/main" xmlns="" id="{A2AEBE5B-7E28-5C40-BADA-AAA2BD972204}"/>
+                <a16:creationId xmlns:a16="http://schemas.microsoft.com/office/drawing/2014/main" id="{A2AEBE5B-7E28-5C40-BADA-AAA2BD972204}"/>
               </a:ext>
             </a:extLst>
           </p:cNvPr>
@@ -542,7 +553,7 @@
           <a:p>
             <a:fld id="{2DE544F1-4EB3-B943-BAC8-4587CDEC2BDB}" type="datetimeFigureOut">
               <a:rPr lang="en-US" smtClean="0"/>
-              <a:t>01/10/19</a:t>
+              <a:t>10/16/19</a:t>
             </a:fld>
             <a:endParaRPr lang="en-US"/>
           </a:p>
@@ -553,7 +564,7 @@
           <p:cNvPr id="5" name="Footer Placeholder 4">
             <a:extLst>
               <a:ext uri="{FF2B5EF4-FFF2-40B4-BE49-F238E27FC236}">
-                <a16:creationId xmlns:a16="http://schemas.microsoft.com/office/drawing/2014/main" xmlns="" id="{A7C7C461-7FA9-A044-8E51-63D7E6984B36}"/>
+                <a16:creationId xmlns:a16="http://schemas.microsoft.com/office/drawing/2014/main" id="{A7C7C461-7FA9-A044-8E51-63D7E6984B36}"/>
               </a:ext>
             </a:extLst>
           </p:cNvPr>
@@ -578,7 +589,7 @@
           <p:cNvPr id="6" name="Slide Number Placeholder 5">
             <a:extLst>
               <a:ext uri="{FF2B5EF4-FFF2-40B4-BE49-F238E27FC236}">
-                <a16:creationId xmlns:a16="http://schemas.microsoft.com/office/drawing/2014/main" xmlns="" id="{536CE7E5-078A-D44B-8BF8-A6B09E497429}"/>
+                <a16:creationId xmlns:a16="http://schemas.microsoft.com/office/drawing/2014/main" id="{536CE7E5-078A-D44B-8BF8-A6B09E497429}"/>
               </a:ext>
             </a:extLst>
           </p:cNvPr>
@@ -637,7 +648,7 @@
           <p:cNvPr id="2" name="Vertical Title 1">
             <a:extLst>
               <a:ext uri="{FF2B5EF4-FFF2-40B4-BE49-F238E27FC236}">
-                <a16:creationId xmlns:a16="http://schemas.microsoft.com/office/drawing/2014/main" xmlns="" id="{CC286196-ECDE-1B4E-9BF9-F7B3DAED73C4}"/>
+                <a16:creationId xmlns:a16="http://schemas.microsoft.com/office/drawing/2014/main" id="{CC286196-ECDE-1B4E-9BF9-F7B3DAED73C4}"/>
               </a:ext>
             </a:extLst>
           </p:cNvPr>
@@ -670,7 +681,7 @@
           <p:cNvPr id="3" name="Vertical Text Placeholder 2">
             <a:extLst>
               <a:ext uri="{FF2B5EF4-FFF2-40B4-BE49-F238E27FC236}">
-                <a16:creationId xmlns:a16="http://schemas.microsoft.com/office/drawing/2014/main" xmlns="" id="{3746A5AE-5EE2-C846-897F-6CB4F588CF95}"/>
+                <a16:creationId xmlns:a16="http://schemas.microsoft.com/office/drawing/2014/main" id="{3746A5AE-5EE2-C846-897F-6CB4F588CF95}"/>
               </a:ext>
             </a:extLst>
           </p:cNvPr>
@@ -732,7 +743,7 @@
           <p:cNvPr id="4" name="Date Placeholder 3">
             <a:extLst>
               <a:ext uri="{FF2B5EF4-FFF2-40B4-BE49-F238E27FC236}">
-                <a16:creationId xmlns:a16="http://schemas.microsoft.com/office/drawing/2014/main" xmlns="" id="{6E274BB2-4695-114B-8730-0E0A62744089}"/>
+                <a16:creationId xmlns:a16="http://schemas.microsoft.com/office/drawing/2014/main" id="{6E274BB2-4695-114B-8730-0E0A62744089}"/>
               </a:ext>
             </a:extLst>
           </p:cNvPr>
@@ -750,7 +761,7 @@
           <a:p>
             <a:fld id="{2DE544F1-4EB3-B943-BAC8-4587CDEC2BDB}" type="datetimeFigureOut">
               <a:rPr lang="en-US" smtClean="0"/>
-              <a:t>01/10/19</a:t>
+              <a:t>10/16/19</a:t>
             </a:fld>
             <a:endParaRPr lang="en-US"/>
           </a:p>
@@ -761,7 +772,7 @@
           <p:cNvPr id="5" name="Footer Placeholder 4">
             <a:extLst>
               <a:ext uri="{FF2B5EF4-FFF2-40B4-BE49-F238E27FC236}">
-                <a16:creationId xmlns:a16="http://schemas.microsoft.com/office/drawing/2014/main" xmlns="" id="{AF003033-261E-1742-81DD-062ED3802075}"/>
+                <a16:creationId xmlns:a16="http://schemas.microsoft.com/office/drawing/2014/main" id="{AF003033-261E-1742-81DD-062ED3802075}"/>
               </a:ext>
             </a:extLst>
           </p:cNvPr>
@@ -786,7 +797,7 @@
           <p:cNvPr id="6" name="Slide Number Placeholder 5">
             <a:extLst>
               <a:ext uri="{FF2B5EF4-FFF2-40B4-BE49-F238E27FC236}">
-                <a16:creationId xmlns:a16="http://schemas.microsoft.com/office/drawing/2014/main" xmlns="" id="{04314896-2328-D843-B9F0-383DE9D1730D}"/>
+                <a16:creationId xmlns:a16="http://schemas.microsoft.com/office/drawing/2014/main" id="{04314896-2328-D843-B9F0-383DE9D1730D}"/>
               </a:ext>
             </a:extLst>
           </p:cNvPr>
@@ -845,7 +856,7 @@
           <p:cNvPr id="2" name="Title 1">
             <a:extLst>
               <a:ext uri="{FF2B5EF4-FFF2-40B4-BE49-F238E27FC236}">
-                <a16:creationId xmlns:a16="http://schemas.microsoft.com/office/drawing/2014/main" xmlns="" id="{4B83831B-85EC-8A45-B579-237E40BB44DE}"/>
+                <a16:creationId xmlns:a16="http://schemas.microsoft.com/office/drawing/2014/main" id="{4B83831B-85EC-8A45-B579-237E40BB44DE}"/>
               </a:ext>
             </a:extLst>
           </p:cNvPr>
@@ -873,7 +884,7 @@
           <p:cNvPr id="3" name="Content Placeholder 2">
             <a:extLst>
               <a:ext uri="{FF2B5EF4-FFF2-40B4-BE49-F238E27FC236}">
-                <a16:creationId xmlns:a16="http://schemas.microsoft.com/office/drawing/2014/main" xmlns="" id="{3CF9D412-D17D-9748-995F-0C3DF690B756}"/>
+                <a16:creationId xmlns:a16="http://schemas.microsoft.com/office/drawing/2014/main" id="{3CF9D412-D17D-9748-995F-0C3DF690B756}"/>
               </a:ext>
             </a:extLst>
           </p:cNvPr>
@@ -930,7 +941,7 @@
           <p:cNvPr id="4" name="Date Placeholder 3">
             <a:extLst>
               <a:ext uri="{FF2B5EF4-FFF2-40B4-BE49-F238E27FC236}">
-                <a16:creationId xmlns:a16="http://schemas.microsoft.com/office/drawing/2014/main" xmlns="" id="{13C91C50-0907-D944-BF6F-13235F2CBA29}"/>
+                <a16:creationId xmlns:a16="http://schemas.microsoft.com/office/drawing/2014/main" id="{13C91C50-0907-D944-BF6F-13235F2CBA29}"/>
               </a:ext>
             </a:extLst>
           </p:cNvPr>
@@ -948,7 +959,7 @@
           <a:p>
             <a:fld id="{2DE544F1-4EB3-B943-BAC8-4587CDEC2BDB}" type="datetimeFigureOut">
               <a:rPr lang="en-US" smtClean="0"/>
-              <a:t>01/10/19</a:t>
+              <a:t>10/16/19</a:t>
             </a:fld>
             <a:endParaRPr lang="en-US"/>
           </a:p>
@@ -959,7 +970,7 @@
           <p:cNvPr id="5" name="Footer Placeholder 4">
             <a:extLst>
               <a:ext uri="{FF2B5EF4-FFF2-40B4-BE49-F238E27FC236}">
-                <a16:creationId xmlns:a16="http://schemas.microsoft.com/office/drawing/2014/main" xmlns="" id="{F0D1120E-2B1E-F94F-AFB3-DA62FB07B9E6}"/>
+                <a16:creationId xmlns:a16="http://schemas.microsoft.com/office/drawing/2014/main" id="{F0D1120E-2B1E-F94F-AFB3-DA62FB07B9E6}"/>
               </a:ext>
             </a:extLst>
           </p:cNvPr>
@@ -984,7 +995,7 @@
           <p:cNvPr id="6" name="Slide Number Placeholder 5">
             <a:extLst>
               <a:ext uri="{FF2B5EF4-FFF2-40B4-BE49-F238E27FC236}">
-                <a16:creationId xmlns:a16="http://schemas.microsoft.com/office/drawing/2014/main" xmlns="" id="{E39C254E-2529-8746-BE9B-07DFE2426A45}"/>
+                <a16:creationId xmlns:a16="http://schemas.microsoft.com/office/drawing/2014/main" id="{E39C254E-2529-8746-BE9B-07DFE2426A45}"/>
               </a:ext>
             </a:extLst>
           </p:cNvPr>
@@ -1043,7 +1054,7 @@
           <p:cNvPr id="2" name="Title 1">
             <a:extLst>
               <a:ext uri="{FF2B5EF4-FFF2-40B4-BE49-F238E27FC236}">
-                <a16:creationId xmlns:a16="http://schemas.microsoft.com/office/drawing/2014/main" xmlns="" id="{827AEE71-9E55-CE45-96BD-E5A293D6EFB7}"/>
+                <a16:creationId xmlns:a16="http://schemas.microsoft.com/office/drawing/2014/main" id="{827AEE71-9E55-CE45-96BD-E5A293D6EFB7}"/>
               </a:ext>
             </a:extLst>
           </p:cNvPr>
@@ -1080,7 +1091,7 @@
           <p:cNvPr id="3" name="Text Placeholder 2">
             <a:extLst>
               <a:ext uri="{FF2B5EF4-FFF2-40B4-BE49-F238E27FC236}">
-                <a16:creationId xmlns:a16="http://schemas.microsoft.com/office/drawing/2014/main" xmlns="" id="{D7F2901C-C569-2341-8430-7AE25328937A}"/>
+                <a16:creationId xmlns:a16="http://schemas.microsoft.com/office/drawing/2014/main" id="{D7F2901C-C569-2341-8430-7AE25328937A}"/>
               </a:ext>
             </a:extLst>
           </p:cNvPr>
@@ -1205,7 +1216,7 @@
           <p:cNvPr id="4" name="Date Placeholder 3">
             <a:extLst>
               <a:ext uri="{FF2B5EF4-FFF2-40B4-BE49-F238E27FC236}">
-                <a16:creationId xmlns:a16="http://schemas.microsoft.com/office/drawing/2014/main" xmlns="" id="{C54783FD-37D5-9B4B-9976-CEB89B11305B}"/>
+                <a16:creationId xmlns:a16="http://schemas.microsoft.com/office/drawing/2014/main" id="{C54783FD-37D5-9B4B-9976-CEB89B11305B}"/>
               </a:ext>
             </a:extLst>
           </p:cNvPr>
@@ -1223,7 +1234,7 @@
           <a:p>
             <a:fld id="{2DE544F1-4EB3-B943-BAC8-4587CDEC2BDB}" type="datetimeFigureOut">
               <a:rPr lang="en-US" smtClean="0"/>
-              <a:t>01/10/19</a:t>
+              <a:t>10/16/19</a:t>
             </a:fld>
             <a:endParaRPr lang="en-US"/>
           </a:p>
@@ -1234,7 +1245,7 @@
           <p:cNvPr id="5" name="Footer Placeholder 4">
             <a:extLst>
               <a:ext uri="{FF2B5EF4-FFF2-40B4-BE49-F238E27FC236}">
-                <a16:creationId xmlns:a16="http://schemas.microsoft.com/office/drawing/2014/main" xmlns="" id="{F7C4BB00-0062-8A4D-9F8F-9CD6414BB4B7}"/>
+                <a16:creationId xmlns:a16="http://schemas.microsoft.com/office/drawing/2014/main" id="{F7C4BB00-0062-8A4D-9F8F-9CD6414BB4B7}"/>
               </a:ext>
             </a:extLst>
           </p:cNvPr>
@@ -1259,7 +1270,7 @@
           <p:cNvPr id="6" name="Slide Number Placeholder 5">
             <a:extLst>
               <a:ext uri="{FF2B5EF4-FFF2-40B4-BE49-F238E27FC236}">
-                <a16:creationId xmlns:a16="http://schemas.microsoft.com/office/drawing/2014/main" xmlns="" id="{C4807B27-1EE8-3547-9A0B-DD5C9D433E28}"/>
+                <a16:creationId xmlns:a16="http://schemas.microsoft.com/office/drawing/2014/main" id="{C4807B27-1EE8-3547-9A0B-DD5C9D433E28}"/>
               </a:ext>
             </a:extLst>
           </p:cNvPr>
@@ -1318,7 +1329,7 @@
           <p:cNvPr id="2" name="Title 1">
             <a:extLst>
               <a:ext uri="{FF2B5EF4-FFF2-40B4-BE49-F238E27FC236}">
-                <a16:creationId xmlns:a16="http://schemas.microsoft.com/office/drawing/2014/main" xmlns="" id="{7CDB40D5-1D42-8F4E-AF6C-F764362F75D7}"/>
+                <a16:creationId xmlns:a16="http://schemas.microsoft.com/office/drawing/2014/main" id="{7CDB40D5-1D42-8F4E-AF6C-F764362F75D7}"/>
               </a:ext>
             </a:extLst>
           </p:cNvPr>
@@ -1346,7 +1357,7 @@
           <p:cNvPr id="3" name="Content Placeholder 2">
             <a:extLst>
               <a:ext uri="{FF2B5EF4-FFF2-40B4-BE49-F238E27FC236}">
-                <a16:creationId xmlns:a16="http://schemas.microsoft.com/office/drawing/2014/main" xmlns="" id="{FCF64B05-2FC6-F744-8D28-B3E9D406BCF1}"/>
+                <a16:creationId xmlns:a16="http://schemas.microsoft.com/office/drawing/2014/main" id="{FCF64B05-2FC6-F744-8D28-B3E9D406BCF1}"/>
               </a:ext>
             </a:extLst>
           </p:cNvPr>
@@ -1408,7 +1419,7 @@
           <p:cNvPr id="4" name="Content Placeholder 3">
             <a:extLst>
               <a:ext uri="{FF2B5EF4-FFF2-40B4-BE49-F238E27FC236}">
-                <a16:creationId xmlns:a16="http://schemas.microsoft.com/office/drawing/2014/main" xmlns="" id="{1732B7D9-3957-B74F-8308-78750CD678A8}"/>
+                <a16:creationId xmlns:a16="http://schemas.microsoft.com/office/drawing/2014/main" id="{1732B7D9-3957-B74F-8308-78750CD678A8}"/>
               </a:ext>
             </a:extLst>
           </p:cNvPr>
@@ -1470,7 +1481,7 @@
           <p:cNvPr id="5" name="Date Placeholder 4">
             <a:extLst>
               <a:ext uri="{FF2B5EF4-FFF2-40B4-BE49-F238E27FC236}">
-                <a16:creationId xmlns:a16="http://schemas.microsoft.com/office/drawing/2014/main" xmlns="" id="{623F55C9-0897-3545-B165-13F114D86421}"/>
+                <a16:creationId xmlns:a16="http://schemas.microsoft.com/office/drawing/2014/main" id="{623F55C9-0897-3545-B165-13F114D86421}"/>
               </a:ext>
             </a:extLst>
           </p:cNvPr>
@@ -1488,7 +1499,7 @@
           <a:p>
             <a:fld id="{2DE544F1-4EB3-B943-BAC8-4587CDEC2BDB}" type="datetimeFigureOut">
               <a:rPr lang="en-US" smtClean="0"/>
-              <a:t>01/10/19</a:t>
+              <a:t>10/16/19</a:t>
             </a:fld>
             <a:endParaRPr lang="en-US"/>
           </a:p>
@@ -1499,7 +1510,7 @@
           <p:cNvPr id="6" name="Footer Placeholder 5">
             <a:extLst>
               <a:ext uri="{FF2B5EF4-FFF2-40B4-BE49-F238E27FC236}">
-                <a16:creationId xmlns:a16="http://schemas.microsoft.com/office/drawing/2014/main" xmlns="" id="{FC26BAA0-4A7A-F546-ADB8-827466D40CD4}"/>
+                <a16:creationId xmlns:a16="http://schemas.microsoft.com/office/drawing/2014/main" id="{FC26BAA0-4A7A-F546-ADB8-827466D40CD4}"/>
               </a:ext>
             </a:extLst>
           </p:cNvPr>
@@ -1524,7 +1535,7 @@
           <p:cNvPr id="7" name="Slide Number Placeholder 6">
             <a:extLst>
               <a:ext uri="{FF2B5EF4-FFF2-40B4-BE49-F238E27FC236}">
-                <a16:creationId xmlns:a16="http://schemas.microsoft.com/office/drawing/2014/main" xmlns="" id="{F4311401-922A-BF43-9486-5C08407C4D80}"/>
+                <a16:creationId xmlns:a16="http://schemas.microsoft.com/office/drawing/2014/main" id="{F4311401-922A-BF43-9486-5C08407C4D80}"/>
               </a:ext>
             </a:extLst>
           </p:cNvPr>
@@ -1583,7 +1594,7 @@
           <p:cNvPr id="2" name="Title 1">
             <a:extLst>
               <a:ext uri="{FF2B5EF4-FFF2-40B4-BE49-F238E27FC236}">
-                <a16:creationId xmlns:a16="http://schemas.microsoft.com/office/drawing/2014/main" xmlns="" id="{C797646F-E613-B044-8F03-6292E7012395}"/>
+                <a16:creationId xmlns:a16="http://schemas.microsoft.com/office/drawing/2014/main" id="{C797646F-E613-B044-8F03-6292E7012395}"/>
               </a:ext>
             </a:extLst>
           </p:cNvPr>
@@ -1616,7 +1627,7 @@
           <p:cNvPr id="3" name="Text Placeholder 2">
             <a:extLst>
               <a:ext uri="{FF2B5EF4-FFF2-40B4-BE49-F238E27FC236}">
-                <a16:creationId xmlns:a16="http://schemas.microsoft.com/office/drawing/2014/main" xmlns="" id="{BF63445D-D0C0-5B49-93DE-968A58791380}"/>
+                <a16:creationId xmlns:a16="http://schemas.microsoft.com/office/drawing/2014/main" id="{BF63445D-D0C0-5B49-93DE-968A58791380}"/>
               </a:ext>
             </a:extLst>
           </p:cNvPr>
@@ -1687,7 +1698,7 @@
           <p:cNvPr id="4" name="Content Placeholder 3">
             <a:extLst>
               <a:ext uri="{FF2B5EF4-FFF2-40B4-BE49-F238E27FC236}">
-                <a16:creationId xmlns:a16="http://schemas.microsoft.com/office/drawing/2014/main" xmlns="" id="{6A7CC758-BB43-724A-84CA-51593CC2E365}"/>
+                <a16:creationId xmlns:a16="http://schemas.microsoft.com/office/drawing/2014/main" id="{6A7CC758-BB43-724A-84CA-51593CC2E365}"/>
               </a:ext>
             </a:extLst>
           </p:cNvPr>
@@ -1749,7 +1760,7 @@
           <p:cNvPr id="5" name="Text Placeholder 4">
             <a:extLst>
               <a:ext uri="{FF2B5EF4-FFF2-40B4-BE49-F238E27FC236}">
-                <a16:creationId xmlns:a16="http://schemas.microsoft.com/office/drawing/2014/main" xmlns="" id="{5FEFBE86-47D5-494E-80C8-B9BA4F58E19A}"/>
+                <a16:creationId xmlns:a16="http://schemas.microsoft.com/office/drawing/2014/main" id="{5FEFBE86-47D5-494E-80C8-B9BA4F58E19A}"/>
               </a:ext>
             </a:extLst>
           </p:cNvPr>
@@ -1820,7 +1831,7 @@
           <p:cNvPr id="6" name="Content Placeholder 5">
             <a:extLst>
               <a:ext uri="{FF2B5EF4-FFF2-40B4-BE49-F238E27FC236}">
-                <a16:creationId xmlns:a16="http://schemas.microsoft.com/office/drawing/2014/main" xmlns="" id="{822F432D-73B9-BB4A-BA2C-F1510E0802E9}"/>
+                <a16:creationId xmlns:a16="http://schemas.microsoft.com/office/drawing/2014/main" id="{822F432D-73B9-BB4A-BA2C-F1510E0802E9}"/>
               </a:ext>
             </a:extLst>
           </p:cNvPr>
@@ -1882,7 +1893,7 @@
           <p:cNvPr id="7" name="Date Placeholder 6">
             <a:extLst>
               <a:ext uri="{FF2B5EF4-FFF2-40B4-BE49-F238E27FC236}">
-                <a16:creationId xmlns:a16="http://schemas.microsoft.com/office/drawing/2014/main" xmlns="" id="{C62C7FA8-C17D-8541-8AD5-5C5FFA3C396A}"/>
+                <a16:creationId xmlns:a16="http://schemas.microsoft.com/office/drawing/2014/main" id="{C62C7FA8-C17D-8541-8AD5-5C5FFA3C396A}"/>
               </a:ext>
             </a:extLst>
           </p:cNvPr>
@@ -1900,7 +1911,7 @@
           <a:p>
             <a:fld id="{2DE544F1-4EB3-B943-BAC8-4587CDEC2BDB}" type="datetimeFigureOut">
               <a:rPr lang="en-US" smtClean="0"/>
-              <a:t>01/10/19</a:t>
+              <a:t>10/16/19</a:t>
             </a:fld>
             <a:endParaRPr lang="en-US"/>
           </a:p>
@@ -1911,7 +1922,7 @@
           <p:cNvPr id="8" name="Footer Placeholder 7">
             <a:extLst>
               <a:ext uri="{FF2B5EF4-FFF2-40B4-BE49-F238E27FC236}">
-                <a16:creationId xmlns:a16="http://schemas.microsoft.com/office/drawing/2014/main" xmlns="" id="{2F30AB70-06EC-C34E-9134-F2F90A8D367A}"/>
+                <a16:creationId xmlns:a16="http://schemas.microsoft.com/office/drawing/2014/main" id="{2F30AB70-06EC-C34E-9134-F2F90A8D367A}"/>
               </a:ext>
             </a:extLst>
           </p:cNvPr>
@@ -1936,7 +1947,7 @@
           <p:cNvPr id="9" name="Slide Number Placeholder 8">
             <a:extLst>
               <a:ext uri="{FF2B5EF4-FFF2-40B4-BE49-F238E27FC236}">
-                <a16:creationId xmlns:a16="http://schemas.microsoft.com/office/drawing/2014/main" xmlns="" id="{F78BFD63-B3ED-0849-9431-95975B24B91C}"/>
+                <a16:creationId xmlns:a16="http://schemas.microsoft.com/office/drawing/2014/main" id="{F78BFD63-B3ED-0849-9431-95975B24B91C}"/>
               </a:ext>
             </a:extLst>
           </p:cNvPr>
@@ -1995,7 +2006,7 @@
           <p:cNvPr id="2" name="Title 1">
             <a:extLst>
               <a:ext uri="{FF2B5EF4-FFF2-40B4-BE49-F238E27FC236}">
-                <a16:creationId xmlns:a16="http://schemas.microsoft.com/office/drawing/2014/main" xmlns="" id="{53F67DB0-E5E7-FA4D-A964-00EE41B83914}"/>
+                <a16:creationId xmlns:a16="http://schemas.microsoft.com/office/drawing/2014/main" id="{53F67DB0-E5E7-FA4D-A964-00EE41B83914}"/>
               </a:ext>
             </a:extLst>
           </p:cNvPr>
@@ -2023,7 +2034,7 @@
           <p:cNvPr id="3" name="Date Placeholder 2">
             <a:extLst>
               <a:ext uri="{FF2B5EF4-FFF2-40B4-BE49-F238E27FC236}">
-                <a16:creationId xmlns:a16="http://schemas.microsoft.com/office/drawing/2014/main" xmlns="" id="{66866299-4493-564D-9246-80A3B1DE64A6}"/>
+                <a16:creationId xmlns:a16="http://schemas.microsoft.com/office/drawing/2014/main" id="{66866299-4493-564D-9246-80A3B1DE64A6}"/>
               </a:ext>
             </a:extLst>
           </p:cNvPr>
@@ -2041,7 +2052,7 @@
           <a:p>
             <a:fld id="{2DE544F1-4EB3-B943-BAC8-4587CDEC2BDB}" type="datetimeFigureOut">
               <a:rPr lang="en-US" smtClean="0"/>
-              <a:t>01/10/19</a:t>
+              <a:t>10/16/19</a:t>
             </a:fld>
             <a:endParaRPr lang="en-US"/>
           </a:p>
@@ -2052,7 +2063,7 @@
           <p:cNvPr id="4" name="Footer Placeholder 3">
             <a:extLst>
               <a:ext uri="{FF2B5EF4-FFF2-40B4-BE49-F238E27FC236}">
-                <a16:creationId xmlns:a16="http://schemas.microsoft.com/office/drawing/2014/main" xmlns="" id="{6095E531-72E9-3C4A-9609-AF7F0222A577}"/>
+                <a16:creationId xmlns:a16="http://schemas.microsoft.com/office/drawing/2014/main" id="{6095E531-72E9-3C4A-9609-AF7F0222A577}"/>
               </a:ext>
             </a:extLst>
           </p:cNvPr>
@@ -2077,7 +2088,7 @@
           <p:cNvPr id="5" name="Slide Number Placeholder 4">
             <a:extLst>
               <a:ext uri="{FF2B5EF4-FFF2-40B4-BE49-F238E27FC236}">
-                <a16:creationId xmlns:a16="http://schemas.microsoft.com/office/drawing/2014/main" xmlns="" id="{C24D38F8-EA88-0346-8B7C-C3E4E0608755}"/>
+                <a16:creationId xmlns:a16="http://schemas.microsoft.com/office/drawing/2014/main" id="{C24D38F8-EA88-0346-8B7C-C3E4E0608755}"/>
               </a:ext>
             </a:extLst>
           </p:cNvPr>
@@ -2136,7 +2147,7 @@
           <p:cNvPr id="2" name="Date Placeholder 1">
             <a:extLst>
               <a:ext uri="{FF2B5EF4-FFF2-40B4-BE49-F238E27FC236}">
-                <a16:creationId xmlns:a16="http://schemas.microsoft.com/office/drawing/2014/main" xmlns="" id="{5F9CC305-138D-234B-B271-0AB7489F733A}"/>
+                <a16:creationId xmlns:a16="http://schemas.microsoft.com/office/drawing/2014/main" id="{5F9CC305-138D-234B-B271-0AB7489F733A}"/>
               </a:ext>
             </a:extLst>
           </p:cNvPr>
@@ -2154,7 +2165,7 @@
           <a:p>
             <a:fld id="{2DE544F1-4EB3-B943-BAC8-4587CDEC2BDB}" type="datetimeFigureOut">
               <a:rPr lang="en-US" smtClean="0"/>
-              <a:t>01/10/19</a:t>
+              <a:t>10/16/19</a:t>
             </a:fld>
             <a:endParaRPr lang="en-US"/>
           </a:p>
@@ -2165,7 +2176,7 @@
           <p:cNvPr id="3" name="Footer Placeholder 2">
             <a:extLst>
               <a:ext uri="{FF2B5EF4-FFF2-40B4-BE49-F238E27FC236}">
-                <a16:creationId xmlns:a16="http://schemas.microsoft.com/office/drawing/2014/main" xmlns="" id="{8D896E52-D328-4544-9214-7DF58C524E40}"/>
+                <a16:creationId xmlns:a16="http://schemas.microsoft.com/office/drawing/2014/main" id="{8D896E52-D328-4544-9214-7DF58C524E40}"/>
               </a:ext>
             </a:extLst>
           </p:cNvPr>
@@ -2190,7 +2201,7 @@
           <p:cNvPr id="4" name="Slide Number Placeholder 3">
             <a:extLst>
               <a:ext uri="{FF2B5EF4-FFF2-40B4-BE49-F238E27FC236}">
-                <a16:creationId xmlns:a16="http://schemas.microsoft.com/office/drawing/2014/main" xmlns="" id="{78D8F00A-64C9-F541-A41C-323677AC8114}"/>
+                <a16:creationId xmlns:a16="http://schemas.microsoft.com/office/drawing/2014/main" id="{78D8F00A-64C9-F541-A41C-323677AC8114}"/>
               </a:ext>
             </a:extLst>
           </p:cNvPr>
@@ -2249,7 +2260,7 @@
           <p:cNvPr id="2" name="Title 1">
             <a:extLst>
               <a:ext uri="{FF2B5EF4-FFF2-40B4-BE49-F238E27FC236}">
-                <a16:creationId xmlns:a16="http://schemas.microsoft.com/office/drawing/2014/main" xmlns="" id="{D43566F7-F27B-1849-BCF4-CC560D4563DC}"/>
+                <a16:creationId xmlns:a16="http://schemas.microsoft.com/office/drawing/2014/main" id="{D43566F7-F27B-1849-BCF4-CC560D4563DC}"/>
               </a:ext>
             </a:extLst>
           </p:cNvPr>
@@ -2286,7 +2297,7 @@
           <p:cNvPr id="3" name="Content Placeholder 2">
             <a:extLst>
               <a:ext uri="{FF2B5EF4-FFF2-40B4-BE49-F238E27FC236}">
-                <a16:creationId xmlns:a16="http://schemas.microsoft.com/office/drawing/2014/main" xmlns="" id="{163A8BE9-5679-0341-8760-E588EE9B85AB}"/>
+                <a16:creationId xmlns:a16="http://schemas.microsoft.com/office/drawing/2014/main" id="{163A8BE9-5679-0341-8760-E588EE9B85AB}"/>
               </a:ext>
             </a:extLst>
           </p:cNvPr>
@@ -2376,7 +2387,7 @@
           <p:cNvPr id="4" name="Text Placeholder 3">
             <a:extLst>
               <a:ext uri="{FF2B5EF4-FFF2-40B4-BE49-F238E27FC236}">
-                <a16:creationId xmlns:a16="http://schemas.microsoft.com/office/drawing/2014/main" xmlns="" id="{C54710D3-5E14-4342-9BAC-74A2DC5ED347}"/>
+                <a16:creationId xmlns:a16="http://schemas.microsoft.com/office/drawing/2014/main" id="{C54710D3-5E14-4342-9BAC-74A2DC5ED347}"/>
               </a:ext>
             </a:extLst>
           </p:cNvPr>
@@ -2447,7 +2458,7 @@
           <p:cNvPr id="5" name="Date Placeholder 4">
             <a:extLst>
               <a:ext uri="{FF2B5EF4-FFF2-40B4-BE49-F238E27FC236}">
-                <a16:creationId xmlns:a16="http://schemas.microsoft.com/office/drawing/2014/main" xmlns="" id="{797EB2CB-2957-6447-A6AC-E53DDDB43C64}"/>
+                <a16:creationId xmlns:a16="http://schemas.microsoft.com/office/drawing/2014/main" id="{797EB2CB-2957-6447-A6AC-E53DDDB43C64}"/>
               </a:ext>
             </a:extLst>
           </p:cNvPr>
@@ -2465,7 +2476,7 @@
           <a:p>
             <a:fld id="{2DE544F1-4EB3-B943-BAC8-4587CDEC2BDB}" type="datetimeFigureOut">
               <a:rPr lang="en-US" smtClean="0"/>
-              <a:t>01/10/19</a:t>
+              <a:t>10/16/19</a:t>
             </a:fld>
             <a:endParaRPr lang="en-US"/>
           </a:p>
@@ -2476,7 +2487,7 @@
           <p:cNvPr id="6" name="Footer Placeholder 5">
             <a:extLst>
               <a:ext uri="{FF2B5EF4-FFF2-40B4-BE49-F238E27FC236}">
-                <a16:creationId xmlns:a16="http://schemas.microsoft.com/office/drawing/2014/main" xmlns="" id="{F967E312-5962-5246-80F6-484F166C7D1C}"/>
+                <a16:creationId xmlns:a16="http://schemas.microsoft.com/office/drawing/2014/main" id="{F967E312-5962-5246-80F6-484F166C7D1C}"/>
               </a:ext>
             </a:extLst>
           </p:cNvPr>
@@ -2501,7 +2512,7 @@
           <p:cNvPr id="7" name="Slide Number Placeholder 6">
             <a:extLst>
               <a:ext uri="{FF2B5EF4-FFF2-40B4-BE49-F238E27FC236}">
-                <a16:creationId xmlns:a16="http://schemas.microsoft.com/office/drawing/2014/main" xmlns="" id="{E7A89C9D-6DC9-B149-B759-DFF7E76B7AF9}"/>
+                <a16:creationId xmlns:a16="http://schemas.microsoft.com/office/drawing/2014/main" id="{E7A89C9D-6DC9-B149-B759-DFF7E76B7AF9}"/>
               </a:ext>
             </a:extLst>
           </p:cNvPr>
@@ -2560,7 +2571,7 @@
           <p:cNvPr id="2" name="Title 1">
             <a:extLst>
               <a:ext uri="{FF2B5EF4-FFF2-40B4-BE49-F238E27FC236}">
-                <a16:creationId xmlns:a16="http://schemas.microsoft.com/office/drawing/2014/main" xmlns="" id="{C93B9349-1FFD-5B41-8FD7-D5578B0CFC8B}"/>
+                <a16:creationId xmlns:a16="http://schemas.microsoft.com/office/drawing/2014/main" id="{C93B9349-1FFD-5B41-8FD7-D5578B0CFC8B}"/>
               </a:ext>
             </a:extLst>
           </p:cNvPr>
@@ -2597,7 +2608,7 @@
           <p:cNvPr id="3" name="Picture Placeholder 2">
             <a:extLst>
               <a:ext uri="{FF2B5EF4-FFF2-40B4-BE49-F238E27FC236}">
-                <a16:creationId xmlns:a16="http://schemas.microsoft.com/office/drawing/2014/main" xmlns="" id="{0E61308D-A818-834D-A252-B9E2EEF7A62D}"/>
+                <a16:creationId xmlns:a16="http://schemas.microsoft.com/office/drawing/2014/main" id="{0E61308D-A818-834D-A252-B9E2EEF7A62D}"/>
               </a:ext>
             </a:extLst>
           </p:cNvPr>
@@ -2664,7 +2675,7 @@
           <p:cNvPr id="4" name="Text Placeholder 3">
             <a:extLst>
               <a:ext uri="{FF2B5EF4-FFF2-40B4-BE49-F238E27FC236}">
-                <a16:creationId xmlns:a16="http://schemas.microsoft.com/office/drawing/2014/main" xmlns="" id="{052BEC32-BFFC-FA42-B68C-0976B5EFAECE}"/>
+                <a16:creationId xmlns:a16="http://schemas.microsoft.com/office/drawing/2014/main" id="{052BEC32-BFFC-FA42-B68C-0976B5EFAECE}"/>
               </a:ext>
             </a:extLst>
           </p:cNvPr>
@@ -2735,7 +2746,7 @@
           <p:cNvPr id="5" name="Date Placeholder 4">
             <a:extLst>
               <a:ext uri="{FF2B5EF4-FFF2-40B4-BE49-F238E27FC236}">
-                <a16:creationId xmlns:a16="http://schemas.microsoft.com/office/drawing/2014/main" xmlns="" id="{597ED76F-0338-EF4E-91B3-C6E9ED1CFD14}"/>
+                <a16:creationId xmlns:a16="http://schemas.microsoft.com/office/drawing/2014/main" id="{597ED76F-0338-EF4E-91B3-C6E9ED1CFD14}"/>
               </a:ext>
             </a:extLst>
           </p:cNvPr>
@@ -2753,7 +2764,7 @@
           <a:p>
             <a:fld id="{2DE544F1-4EB3-B943-BAC8-4587CDEC2BDB}" type="datetimeFigureOut">
               <a:rPr lang="en-US" smtClean="0"/>
-              <a:t>01/10/19</a:t>
+              <a:t>10/16/19</a:t>
             </a:fld>
             <a:endParaRPr lang="en-US"/>
           </a:p>
@@ -2764,7 +2775,7 @@
           <p:cNvPr id="6" name="Footer Placeholder 5">
             <a:extLst>
               <a:ext uri="{FF2B5EF4-FFF2-40B4-BE49-F238E27FC236}">
-                <a16:creationId xmlns:a16="http://schemas.microsoft.com/office/drawing/2014/main" xmlns="" id="{6B7C1833-1AEE-6E43-838D-186872C74604}"/>
+                <a16:creationId xmlns:a16="http://schemas.microsoft.com/office/drawing/2014/main" id="{6B7C1833-1AEE-6E43-838D-186872C74604}"/>
               </a:ext>
             </a:extLst>
           </p:cNvPr>
@@ -2789,7 +2800,7 @@
           <p:cNvPr id="7" name="Slide Number Placeholder 6">
             <a:extLst>
               <a:ext uri="{FF2B5EF4-FFF2-40B4-BE49-F238E27FC236}">
-                <a16:creationId xmlns:a16="http://schemas.microsoft.com/office/drawing/2014/main" xmlns="" id="{D45790CD-5CD5-044A-881B-FA491696A86D}"/>
+                <a16:creationId xmlns:a16="http://schemas.microsoft.com/office/drawing/2014/main" id="{D45790CD-5CD5-044A-881B-FA491696A86D}"/>
               </a:ext>
             </a:extLst>
           </p:cNvPr>
@@ -2853,7 +2864,7 @@
           <p:cNvPr id="2" name="Title Placeholder 1">
             <a:extLst>
               <a:ext uri="{FF2B5EF4-FFF2-40B4-BE49-F238E27FC236}">
-                <a16:creationId xmlns:a16="http://schemas.microsoft.com/office/drawing/2014/main" xmlns="" id="{CCD54339-20FD-9344-AF24-5BE9316484A9}"/>
+                <a16:creationId xmlns:a16="http://schemas.microsoft.com/office/drawing/2014/main" id="{CCD54339-20FD-9344-AF24-5BE9316484A9}"/>
               </a:ext>
             </a:extLst>
           </p:cNvPr>
@@ -2891,7 +2902,7 @@
           <p:cNvPr id="3" name="Text Placeholder 2">
             <a:extLst>
               <a:ext uri="{FF2B5EF4-FFF2-40B4-BE49-F238E27FC236}">
-                <a16:creationId xmlns:a16="http://schemas.microsoft.com/office/drawing/2014/main" xmlns="" id="{7A4FC7D7-528F-B14F-8A9B-2EC982EEFF6E}"/>
+                <a16:creationId xmlns:a16="http://schemas.microsoft.com/office/drawing/2014/main" id="{7A4FC7D7-528F-B14F-8A9B-2EC982EEFF6E}"/>
               </a:ext>
             </a:extLst>
           </p:cNvPr>
@@ -2958,7 +2969,7 @@
           <p:cNvPr id="4" name="Date Placeholder 3">
             <a:extLst>
               <a:ext uri="{FF2B5EF4-FFF2-40B4-BE49-F238E27FC236}">
-                <a16:creationId xmlns:a16="http://schemas.microsoft.com/office/drawing/2014/main" xmlns="" id="{2F852DB0-A196-4348-B1D8-D99C460AD8BB}"/>
+                <a16:creationId xmlns:a16="http://schemas.microsoft.com/office/drawing/2014/main" id="{2F852DB0-A196-4348-B1D8-D99C460AD8BB}"/>
               </a:ext>
             </a:extLst>
           </p:cNvPr>
@@ -2994,7 +3005,7 @@
           <a:p>
             <a:fld id="{2DE544F1-4EB3-B943-BAC8-4587CDEC2BDB}" type="datetimeFigureOut">
               <a:rPr lang="en-US" smtClean="0"/>
-              <a:t>01/10/19</a:t>
+              <a:t>10/16/19</a:t>
             </a:fld>
             <a:endParaRPr lang="en-US"/>
           </a:p>
@@ -3005,7 +3016,7 @@
           <p:cNvPr id="5" name="Footer Placeholder 4">
             <a:extLst>
               <a:ext uri="{FF2B5EF4-FFF2-40B4-BE49-F238E27FC236}">
-                <a16:creationId xmlns:a16="http://schemas.microsoft.com/office/drawing/2014/main" xmlns="" id="{6C5ABAE8-B076-FA45-BA20-1D55E72A0AC9}"/>
+                <a16:creationId xmlns:a16="http://schemas.microsoft.com/office/drawing/2014/main" id="{6C5ABAE8-B076-FA45-BA20-1D55E72A0AC9}"/>
               </a:ext>
             </a:extLst>
           </p:cNvPr>
@@ -3048,7 +3059,7 @@
           <p:cNvPr id="6" name="Slide Number Placeholder 5">
             <a:extLst>
               <a:ext uri="{FF2B5EF4-FFF2-40B4-BE49-F238E27FC236}">
-                <a16:creationId xmlns:a16="http://schemas.microsoft.com/office/drawing/2014/main" xmlns="" id="{03C9AE5A-E8CF-0E42-A471-8FC1309716B3}"/>
+                <a16:creationId xmlns:a16="http://schemas.microsoft.com/office/drawing/2014/main" id="{03C9AE5A-E8CF-0E42-A471-8FC1309716B3}"/>
               </a:ext>
             </a:extLst>
           </p:cNvPr>
@@ -3416,7 +3427,7 @@
           <p:cNvPr id="4" name="Group 3">
             <a:extLst>
               <a:ext uri="{FF2B5EF4-FFF2-40B4-BE49-F238E27FC236}">
-                <a16:creationId xmlns:a16="http://schemas.microsoft.com/office/drawing/2014/main" xmlns="" id="{55314FED-6453-FD43-961D-8254778ED840}"/>
+                <a16:creationId xmlns:a16="http://schemas.microsoft.com/office/drawing/2014/main" id="{55314FED-6453-FD43-961D-8254778ED840}"/>
               </a:ext>
             </a:extLst>
           </p:cNvPr>
@@ -3437,7 +3448,7 @@
             <p:cNvPr id="5" name="Oval 4">
               <a:extLst>
                 <a:ext uri="{FF2B5EF4-FFF2-40B4-BE49-F238E27FC236}">
-                  <a16:creationId xmlns:a16="http://schemas.microsoft.com/office/drawing/2014/main" xmlns="" id="{3BBFE5DD-7E1E-8D48-B332-ACD70B994D54}"/>
+                  <a16:creationId xmlns:a16="http://schemas.microsoft.com/office/drawing/2014/main" id="{3BBFE5DD-7E1E-8D48-B332-ACD70B994D54}"/>
                 </a:ext>
               </a:extLst>
             </p:cNvPr>
@@ -3497,7 +3508,7 @@
             <p:cNvPr id="6" name="TextBox 5">
               <a:extLst>
                 <a:ext uri="{FF2B5EF4-FFF2-40B4-BE49-F238E27FC236}">
-                  <a16:creationId xmlns:a16="http://schemas.microsoft.com/office/drawing/2014/main" xmlns="" id="{C06A917E-4978-2946-96D6-F2553A813A97}"/>
+                  <a16:creationId xmlns:a16="http://schemas.microsoft.com/office/drawing/2014/main" id="{C06A917E-4978-2946-96D6-F2553A813A97}"/>
                 </a:ext>
               </a:extLst>
             </p:cNvPr>
@@ -3533,7 +3544,7 @@
           <p:cNvPr id="7" name="Group 6">
             <a:extLst>
               <a:ext uri="{FF2B5EF4-FFF2-40B4-BE49-F238E27FC236}">
-                <a16:creationId xmlns:a16="http://schemas.microsoft.com/office/drawing/2014/main" xmlns="" id="{CB8B1DA8-0759-5442-BF30-49944267F668}"/>
+                <a16:creationId xmlns:a16="http://schemas.microsoft.com/office/drawing/2014/main" id="{CB8B1DA8-0759-5442-BF30-49944267F668}"/>
               </a:ext>
             </a:extLst>
           </p:cNvPr>
@@ -3553,7 +3564,7 @@
             <p:cNvPr id="8" name="Oval 7">
               <a:extLst>
                 <a:ext uri="{FF2B5EF4-FFF2-40B4-BE49-F238E27FC236}">
-                  <a16:creationId xmlns:a16="http://schemas.microsoft.com/office/drawing/2014/main" xmlns="" id="{934FE891-ED40-5E4D-97FB-8EDB87EF846A}"/>
+                  <a16:creationId xmlns:a16="http://schemas.microsoft.com/office/drawing/2014/main" id="{934FE891-ED40-5E4D-97FB-8EDB87EF846A}"/>
                 </a:ext>
               </a:extLst>
             </p:cNvPr>
@@ -3613,7 +3624,7 @@
             <p:cNvPr id="9" name="TextBox 8">
               <a:extLst>
                 <a:ext uri="{FF2B5EF4-FFF2-40B4-BE49-F238E27FC236}">
-                  <a16:creationId xmlns:a16="http://schemas.microsoft.com/office/drawing/2014/main" xmlns="" id="{D8DFE8B4-AEA7-1943-B323-03AB18BB67F2}"/>
+                  <a16:creationId xmlns:a16="http://schemas.microsoft.com/office/drawing/2014/main" id="{D8DFE8B4-AEA7-1943-B323-03AB18BB67F2}"/>
                 </a:ext>
               </a:extLst>
             </p:cNvPr>
@@ -3649,7 +3660,7 @@
           <p:cNvPr id="10" name="Group 9">
             <a:extLst>
               <a:ext uri="{FF2B5EF4-FFF2-40B4-BE49-F238E27FC236}">
-                <a16:creationId xmlns:a16="http://schemas.microsoft.com/office/drawing/2014/main" xmlns="" id="{8C656272-76EF-8A4C-BCA2-E977C3751A4B}"/>
+                <a16:creationId xmlns:a16="http://schemas.microsoft.com/office/drawing/2014/main" id="{8C656272-76EF-8A4C-BCA2-E977C3751A4B}"/>
               </a:ext>
             </a:extLst>
           </p:cNvPr>
@@ -3670,7 +3681,7 @@
             <p:cNvPr id="11" name="Oval 10">
               <a:extLst>
                 <a:ext uri="{FF2B5EF4-FFF2-40B4-BE49-F238E27FC236}">
-                  <a16:creationId xmlns:a16="http://schemas.microsoft.com/office/drawing/2014/main" xmlns="" id="{D99DDA3E-6C2D-A844-B021-F245E5EEBC5D}"/>
+                  <a16:creationId xmlns:a16="http://schemas.microsoft.com/office/drawing/2014/main" id="{D99DDA3E-6C2D-A844-B021-F245E5EEBC5D}"/>
                 </a:ext>
               </a:extLst>
             </p:cNvPr>
@@ -3730,7 +3741,7 @@
             <p:cNvPr id="12" name="TextBox 11">
               <a:extLst>
                 <a:ext uri="{FF2B5EF4-FFF2-40B4-BE49-F238E27FC236}">
-                  <a16:creationId xmlns:a16="http://schemas.microsoft.com/office/drawing/2014/main" xmlns="" id="{1E4DC8D5-D4D8-854E-9C74-CD70E62AE430}"/>
+                  <a16:creationId xmlns:a16="http://schemas.microsoft.com/office/drawing/2014/main" id="{1E4DC8D5-D4D8-854E-9C74-CD70E62AE430}"/>
                 </a:ext>
               </a:extLst>
             </p:cNvPr>
@@ -3766,7 +3777,7 @@
           <p:cNvPr id="13" name="Group 12">
             <a:extLst>
               <a:ext uri="{FF2B5EF4-FFF2-40B4-BE49-F238E27FC236}">
-                <a16:creationId xmlns:a16="http://schemas.microsoft.com/office/drawing/2014/main" xmlns="" id="{3F3C6156-07D9-CE49-9436-2C758A39D604}"/>
+                <a16:creationId xmlns:a16="http://schemas.microsoft.com/office/drawing/2014/main" id="{3F3C6156-07D9-CE49-9436-2C758A39D604}"/>
               </a:ext>
             </a:extLst>
           </p:cNvPr>
@@ -3789,7 +3800,7 @@
             <p:cNvPr id="14" name="Rectangle 13">
               <a:extLst>
                 <a:ext uri="{FF2B5EF4-FFF2-40B4-BE49-F238E27FC236}">
-                  <a16:creationId xmlns:a16="http://schemas.microsoft.com/office/drawing/2014/main" xmlns="" id="{3476E380-346B-5C45-91A2-5D90DFBA394E}"/>
+                  <a16:creationId xmlns:a16="http://schemas.microsoft.com/office/drawing/2014/main" id="{3476E380-346B-5C45-91A2-5D90DFBA394E}"/>
                 </a:ext>
               </a:extLst>
             </p:cNvPr>
@@ -3849,7 +3860,7 @@
             <p:cNvPr id="15" name="TextBox 14">
               <a:extLst>
                 <a:ext uri="{FF2B5EF4-FFF2-40B4-BE49-F238E27FC236}">
-                  <a16:creationId xmlns:a16="http://schemas.microsoft.com/office/drawing/2014/main" xmlns="" id="{CEFFADCD-5327-C44E-9659-03C85D45FF1A}"/>
+                  <a16:creationId xmlns:a16="http://schemas.microsoft.com/office/drawing/2014/main" id="{CEFFADCD-5327-C44E-9659-03C85D45FF1A}"/>
                 </a:ext>
               </a:extLst>
             </p:cNvPr>
@@ -3888,7 +3899,7 @@
           <p:cNvPr id="16" name="Group 15">
             <a:extLst>
               <a:ext uri="{FF2B5EF4-FFF2-40B4-BE49-F238E27FC236}">
-                <a16:creationId xmlns:a16="http://schemas.microsoft.com/office/drawing/2014/main" xmlns="" id="{60B53682-92EB-C047-ADEB-A7E534B4E8A8}"/>
+                <a16:creationId xmlns:a16="http://schemas.microsoft.com/office/drawing/2014/main" id="{60B53682-92EB-C047-ADEB-A7E534B4E8A8}"/>
               </a:ext>
             </a:extLst>
           </p:cNvPr>
@@ -3911,7 +3922,7 @@
             <p:cNvPr id="17" name="Rectangle 16">
               <a:extLst>
                 <a:ext uri="{FF2B5EF4-FFF2-40B4-BE49-F238E27FC236}">
-                  <a16:creationId xmlns:a16="http://schemas.microsoft.com/office/drawing/2014/main" xmlns="" id="{D318E7C6-EA46-9945-AE2B-0870F2915DCE}"/>
+                  <a16:creationId xmlns:a16="http://schemas.microsoft.com/office/drawing/2014/main" id="{D318E7C6-EA46-9945-AE2B-0870F2915DCE}"/>
                 </a:ext>
               </a:extLst>
             </p:cNvPr>
@@ -3971,7 +3982,7 @@
             <p:cNvPr id="18" name="TextBox 17">
               <a:extLst>
                 <a:ext uri="{FF2B5EF4-FFF2-40B4-BE49-F238E27FC236}">
-                  <a16:creationId xmlns:a16="http://schemas.microsoft.com/office/drawing/2014/main" xmlns="" id="{2045FE4C-22C9-2947-9282-64AD8E488BA0}"/>
+                  <a16:creationId xmlns:a16="http://schemas.microsoft.com/office/drawing/2014/main" id="{2045FE4C-22C9-2947-9282-64AD8E488BA0}"/>
                 </a:ext>
               </a:extLst>
             </p:cNvPr>
@@ -4010,7 +4021,7 @@
           <p:cNvPr id="19" name="Straight Arrow Connector 18">
             <a:extLst>
               <a:ext uri="{FF2B5EF4-FFF2-40B4-BE49-F238E27FC236}">
-                <a16:creationId xmlns:a16="http://schemas.microsoft.com/office/drawing/2014/main" xmlns="" id="{A2ED6E3C-6BC2-2548-8267-05DFADBD7DE7}"/>
+                <a16:creationId xmlns:a16="http://schemas.microsoft.com/office/drawing/2014/main" id="{A2ED6E3C-6BC2-2548-8267-05DFADBD7DE7}"/>
               </a:ext>
             </a:extLst>
           </p:cNvPr>
@@ -4056,7 +4067,7 @@
           <p:cNvPr id="20" name="Straight Arrow Connector 19">
             <a:extLst>
               <a:ext uri="{FF2B5EF4-FFF2-40B4-BE49-F238E27FC236}">
-                <a16:creationId xmlns:a16="http://schemas.microsoft.com/office/drawing/2014/main" xmlns="" id="{0936CCBA-0D37-4646-98D7-AB0D21115FDD}"/>
+                <a16:creationId xmlns:a16="http://schemas.microsoft.com/office/drawing/2014/main" id="{0936CCBA-0D37-4646-98D7-AB0D21115FDD}"/>
               </a:ext>
             </a:extLst>
           </p:cNvPr>
@@ -4102,7 +4113,7 @@
           <p:cNvPr id="21" name="Straight Arrow Connector 20">
             <a:extLst>
               <a:ext uri="{FF2B5EF4-FFF2-40B4-BE49-F238E27FC236}">
-                <a16:creationId xmlns:a16="http://schemas.microsoft.com/office/drawing/2014/main" xmlns="" id="{B9669FF4-AB6F-9D43-8E3E-81009DAA6582}"/>
+                <a16:creationId xmlns:a16="http://schemas.microsoft.com/office/drawing/2014/main" id="{B9669FF4-AB6F-9D43-8E3E-81009DAA6582}"/>
               </a:ext>
             </a:extLst>
           </p:cNvPr>
@@ -4147,7 +4158,7 @@
           <p:cNvPr id="22" name="Straight Arrow Connector 21">
             <a:extLst>
               <a:ext uri="{FF2B5EF4-FFF2-40B4-BE49-F238E27FC236}">
-                <a16:creationId xmlns:a16="http://schemas.microsoft.com/office/drawing/2014/main" xmlns="" id="{FA4F0DD6-8299-CB4E-AC3B-EAC78C0F0131}"/>
+                <a16:creationId xmlns:a16="http://schemas.microsoft.com/office/drawing/2014/main" id="{FA4F0DD6-8299-CB4E-AC3B-EAC78C0F0131}"/>
               </a:ext>
             </a:extLst>
           </p:cNvPr>
@@ -4192,7 +4203,7 @@
           <p:cNvPr id="24" name="Oval 23">
             <a:extLst>
               <a:ext uri="{FF2B5EF4-FFF2-40B4-BE49-F238E27FC236}">
-                <a16:creationId xmlns:a16="http://schemas.microsoft.com/office/drawing/2014/main" xmlns="" id="{80EA9C69-888B-F44A-BCF3-ECC655A1727B}"/>
+                <a16:creationId xmlns:a16="http://schemas.microsoft.com/office/drawing/2014/main" id="{80EA9C69-888B-F44A-BCF3-ECC655A1727B}"/>
               </a:ext>
             </a:extLst>
           </p:cNvPr>
@@ -4254,7 +4265,7 @@
           <p:cNvPr id="25" name="TextBox 24">
             <a:extLst>
               <a:ext uri="{FF2B5EF4-FFF2-40B4-BE49-F238E27FC236}">
-                <a16:creationId xmlns:a16="http://schemas.microsoft.com/office/drawing/2014/main" xmlns="" id="{B8860875-F1F4-6848-BFFC-A2C8CACF3302}"/>
+                <a16:creationId xmlns:a16="http://schemas.microsoft.com/office/drawing/2014/main" id="{B8860875-F1F4-6848-BFFC-A2C8CACF3302}"/>
               </a:ext>
             </a:extLst>
           </p:cNvPr>
@@ -4292,7 +4303,7 @@
           <p:cNvPr id="27" name="Oval 26">
             <a:extLst>
               <a:ext uri="{FF2B5EF4-FFF2-40B4-BE49-F238E27FC236}">
-                <a16:creationId xmlns:a16="http://schemas.microsoft.com/office/drawing/2014/main" xmlns="" id="{6B8D91CC-452C-9F40-8A18-6EEF72196750}"/>
+                <a16:creationId xmlns:a16="http://schemas.microsoft.com/office/drawing/2014/main" id="{6B8D91CC-452C-9F40-8A18-6EEF72196750}"/>
               </a:ext>
             </a:extLst>
           </p:cNvPr>
@@ -4352,7 +4363,7 @@
           <p:cNvPr id="28" name="TextBox 27">
             <a:extLst>
               <a:ext uri="{FF2B5EF4-FFF2-40B4-BE49-F238E27FC236}">
-                <a16:creationId xmlns:a16="http://schemas.microsoft.com/office/drawing/2014/main" xmlns="" id="{6C0D91D2-D0BD-3748-8D36-A65DA478E317}"/>
+                <a16:creationId xmlns:a16="http://schemas.microsoft.com/office/drawing/2014/main" id="{6C0D91D2-D0BD-3748-8D36-A65DA478E317}"/>
               </a:ext>
             </a:extLst>
           </p:cNvPr>
@@ -4390,7 +4401,7 @@
           <p:cNvPr id="29" name="Group 28">
             <a:extLst>
               <a:ext uri="{FF2B5EF4-FFF2-40B4-BE49-F238E27FC236}">
-                <a16:creationId xmlns:a16="http://schemas.microsoft.com/office/drawing/2014/main" xmlns="" id="{58DDEB8D-7BE7-CB41-B0C9-81495875BA69}"/>
+                <a16:creationId xmlns:a16="http://schemas.microsoft.com/office/drawing/2014/main" id="{58DDEB8D-7BE7-CB41-B0C9-81495875BA69}"/>
               </a:ext>
             </a:extLst>
           </p:cNvPr>
@@ -4413,7 +4424,7 @@
             <p:cNvPr id="30" name="Rectangle 29">
               <a:extLst>
                 <a:ext uri="{FF2B5EF4-FFF2-40B4-BE49-F238E27FC236}">
-                  <a16:creationId xmlns:a16="http://schemas.microsoft.com/office/drawing/2014/main" xmlns="" id="{5A873860-AFEE-C846-B7CA-0E3764F4C6C8}"/>
+                  <a16:creationId xmlns:a16="http://schemas.microsoft.com/office/drawing/2014/main" id="{5A873860-AFEE-C846-B7CA-0E3764F4C6C8}"/>
                 </a:ext>
               </a:extLst>
             </p:cNvPr>
@@ -4473,7 +4484,7 @@
             <p:cNvPr id="31" name="TextBox 30">
               <a:extLst>
                 <a:ext uri="{FF2B5EF4-FFF2-40B4-BE49-F238E27FC236}">
-                  <a16:creationId xmlns:a16="http://schemas.microsoft.com/office/drawing/2014/main" xmlns="" id="{026EFF95-A269-9B4E-AD07-2002435F0D32}"/>
+                  <a16:creationId xmlns:a16="http://schemas.microsoft.com/office/drawing/2014/main" id="{026EFF95-A269-9B4E-AD07-2002435F0D32}"/>
                 </a:ext>
               </a:extLst>
             </p:cNvPr>
@@ -4512,7 +4523,7 @@
           <p:cNvPr id="32" name="Group 31">
             <a:extLst>
               <a:ext uri="{FF2B5EF4-FFF2-40B4-BE49-F238E27FC236}">
-                <a16:creationId xmlns:a16="http://schemas.microsoft.com/office/drawing/2014/main" xmlns="" id="{ADB79DEC-DF71-A04A-AA69-FB3D253340FE}"/>
+                <a16:creationId xmlns:a16="http://schemas.microsoft.com/office/drawing/2014/main" id="{ADB79DEC-DF71-A04A-AA69-FB3D253340FE}"/>
               </a:ext>
             </a:extLst>
           </p:cNvPr>
@@ -4532,7 +4543,7 @@
             <p:cNvPr id="33" name="Rectangle 32">
               <a:extLst>
                 <a:ext uri="{FF2B5EF4-FFF2-40B4-BE49-F238E27FC236}">
-                  <a16:creationId xmlns:a16="http://schemas.microsoft.com/office/drawing/2014/main" xmlns="" id="{BF1237CB-3D98-2E4F-B768-D020BFF9EB00}"/>
+                  <a16:creationId xmlns:a16="http://schemas.microsoft.com/office/drawing/2014/main" id="{BF1237CB-3D98-2E4F-B768-D020BFF9EB00}"/>
                 </a:ext>
               </a:extLst>
             </p:cNvPr>
@@ -4592,7 +4603,7 @@
             <p:cNvPr id="34" name="TextBox 33">
               <a:extLst>
                 <a:ext uri="{FF2B5EF4-FFF2-40B4-BE49-F238E27FC236}">
-                  <a16:creationId xmlns:a16="http://schemas.microsoft.com/office/drawing/2014/main" xmlns="" id="{02BA6998-2549-1044-86AE-4D1A2F91731F}"/>
+                  <a16:creationId xmlns:a16="http://schemas.microsoft.com/office/drawing/2014/main" id="{02BA6998-2549-1044-86AE-4D1A2F91731F}"/>
                 </a:ext>
               </a:extLst>
             </p:cNvPr>
@@ -4631,7 +4642,7 @@
           <p:cNvPr id="35" name="TextBox 34">
             <a:extLst>
               <a:ext uri="{FF2B5EF4-FFF2-40B4-BE49-F238E27FC236}">
-                <a16:creationId xmlns:a16="http://schemas.microsoft.com/office/drawing/2014/main" xmlns="" id="{5D8454A0-98CC-EC44-B0DA-7F34630D876F}"/>
+                <a16:creationId xmlns:a16="http://schemas.microsoft.com/office/drawing/2014/main" id="{5D8454A0-98CC-EC44-B0DA-7F34630D876F}"/>
               </a:ext>
             </a:extLst>
           </p:cNvPr>
@@ -4669,7 +4680,7 @@
           <p:cNvPr id="36" name="TextBox 35">
             <a:extLst>
               <a:ext uri="{FF2B5EF4-FFF2-40B4-BE49-F238E27FC236}">
-                <a16:creationId xmlns:a16="http://schemas.microsoft.com/office/drawing/2014/main" xmlns="" id="{8FCA1C51-B0F3-FE47-9302-B674C382B0BD}"/>
+                <a16:creationId xmlns:a16="http://schemas.microsoft.com/office/drawing/2014/main" id="{8FCA1C51-B0F3-FE47-9302-B674C382B0BD}"/>
               </a:ext>
             </a:extLst>
           </p:cNvPr>
@@ -4707,7 +4718,7 @@
           <p:cNvPr id="37" name="TextBox 36">
             <a:extLst>
               <a:ext uri="{FF2B5EF4-FFF2-40B4-BE49-F238E27FC236}">
-                <a16:creationId xmlns:a16="http://schemas.microsoft.com/office/drawing/2014/main" xmlns="" id="{89B02DFF-A3D2-9D41-AE96-E6EADE35D8BF}"/>
+                <a16:creationId xmlns:a16="http://schemas.microsoft.com/office/drawing/2014/main" id="{89B02DFF-A3D2-9D41-AE96-E6EADE35D8BF}"/>
               </a:ext>
             </a:extLst>
           </p:cNvPr>
@@ -4745,7 +4756,7 @@
           <p:cNvPr id="38" name="Straight Arrow Connector 37">
             <a:extLst>
               <a:ext uri="{FF2B5EF4-FFF2-40B4-BE49-F238E27FC236}">
-                <a16:creationId xmlns:a16="http://schemas.microsoft.com/office/drawing/2014/main" xmlns="" id="{9774CE3A-A97F-DC46-A82D-3F506103356B}"/>
+                <a16:creationId xmlns:a16="http://schemas.microsoft.com/office/drawing/2014/main" id="{9774CE3A-A97F-DC46-A82D-3F506103356B}"/>
               </a:ext>
             </a:extLst>
           </p:cNvPr>
@@ -4790,7 +4801,7 @@
           <p:cNvPr id="39" name="Straight Arrow Connector 38">
             <a:extLst>
               <a:ext uri="{FF2B5EF4-FFF2-40B4-BE49-F238E27FC236}">
-                <a16:creationId xmlns:a16="http://schemas.microsoft.com/office/drawing/2014/main" xmlns="" id="{E43912C9-718E-E849-8467-C9359972B555}"/>
+                <a16:creationId xmlns:a16="http://schemas.microsoft.com/office/drawing/2014/main" id="{E43912C9-718E-E849-8467-C9359972B555}"/>
               </a:ext>
             </a:extLst>
           </p:cNvPr>
@@ -4835,7 +4846,7 @@
           <p:cNvPr id="40" name="Straight Arrow Connector 39">
             <a:extLst>
               <a:ext uri="{FF2B5EF4-FFF2-40B4-BE49-F238E27FC236}">
-                <a16:creationId xmlns:a16="http://schemas.microsoft.com/office/drawing/2014/main" xmlns="" id="{3F0BB5AA-803C-A249-800F-155E27C62A0A}"/>
+                <a16:creationId xmlns:a16="http://schemas.microsoft.com/office/drawing/2014/main" id="{3F0BB5AA-803C-A249-800F-155E27C62A0A}"/>
               </a:ext>
             </a:extLst>
           </p:cNvPr>
@@ -4881,7 +4892,7 @@
           <p:cNvPr id="41" name="Straight Arrow Connector 40">
             <a:extLst>
               <a:ext uri="{FF2B5EF4-FFF2-40B4-BE49-F238E27FC236}">
-                <a16:creationId xmlns:a16="http://schemas.microsoft.com/office/drawing/2014/main" xmlns="" id="{9F3E0B84-0909-B743-9080-B0E41D6E4599}"/>
+                <a16:creationId xmlns:a16="http://schemas.microsoft.com/office/drawing/2014/main" id="{9F3E0B84-0909-B743-9080-B0E41D6E4599}"/>
               </a:ext>
             </a:extLst>
           </p:cNvPr>
@@ -4926,7 +4937,7 @@
           <p:cNvPr id="42" name="TextBox 41">
             <a:extLst>
               <a:ext uri="{FF2B5EF4-FFF2-40B4-BE49-F238E27FC236}">
-                <a16:creationId xmlns:a16="http://schemas.microsoft.com/office/drawing/2014/main" xmlns="" id="{382F6A67-8867-814F-BAAB-0BE1923D755A}"/>
+                <a16:creationId xmlns:a16="http://schemas.microsoft.com/office/drawing/2014/main" id="{382F6A67-8867-814F-BAAB-0BE1923D755A}"/>
               </a:ext>
             </a:extLst>
           </p:cNvPr>
@@ -4964,7 +4975,7 @@
           <p:cNvPr id="43" name="TextBox 42">
             <a:extLst>
               <a:ext uri="{FF2B5EF4-FFF2-40B4-BE49-F238E27FC236}">
-                <a16:creationId xmlns:a16="http://schemas.microsoft.com/office/drawing/2014/main" xmlns="" id="{CB857827-BEAB-2C43-BB49-B5126CC79607}"/>
+                <a16:creationId xmlns:a16="http://schemas.microsoft.com/office/drawing/2014/main" id="{CB857827-BEAB-2C43-BB49-B5126CC79607}"/>
               </a:ext>
             </a:extLst>
           </p:cNvPr>
@@ -5002,7 +5013,7 @@
           <p:cNvPr id="44" name="TextBox 43">
             <a:extLst>
               <a:ext uri="{FF2B5EF4-FFF2-40B4-BE49-F238E27FC236}">
-                <a16:creationId xmlns:a16="http://schemas.microsoft.com/office/drawing/2014/main" xmlns="" id="{2C40AC4A-8D7C-484D-83E3-080746DCE7B8}"/>
+                <a16:creationId xmlns:a16="http://schemas.microsoft.com/office/drawing/2014/main" id="{2C40AC4A-8D7C-484D-83E3-080746DCE7B8}"/>
               </a:ext>
             </a:extLst>
           </p:cNvPr>
@@ -5040,7 +5051,7 @@
           <p:cNvPr id="45" name="TextBox 44">
             <a:extLst>
               <a:ext uri="{FF2B5EF4-FFF2-40B4-BE49-F238E27FC236}">
-                <a16:creationId xmlns:a16="http://schemas.microsoft.com/office/drawing/2014/main" xmlns="" id="{0909D81B-E2EA-1B4A-88FA-637B628A0894}"/>
+                <a16:creationId xmlns:a16="http://schemas.microsoft.com/office/drawing/2014/main" id="{0909D81B-E2EA-1B4A-88FA-637B628A0894}"/>
               </a:ext>
             </a:extLst>
           </p:cNvPr>
@@ -5078,7 +5089,7 @@
           <p:cNvPr id="46" name="TextBox 45">
             <a:extLst>
               <a:ext uri="{FF2B5EF4-FFF2-40B4-BE49-F238E27FC236}">
-                <a16:creationId xmlns:a16="http://schemas.microsoft.com/office/drawing/2014/main" xmlns="" id="{F6E48A18-590F-BA44-95B6-FE5AE87BCD61}"/>
+                <a16:creationId xmlns:a16="http://schemas.microsoft.com/office/drawing/2014/main" id="{F6E48A18-590F-BA44-95B6-FE5AE87BCD61}"/>
               </a:ext>
             </a:extLst>
           </p:cNvPr>
@@ -5120,7 +5131,7 @@
           <p:cNvPr id="47" name="TextBox 46">
             <a:extLst>
               <a:ext uri="{FF2B5EF4-FFF2-40B4-BE49-F238E27FC236}">
-                <a16:creationId xmlns:a16="http://schemas.microsoft.com/office/drawing/2014/main" xmlns="" id="{ACDB9B83-7FA9-F34E-9FFD-62B731AD3F63}"/>
+                <a16:creationId xmlns:a16="http://schemas.microsoft.com/office/drawing/2014/main" id="{ACDB9B83-7FA9-F34E-9FFD-62B731AD3F63}"/>
               </a:ext>
             </a:extLst>
           </p:cNvPr>
@@ -5162,7 +5173,7 @@
           <p:cNvPr id="48" name="Group 47">
             <a:extLst>
               <a:ext uri="{FF2B5EF4-FFF2-40B4-BE49-F238E27FC236}">
-                <a16:creationId xmlns:a16="http://schemas.microsoft.com/office/drawing/2014/main" xmlns="" id="{61077C08-5BDA-6C46-A3BA-5A85846826E7}"/>
+                <a16:creationId xmlns:a16="http://schemas.microsoft.com/office/drawing/2014/main" id="{61077C08-5BDA-6C46-A3BA-5A85846826E7}"/>
               </a:ext>
             </a:extLst>
           </p:cNvPr>
@@ -5182,7 +5193,7 @@
             <p:cNvPr id="49" name="Oval 48">
               <a:extLst>
                 <a:ext uri="{FF2B5EF4-FFF2-40B4-BE49-F238E27FC236}">
-                  <a16:creationId xmlns:a16="http://schemas.microsoft.com/office/drawing/2014/main" xmlns="" id="{E77536E7-9BF1-E14B-8B59-881B6D36FAE4}"/>
+                  <a16:creationId xmlns:a16="http://schemas.microsoft.com/office/drawing/2014/main" id="{E77536E7-9BF1-E14B-8B59-881B6D36FAE4}"/>
                 </a:ext>
               </a:extLst>
             </p:cNvPr>
@@ -5242,7 +5253,7 @@
             <p:cNvPr id="50" name="TextBox 49">
               <a:extLst>
                 <a:ext uri="{FF2B5EF4-FFF2-40B4-BE49-F238E27FC236}">
-                  <a16:creationId xmlns:a16="http://schemas.microsoft.com/office/drawing/2014/main" xmlns="" id="{42EE10A0-DAAF-8E47-8559-C17258085AD5}"/>
+                  <a16:creationId xmlns:a16="http://schemas.microsoft.com/office/drawing/2014/main" id="{42EE10A0-DAAF-8E47-8559-C17258085AD5}"/>
                 </a:ext>
               </a:extLst>
             </p:cNvPr>
@@ -5278,7 +5289,7 @@
           <p:cNvPr id="51" name="TextBox 50">
             <a:extLst>
               <a:ext uri="{FF2B5EF4-FFF2-40B4-BE49-F238E27FC236}">
-                <a16:creationId xmlns:a16="http://schemas.microsoft.com/office/drawing/2014/main" xmlns="" id="{2A891E9F-C49E-F640-BDF6-D5E49C8ECC59}"/>
+                <a16:creationId xmlns:a16="http://schemas.microsoft.com/office/drawing/2014/main" id="{2A891E9F-C49E-F640-BDF6-D5E49C8ECC59}"/>
               </a:ext>
             </a:extLst>
           </p:cNvPr>
@@ -5316,7 +5327,7 @@
           <p:cNvPr id="52" name="Group 51">
             <a:extLst>
               <a:ext uri="{FF2B5EF4-FFF2-40B4-BE49-F238E27FC236}">
-                <a16:creationId xmlns:a16="http://schemas.microsoft.com/office/drawing/2014/main" xmlns="" id="{1A8AE750-EEE6-8241-9A37-A92CC21EB9F4}"/>
+                <a16:creationId xmlns:a16="http://schemas.microsoft.com/office/drawing/2014/main" id="{1A8AE750-EEE6-8241-9A37-A92CC21EB9F4}"/>
               </a:ext>
             </a:extLst>
           </p:cNvPr>
@@ -5336,7 +5347,7 @@
             <p:cNvPr id="53" name="Rectangle 52">
               <a:extLst>
                 <a:ext uri="{FF2B5EF4-FFF2-40B4-BE49-F238E27FC236}">
-                  <a16:creationId xmlns:a16="http://schemas.microsoft.com/office/drawing/2014/main" xmlns="" id="{837D8F6F-EA16-C84C-B809-1D13FDE19145}"/>
+                  <a16:creationId xmlns:a16="http://schemas.microsoft.com/office/drawing/2014/main" id="{837D8F6F-EA16-C84C-B809-1D13FDE19145}"/>
                 </a:ext>
               </a:extLst>
             </p:cNvPr>
@@ -5396,7 +5407,7 @@
             <p:cNvPr id="54" name="TextBox 53">
               <a:extLst>
                 <a:ext uri="{FF2B5EF4-FFF2-40B4-BE49-F238E27FC236}">
-                  <a16:creationId xmlns:a16="http://schemas.microsoft.com/office/drawing/2014/main" xmlns="" id="{59104A85-84E1-A74E-BEDC-8B12CE421E7F}"/>
+                  <a16:creationId xmlns:a16="http://schemas.microsoft.com/office/drawing/2014/main" id="{59104A85-84E1-A74E-BEDC-8B12CE421E7F}"/>
                 </a:ext>
               </a:extLst>
             </p:cNvPr>
@@ -5435,7 +5446,7 @@
           <p:cNvPr id="55" name="Straight Arrow Connector 54">
             <a:extLst>
               <a:ext uri="{FF2B5EF4-FFF2-40B4-BE49-F238E27FC236}">
-                <a16:creationId xmlns:a16="http://schemas.microsoft.com/office/drawing/2014/main" xmlns="" id="{256322CD-CB7B-EE43-B71C-7B87AC68DEAC}"/>
+                <a16:creationId xmlns:a16="http://schemas.microsoft.com/office/drawing/2014/main" id="{256322CD-CB7B-EE43-B71C-7B87AC68DEAC}"/>
               </a:ext>
             </a:extLst>
           </p:cNvPr>
@@ -5480,7 +5491,7 @@
           <p:cNvPr id="56" name="Straight Arrow Connector 55">
             <a:extLst>
               <a:ext uri="{FF2B5EF4-FFF2-40B4-BE49-F238E27FC236}">
-                <a16:creationId xmlns:a16="http://schemas.microsoft.com/office/drawing/2014/main" xmlns="" id="{9074B50E-5498-1848-9CAC-49664F08DE70}"/>
+                <a16:creationId xmlns:a16="http://schemas.microsoft.com/office/drawing/2014/main" id="{9074B50E-5498-1848-9CAC-49664F08DE70}"/>
               </a:ext>
             </a:extLst>
           </p:cNvPr>
@@ -5525,7 +5536,7 @@
           <p:cNvPr id="57" name="Straight Arrow Connector 56">
             <a:extLst>
               <a:ext uri="{FF2B5EF4-FFF2-40B4-BE49-F238E27FC236}">
-                <a16:creationId xmlns:a16="http://schemas.microsoft.com/office/drawing/2014/main" xmlns="" id="{5DBCEC3E-6DCE-A049-BF77-D52ACA58E010}"/>
+                <a16:creationId xmlns:a16="http://schemas.microsoft.com/office/drawing/2014/main" id="{5DBCEC3E-6DCE-A049-BF77-D52ACA58E010}"/>
               </a:ext>
             </a:extLst>
           </p:cNvPr>
@@ -5570,7 +5581,7 @@
           <p:cNvPr id="3" name="Right Arrow 2">
             <a:extLst>
               <a:ext uri="{FF2B5EF4-FFF2-40B4-BE49-F238E27FC236}">
-                <a16:creationId xmlns:a16="http://schemas.microsoft.com/office/drawing/2014/main" xmlns="" id="{309B02C5-4186-164A-8C58-1BE1D6E9FF7E}"/>
+                <a16:creationId xmlns:a16="http://schemas.microsoft.com/office/drawing/2014/main" id="{309B02C5-4186-164A-8C58-1BE1D6E9FF7E}"/>
               </a:ext>
             </a:extLst>
           </p:cNvPr>
@@ -5626,7 +5637,7 @@
           <p:cNvPr id="167" name="TextBox 166">
             <a:extLst>
               <a:ext uri="{FF2B5EF4-FFF2-40B4-BE49-F238E27FC236}">
-                <a16:creationId xmlns:a16="http://schemas.microsoft.com/office/drawing/2014/main" xmlns="" id="{87437BDE-D805-3049-ABDC-12EFC587E8EB}"/>
+                <a16:creationId xmlns:a16="http://schemas.microsoft.com/office/drawing/2014/main" id="{87437BDE-D805-3049-ABDC-12EFC587E8EB}"/>
               </a:ext>
             </a:extLst>
           </p:cNvPr>
@@ -5671,7 +5682,7 @@
           <p:cNvPr id="222" name="TextBox 221">
             <a:extLst>
               <a:ext uri="{FF2B5EF4-FFF2-40B4-BE49-F238E27FC236}">
-                <a16:creationId xmlns:a16="http://schemas.microsoft.com/office/drawing/2014/main" xmlns="" id="{5D6C6D38-69A3-7847-A534-1EBCD7DB4C8A}"/>
+                <a16:creationId xmlns:a16="http://schemas.microsoft.com/office/drawing/2014/main" id="{5D6C6D38-69A3-7847-A534-1EBCD7DB4C8A}"/>
               </a:ext>
             </a:extLst>
           </p:cNvPr>
@@ -5709,7 +5720,7 @@
           <p:cNvPr id="223" name="TextBox 222">
             <a:extLst>
               <a:ext uri="{FF2B5EF4-FFF2-40B4-BE49-F238E27FC236}">
-                <a16:creationId xmlns:a16="http://schemas.microsoft.com/office/drawing/2014/main" xmlns="" id="{D9ECEB25-3CBC-834E-B8F6-C3560FA3D0B0}"/>
+                <a16:creationId xmlns:a16="http://schemas.microsoft.com/office/drawing/2014/main" id="{D9ECEB25-3CBC-834E-B8F6-C3560FA3D0B0}"/>
               </a:ext>
             </a:extLst>
           </p:cNvPr>
@@ -5747,7 +5758,7 @@
           <p:cNvPr id="354" name="Group 353">
             <a:extLst>
               <a:ext uri="{FF2B5EF4-FFF2-40B4-BE49-F238E27FC236}">
-                <a16:creationId xmlns:a16="http://schemas.microsoft.com/office/drawing/2014/main" xmlns="" id="{5069867D-A003-B04B-A61F-5AF3B5B16D41}"/>
+                <a16:creationId xmlns:a16="http://schemas.microsoft.com/office/drawing/2014/main" id="{5069867D-A003-B04B-A61F-5AF3B5B16D41}"/>
               </a:ext>
             </a:extLst>
           </p:cNvPr>
@@ -5768,7 +5779,7 @@
             <p:cNvPr id="355" name="Oval 354">
               <a:extLst>
                 <a:ext uri="{FF2B5EF4-FFF2-40B4-BE49-F238E27FC236}">
-                  <a16:creationId xmlns:a16="http://schemas.microsoft.com/office/drawing/2014/main" xmlns="" id="{2718DE82-7421-DC4D-A074-C9085C71424E}"/>
+                  <a16:creationId xmlns:a16="http://schemas.microsoft.com/office/drawing/2014/main" id="{2718DE82-7421-DC4D-A074-C9085C71424E}"/>
                 </a:ext>
               </a:extLst>
             </p:cNvPr>
@@ -5828,7 +5839,7 @@
             <p:cNvPr id="356" name="TextBox 355">
               <a:extLst>
                 <a:ext uri="{FF2B5EF4-FFF2-40B4-BE49-F238E27FC236}">
-                  <a16:creationId xmlns:a16="http://schemas.microsoft.com/office/drawing/2014/main" xmlns="" id="{503B1426-7FFF-6640-AAD1-BC01D2454F77}"/>
+                  <a16:creationId xmlns:a16="http://schemas.microsoft.com/office/drawing/2014/main" id="{503B1426-7FFF-6640-AAD1-BC01D2454F77}"/>
                 </a:ext>
               </a:extLst>
             </p:cNvPr>
@@ -5864,7 +5875,7 @@
           <p:cNvPr id="357" name="Group 356">
             <a:extLst>
               <a:ext uri="{FF2B5EF4-FFF2-40B4-BE49-F238E27FC236}">
-                <a16:creationId xmlns:a16="http://schemas.microsoft.com/office/drawing/2014/main" xmlns="" id="{7652EB00-7E13-674F-9F4E-CD11CC3F10E9}"/>
+                <a16:creationId xmlns:a16="http://schemas.microsoft.com/office/drawing/2014/main" id="{7652EB00-7E13-674F-9F4E-CD11CC3F10E9}"/>
               </a:ext>
             </a:extLst>
           </p:cNvPr>
@@ -5884,7 +5895,7 @@
             <p:cNvPr id="358" name="Oval 357">
               <a:extLst>
                 <a:ext uri="{FF2B5EF4-FFF2-40B4-BE49-F238E27FC236}">
-                  <a16:creationId xmlns:a16="http://schemas.microsoft.com/office/drawing/2014/main" xmlns="" id="{D636F2CC-4BEF-D649-A89B-BFFB70373C3A}"/>
+                  <a16:creationId xmlns:a16="http://schemas.microsoft.com/office/drawing/2014/main" id="{D636F2CC-4BEF-D649-A89B-BFFB70373C3A}"/>
                 </a:ext>
               </a:extLst>
             </p:cNvPr>
@@ -5944,7 +5955,7 @@
             <p:cNvPr id="359" name="TextBox 358">
               <a:extLst>
                 <a:ext uri="{FF2B5EF4-FFF2-40B4-BE49-F238E27FC236}">
-                  <a16:creationId xmlns:a16="http://schemas.microsoft.com/office/drawing/2014/main" xmlns="" id="{94FC722C-D623-7F40-AF6D-E80D6465B83C}"/>
+                  <a16:creationId xmlns:a16="http://schemas.microsoft.com/office/drawing/2014/main" id="{94FC722C-D623-7F40-AF6D-E80D6465B83C}"/>
                 </a:ext>
               </a:extLst>
             </p:cNvPr>
@@ -5980,7 +5991,7 @@
           <p:cNvPr id="360" name="Group 359">
             <a:extLst>
               <a:ext uri="{FF2B5EF4-FFF2-40B4-BE49-F238E27FC236}">
-                <a16:creationId xmlns:a16="http://schemas.microsoft.com/office/drawing/2014/main" xmlns="" id="{65E2EA6E-686D-B444-AD35-891AFA7A92B5}"/>
+                <a16:creationId xmlns:a16="http://schemas.microsoft.com/office/drawing/2014/main" id="{65E2EA6E-686D-B444-AD35-891AFA7A92B5}"/>
               </a:ext>
             </a:extLst>
           </p:cNvPr>
@@ -6001,7 +6012,7 @@
             <p:cNvPr id="361" name="Oval 360">
               <a:extLst>
                 <a:ext uri="{FF2B5EF4-FFF2-40B4-BE49-F238E27FC236}">
-                  <a16:creationId xmlns:a16="http://schemas.microsoft.com/office/drawing/2014/main" xmlns="" id="{8D08A969-B038-2D46-ADCA-738E2AD7065E}"/>
+                  <a16:creationId xmlns:a16="http://schemas.microsoft.com/office/drawing/2014/main" id="{8D08A969-B038-2D46-ADCA-738E2AD7065E}"/>
                 </a:ext>
               </a:extLst>
             </p:cNvPr>
@@ -6061,7 +6072,7 @@
             <p:cNvPr id="362" name="TextBox 361">
               <a:extLst>
                 <a:ext uri="{FF2B5EF4-FFF2-40B4-BE49-F238E27FC236}">
-                  <a16:creationId xmlns:a16="http://schemas.microsoft.com/office/drawing/2014/main" xmlns="" id="{F5A03E56-7DAD-4643-BC85-DCE553F1F4BC}"/>
+                  <a16:creationId xmlns:a16="http://schemas.microsoft.com/office/drawing/2014/main" id="{F5A03E56-7DAD-4643-BC85-DCE553F1F4BC}"/>
                 </a:ext>
               </a:extLst>
             </p:cNvPr>
@@ -6097,7 +6108,7 @@
           <p:cNvPr id="363" name="Group 362">
             <a:extLst>
               <a:ext uri="{FF2B5EF4-FFF2-40B4-BE49-F238E27FC236}">
-                <a16:creationId xmlns:a16="http://schemas.microsoft.com/office/drawing/2014/main" xmlns="" id="{3F523AFB-678E-234C-B3F1-7B6BC00A0B7B}"/>
+                <a16:creationId xmlns:a16="http://schemas.microsoft.com/office/drawing/2014/main" id="{3F523AFB-678E-234C-B3F1-7B6BC00A0B7B}"/>
               </a:ext>
             </a:extLst>
           </p:cNvPr>
@@ -6120,7 +6131,7 @@
             <p:cNvPr id="364" name="Rectangle 363">
               <a:extLst>
                 <a:ext uri="{FF2B5EF4-FFF2-40B4-BE49-F238E27FC236}">
-                  <a16:creationId xmlns:a16="http://schemas.microsoft.com/office/drawing/2014/main" xmlns="" id="{96E4F394-A919-254D-BBA6-C86315ECA318}"/>
+                  <a16:creationId xmlns:a16="http://schemas.microsoft.com/office/drawing/2014/main" id="{96E4F394-A919-254D-BBA6-C86315ECA318}"/>
                 </a:ext>
               </a:extLst>
             </p:cNvPr>
@@ -6180,7 +6191,7 @@
             <p:cNvPr id="365" name="TextBox 364">
               <a:extLst>
                 <a:ext uri="{FF2B5EF4-FFF2-40B4-BE49-F238E27FC236}">
-                  <a16:creationId xmlns:a16="http://schemas.microsoft.com/office/drawing/2014/main" xmlns="" id="{C0875E73-60E8-DD49-98FF-3C1FF650FEB2}"/>
+                  <a16:creationId xmlns:a16="http://schemas.microsoft.com/office/drawing/2014/main" id="{C0875E73-60E8-DD49-98FF-3C1FF650FEB2}"/>
                 </a:ext>
               </a:extLst>
             </p:cNvPr>
@@ -6219,7 +6230,7 @@
           <p:cNvPr id="366" name="Group 365">
             <a:extLst>
               <a:ext uri="{FF2B5EF4-FFF2-40B4-BE49-F238E27FC236}">
-                <a16:creationId xmlns:a16="http://schemas.microsoft.com/office/drawing/2014/main" xmlns="" id="{67DE781B-892A-2B4B-9C18-785343914396}"/>
+                <a16:creationId xmlns:a16="http://schemas.microsoft.com/office/drawing/2014/main" id="{67DE781B-892A-2B4B-9C18-785343914396}"/>
               </a:ext>
             </a:extLst>
           </p:cNvPr>
@@ -6242,7 +6253,7 @@
             <p:cNvPr id="367" name="Rectangle 366">
               <a:extLst>
                 <a:ext uri="{FF2B5EF4-FFF2-40B4-BE49-F238E27FC236}">
-                  <a16:creationId xmlns:a16="http://schemas.microsoft.com/office/drawing/2014/main" xmlns="" id="{19D5DD43-23BD-894B-AC63-209FFE839D72}"/>
+                  <a16:creationId xmlns:a16="http://schemas.microsoft.com/office/drawing/2014/main" id="{19D5DD43-23BD-894B-AC63-209FFE839D72}"/>
                 </a:ext>
               </a:extLst>
             </p:cNvPr>
@@ -6302,7 +6313,7 @@
             <p:cNvPr id="368" name="TextBox 367">
               <a:extLst>
                 <a:ext uri="{FF2B5EF4-FFF2-40B4-BE49-F238E27FC236}">
-                  <a16:creationId xmlns:a16="http://schemas.microsoft.com/office/drawing/2014/main" xmlns="" id="{1784E870-788C-A74B-B016-334AAED3109F}"/>
+                  <a16:creationId xmlns:a16="http://schemas.microsoft.com/office/drawing/2014/main" id="{1784E870-788C-A74B-B016-334AAED3109F}"/>
                 </a:ext>
               </a:extLst>
             </p:cNvPr>
@@ -6341,7 +6352,7 @@
           <p:cNvPr id="369" name="Straight Arrow Connector 368">
             <a:extLst>
               <a:ext uri="{FF2B5EF4-FFF2-40B4-BE49-F238E27FC236}">
-                <a16:creationId xmlns:a16="http://schemas.microsoft.com/office/drawing/2014/main" xmlns="" id="{7B3FFE04-6D78-CC45-B9D1-4370A49DD134}"/>
+                <a16:creationId xmlns:a16="http://schemas.microsoft.com/office/drawing/2014/main" id="{7B3FFE04-6D78-CC45-B9D1-4370A49DD134}"/>
               </a:ext>
             </a:extLst>
           </p:cNvPr>
@@ -6387,7 +6398,7 @@
           <p:cNvPr id="370" name="Straight Arrow Connector 369">
             <a:extLst>
               <a:ext uri="{FF2B5EF4-FFF2-40B4-BE49-F238E27FC236}">
-                <a16:creationId xmlns:a16="http://schemas.microsoft.com/office/drawing/2014/main" xmlns="" id="{94050C01-A9C6-CD47-A955-4C2A89487047}"/>
+                <a16:creationId xmlns:a16="http://schemas.microsoft.com/office/drawing/2014/main" id="{94050C01-A9C6-CD47-A955-4C2A89487047}"/>
               </a:ext>
             </a:extLst>
           </p:cNvPr>
@@ -6433,7 +6444,7 @@
           <p:cNvPr id="371" name="Straight Arrow Connector 370">
             <a:extLst>
               <a:ext uri="{FF2B5EF4-FFF2-40B4-BE49-F238E27FC236}">
-                <a16:creationId xmlns:a16="http://schemas.microsoft.com/office/drawing/2014/main" xmlns="" id="{6A8322F8-4B4C-9247-AB2B-4E569BA71095}"/>
+                <a16:creationId xmlns:a16="http://schemas.microsoft.com/office/drawing/2014/main" id="{6A8322F8-4B4C-9247-AB2B-4E569BA71095}"/>
               </a:ext>
             </a:extLst>
           </p:cNvPr>
@@ -6479,7 +6490,7 @@
           <p:cNvPr id="372" name="Straight Arrow Connector 371">
             <a:extLst>
               <a:ext uri="{FF2B5EF4-FFF2-40B4-BE49-F238E27FC236}">
-                <a16:creationId xmlns:a16="http://schemas.microsoft.com/office/drawing/2014/main" xmlns="" id="{D82CB521-F802-0648-A090-4CF7B2144B85}"/>
+                <a16:creationId xmlns:a16="http://schemas.microsoft.com/office/drawing/2014/main" id="{D82CB521-F802-0648-A090-4CF7B2144B85}"/>
               </a:ext>
             </a:extLst>
           </p:cNvPr>
@@ -6525,7 +6536,7 @@
           <p:cNvPr id="373" name="Oval 372">
             <a:extLst>
               <a:ext uri="{FF2B5EF4-FFF2-40B4-BE49-F238E27FC236}">
-                <a16:creationId xmlns:a16="http://schemas.microsoft.com/office/drawing/2014/main" xmlns="" id="{2483E009-9497-8F45-B720-4067E9871EBA}"/>
+                <a16:creationId xmlns:a16="http://schemas.microsoft.com/office/drawing/2014/main" id="{2483E009-9497-8F45-B720-4067E9871EBA}"/>
               </a:ext>
             </a:extLst>
           </p:cNvPr>
@@ -6587,7 +6598,7 @@
           <p:cNvPr id="374" name="TextBox 373">
             <a:extLst>
               <a:ext uri="{FF2B5EF4-FFF2-40B4-BE49-F238E27FC236}">
-                <a16:creationId xmlns:a16="http://schemas.microsoft.com/office/drawing/2014/main" xmlns="" id="{51541407-D04A-B74C-BBC7-8A184B1CB27A}"/>
+                <a16:creationId xmlns:a16="http://schemas.microsoft.com/office/drawing/2014/main" id="{51541407-D04A-B74C-BBC7-8A184B1CB27A}"/>
               </a:ext>
             </a:extLst>
           </p:cNvPr>
@@ -6625,7 +6636,7 @@
           <p:cNvPr id="375" name="Oval 374">
             <a:extLst>
               <a:ext uri="{FF2B5EF4-FFF2-40B4-BE49-F238E27FC236}">
-                <a16:creationId xmlns:a16="http://schemas.microsoft.com/office/drawing/2014/main" xmlns="" id="{42FA1C46-7AE7-2D4F-98FA-8EB9DF16BE84}"/>
+                <a16:creationId xmlns:a16="http://schemas.microsoft.com/office/drawing/2014/main" id="{42FA1C46-7AE7-2D4F-98FA-8EB9DF16BE84}"/>
               </a:ext>
             </a:extLst>
           </p:cNvPr>
@@ -6687,7 +6698,7 @@
           <p:cNvPr id="376" name="TextBox 375">
             <a:extLst>
               <a:ext uri="{FF2B5EF4-FFF2-40B4-BE49-F238E27FC236}">
-                <a16:creationId xmlns:a16="http://schemas.microsoft.com/office/drawing/2014/main" xmlns="" id="{34EE7832-C5E7-834D-B02D-89BDFE9F97CC}"/>
+                <a16:creationId xmlns:a16="http://schemas.microsoft.com/office/drawing/2014/main" id="{34EE7832-C5E7-834D-B02D-89BDFE9F97CC}"/>
               </a:ext>
             </a:extLst>
           </p:cNvPr>
@@ -6725,7 +6736,7 @@
           <p:cNvPr id="377" name="Group 376">
             <a:extLst>
               <a:ext uri="{FF2B5EF4-FFF2-40B4-BE49-F238E27FC236}">
-                <a16:creationId xmlns:a16="http://schemas.microsoft.com/office/drawing/2014/main" xmlns="" id="{D937642C-11FB-EF4E-A188-22531101BE1F}"/>
+                <a16:creationId xmlns:a16="http://schemas.microsoft.com/office/drawing/2014/main" id="{D937642C-11FB-EF4E-A188-22531101BE1F}"/>
               </a:ext>
             </a:extLst>
           </p:cNvPr>
@@ -6748,7 +6759,7 @@
             <p:cNvPr id="378" name="Rectangle 377">
               <a:extLst>
                 <a:ext uri="{FF2B5EF4-FFF2-40B4-BE49-F238E27FC236}">
-                  <a16:creationId xmlns:a16="http://schemas.microsoft.com/office/drawing/2014/main" xmlns="" id="{673D0D20-25B9-1848-8ABB-E8249FEDF200}"/>
+                  <a16:creationId xmlns:a16="http://schemas.microsoft.com/office/drawing/2014/main" id="{673D0D20-25B9-1848-8ABB-E8249FEDF200}"/>
                 </a:ext>
               </a:extLst>
             </p:cNvPr>
@@ -6808,7 +6819,7 @@
             <p:cNvPr id="379" name="TextBox 378">
               <a:extLst>
                 <a:ext uri="{FF2B5EF4-FFF2-40B4-BE49-F238E27FC236}">
-                  <a16:creationId xmlns:a16="http://schemas.microsoft.com/office/drawing/2014/main" xmlns="" id="{12ADB63F-583E-A748-8D0A-BE2E872C6248}"/>
+                  <a16:creationId xmlns:a16="http://schemas.microsoft.com/office/drawing/2014/main" id="{12ADB63F-583E-A748-8D0A-BE2E872C6248}"/>
                 </a:ext>
               </a:extLst>
             </p:cNvPr>
@@ -6847,7 +6858,7 @@
           <p:cNvPr id="380" name="Group 379">
             <a:extLst>
               <a:ext uri="{FF2B5EF4-FFF2-40B4-BE49-F238E27FC236}">
-                <a16:creationId xmlns:a16="http://schemas.microsoft.com/office/drawing/2014/main" xmlns="" id="{17F30D3E-FE0F-D74D-BD29-177F06384787}"/>
+                <a16:creationId xmlns:a16="http://schemas.microsoft.com/office/drawing/2014/main" id="{17F30D3E-FE0F-D74D-BD29-177F06384787}"/>
               </a:ext>
             </a:extLst>
           </p:cNvPr>
@@ -6867,7 +6878,7 @@
             <p:cNvPr id="381" name="Rectangle 380">
               <a:extLst>
                 <a:ext uri="{FF2B5EF4-FFF2-40B4-BE49-F238E27FC236}">
-                  <a16:creationId xmlns:a16="http://schemas.microsoft.com/office/drawing/2014/main" xmlns="" id="{1E9E6FC9-4D41-2147-BAD4-73DF998FF786}"/>
+                  <a16:creationId xmlns:a16="http://schemas.microsoft.com/office/drawing/2014/main" id="{1E9E6FC9-4D41-2147-BAD4-73DF998FF786}"/>
                 </a:ext>
               </a:extLst>
             </p:cNvPr>
@@ -6927,7 +6938,7 @@
             <p:cNvPr id="382" name="TextBox 381">
               <a:extLst>
                 <a:ext uri="{FF2B5EF4-FFF2-40B4-BE49-F238E27FC236}">
-                  <a16:creationId xmlns:a16="http://schemas.microsoft.com/office/drawing/2014/main" xmlns="" id="{10F8DF1A-5183-404C-9F03-B823BA61E6C5}"/>
+                  <a16:creationId xmlns:a16="http://schemas.microsoft.com/office/drawing/2014/main" id="{10F8DF1A-5183-404C-9F03-B823BA61E6C5}"/>
                 </a:ext>
               </a:extLst>
             </p:cNvPr>
@@ -6966,7 +6977,7 @@
           <p:cNvPr id="383" name="TextBox 382">
             <a:extLst>
               <a:ext uri="{FF2B5EF4-FFF2-40B4-BE49-F238E27FC236}">
-                <a16:creationId xmlns:a16="http://schemas.microsoft.com/office/drawing/2014/main" xmlns="" id="{CB12F755-2F24-1D4E-9BD3-B0CB714DF20F}"/>
+                <a16:creationId xmlns:a16="http://schemas.microsoft.com/office/drawing/2014/main" id="{CB12F755-2F24-1D4E-9BD3-B0CB714DF20F}"/>
               </a:ext>
             </a:extLst>
           </p:cNvPr>
@@ -7004,7 +7015,7 @@
           <p:cNvPr id="384" name="TextBox 383">
             <a:extLst>
               <a:ext uri="{FF2B5EF4-FFF2-40B4-BE49-F238E27FC236}">
-                <a16:creationId xmlns:a16="http://schemas.microsoft.com/office/drawing/2014/main" xmlns="" id="{50149D36-4957-1843-8F07-0BBB01CCE93D}"/>
+                <a16:creationId xmlns:a16="http://schemas.microsoft.com/office/drawing/2014/main" id="{50149D36-4957-1843-8F07-0BBB01CCE93D}"/>
               </a:ext>
             </a:extLst>
           </p:cNvPr>
@@ -7042,7 +7053,7 @@
           <p:cNvPr id="385" name="TextBox 384">
             <a:extLst>
               <a:ext uri="{FF2B5EF4-FFF2-40B4-BE49-F238E27FC236}">
-                <a16:creationId xmlns:a16="http://schemas.microsoft.com/office/drawing/2014/main" xmlns="" id="{ED94E494-15F9-0F4C-851C-A6A7B0ECE599}"/>
+                <a16:creationId xmlns:a16="http://schemas.microsoft.com/office/drawing/2014/main" id="{ED94E494-15F9-0F4C-851C-A6A7B0ECE599}"/>
               </a:ext>
             </a:extLst>
           </p:cNvPr>
@@ -7080,7 +7091,7 @@
           <p:cNvPr id="386" name="Straight Arrow Connector 385">
             <a:extLst>
               <a:ext uri="{FF2B5EF4-FFF2-40B4-BE49-F238E27FC236}">
-                <a16:creationId xmlns:a16="http://schemas.microsoft.com/office/drawing/2014/main" xmlns="" id="{85EDBC1B-D7A6-B34C-A003-A0DE99424DC3}"/>
+                <a16:creationId xmlns:a16="http://schemas.microsoft.com/office/drawing/2014/main" id="{85EDBC1B-D7A6-B34C-A003-A0DE99424DC3}"/>
               </a:ext>
             </a:extLst>
           </p:cNvPr>
@@ -7126,7 +7137,7 @@
           <p:cNvPr id="387" name="Straight Arrow Connector 386">
             <a:extLst>
               <a:ext uri="{FF2B5EF4-FFF2-40B4-BE49-F238E27FC236}">
-                <a16:creationId xmlns:a16="http://schemas.microsoft.com/office/drawing/2014/main" xmlns="" id="{C2F9823D-0B7F-A04B-8CEF-00C7EAF439D5}"/>
+                <a16:creationId xmlns:a16="http://schemas.microsoft.com/office/drawing/2014/main" id="{C2F9823D-0B7F-A04B-8CEF-00C7EAF439D5}"/>
               </a:ext>
             </a:extLst>
           </p:cNvPr>
@@ -7172,7 +7183,7 @@
           <p:cNvPr id="388" name="Straight Arrow Connector 387">
             <a:extLst>
               <a:ext uri="{FF2B5EF4-FFF2-40B4-BE49-F238E27FC236}">
-                <a16:creationId xmlns:a16="http://schemas.microsoft.com/office/drawing/2014/main" xmlns="" id="{8CA9DBAF-AF45-264B-96CE-204BFBD88EB1}"/>
+                <a16:creationId xmlns:a16="http://schemas.microsoft.com/office/drawing/2014/main" id="{8CA9DBAF-AF45-264B-96CE-204BFBD88EB1}"/>
               </a:ext>
             </a:extLst>
           </p:cNvPr>
@@ -7218,7 +7229,7 @@
           <p:cNvPr id="389" name="Straight Arrow Connector 388">
             <a:extLst>
               <a:ext uri="{FF2B5EF4-FFF2-40B4-BE49-F238E27FC236}">
-                <a16:creationId xmlns:a16="http://schemas.microsoft.com/office/drawing/2014/main" xmlns="" id="{35C09593-025F-1E48-BAF0-3C0676A2C9AF}"/>
+                <a16:creationId xmlns:a16="http://schemas.microsoft.com/office/drawing/2014/main" id="{35C09593-025F-1E48-BAF0-3C0676A2C9AF}"/>
               </a:ext>
             </a:extLst>
           </p:cNvPr>
@@ -7264,7 +7275,7 @@
           <p:cNvPr id="390" name="TextBox 389">
             <a:extLst>
               <a:ext uri="{FF2B5EF4-FFF2-40B4-BE49-F238E27FC236}">
-                <a16:creationId xmlns:a16="http://schemas.microsoft.com/office/drawing/2014/main" xmlns="" id="{66D3688B-4BE3-444F-9E01-5692277BA5FD}"/>
+                <a16:creationId xmlns:a16="http://schemas.microsoft.com/office/drawing/2014/main" id="{66D3688B-4BE3-444F-9E01-5692277BA5FD}"/>
               </a:ext>
             </a:extLst>
           </p:cNvPr>
@@ -7302,7 +7313,7 @@
           <p:cNvPr id="391" name="TextBox 390">
             <a:extLst>
               <a:ext uri="{FF2B5EF4-FFF2-40B4-BE49-F238E27FC236}">
-                <a16:creationId xmlns:a16="http://schemas.microsoft.com/office/drawing/2014/main" xmlns="" id="{FFB335F5-83EC-454E-9073-4A115695688D}"/>
+                <a16:creationId xmlns:a16="http://schemas.microsoft.com/office/drawing/2014/main" id="{FFB335F5-83EC-454E-9073-4A115695688D}"/>
               </a:ext>
             </a:extLst>
           </p:cNvPr>
@@ -7340,7 +7351,7 @@
           <p:cNvPr id="392" name="TextBox 391">
             <a:extLst>
               <a:ext uri="{FF2B5EF4-FFF2-40B4-BE49-F238E27FC236}">
-                <a16:creationId xmlns:a16="http://schemas.microsoft.com/office/drawing/2014/main" xmlns="" id="{B9FB69B7-2657-824C-8443-E2708B4CA1E5}"/>
+                <a16:creationId xmlns:a16="http://schemas.microsoft.com/office/drawing/2014/main" id="{B9FB69B7-2657-824C-8443-E2708B4CA1E5}"/>
               </a:ext>
             </a:extLst>
           </p:cNvPr>
@@ -7378,7 +7389,7 @@
           <p:cNvPr id="393" name="TextBox 392">
             <a:extLst>
               <a:ext uri="{FF2B5EF4-FFF2-40B4-BE49-F238E27FC236}">
-                <a16:creationId xmlns:a16="http://schemas.microsoft.com/office/drawing/2014/main" xmlns="" id="{96C5B6DC-709B-3D4C-AC2C-6146B97D47E6}"/>
+                <a16:creationId xmlns:a16="http://schemas.microsoft.com/office/drawing/2014/main" id="{96C5B6DC-709B-3D4C-AC2C-6146B97D47E6}"/>
               </a:ext>
             </a:extLst>
           </p:cNvPr>
@@ -7416,7 +7427,7 @@
           <p:cNvPr id="394" name="TextBox 393">
             <a:extLst>
               <a:ext uri="{FF2B5EF4-FFF2-40B4-BE49-F238E27FC236}">
-                <a16:creationId xmlns:a16="http://schemas.microsoft.com/office/drawing/2014/main" xmlns="" id="{FE808D17-CFEA-014E-8C98-F32B22AF34EC}"/>
+                <a16:creationId xmlns:a16="http://schemas.microsoft.com/office/drawing/2014/main" id="{FE808D17-CFEA-014E-8C98-F32B22AF34EC}"/>
               </a:ext>
             </a:extLst>
           </p:cNvPr>
@@ -7458,7 +7469,7 @@
           <p:cNvPr id="395" name="TextBox 394">
             <a:extLst>
               <a:ext uri="{FF2B5EF4-FFF2-40B4-BE49-F238E27FC236}">
-                <a16:creationId xmlns:a16="http://schemas.microsoft.com/office/drawing/2014/main" xmlns="" id="{27BBD939-57A3-C346-BAB2-D7F76DC93EE1}"/>
+                <a16:creationId xmlns:a16="http://schemas.microsoft.com/office/drawing/2014/main" id="{27BBD939-57A3-C346-BAB2-D7F76DC93EE1}"/>
               </a:ext>
             </a:extLst>
           </p:cNvPr>
@@ -7500,7 +7511,7 @@
           <p:cNvPr id="396" name="Group 395">
             <a:extLst>
               <a:ext uri="{FF2B5EF4-FFF2-40B4-BE49-F238E27FC236}">
-                <a16:creationId xmlns:a16="http://schemas.microsoft.com/office/drawing/2014/main" xmlns="" id="{F1AF6747-1230-EB4F-96F1-228B965B1ED3}"/>
+                <a16:creationId xmlns:a16="http://schemas.microsoft.com/office/drawing/2014/main" id="{F1AF6747-1230-EB4F-96F1-228B965B1ED3}"/>
               </a:ext>
             </a:extLst>
           </p:cNvPr>
@@ -7520,7 +7531,7 @@
             <p:cNvPr id="397" name="Oval 396">
               <a:extLst>
                 <a:ext uri="{FF2B5EF4-FFF2-40B4-BE49-F238E27FC236}">
-                  <a16:creationId xmlns:a16="http://schemas.microsoft.com/office/drawing/2014/main" xmlns="" id="{6669E784-1D49-7F48-9B58-B7412D14EE36}"/>
+                  <a16:creationId xmlns:a16="http://schemas.microsoft.com/office/drawing/2014/main" id="{6669E784-1D49-7F48-9B58-B7412D14EE36}"/>
                 </a:ext>
               </a:extLst>
             </p:cNvPr>
@@ -7580,7 +7591,7 @@
             <p:cNvPr id="398" name="TextBox 397">
               <a:extLst>
                 <a:ext uri="{FF2B5EF4-FFF2-40B4-BE49-F238E27FC236}">
-                  <a16:creationId xmlns:a16="http://schemas.microsoft.com/office/drawing/2014/main" xmlns="" id="{9C7FD75B-E1E7-9043-BB04-6A272AC377C2}"/>
+                  <a16:creationId xmlns:a16="http://schemas.microsoft.com/office/drawing/2014/main" id="{9C7FD75B-E1E7-9043-BB04-6A272AC377C2}"/>
                 </a:ext>
               </a:extLst>
             </p:cNvPr>
@@ -7616,7 +7627,7 @@
           <p:cNvPr id="399" name="TextBox 398">
             <a:extLst>
               <a:ext uri="{FF2B5EF4-FFF2-40B4-BE49-F238E27FC236}">
-                <a16:creationId xmlns:a16="http://schemas.microsoft.com/office/drawing/2014/main" xmlns="" id="{8B22958D-7FE1-2F4F-A0AD-11AA4EF2CA0D}"/>
+                <a16:creationId xmlns:a16="http://schemas.microsoft.com/office/drawing/2014/main" id="{8B22958D-7FE1-2F4F-A0AD-11AA4EF2CA0D}"/>
               </a:ext>
             </a:extLst>
           </p:cNvPr>
@@ -7654,7 +7665,7 @@
           <p:cNvPr id="400" name="Group 399">
             <a:extLst>
               <a:ext uri="{FF2B5EF4-FFF2-40B4-BE49-F238E27FC236}">
-                <a16:creationId xmlns:a16="http://schemas.microsoft.com/office/drawing/2014/main" xmlns="" id="{9B417B4E-5EAC-C041-87E5-BA17D26CE416}"/>
+                <a16:creationId xmlns:a16="http://schemas.microsoft.com/office/drawing/2014/main" id="{9B417B4E-5EAC-C041-87E5-BA17D26CE416}"/>
               </a:ext>
             </a:extLst>
           </p:cNvPr>
@@ -7674,7 +7685,7 @@
             <p:cNvPr id="401" name="Rectangle 400">
               <a:extLst>
                 <a:ext uri="{FF2B5EF4-FFF2-40B4-BE49-F238E27FC236}">
-                  <a16:creationId xmlns:a16="http://schemas.microsoft.com/office/drawing/2014/main" xmlns="" id="{FB944C2B-2A96-B847-A70A-18403585E15A}"/>
+                  <a16:creationId xmlns:a16="http://schemas.microsoft.com/office/drawing/2014/main" id="{FB944C2B-2A96-B847-A70A-18403585E15A}"/>
                 </a:ext>
               </a:extLst>
             </p:cNvPr>
@@ -7734,7 +7745,7 @@
             <p:cNvPr id="402" name="TextBox 401">
               <a:extLst>
                 <a:ext uri="{FF2B5EF4-FFF2-40B4-BE49-F238E27FC236}">
-                  <a16:creationId xmlns:a16="http://schemas.microsoft.com/office/drawing/2014/main" xmlns="" id="{2CC06AC3-BCC9-7A46-B1C4-A04E4EFD4DCB}"/>
+                  <a16:creationId xmlns:a16="http://schemas.microsoft.com/office/drawing/2014/main" id="{2CC06AC3-BCC9-7A46-B1C4-A04E4EFD4DCB}"/>
                 </a:ext>
               </a:extLst>
             </p:cNvPr>
@@ -7773,7 +7784,7 @@
           <p:cNvPr id="403" name="Straight Arrow Connector 402">
             <a:extLst>
               <a:ext uri="{FF2B5EF4-FFF2-40B4-BE49-F238E27FC236}">
-                <a16:creationId xmlns:a16="http://schemas.microsoft.com/office/drawing/2014/main" xmlns="" id="{4AA0F44B-9228-8542-881F-B19ECDF8AA36}"/>
+                <a16:creationId xmlns:a16="http://schemas.microsoft.com/office/drawing/2014/main" id="{4AA0F44B-9228-8542-881F-B19ECDF8AA36}"/>
               </a:ext>
             </a:extLst>
           </p:cNvPr>
@@ -7819,7 +7830,7 @@
           <p:cNvPr id="404" name="Straight Arrow Connector 403">
             <a:extLst>
               <a:ext uri="{FF2B5EF4-FFF2-40B4-BE49-F238E27FC236}">
-                <a16:creationId xmlns:a16="http://schemas.microsoft.com/office/drawing/2014/main" xmlns="" id="{B7CA54A9-E227-EC4B-BEF6-1C815041E073}"/>
+                <a16:creationId xmlns:a16="http://schemas.microsoft.com/office/drawing/2014/main" id="{B7CA54A9-E227-EC4B-BEF6-1C815041E073}"/>
               </a:ext>
             </a:extLst>
           </p:cNvPr>
@@ -7865,7 +7876,7 @@
           <p:cNvPr id="405" name="Straight Arrow Connector 404">
             <a:extLst>
               <a:ext uri="{FF2B5EF4-FFF2-40B4-BE49-F238E27FC236}">
-                <a16:creationId xmlns:a16="http://schemas.microsoft.com/office/drawing/2014/main" xmlns="" id="{8E9ED1CE-276B-5D49-BD8C-41625340690F}"/>
+                <a16:creationId xmlns:a16="http://schemas.microsoft.com/office/drawing/2014/main" id="{8E9ED1CE-276B-5D49-BD8C-41625340690F}"/>
               </a:ext>
             </a:extLst>
           </p:cNvPr>
@@ -7911,7 +7922,7 @@
           <p:cNvPr id="409" name="TextBox 408">
             <a:extLst>
               <a:ext uri="{FF2B5EF4-FFF2-40B4-BE49-F238E27FC236}">
-                <a16:creationId xmlns:a16="http://schemas.microsoft.com/office/drawing/2014/main" xmlns="" id="{2DA0D36D-E121-0442-93B0-72F6CF8AF1F1}"/>
+                <a16:creationId xmlns:a16="http://schemas.microsoft.com/office/drawing/2014/main" id="{2DA0D36D-E121-0442-93B0-72F6CF8AF1F1}"/>
               </a:ext>
             </a:extLst>
           </p:cNvPr>
@@ -7949,7 +7960,7 @@
           <p:cNvPr id="410" name="Group 409">
             <a:extLst>
               <a:ext uri="{FF2B5EF4-FFF2-40B4-BE49-F238E27FC236}">
-                <a16:creationId xmlns:a16="http://schemas.microsoft.com/office/drawing/2014/main" xmlns="" id="{6E4BB244-53C4-5743-A03C-523AD205D80D}"/>
+                <a16:creationId xmlns:a16="http://schemas.microsoft.com/office/drawing/2014/main" id="{6E4BB244-53C4-5743-A03C-523AD205D80D}"/>
               </a:ext>
             </a:extLst>
           </p:cNvPr>
@@ -7970,7 +7981,7 @@
             <p:cNvPr id="411" name="Oval 410">
               <a:extLst>
                 <a:ext uri="{FF2B5EF4-FFF2-40B4-BE49-F238E27FC236}">
-                  <a16:creationId xmlns:a16="http://schemas.microsoft.com/office/drawing/2014/main" xmlns="" id="{816F322C-B40B-E147-B1CE-C62354A9DEB2}"/>
+                  <a16:creationId xmlns:a16="http://schemas.microsoft.com/office/drawing/2014/main" id="{816F322C-B40B-E147-B1CE-C62354A9DEB2}"/>
                 </a:ext>
               </a:extLst>
             </p:cNvPr>
@@ -8030,7 +8041,7 @@
             <p:cNvPr id="412" name="TextBox 411">
               <a:extLst>
                 <a:ext uri="{FF2B5EF4-FFF2-40B4-BE49-F238E27FC236}">
-                  <a16:creationId xmlns:a16="http://schemas.microsoft.com/office/drawing/2014/main" xmlns="" id="{8A8427E7-5B92-0C41-92A4-06E1CA57EB88}"/>
+                  <a16:creationId xmlns:a16="http://schemas.microsoft.com/office/drawing/2014/main" id="{8A8427E7-5B92-0C41-92A4-06E1CA57EB88}"/>
                 </a:ext>
               </a:extLst>
             </p:cNvPr>
@@ -8066,7 +8077,7 @@
           <p:cNvPr id="413" name="Group 412">
             <a:extLst>
               <a:ext uri="{FF2B5EF4-FFF2-40B4-BE49-F238E27FC236}">
-                <a16:creationId xmlns:a16="http://schemas.microsoft.com/office/drawing/2014/main" xmlns="" id="{7AEBD9CC-660B-F840-AAAB-98112AAC0C3B}"/>
+                <a16:creationId xmlns:a16="http://schemas.microsoft.com/office/drawing/2014/main" id="{7AEBD9CC-660B-F840-AAAB-98112AAC0C3B}"/>
               </a:ext>
             </a:extLst>
           </p:cNvPr>
@@ -8086,7 +8097,7 @@
             <p:cNvPr id="414" name="Oval 413">
               <a:extLst>
                 <a:ext uri="{FF2B5EF4-FFF2-40B4-BE49-F238E27FC236}">
-                  <a16:creationId xmlns:a16="http://schemas.microsoft.com/office/drawing/2014/main" xmlns="" id="{9F9D0F1F-04D7-9A47-BC0B-ADA558A69F1C}"/>
+                  <a16:creationId xmlns:a16="http://schemas.microsoft.com/office/drawing/2014/main" id="{9F9D0F1F-04D7-9A47-BC0B-ADA558A69F1C}"/>
                 </a:ext>
               </a:extLst>
             </p:cNvPr>
@@ -8146,7 +8157,7 @@
             <p:cNvPr id="415" name="TextBox 414">
               <a:extLst>
                 <a:ext uri="{FF2B5EF4-FFF2-40B4-BE49-F238E27FC236}">
-                  <a16:creationId xmlns:a16="http://schemas.microsoft.com/office/drawing/2014/main" xmlns="" id="{1407C62E-F108-3741-A523-1190EAD9EED1}"/>
+                  <a16:creationId xmlns:a16="http://schemas.microsoft.com/office/drawing/2014/main" id="{1407C62E-F108-3741-A523-1190EAD9EED1}"/>
                 </a:ext>
               </a:extLst>
             </p:cNvPr>
@@ -8182,7 +8193,7 @@
           <p:cNvPr id="416" name="Group 415">
             <a:extLst>
               <a:ext uri="{FF2B5EF4-FFF2-40B4-BE49-F238E27FC236}">
-                <a16:creationId xmlns:a16="http://schemas.microsoft.com/office/drawing/2014/main" xmlns="" id="{BFF3691B-F006-E84B-A1BB-FBADA4CFAB90}"/>
+                <a16:creationId xmlns:a16="http://schemas.microsoft.com/office/drawing/2014/main" id="{BFF3691B-F006-E84B-A1BB-FBADA4CFAB90}"/>
               </a:ext>
             </a:extLst>
           </p:cNvPr>
@@ -8203,7 +8214,7 @@
             <p:cNvPr id="417" name="Oval 416">
               <a:extLst>
                 <a:ext uri="{FF2B5EF4-FFF2-40B4-BE49-F238E27FC236}">
-                  <a16:creationId xmlns:a16="http://schemas.microsoft.com/office/drawing/2014/main" xmlns="" id="{78804412-04FB-D441-B7B5-638CD8D14081}"/>
+                  <a16:creationId xmlns:a16="http://schemas.microsoft.com/office/drawing/2014/main" id="{78804412-04FB-D441-B7B5-638CD8D14081}"/>
                 </a:ext>
               </a:extLst>
             </p:cNvPr>
@@ -8263,7 +8274,7 @@
             <p:cNvPr id="418" name="TextBox 417">
               <a:extLst>
                 <a:ext uri="{FF2B5EF4-FFF2-40B4-BE49-F238E27FC236}">
-                  <a16:creationId xmlns:a16="http://schemas.microsoft.com/office/drawing/2014/main" xmlns="" id="{7429FCDE-8B05-6843-BF2F-912A63516CEA}"/>
+                  <a16:creationId xmlns:a16="http://schemas.microsoft.com/office/drawing/2014/main" id="{7429FCDE-8B05-6843-BF2F-912A63516CEA}"/>
                 </a:ext>
               </a:extLst>
             </p:cNvPr>
@@ -8299,7 +8310,7 @@
           <p:cNvPr id="419" name="Group 418">
             <a:extLst>
               <a:ext uri="{FF2B5EF4-FFF2-40B4-BE49-F238E27FC236}">
-                <a16:creationId xmlns:a16="http://schemas.microsoft.com/office/drawing/2014/main" xmlns="" id="{7B09BB12-7642-7F4C-ACCE-71D32F59C2C2}"/>
+                <a16:creationId xmlns:a16="http://schemas.microsoft.com/office/drawing/2014/main" id="{7B09BB12-7642-7F4C-ACCE-71D32F59C2C2}"/>
               </a:ext>
             </a:extLst>
           </p:cNvPr>
@@ -8322,7 +8333,7 @@
             <p:cNvPr id="420" name="Rectangle 419">
               <a:extLst>
                 <a:ext uri="{FF2B5EF4-FFF2-40B4-BE49-F238E27FC236}">
-                  <a16:creationId xmlns:a16="http://schemas.microsoft.com/office/drawing/2014/main" xmlns="" id="{B264606F-57EC-7044-87BE-ED12AF287D9E}"/>
+                  <a16:creationId xmlns:a16="http://schemas.microsoft.com/office/drawing/2014/main" id="{B264606F-57EC-7044-87BE-ED12AF287D9E}"/>
                 </a:ext>
               </a:extLst>
             </p:cNvPr>
@@ -8382,7 +8393,7 @@
             <p:cNvPr id="421" name="TextBox 420">
               <a:extLst>
                 <a:ext uri="{FF2B5EF4-FFF2-40B4-BE49-F238E27FC236}">
-                  <a16:creationId xmlns:a16="http://schemas.microsoft.com/office/drawing/2014/main" xmlns="" id="{34400148-7F6F-3C47-8C73-0A1C867DBEFF}"/>
+                  <a16:creationId xmlns:a16="http://schemas.microsoft.com/office/drawing/2014/main" id="{34400148-7F6F-3C47-8C73-0A1C867DBEFF}"/>
                 </a:ext>
               </a:extLst>
             </p:cNvPr>
@@ -8421,7 +8432,7 @@
           <p:cNvPr id="422" name="Group 421">
             <a:extLst>
               <a:ext uri="{FF2B5EF4-FFF2-40B4-BE49-F238E27FC236}">
-                <a16:creationId xmlns:a16="http://schemas.microsoft.com/office/drawing/2014/main" xmlns="" id="{1298C85B-DACD-5449-91BA-1CF9B7CBD2DF}"/>
+                <a16:creationId xmlns:a16="http://schemas.microsoft.com/office/drawing/2014/main" id="{1298C85B-DACD-5449-91BA-1CF9B7CBD2DF}"/>
               </a:ext>
             </a:extLst>
           </p:cNvPr>
@@ -8444,7 +8455,7 @@
             <p:cNvPr id="423" name="Rectangle 422">
               <a:extLst>
                 <a:ext uri="{FF2B5EF4-FFF2-40B4-BE49-F238E27FC236}">
-                  <a16:creationId xmlns:a16="http://schemas.microsoft.com/office/drawing/2014/main" xmlns="" id="{A0DC535D-A3CC-A14E-A9B2-F8F3F2FDA482}"/>
+                  <a16:creationId xmlns:a16="http://schemas.microsoft.com/office/drawing/2014/main" id="{A0DC535D-A3CC-A14E-A9B2-F8F3F2FDA482}"/>
                 </a:ext>
               </a:extLst>
             </p:cNvPr>
@@ -8504,7 +8515,7 @@
             <p:cNvPr id="424" name="TextBox 423">
               <a:extLst>
                 <a:ext uri="{FF2B5EF4-FFF2-40B4-BE49-F238E27FC236}">
-                  <a16:creationId xmlns:a16="http://schemas.microsoft.com/office/drawing/2014/main" xmlns="" id="{BF510072-AF43-F94B-BF86-D92C73C5395F}"/>
+                  <a16:creationId xmlns:a16="http://schemas.microsoft.com/office/drawing/2014/main" id="{BF510072-AF43-F94B-BF86-D92C73C5395F}"/>
                 </a:ext>
               </a:extLst>
             </p:cNvPr>
@@ -8543,7 +8554,7 @@
           <p:cNvPr id="425" name="Straight Arrow Connector 424">
             <a:extLst>
               <a:ext uri="{FF2B5EF4-FFF2-40B4-BE49-F238E27FC236}">
-                <a16:creationId xmlns:a16="http://schemas.microsoft.com/office/drawing/2014/main" xmlns="" id="{2B2B91FC-BED0-D743-94CE-9BEEC686C7EA}"/>
+                <a16:creationId xmlns:a16="http://schemas.microsoft.com/office/drawing/2014/main" id="{2B2B91FC-BED0-D743-94CE-9BEEC686C7EA}"/>
               </a:ext>
             </a:extLst>
           </p:cNvPr>
@@ -8589,7 +8600,7 @@
           <p:cNvPr id="426" name="Straight Arrow Connector 425">
             <a:extLst>
               <a:ext uri="{FF2B5EF4-FFF2-40B4-BE49-F238E27FC236}">
-                <a16:creationId xmlns:a16="http://schemas.microsoft.com/office/drawing/2014/main" xmlns="" id="{0A6D0E1C-6623-7A4E-ABF6-BFBC589EC1D6}"/>
+                <a16:creationId xmlns:a16="http://schemas.microsoft.com/office/drawing/2014/main" id="{0A6D0E1C-6623-7A4E-ABF6-BFBC589EC1D6}"/>
               </a:ext>
             </a:extLst>
           </p:cNvPr>
@@ -8635,7 +8646,7 @@
           <p:cNvPr id="427" name="Straight Arrow Connector 426">
             <a:extLst>
               <a:ext uri="{FF2B5EF4-FFF2-40B4-BE49-F238E27FC236}">
-                <a16:creationId xmlns:a16="http://schemas.microsoft.com/office/drawing/2014/main" xmlns="" id="{E3898624-72A6-E647-9760-A5B7F68C5CAE}"/>
+                <a16:creationId xmlns:a16="http://schemas.microsoft.com/office/drawing/2014/main" id="{E3898624-72A6-E647-9760-A5B7F68C5CAE}"/>
               </a:ext>
             </a:extLst>
           </p:cNvPr>
@@ -8681,7 +8692,7 @@
           <p:cNvPr id="428" name="Straight Arrow Connector 427">
             <a:extLst>
               <a:ext uri="{FF2B5EF4-FFF2-40B4-BE49-F238E27FC236}">
-                <a16:creationId xmlns:a16="http://schemas.microsoft.com/office/drawing/2014/main" xmlns="" id="{63EC254A-3699-164F-AB73-F86896630235}"/>
+                <a16:creationId xmlns:a16="http://schemas.microsoft.com/office/drawing/2014/main" id="{63EC254A-3699-164F-AB73-F86896630235}"/>
               </a:ext>
             </a:extLst>
           </p:cNvPr>
@@ -8727,7 +8738,7 @@
           <p:cNvPr id="429" name="Oval 428">
             <a:extLst>
               <a:ext uri="{FF2B5EF4-FFF2-40B4-BE49-F238E27FC236}">
-                <a16:creationId xmlns:a16="http://schemas.microsoft.com/office/drawing/2014/main" xmlns="" id="{CF38870D-F07A-5045-907F-08C925DD53A7}"/>
+                <a16:creationId xmlns:a16="http://schemas.microsoft.com/office/drawing/2014/main" id="{CF38870D-F07A-5045-907F-08C925DD53A7}"/>
               </a:ext>
             </a:extLst>
           </p:cNvPr>
@@ -8789,7 +8800,7 @@
           <p:cNvPr id="430" name="TextBox 429">
             <a:extLst>
               <a:ext uri="{FF2B5EF4-FFF2-40B4-BE49-F238E27FC236}">
-                <a16:creationId xmlns:a16="http://schemas.microsoft.com/office/drawing/2014/main" xmlns="" id="{E4BEA4A5-5809-6347-9087-DD99F9DBFFA6}"/>
+                <a16:creationId xmlns:a16="http://schemas.microsoft.com/office/drawing/2014/main" id="{E4BEA4A5-5809-6347-9087-DD99F9DBFFA6}"/>
               </a:ext>
             </a:extLst>
           </p:cNvPr>
@@ -8827,7 +8838,7 @@
           <p:cNvPr id="431" name="Oval 430">
             <a:extLst>
               <a:ext uri="{FF2B5EF4-FFF2-40B4-BE49-F238E27FC236}">
-                <a16:creationId xmlns:a16="http://schemas.microsoft.com/office/drawing/2014/main" xmlns="" id="{D6282D35-91AC-6C49-AEA2-9AA7262B4837}"/>
+                <a16:creationId xmlns:a16="http://schemas.microsoft.com/office/drawing/2014/main" id="{D6282D35-91AC-6C49-AEA2-9AA7262B4837}"/>
               </a:ext>
             </a:extLst>
           </p:cNvPr>
@@ -8889,7 +8900,7 @@
           <p:cNvPr id="432" name="TextBox 431">
             <a:extLst>
               <a:ext uri="{FF2B5EF4-FFF2-40B4-BE49-F238E27FC236}">
-                <a16:creationId xmlns:a16="http://schemas.microsoft.com/office/drawing/2014/main" xmlns="" id="{2B55D70E-1D49-4149-8A68-54E71B45CE69}"/>
+                <a16:creationId xmlns:a16="http://schemas.microsoft.com/office/drawing/2014/main" id="{2B55D70E-1D49-4149-8A68-54E71B45CE69}"/>
               </a:ext>
             </a:extLst>
           </p:cNvPr>
@@ -8927,7 +8938,7 @@
           <p:cNvPr id="433" name="Group 432">
             <a:extLst>
               <a:ext uri="{FF2B5EF4-FFF2-40B4-BE49-F238E27FC236}">
-                <a16:creationId xmlns:a16="http://schemas.microsoft.com/office/drawing/2014/main" xmlns="" id="{F976A282-2049-3747-9B3A-86598B83A86D}"/>
+                <a16:creationId xmlns:a16="http://schemas.microsoft.com/office/drawing/2014/main" id="{F976A282-2049-3747-9B3A-86598B83A86D}"/>
               </a:ext>
             </a:extLst>
           </p:cNvPr>
@@ -8950,7 +8961,7 @@
             <p:cNvPr id="434" name="Rectangle 433">
               <a:extLst>
                 <a:ext uri="{FF2B5EF4-FFF2-40B4-BE49-F238E27FC236}">
-                  <a16:creationId xmlns:a16="http://schemas.microsoft.com/office/drawing/2014/main" xmlns="" id="{16824020-9DB6-4646-9D9A-F3402AED4922}"/>
+                  <a16:creationId xmlns:a16="http://schemas.microsoft.com/office/drawing/2014/main" id="{16824020-9DB6-4646-9D9A-F3402AED4922}"/>
                 </a:ext>
               </a:extLst>
             </p:cNvPr>
@@ -9010,7 +9021,7 @@
             <p:cNvPr id="435" name="TextBox 434">
               <a:extLst>
                 <a:ext uri="{FF2B5EF4-FFF2-40B4-BE49-F238E27FC236}">
-                  <a16:creationId xmlns:a16="http://schemas.microsoft.com/office/drawing/2014/main" xmlns="" id="{52EA7904-5B98-6040-B3D1-E1F8BC23B6FE}"/>
+                  <a16:creationId xmlns:a16="http://schemas.microsoft.com/office/drawing/2014/main" id="{52EA7904-5B98-6040-B3D1-E1F8BC23B6FE}"/>
                 </a:ext>
               </a:extLst>
             </p:cNvPr>
@@ -9049,7 +9060,7 @@
           <p:cNvPr id="436" name="Group 435">
             <a:extLst>
               <a:ext uri="{FF2B5EF4-FFF2-40B4-BE49-F238E27FC236}">
-                <a16:creationId xmlns:a16="http://schemas.microsoft.com/office/drawing/2014/main" xmlns="" id="{8E49D455-E70D-8948-9CD8-DDCE66797EA7}"/>
+                <a16:creationId xmlns:a16="http://schemas.microsoft.com/office/drawing/2014/main" id="{8E49D455-E70D-8948-9CD8-DDCE66797EA7}"/>
               </a:ext>
             </a:extLst>
           </p:cNvPr>
@@ -9072,7 +9083,7 @@
             <p:cNvPr id="437" name="Rectangle 436">
               <a:extLst>
                 <a:ext uri="{FF2B5EF4-FFF2-40B4-BE49-F238E27FC236}">
-                  <a16:creationId xmlns:a16="http://schemas.microsoft.com/office/drawing/2014/main" xmlns="" id="{293E5CA5-11BF-5C43-869F-5A41AAF2F345}"/>
+                  <a16:creationId xmlns:a16="http://schemas.microsoft.com/office/drawing/2014/main" id="{293E5CA5-11BF-5C43-869F-5A41AAF2F345}"/>
                 </a:ext>
               </a:extLst>
             </p:cNvPr>
@@ -9132,7 +9143,7 @@
             <p:cNvPr id="438" name="TextBox 437">
               <a:extLst>
                 <a:ext uri="{FF2B5EF4-FFF2-40B4-BE49-F238E27FC236}">
-                  <a16:creationId xmlns:a16="http://schemas.microsoft.com/office/drawing/2014/main" xmlns="" id="{C69305AE-6323-F84D-9582-C7309A01BAFE}"/>
+                  <a16:creationId xmlns:a16="http://schemas.microsoft.com/office/drawing/2014/main" id="{C69305AE-6323-F84D-9582-C7309A01BAFE}"/>
                 </a:ext>
               </a:extLst>
             </p:cNvPr>
@@ -9171,7 +9182,7 @@
           <p:cNvPr id="439" name="TextBox 438">
             <a:extLst>
               <a:ext uri="{FF2B5EF4-FFF2-40B4-BE49-F238E27FC236}">
-                <a16:creationId xmlns:a16="http://schemas.microsoft.com/office/drawing/2014/main" xmlns="" id="{F0491576-9AD0-B944-AE81-1CA7B5CBB845}"/>
+                <a16:creationId xmlns:a16="http://schemas.microsoft.com/office/drawing/2014/main" id="{F0491576-9AD0-B944-AE81-1CA7B5CBB845}"/>
               </a:ext>
             </a:extLst>
           </p:cNvPr>
@@ -9209,7 +9220,7 @@
           <p:cNvPr id="440" name="TextBox 439">
             <a:extLst>
               <a:ext uri="{FF2B5EF4-FFF2-40B4-BE49-F238E27FC236}">
-                <a16:creationId xmlns:a16="http://schemas.microsoft.com/office/drawing/2014/main" xmlns="" id="{BF3E6D94-ACEB-374E-91C7-ED01963847F6}"/>
+                <a16:creationId xmlns:a16="http://schemas.microsoft.com/office/drawing/2014/main" id="{BF3E6D94-ACEB-374E-91C7-ED01963847F6}"/>
               </a:ext>
             </a:extLst>
           </p:cNvPr>
@@ -9247,7 +9258,7 @@
           <p:cNvPr id="441" name="TextBox 440">
             <a:extLst>
               <a:ext uri="{FF2B5EF4-FFF2-40B4-BE49-F238E27FC236}">
-                <a16:creationId xmlns:a16="http://schemas.microsoft.com/office/drawing/2014/main" xmlns="" id="{F4A2CC0D-1D33-9E46-BC5D-3A319B1A05B6}"/>
+                <a16:creationId xmlns:a16="http://schemas.microsoft.com/office/drawing/2014/main" id="{F4A2CC0D-1D33-9E46-BC5D-3A319B1A05B6}"/>
               </a:ext>
             </a:extLst>
           </p:cNvPr>
@@ -9285,7 +9296,7 @@
           <p:cNvPr id="442" name="Straight Arrow Connector 441">
             <a:extLst>
               <a:ext uri="{FF2B5EF4-FFF2-40B4-BE49-F238E27FC236}">
-                <a16:creationId xmlns:a16="http://schemas.microsoft.com/office/drawing/2014/main" xmlns="" id="{97711CA6-054B-9F47-A0F2-981826764F12}"/>
+                <a16:creationId xmlns:a16="http://schemas.microsoft.com/office/drawing/2014/main" id="{97711CA6-054B-9F47-A0F2-981826764F12}"/>
               </a:ext>
             </a:extLst>
           </p:cNvPr>
@@ -9331,7 +9342,7 @@
           <p:cNvPr id="443" name="Straight Arrow Connector 442">
             <a:extLst>
               <a:ext uri="{FF2B5EF4-FFF2-40B4-BE49-F238E27FC236}">
-                <a16:creationId xmlns:a16="http://schemas.microsoft.com/office/drawing/2014/main" xmlns="" id="{4DFCBA40-3407-3D41-BC85-73924A567D6D}"/>
+                <a16:creationId xmlns:a16="http://schemas.microsoft.com/office/drawing/2014/main" id="{4DFCBA40-3407-3D41-BC85-73924A567D6D}"/>
               </a:ext>
             </a:extLst>
           </p:cNvPr>
@@ -9377,7 +9388,7 @@
           <p:cNvPr id="444" name="Straight Arrow Connector 443">
             <a:extLst>
               <a:ext uri="{FF2B5EF4-FFF2-40B4-BE49-F238E27FC236}">
-                <a16:creationId xmlns:a16="http://schemas.microsoft.com/office/drawing/2014/main" xmlns="" id="{089E0605-0A6E-0340-9B88-1D22B2CD8F32}"/>
+                <a16:creationId xmlns:a16="http://schemas.microsoft.com/office/drawing/2014/main" id="{089E0605-0A6E-0340-9B88-1D22B2CD8F32}"/>
               </a:ext>
             </a:extLst>
           </p:cNvPr>
@@ -9423,7 +9434,7 @@
           <p:cNvPr id="445" name="Straight Arrow Connector 444">
             <a:extLst>
               <a:ext uri="{FF2B5EF4-FFF2-40B4-BE49-F238E27FC236}">
-                <a16:creationId xmlns:a16="http://schemas.microsoft.com/office/drawing/2014/main" xmlns="" id="{BE2B71C1-D48D-2A44-9407-B2BCEE708AB0}"/>
+                <a16:creationId xmlns:a16="http://schemas.microsoft.com/office/drawing/2014/main" id="{BE2B71C1-D48D-2A44-9407-B2BCEE708AB0}"/>
               </a:ext>
             </a:extLst>
           </p:cNvPr>
@@ -9469,7 +9480,7 @@
           <p:cNvPr id="446" name="TextBox 445">
             <a:extLst>
               <a:ext uri="{FF2B5EF4-FFF2-40B4-BE49-F238E27FC236}">
-                <a16:creationId xmlns:a16="http://schemas.microsoft.com/office/drawing/2014/main" xmlns="" id="{4824ED4B-D9DC-5D4D-94BC-C0E73D33A55D}"/>
+                <a16:creationId xmlns:a16="http://schemas.microsoft.com/office/drawing/2014/main" id="{4824ED4B-D9DC-5D4D-94BC-C0E73D33A55D}"/>
               </a:ext>
             </a:extLst>
           </p:cNvPr>
@@ -9507,7 +9518,7 @@
           <p:cNvPr id="447" name="TextBox 446">
             <a:extLst>
               <a:ext uri="{FF2B5EF4-FFF2-40B4-BE49-F238E27FC236}">
-                <a16:creationId xmlns:a16="http://schemas.microsoft.com/office/drawing/2014/main" xmlns="" id="{8D53AAB2-F8E2-294D-9271-DC4E6C92352C}"/>
+                <a16:creationId xmlns:a16="http://schemas.microsoft.com/office/drawing/2014/main" id="{8D53AAB2-F8E2-294D-9271-DC4E6C92352C}"/>
               </a:ext>
             </a:extLst>
           </p:cNvPr>
@@ -9545,7 +9556,7 @@
           <p:cNvPr id="448" name="TextBox 447">
             <a:extLst>
               <a:ext uri="{FF2B5EF4-FFF2-40B4-BE49-F238E27FC236}">
-                <a16:creationId xmlns:a16="http://schemas.microsoft.com/office/drawing/2014/main" xmlns="" id="{A02B6CA2-8C66-D646-B793-0ECB917A03D7}"/>
+                <a16:creationId xmlns:a16="http://schemas.microsoft.com/office/drawing/2014/main" id="{A02B6CA2-8C66-D646-B793-0ECB917A03D7}"/>
               </a:ext>
             </a:extLst>
           </p:cNvPr>
@@ -9583,7 +9594,7 @@
           <p:cNvPr id="449" name="TextBox 448">
             <a:extLst>
               <a:ext uri="{FF2B5EF4-FFF2-40B4-BE49-F238E27FC236}">
-                <a16:creationId xmlns:a16="http://schemas.microsoft.com/office/drawing/2014/main" xmlns="" id="{178BA36C-4AD1-6746-8F72-58BE18BC7544}"/>
+                <a16:creationId xmlns:a16="http://schemas.microsoft.com/office/drawing/2014/main" id="{178BA36C-4AD1-6746-8F72-58BE18BC7544}"/>
               </a:ext>
             </a:extLst>
           </p:cNvPr>
@@ -9621,7 +9632,7 @@
           <p:cNvPr id="450" name="TextBox 449">
             <a:extLst>
               <a:ext uri="{FF2B5EF4-FFF2-40B4-BE49-F238E27FC236}">
-                <a16:creationId xmlns:a16="http://schemas.microsoft.com/office/drawing/2014/main" xmlns="" id="{285F8732-98E2-7348-9550-714917497A2A}"/>
+                <a16:creationId xmlns:a16="http://schemas.microsoft.com/office/drawing/2014/main" id="{285F8732-98E2-7348-9550-714917497A2A}"/>
               </a:ext>
             </a:extLst>
           </p:cNvPr>
@@ -9663,7 +9674,7 @@
           <p:cNvPr id="451" name="TextBox 450">
             <a:extLst>
               <a:ext uri="{FF2B5EF4-FFF2-40B4-BE49-F238E27FC236}">
-                <a16:creationId xmlns:a16="http://schemas.microsoft.com/office/drawing/2014/main" xmlns="" id="{318AA0CC-341E-934B-BFBB-8B0DF94DD700}"/>
+                <a16:creationId xmlns:a16="http://schemas.microsoft.com/office/drawing/2014/main" id="{318AA0CC-341E-934B-BFBB-8B0DF94DD700}"/>
               </a:ext>
             </a:extLst>
           </p:cNvPr>
@@ -9702,164 +9713,10 @@
       </p:sp>
       <p:grpSp>
         <p:nvGrpSpPr>
-          <p:cNvPr id="452" name="Group 451">
-            <a:extLst>
-              <a:ext uri="{FF2B5EF4-FFF2-40B4-BE49-F238E27FC236}">
-                <a16:creationId xmlns:a16="http://schemas.microsoft.com/office/drawing/2014/main" xmlns="" id="{B6B13905-BB99-C949-9AF3-B24E15F35CB5}"/>
-              </a:ext>
-            </a:extLst>
-          </p:cNvPr>
-          <p:cNvGrpSpPr/>
-          <p:nvPr/>
-        </p:nvGrpSpPr>
-        <p:grpSpPr>
-          <a:xfrm>
-            <a:off x="6559197" y="4940768"/>
-            <a:ext cx="394531" cy="394531"/>
-            <a:chOff x="2397512" y="1594624"/>
-            <a:chExt cx="635620" cy="635620"/>
-          </a:xfrm>
-        </p:grpSpPr>
-        <p:sp>
-          <p:nvSpPr>
-            <p:cNvPr id="453" name="Oval 452">
-              <a:extLst>
-                <a:ext uri="{FF2B5EF4-FFF2-40B4-BE49-F238E27FC236}">
-                  <a16:creationId xmlns:a16="http://schemas.microsoft.com/office/drawing/2014/main" xmlns="" id="{CB33B9B0-7A12-9B4D-A240-47E46B6DF3EC}"/>
-                </a:ext>
-              </a:extLst>
-            </p:cNvPr>
-            <p:cNvSpPr/>
-            <p:nvPr/>
-          </p:nvSpPr>
-          <p:spPr>
-            <a:xfrm>
-              <a:off x="2397512" y="1594624"/>
-              <a:ext cx="635620" cy="635620"/>
-            </a:xfrm>
-            <a:prstGeom prst="ellipse">
-              <a:avLst/>
-            </a:prstGeom>
-            <a:noFill/>
-            <a:ln w="25400">
-              <a:solidFill>
-                <a:schemeClr val="tx1"/>
-              </a:solidFill>
-            </a:ln>
-          </p:spPr>
-          <p:style>
-            <a:lnRef idx="2">
-              <a:schemeClr val="accent1">
-                <a:shade val="50000"/>
-              </a:schemeClr>
-            </a:lnRef>
-            <a:fillRef idx="1">
-              <a:schemeClr val="accent1"/>
-            </a:fillRef>
-            <a:effectRef idx="0">
-              <a:schemeClr val="accent1"/>
-            </a:effectRef>
-            <a:fontRef idx="minor">
-              <a:schemeClr val="lt1"/>
-            </a:fontRef>
-          </p:style>
-          <p:txBody>
-            <a:bodyPr rot="0" spcFirstLastPara="0" vertOverflow="overflow" horzOverflow="overflow" vert="horz" wrap="square" lIns="56757" tIns="28378" rIns="56757" bIns="28378" numCol="1" spcCol="0" rtlCol="0" fromWordArt="0" anchor="ctr" anchorCtr="0" forceAA="0" compatLnSpc="1">
-              <a:prstTxWarp prst="textNoShape">
-                <a:avLst/>
-              </a:prstTxWarp>
-              <a:noAutofit/>
-            </a:bodyPr>
-            <a:lstStyle/>
-            <a:p>
-              <a:pPr algn="ctr"/>
-              <a:endParaRPr lang="en-US" sz="1200">
-                <a:latin typeface="+mj-lt"/>
-                <a:cs typeface="Times New Roman" panose="02020603050405020304" pitchFamily="18" charset="0"/>
-              </a:endParaRPr>
-            </a:p>
-          </p:txBody>
-        </p:sp>
-        <p:sp>
-          <p:nvSpPr>
-            <p:cNvPr id="454" name="TextBox 453">
-              <a:extLst>
-                <a:ext uri="{FF2B5EF4-FFF2-40B4-BE49-F238E27FC236}">
-                  <a16:creationId xmlns:a16="http://schemas.microsoft.com/office/drawing/2014/main" xmlns="" id="{B18AE215-E8A8-9143-9B51-BC9370988516}"/>
-                </a:ext>
-              </a:extLst>
-            </p:cNvPr>
-            <p:cNvSpPr txBox="1"/>
-            <p:nvPr/>
-          </p:nvSpPr>
-          <p:spPr>
-            <a:xfrm>
-              <a:off x="2506770" y="1727768"/>
-              <a:ext cx="297616" cy="446267"/>
-            </a:xfrm>
-            <a:prstGeom prst="rect">
-              <a:avLst/>
-            </a:prstGeom>
-            <a:noFill/>
-          </p:spPr>
-          <p:txBody>
-            <a:bodyPr wrap="none" rtlCol="0">
-              <a:spAutoFit/>
-            </a:bodyPr>
-            <a:lstStyle/>
-            <a:p>
-              <a:endParaRPr lang="en-US" sz="1200" dirty="0">
-                <a:latin typeface="+mj-lt"/>
-                <a:cs typeface="Times New Roman" panose="02020603050405020304" pitchFamily="18" charset="0"/>
-              </a:endParaRPr>
-            </a:p>
-          </p:txBody>
-        </p:sp>
-      </p:grpSp>
-      <p:sp>
-        <p:nvSpPr>
-          <p:cNvPr id="455" name="TextBox 454">
-            <a:extLst>
-              <a:ext uri="{FF2B5EF4-FFF2-40B4-BE49-F238E27FC236}">
-                <a16:creationId xmlns:a16="http://schemas.microsoft.com/office/drawing/2014/main" xmlns="" id="{8BEB09B6-180F-7F42-B93E-5B7FA2A07F16}"/>
-              </a:ext>
-            </a:extLst>
-          </p:cNvPr>
-          <p:cNvSpPr txBox="1"/>
-          <p:nvPr/>
-        </p:nvSpPr>
-        <p:spPr>
-          <a:xfrm>
-            <a:off x="6573725" y="5003900"/>
-            <a:ext cx="340158" cy="276999"/>
-          </a:xfrm>
-          <a:prstGeom prst="rect">
-            <a:avLst/>
-          </a:prstGeom>
-          <a:noFill/>
-        </p:spPr>
-        <p:txBody>
-          <a:bodyPr wrap="none" rtlCol="0">
-            <a:spAutoFit/>
-          </a:bodyPr>
-          <a:lstStyle/>
-          <a:p>
-            <a:r>
-              <a:rPr lang="en-US" sz="1200" dirty="0">
-                <a:latin typeface="+mj-lt"/>
-                <a:cs typeface="Times New Roman" panose="02020603050405020304" pitchFamily="18" charset="0"/>
-              </a:rPr>
-              <a:t>e6</a:t>
-            </a:r>
-          </a:p>
-        </p:txBody>
-      </p:sp>
-      <p:grpSp>
-        <p:nvGrpSpPr>
           <p:cNvPr id="456" name="Group 455">
             <a:extLst>
               <a:ext uri="{FF2B5EF4-FFF2-40B4-BE49-F238E27FC236}">
-                <a16:creationId xmlns:a16="http://schemas.microsoft.com/office/drawing/2014/main" xmlns="" id="{F603351A-F7FD-174E-9A5E-AC069144F52F}"/>
+                <a16:creationId xmlns:a16="http://schemas.microsoft.com/office/drawing/2014/main" id="{F603351A-F7FD-174E-9A5E-AC069144F52F}"/>
               </a:ext>
             </a:extLst>
           </p:cNvPr>
@@ -9879,7 +9736,7 @@
             <p:cNvPr id="457" name="Rectangle 456">
               <a:extLst>
                 <a:ext uri="{FF2B5EF4-FFF2-40B4-BE49-F238E27FC236}">
-                  <a16:creationId xmlns:a16="http://schemas.microsoft.com/office/drawing/2014/main" xmlns="" id="{B60C5576-DA26-8B4B-810C-9B880483E9D7}"/>
+                  <a16:creationId xmlns:a16="http://schemas.microsoft.com/office/drawing/2014/main" id="{B60C5576-DA26-8B4B-810C-9B880483E9D7}"/>
                 </a:ext>
               </a:extLst>
             </p:cNvPr>
@@ -9939,7 +9796,7 @@
             <p:cNvPr id="458" name="TextBox 457">
               <a:extLst>
                 <a:ext uri="{FF2B5EF4-FFF2-40B4-BE49-F238E27FC236}">
-                  <a16:creationId xmlns:a16="http://schemas.microsoft.com/office/drawing/2014/main" xmlns="" id="{1F0E27C0-2647-0247-990E-7B2452F4CB64}"/>
+                  <a16:creationId xmlns:a16="http://schemas.microsoft.com/office/drawing/2014/main" id="{1F0E27C0-2647-0247-990E-7B2452F4CB64}"/>
                 </a:ext>
               </a:extLst>
             </p:cNvPr>
@@ -9978,7 +9835,7 @@
           <p:cNvPr id="459" name="Straight Arrow Connector 458">
             <a:extLst>
               <a:ext uri="{FF2B5EF4-FFF2-40B4-BE49-F238E27FC236}">
-                <a16:creationId xmlns:a16="http://schemas.microsoft.com/office/drawing/2014/main" xmlns="" id="{19A0BA80-8E00-2C41-A95D-D531169BE9C1}"/>
+                <a16:creationId xmlns:a16="http://schemas.microsoft.com/office/drawing/2014/main" id="{19A0BA80-8E00-2C41-A95D-D531169BE9C1}"/>
               </a:ext>
             </a:extLst>
           </p:cNvPr>
@@ -10024,14 +9881,13 @@
           <p:cNvPr id="460" name="Straight Arrow Connector 459">
             <a:extLst>
               <a:ext uri="{FF2B5EF4-FFF2-40B4-BE49-F238E27FC236}">
-                <a16:creationId xmlns:a16="http://schemas.microsoft.com/office/drawing/2014/main" xmlns="" id="{B46D2B00-6ED2-B640-8752-29A6BE0B8BE1}"/>
+                <a16:creationId xmlns:a16="http://schemas.microsoft.com/office/drawing/2014/main" id="{B46D2B00-6ED2-B640-8752-29A6BE0B8BE1}"/>
               </a:ext>
             </a:extLst>
           </p:cNvPr>
           <p:cNvCxnSpPr>
             <a:cxnSpLocks/>
             <a:stCxn id="423" idx="1"/>
-            <a:endCxn id="453" idx="6"/>
           </p:cNvCxnSpPr>
           <p:nvPr/>
         </p:nvCxnSpPr>
@@ -10070,7 +9926,7 @@
           <p:cNvPr id="461" name="Straight Arrow Connector 460">
             <a:extLst>
               <a:ext uri="{FF2B5EF4-FFF2-40B4-BE49-F238E27FC236}">
-                <a16:creationId xmlns:a16="http://schemas.microsoft.com/office/drawing/2014/main" xmlns="" id="{8D6D06A7-7B62-0F4A-96AF-4BFEDD2E25E9}"/>
+                <a16:creationId xmlns:a16="http://schemas.microsoft.com/office/drawing/2014/main" id="{8D6D06A7-7B62-0F4A-96AF-4BFEDD2E25E9}"/>
               </a:ext>
             </a:extLst>
           </p:cNvPr>
@@ -10116,7 +9972,7 @@
           <p:cNvPr id="462" name="Right Arrow 461">
             <a:extLst>
               <a:ext uri="{FF2B5EF4-FFF2-40B4-BE49-F238E27FC236}">
-                <a16:creationId xmlns:a16="http://schemas.microsoft.com/office/drawing/2014/main" xmlns="" id="{44230562-B9B2-114B-AA6C-A033D39B6A63}"/>
+                <a16:creationId xmlns:a16="http://schemas.microsoft.com/office/drawing/2014/main" id="{44230562-B9B2-114B-AA6C-A033D39B6A63}"/>
               </a:ext>
             </a:extLst>
           </p:cNvPr>
@@ -10172,7 +10028,7 @@
           <p:cNvPr id="463" name="TextBox 462">
             <a:extLst>
               <a:ext uri="{FF2B5EF4-FFF2-40B4-BE49-F238E27FC236}">
-                <a16:creationId xmlns:a16="http://schemas.microsoft.com/office/drawing/2014/main" xmlns="" id="{62DDBE6C-10D3-5948-8531-1A6B0D4588A6}"/>
+                <a16:creationId xmlns:a16="http://schemas.microsoft.com/office/drawing/2014/main" id="{62DDBE6C-10D3-5948-8531-1A6B0D4588A6}"/>
               </a:ext>
             </a:extLst>
           </p:cNvPr>
@@ -10210,7 +10066,7 @@
           <p:cNvPr id="464" name="TextBox 463">
             <a:extLst>
               <a:ext uri="{FF2B5EF4-FFF2-40B4-BE49-F238E27FC236}">
-                <a16:creationId xmlns:a16="http://schemas.microsoft.com/office/drawing/2014/main" xmlns="" id="{8AB30C20-928C-0E4D-8921-0714CDEFDF77}"/>
+                <a16:creationId xmlns:a16="http://schemas.microsoft.com/office/drawing/2014/main" id="{8AB30C20-928C-0E4D-8921-0714CDEFDF77}"/>
               </a:ext>
             </a:extLst>
           </p:cNvPr>
@@ -10248,7 +10104,7 @@
           <p:cNvPr id="465" name="Group 464">
             <a:extLst>
               <a:ext uri="{FF2B5EF4-FFF2-40B4-BE49-F238E27FC236}">
-                <a16:creationId xmlns:a16="http://schemas.microsoft.com/office/drawing/2014/main" xmlns="" id="{DF6B97FF-0C4F-6241-917B-7137FB69EFDA}"/>
+                <a16:creationId xmlns:a16="http://schemas.microsoft.com/office/drawing/2014/main" id="{DF6B97FF-0C4F-6241-917B-7137FB69EFDA}"/>
               </a:ext>
             </a:extLst>
           </p:cNvPr>
@@ -10269,7 +10125,7 @@
             <p:cNvPr id="466" name="Oval 465">
               <a:extLst>
                 <a:ext uri="{FF2B5EF4-FFF2-40B4-BE49-F238E27FC236}">
-                  <a16:creationId xmlns:a16="http://schemas.microsoft.com/office/drawing/2014/main" xmlns="" id="{5D57BCD6-5219-F34F-AA79-69786FAEB38F}"/>
+                  <a16:creationId xmlns:a16="http://schemas.microsoft.com/office/drawing/2014/main" id="{5D57BCD6-5219-F34F-AA79-69786FAEB38F}"/>
                 </a:ext>
               </a:extLst>
             </p:cNvPr>
@@ -10329,7 +10185,7 @@
             <p:cNvPr id="467" name="TextBox 466">
               <a:extLst>
                 <a:ext uri="{FF2B5EF4-FFF2-40B4-BE49-F238E27FC236}">
-                  <a16:creationId xmlns:a16="http://schemas.microsoft.com/office/drawing/2014/main" xmlns="" id="{68640EA6-3968-0047-BBB2-546738824306}"/>
+                  <a16:creationId xmlns:a16="http://schemas.microsoft.com/office/drawing/2014/main" id="{68640EA6-3968-0047-BBB2-546738824306}"/>
                 </a:ext>
               </a:extLst>
             </p:cNvPr>
@@ -10365,7 +10221,7 @@
           <p:cNvPr id="468" name="Group 467">
             <a:extLst>
               <a:ext uri="{FF2B5EF4-FFF2-40B4-BE49-F238E27FC236}">
-                <a16:creationId xmlns:a16="http://schemas.microsoft.com/office/drawing/2014/main" xmlns="" id="{6D2508C4-4CE1-EA47-A607-CC798FF70E5E}"/>
+                <a16:creationId xmlns:a16="http://schemas.microsoft.com/office/drawing/2014/main" id="{6D2508C4-4CE1-EA47-A607-CC798FF70E5E}"/>
               </a:ext>
             </a:extLst>
           </p:cNvPr>
@@ -10385,7 +10241,7 @@
             <p:cNvPr id="469" name="Oval 468">
               <a:extLst>
                 <a:ext uri="{FF2B5EF4-FFF2-40B4-BE49-F238E27FC236}">
-                  <a16:creationId xmlns:a16="http://schemas.microsoft.com/office/drawing/2014/main" xmlns="" id="{5E6BCB0C-C211-C042-8E74-2C5E039EBAA2}"/>
+                  <a16:creationId xmlns:a16="http://schemas.microsoft.com/office/drawing/2014/main" id="{5E6BCB0C-C211-C042-8E74-2C5E039EBAA2}"/>
                 </a:ext>
               </a:extLst>
             </p:cNvPr>
@@ -10445,7 +10301,7 @@
             <p:cNvPr id="470" name="TextBox 469">
               <a:extLst>
                 <a:ext uri="{FF2B5EF4-FFF2-40B4-BE49-F238E27FC236}">
-                  <a16:creationId xmlns:a16="http://schemas.microsoft.com/office/drawing/2014/main" xmlns="" id="{5AB37B09-2B44-3D42-9137-561EBE8D8E52}"/>
+                  <a16:creationId xmlns:a16="http://schemas.microsoft.com/office/drawing/2014/main" id="{5AB37B09-2B44-3D42-9137-561EBE8D8E52}"/>
                 </a:ext>
               </a:extLst>
             </p:cNvPr>
@@ -10476,129 +10332,107 @@
           </p:txBody>
         </p:sp>
       </p:grpSp>
-      <p:grpSp>
-        <p:nvGrpSpPr>
-          <p:cNvPr id="471" name="Group 470">
-            <a:extLst>
-              <a:ext uri="{FF2B5EF4-FFF2-40B4-BE49-F238E27FC236}">
-                <a16:creationId xmlns:a16="http://schemas.microsoft.com/office/drawing/2014/main" xmlns="" id="{C537BD9D-32C3-004A-B672-F6CE1644C0ED}"/>
-              </a:ext>
-            </a:extLst>
-          </p:cNvPr>
-          <p:cNvGrpSpPr/>
-          <p:nvPr/>
-        </p:nvGrpSpPr>
-        <p:grpSpPr>
+      <p:sp>
+        <p:nvSpPr>
+          <p:cNvPr id="472" name="Oval 471">
+            <a:extLst>
+              <a:ext uri="{FF2B5EF4-FFF2-40B4-BE49-F238E27FC236}">
+                <a16:creationId xmlns:a16="http://schemas.microsoft.com/office/drawing/2014/main" id="{63D66E95-155D-764A-B967-25BB01EC718F}"/>
+              </a:ext>
+            </a:extLst>
+          </p:cNvPr>
+          <p:cNvSpPr/>
+          <p:nvPr/>
+        </p:nvSpPr>
+        <p:spPr>
           <a:xfrm>
             <a:off x="1073838" y="4327339"/>
             <a:ext cx="394531" cy="394531"/>
-            <a:chOff x="2397512" y="1594624"/>
-            <a:chExt cx="635620" cy="635620"/>
-          </a:xfrm>
+          </a:xfrm>
+          <a:prstGeom prst="ellipse">
+            <a:avLst/>
+          </a:prstGeom>
           <a:noFill/>
-        </p:grpSpPr>
-        <p:sp>
-          <p:nvSpPr>
-            <p:cNvPr id="472" name="Oval 471">
-              <a:extLst>
-                <a:ext uri="{FF2B5EF4-FFF2-40B4-BE49-F238E27FC236}">
-                  <a16:creationId xmlns:a16="http://schemas.microsoft.com/office/drawing/2014/main" xmlns="" id="{63D66E95-155D-764A-B967-25BB01EC718F}"/>
-                </a:ext>
-              </a:extLst>
-            </p:cNvPr>
-            <p:cNvSpPr/>
-            <p:nvPr/>
-          </p:nvSpPr>
-          <p:spPr>
-            <a:xfrm>
-              <a:off x="2397512" y="1594624"/>
-              <a:ext cx="635620" cy="635620"/>
-            </a:xfrm>
-            <a:prstGeom prst="ellipse">
+          <a:ln w="25400">
+            <a:solidFill>
+              <a:schemeClr val="tx1"/>
+            </a:solidFill>
+          </a:ln>
+        </p:spPr>
+        <p:style>
+          <a:lnRef idx="2">
+            <a:schemeClr val="accent1">
+              <a:shade val="50000"/>
+            </a:schemeClr>
+          </a:lnRef>
+          <a:fillRef idx="1">
+            <a:schemeClr val="accent1"/>
+          </a:fillRef>
+          <a:effectRef idx="0">
+            <a:schemeClr val="accent1"/>
+          </a:effectRef>
+          <a:fontRef idx="minor">
+            <a:schemeClr val="lt1"/>
+          </a:fontRef>
+        </p:style>
+        <p:txBody>
+          <a:bodyPr rot="0" spcFirstLastPara="0" vertOverflow="overflow" horzOverflow="overflow" vert="horz" wrap="square" lIns="56757" tIns="28378" rIns="56757" bIns="28378" numCol="1" spcCol="0" rtlCol="0" fromWordArt="0" anchor="ctr" anchorCtr="0" forceAA="0" compatLnSpc="1">
+            <a:prstTxWarp prst="textNoShape">
               <a:avLst/>
-            </a:prstGeom>
-            <a:grpFill/>
-            <a:ln w="25400">
-              <a:solidFill>
-                <a:schemeClr val="tx1"/>
-              </a:solidFill>
-            </a:ln>
-          </p:spPr>
-          <p:style>
-            <a:lnRef idx="2">
-              <a:schemeClr val="accent1">
-                <a:shade val="50000"/>
-              </a:schemeClr>
-            </a:lnRef>
-            <a:fillRef idx="1">
-              <a:schemeClr val="accent1"/>
-            </a:fillRef>
-            <a:effectRef idx="0">
-              <a:schemeClr val="accent1"/>
-            </a:effectRef>
-            <a:fontRef idx="minor">
-              <a:schemeClr val="lt1"/>
-            </a:fontRef>
-          </p:style>
-          <p:txBody>
-            <a:bodyPr rot="0" spcFirstLastPara="0" vertOverflow="overflow" horzOverflow="overflow" vert="horz" wrap="square" lIns="56757" tIns="28378" rIns="56757" bIns="28378" numCol="1" spcCol="0" rtlCol="0" fromWordArt="0" anchor="ctr" anchorCtr="0" forceAA="0" compatLnSpc="1">
-              <a:prstTxWarp prst="textNoShape">
-                <a:avLst/>
-              </a:prstTxWarp>
-              <a:noAutofit/>
-            </a:bodyPr>
-            <a:lstStyle/>
-            <a:p>
-              <a:pPr algn="ctr"/>
-              <a:endParaRPr lang="en-US" sz="1200">
-                <a:latin typeface="+mj-lt"/>
-                <a:cs typeface="Times New Roman" panose="02020603050405020304" pitchFamily="18" charset="0"/>
-              </a:endParaRPr>
-            </a:p>
-          </p:txBody>
-        </p:sp>
-        <p:sp>
-          <p:nvSpPr>
-            <p:cNvPr id="473" name="TextBox 472">
-              <a:extLst>
-                <a:ext uri="{FF2B5EF4-FFF2-40B4-BE49-F238E27FC236}">
-                  <a16:creationId xmlns:a16="http://schemas.microsoft.com/office/drawing/2014/main" xmlns="" id="{024A0DED-A8BD-564C-AF37-7171A946D446}"/>
-                </a:ext>
-              </a:extLst>
-            </p:cNvPr>
-            <p:cNvSpPr txBox="1"/>
-            <p:nvPr/>
-          </p:nvSpPr>
-          <p:spPr>
-            <a:xfrm>
-              <a:off x="2506770" y="1727768"/>
-              <a:ext cx="297616" cy="446267"/>
-            </a:xfrm>
-            <a:prstGeom prst="rect">
-              <a:avLst/>
-            </a:prstGeom>
-            <a:grpFill/>
-          </p:spPr>
-          <p:txBody>
-            <a:bodyPr wrap="none" rtlCol="0">
-              <a:spAutoFit/>
-            </a:bodyPr>
-            <a:lstStyle/>
-            <a:p>
-              <a:endParaRPr lang="en-US" sz="1200" dirty="0">
-                <a:latin typeface="+mj-lt"/>
-                <a:cs typeface="Times New Roman" panose="02020603050405020304" pitchFamily="18" charset="0"/>
-              </a:endParaRPr>
-            </a:p>
-          </p:txBody>
-        </p:sp>
-      </p:grpSp>
+            </a:prstTxWarp>
+            <a:noAutofit/>
+          </a:bodyPr>
+          <a:lstStyle/>
+          <a:p>
+            <a:pPr algn="ctr"/>
+            <a:endParaRPr lang="en-US" sz="1200">
+              <a:latin typeface="+mj-lt"/>
+              <a:cs typeface="Times New Roman" panose="02020603050405020304" pitchFamily="18" charset="0"/>
+            </a:endParaRPr>
+          </a:p>
+        </p:txBody>
+      </p:sp>
+      <p:sp>
+        <p:nvSpPr>
+          <p:cNvPr id="473" name="TextBox 472">
+            <a:extLst>
+              <a:ext uri="{FF2B5EF4-FFF2-40B4-BE49-F238E27FC236}">
+                <a16:creationId xmlns:a16="http://schemas.microsoft.com/office/drawing/2014/main" id="{024A0DED-A8BD-564C-AF37-7171A946D446}"/>
+              </a:ext>
+            </a:extLst>
+          </p:cNvPr>
+          <p:cNvSpPr txBox="1"/>
+          <p:nvPr/>
+        </p:nvSpPr>
+        <p:spPr>
+          <a:xfrm>
+            <a:off x="293941" y="4451277"/>
+            <a:ext cx="184731" cy="276999"/>
+          </a:xfrm>
+          <a:prstGeom prst="rect">
+            <a:avLst/>
+          </a:prstGeom>
+          <a:noFill/>
+        </p:spPr>
+        <p:txBody>
+          <a:bodyPr wrap="none" rtlCol="0">
+            <a:spAutoFit/>
+          </a:bodyPr>
+          <a:lstStyle/>
+          <a:p>
+            <a:endParaRPr lang="en-US" sz="1200" dirty="0">
+              <a:latin typeface="+mj-lt"/>
+              <a:cs typeface="Times New Roman" panose="02020603050405020304" pitchFamily="18" charset="0"/>
+            </a:endParaRPr>
+          </a:p>
+        </p:txBody>
+      </p:sp>
       <p:cxnSp>
         <p:nvCxnSpPr>
           <p:cNvPr id="480" name="Straight Arrow Connector 479">
             <a:extLst>
               <a:ext uri="{FF2B5EF4-FFF2-40B4-BE49-F238E27FC236}">
-                <a16:creationId xmlns:a16="http://schemas.microsoft.com/office/drawing/2014/main" xmlns="" id="{586291F6-DE58-184E-A276-2312A05B2946}"/>
+                <a16:creationId xmlns:a16="http://schemas.microsoft.com/office/drawing/2014/main" id="{586291F6-DE58-184E-A276-2312A05B2946}"/>
               </a:ext>
             </a:extLst>
           </p:cNvPr>
@@ -10639,12 +10473,72 @@
           </a:fontRef>
         </p:style>
       </p:cxnSp>
+      <p:sp>
+        <p:nvSpPr>
+          <p:cNvPr id="508" name="Oval 507">
+            <a:extLst>
+              <a:ext uri="{FF2B5EF4-FFF2-40B4-BE49-F238E27FC236}">
+                <a16:creationId xmlns:a16="http://schemas.microsoft.com/office/drawing/2014/main" id="{CA6C0272-7DD9-6B4B-9EAC-0C015BD04F85}"/>
+              </a:ext>
+            </a:extLst>
+          </p:cNvPr>
+          <p:cNvSpPr/>
+          <p:nvPr/>
+        </p:nvSpPr>
+        <p:spPr>
+          <a:xfrm>
+            <a:off x="1081995" y="4917929"/>
+            <a:ext cx="394531" cy="394531"/>
+          </a:xfrm>
+          <a:prstGeom prst="ellipse">
+            <a:avLst/>
+          </a:prstGeom>
+          <a:noFill/>
+          <a:ln w="25400">
+            <a:solidFill>
+              <a:schemeClr val="tx1"/>
+            </a:solidFill>
+          </a:ln>
+        </p:spPr>
+        <p:style>
+          <a:lnRef idx="2">
+            <a:schemeClr val="accent1">
+              <a:shade val="50000"/>
+            </a:schemeClr>
+          </a:lnRef>
+          <a:fillRef idx="1">
+            <a:schemeClr val="accent1"/>
+          </a:fillRef>
+          <a:effectRef idx="0">
+            <a:schemeClr val="accent1"/>
+          </a:effectRef>
+          <a:fontRef idx="minor">
+            <a:schemeClr val="lt1"/>
+          </a:fontRef>
+        </p:style>
+        <p:txBody>
+          <a:bodyPr rot="0" spcFirstLastPara="0" vertOverflow="overflow" horzOverflow="overflow" vert="horz" wrap="square" lIns="56757" tIns="28378" rIns="56757" bIns="28378" numCol="1" spcCol="0" rtlCol="0" fromWordArt="0" anchor="ctr" anchorCtr="0" forceAA="0" compatLnSpc="1">
+            <a:prstTxWarp prst="textNoShape">
+              <a:avLst/>
+            </a:prstTxWarp>
+            <a:noAutofit/>
+          </a:bodyPr>
+          <a:lstStyle/>
+          <a:p>
+            <a:pPr algn="ctr"/>
+            <a:endParaRPr lang="en-US" sz="1200">
+              <a:latin typeface="+mj-lt"/>
+              <a:cs typeface="Times New Roman" panose="02020603050405020304" pitchFamily="18" charset="0"/>
+            </a:endParaRPr>
+          </a:p>
+        </p:txBody>
+      </p:sp>
       <p:cxnSp>
         <p:nvCxnSpPr>
           <p:cNvPr id="481" name="Straight Arrow Connector 480">
             <a:extLst>
               <a:ext uri="{FF2B5EF4-FFF2-40B4-BE49-F238E27FC236}">
-                <a16:creationId xmlns:a16="http://schemas.microsoft.com/office/drawing/2014/main" xmlns="" id="{A41A43BC-8538-CA4E-89B8-445E2B864BAA}"/>
+                <a16:creationId xmlns:a16="http://schemas.microsoft.com/office/drawing/2014/main" id="{A41A43BC-8538-CA4E-89B8-445E2B864BAA}"/>
               </a:ext>
             </a:extLst>
           </p:cNvPr>
@@ -10688,7 +10582,7 @@
           <p:cNvPr id="482" name="Straight Arrow Connector 481">
             <a:extLst>
               <a:ext uri="{FF2B5EF4-FFF2-40B4-BE49-F238E27FC236}">
-                <a16:creationId xmlns:a16="http://schemas.microsoft.com/office/drawing/2014/main" xmlns="" id="{A477E7A4-3C2A-BF46-93A5-E52782051583}"/>
+                <a16:creationId xmlns:a16="http://schemas.microsoft.com/office/drawing/2014/main" id="{A477E7A4-3C2A-BF46-93A5-E52782051583}"/>
               </a:ext>
             </a:extLst>
           </p:cNvPr>
@@ -10730,48 +10624,10 @@
       </p:cxnSp>
       <p:sp>
         <p:nvSpPr>
-          <p:cNvPr id="494" name="TextBox 493">
-            <a:extLst>
-              <a:ext uri="{FF2B5EF4-FFF2-40B4-BE49-F238E27FC236}">
-                <a16:creationId xmlns:a16="http://schemas.microsoft.com/office/drawing/2014/main" xmlns="" id="{3DC8361D-43DC-C441-B139-D47F2381A6FE}"/>
-              </a:ext>
-            </a:extLst>
-          </p:cNvPr>
-          <p:cNvSpPr txBox="1"/>
-          <p:nvPr/>
-        </p:nvSpPr>
-        <p:spPr>
-          <a:xfrm>
-            <a:off x="1100223" y="4376845"/>
-            <a:ext cx="340158" cy="276999"/>
-          </a:xfrm>
-          <a:prstGeom prst="rect">
-            <a:avLst/>
-          </a:prstGeom>
-          <a:noFill/>
-        </p:spPr>
-        <p:txBody>
-          <a:bodyPr wrap="none" rtlCol="0">
-            <a:spAutoFit/>
-          </a:bodyPr>
-          <a:lstStyle/>
-          <a:p>
-            <a:r>
-              <a:rPr lang="en-US" sz="1200" dirty="0">
-                <a:latin typeface="+mj-lt"/>
-                <a:cs typeface="Times New Roman" panose="02020603050405020304" pitchFamily="18" charset="0"/>
-              </a:rPr>
-              <a:t>e3</a:t>
-            </a:r>
-          </a:p>
-        </p:txBody>
-      </p:sp>
-      <p:sp>
-        <p:nvSpPr>
           <p:cNvPr id="495" name="TextBox 494">
             <a:extLst>
               <a:ext uri="{FF2B5EF4-FFF2-40B4-BE49-F238E27FC236}">
-                <a16:creationId xmlns:a16="http://schemas.microsoft.com/office/drawing/2014/main" xmlns="" id="{24C2DA7C-148C-754F-82FD-AAC44F2E9C74}"/>
+                <a16:creationId xmlns:a16="http://schemas.microsoft.com/office/drawing/2014/main" id="{24C2DA7C-148C-754F-82FD-AAC44F2E9C74}"/>
               </a:ext>
             </a:extLst>
           </p:cNvPr>
@@ -10806,10 +10662,45 @@
       </p:sp>
       <p:sp>
         <p:nvSpPr>
+          <p:cNvPr id="509" name="TextBox 508">
+            <a:extLst>
+              <a:ext uri="{FF2B5EF4-FFF2-40B4-BE49-F238E27FC236}">
+                <a16:creationId xmlns:a16="http://schemas.microsoft.com/office/drawing/2014/main" id="{B9BB64D6-0383-B745-AEA5-E0F525C33A49}"/>
+              </a:ext>
+            </a:extLst>
+          </p:cNvPr>
+          <p:cNvSpPr txBox="1"/>
+          <p:nvPr/>
+        </p:nvSpPr>
+        <p:spPr>
+          <a:xfrm>
+            <a:off x="1149812" y="5000572"/>
+            <a:ext cx="184731" cy="276999"/>
+          </a:xfrm>
+          <a:prstGeom prst="rect">
+            <a:avLst/>
+          </a:prstGeom>
+          <a:noFill/>
+        </p:spPr>
+        <p:txBody>
+          <a:bodyPr wrap="none" rtlCol="0">
+            <a:spAutoFit/>
+          </a:bodyPr>
+          <a:lstStyle/>
+          <a:p>
+            <a:endParaRPr lang="en-US" sz="1200" dirty="0">
+              <a:latin typeface="+mj-lt"/>
+              <a:cs typeface="Times New Roman" panose="02020603050405020304" pitchFamily="18" charset="0"/>
+            </a:endParaRPr>
+          </a:p>
+        </p:txBody>
+      </p:sp>
+      <p:sp>
+        <p:nvSpPr>
           <p:cNvPr id="496" name="TextBox 495">
             <a:extLst>
               <a:ext uri="{FF2B5EF4-FFF2-40B4-BE49-F238E27FC236}">
-                <a16:creationId xmlns:a16="http://schemas.microsoft.com/office/drawing/2014/main" xmlns="" id="{152E05E8-8290-9D4F-984D-1DF28E96E00B}"/>
+                <a16:creationId xmlns:a16="http://schemas.microsoft.com/office/drawing/2014/main" id="{152E05E8-8290-9D4F-984D-1DF28E96E00B}"/>
               </a:ext>
             </a:extLst>
           </p:cNvPr>
@@ -10847,7 +10738,7 @@
           <p:cNvPr id="501" name="TextBox 500">
             <a:extLst>
               <a:ext uri="{FF2B5EF4-FFF2-40B4-BE49-F238E27FC236}">
-                <a16:creationId xmlns:a16="http://schemas.microsoft.com/office/drawing/2014/main" xmlns="" id="{5F69EEA1-2BFB-DC40-B9E7-D8F502FA6E5F}"/>
+                <a16:creationId xmlns:a16="http://schemas.microsoft.com/office/drawing/2014/main" id="{5F69EEA1-2BFB-DC40-B9E7-D8F502FA6E5F}"/>
               </a:ext>
             </a:extLst>
           </p:cNvPr>
@@ -10880,128 +10771,12 @@
           </a:p>
         </p:txBody>
       </p:sp>
-      <p:grpSp>
-        <p:nvGrpSpPr>
-          <p:cNvPr id="507" name="Group 506">
-            <a:extLst>
-              <a:ext uri="{FF2B5EF4-FFF2-40B4-BE49-F238E27FC236}">
-                <a16:creationId xmlns:a16="http://schemas.microsoft.com/office/drawing/2014/main" xmlns="" id="{59B86AAB-C933-B541-BD97-6D237427E62F}"/>
-              </a:ext>
-            </a:extLst>
-          </p:cNvPr>
-          <p:cNvGrpSpPr/>
-          <p:nvPr/>
-        </p:nvGrpSpPr>
-        <p:grpSpPr>
-          <a:xfrm>
-            <a:off x="1081995" y="4917929"/>
-            <a:ext cx="394531" cy="394531"/>
-            <a:chOff x="2397512" y="1594624"/>
-            <a:chExt cx="635620" cy="635620"/>
-          </a:xfrm>
-        </p:grpSpPr>
-        <p:sp>
-          <p:nvSpPr>
-            <p:cNvPr id="508" name="Oval 507">
-              <a:extLst>
-                <a:ext uri="{FF2B5EF4-FFF2-40B4-BE49-F238E27FC236}">
-                  <a16:creationId xmlns:a16="http://schemas.microsoft.com/office/drawing/2014/main" xmlns="" id="{CA6C0272-7DD9-6B4B-9EAC-0C015BD04F85}"/>
-                </a:ext>
-              </a:extLst>
-            </p:cNvPr>
-            <p:cNvSpPr/>
-            <p:nvPr/>
-          </p:nvSpPr>
-          <p:spPr>
-            <a:xfrm>
-              <a:off x="2397512" y="1594624"/>
-              <a:ext cx="635620" cy="635620"/>
-            </a:xfrm>
-            <a:prstGeom prst="ellipse">
-              <a:avLst/>
-            </a:prstGeom>
-            <a:noFill/>
-            <a:ln w="25400">
-              <a:solidFill>
-                <a:schemeClr val="tx1"/>
-              </a:solidFill>
-            </a:ln>
-          </p:spPr>
-          <p:style>
-            <a:lnRef idx="2">
-              <a:schemeClr val="accent1">
-                <a:shade val="50000"/>
-              </a:schemeClr>
-            </a:lnRef>
-            <a:fillRef idx="1">
-              <a:schemeClr val="accent1"/>
-            </a:fillRef>
-            <a:effectRef idx="0">
-              <a:schemeClr val="accent1"/>
-            </a:effectRef>
-            <a:fontRef idx="minor">
-              <a:schemeClr val="lt1"/>
-            </a:fontRef>
-          </p:style>
-          <p:txBody>
-            <a:bodyPr rot="0" spcFirstLastPara="0" vertOverflow="overflow" horzOverflow="overflow" vert="horz" wrap="square" lIns="56757" tIns="28378" rIns="56757" bIns="28378" numCol="1" spcCol="0" rtlCol="0" fromWordArt="0" anchor="ctr" anchorCtr="0" forceAA="0" compatLnSpc="1">
-              <a:prstTxWarp prst="textNoShape">
-                <a:avLst/>
-              </a:prstTxWarp>
-              <a:noAutofit/>
-            </a:bodyPr>
-            <a:lstStyle/>
-            <a:p>
-              <a:pPr algn="ctr"/>
-              <a:endParaRPr lang="en-US" sz="1200">
-                <a:latin typeface="+mj-lt"/>
-                <a:cs typeface="Times New Roman" panose="02020603050405020304" pitchFamily="18" charset="0"/>
-              </a:endParaRPr>
-            </a:p>
-          </p:txBody>
-        </p:sp>
-        <p:sp>
-          <p:nvSpPr>
-            <p:cNvPr id="509" name="TextBox 508">
-              <a:extLst>
-                <a:ext uri="{FF2B5EF4-FFF2-40B4-BE49-F238E27FC236}">
-                  <a16:creationId xmlns:a16="http://schemas.microsoft.com/office/drawing/2014/main" xmlns="" id="{B9BB64D6-0383-B745-AEA5-E0F525C33A49}"/>
-                </a:ext>
-              </a:extLst>
-            </p:cNvPr>
-            <p:cNvSpPr txBox="1"/>
-            <p:nvPr/>
-          </p:nvSpPr>
-          <p:spPr>
-            <a:xfrm>
-              <a:off x="2506770" y="1727768"/>
-              <a:ext cx="297616" cy="446267"/>
-            </a:xfrm>
-            <a:prstGeom prst="rect">
-              <a:avLst/>
-            </a:prstGeom>
-            <a:noFill/>
-          </p:spPr>
-          <p:txBody>
-            <a:bodyPr wrap="none" rtlCol="0">
-              <a:spAutoFit/>
-            </a:bodyPr>
-            <a:lstStyle/>
-            <a:p>
-              <a:endParaRPr lang="en-US" sz="1200" dirty="0">
-                <a:latin typeface="+mj-lt"/>
-                <a:cs typeface="Times New Roman" panose="02020603050405020304" pitchFamily="18" charset="0"/>
-              </a:endParaRPr>
-            </a:p>
-          </p:txBody>
-        </p:sp>
-      </p:grpSp>
       <p:sp>
         <p:nvSpPr>
           <p:cNvPr id="510" name="TextBox 509">
             <a:extLst>
               <a:ext uri="{FF2B5EF4-FFF2-40B4-BE49-F238E27FC236}">
-                <a16:creationId xmlns:a16="http://schemas.microsoft.com/office/drawing/2014/main" xmlns="" id="{F924EB37-67FB-A347-A4EE-15AA81C95867}"/>
+                <a16:creationId xmlns:a16="http://schemas.microsoft.com/office/drawing/2014/main" id="{F924EB37-67FB-A347-A4EE-15AA81C95867}"/>
               </a:ext>
             </a:extLst>
           </p:cNvPr>
@@ -11039,7 +10814,7 @@
           <p:cNvPr id="511" name="Group 510">
             <a:extLst>
               <a:ext uri="{FF2B5EF4-FFF2-40B4-BE49-F238E27FC236}">
-                <a16:creationId xmlns:a16="http://schemas.microsoft.com/office/drawing/2014/main" xmlns="" id="{B48FF1B6-8D96-A349-A4FC-DBEBA5479098}"/>
+                <a16:creationId xmlns:a16="http://schemas.microsoft.com/office/drawing/2014/main" id="{B48FF1B6-8D96-A349-A4FC-DBEBA5479098}"/>
               </a:ext>
             </a:extLst>
           </p:cNvPr>
@@ -11059,7 +10834,7 @@
             <p:cNvPr id="512" name="Rectangle 511">
               <a:extLst>
                 <a:ext uri="{FF2B5EF4-FFF2-40B4-BE49-F238E27FC236}">
-                  <a16:creationId xmlns:a16="http://schemas.microsoft.com/office/drawing/2014/main" xmlns="" id="{E91ED652-EA1E-0442-B0A3-5CE49CA3F1F8}"/>
+                  <a16:creationId xmlns:a16="http://schemas.microsoft.com/office/drawing/2014/main" id="{E91ED652-EA1E-0442-B0A3-5CE49CA3F1F8}"/>
                 </a:ext>
               </a:extLst>
             </p:cNvPr>
@@ -11119,7 +10894,7 @@
             <p:cNvPr id="513" name="TextBox 512">
               <a:extLst>
                 <a:ext uri="{FF2B5EF4-FFF2-40B4-BE49-F238E27FC236}">
-                  <a16:creationId xmlns:a16="http://schemas.microsoft.com/office/drawing/2014/main" xmlns="" id="{8880FA75-4881-E54E-8643-BC306FA01E12}"/>
+                  <a16:creationId xmlns:a16="http://schemas.microsoft.com/office/drawing/2014/main" id="{8880FA75-4881-E54E-8643-BC306FA01E12}"/>
                 </a:ext>
               </a:extLst>
             </p:cNvPr>
@@ -11158,7 +10933,7 @@
           <p:cNvPr id="515" name="Straight Arrow Connector 514">
             <a:extLst>
               <a:ext uri="{FF2B5EF4-FFF2-40B4-BE49-F238E27FC236}">
-                <a16:creationId xmlns:a16="http://schemas.microsoft.com/office/drawing/2014/main" xmlns="" id="{62F82D6A-F6C9-594F-9EBB-C62A43CA81C2}"/>
+                <a16:creationId xmlns:a16="http://schemas.microsoft.com/office/drawing/2014/main" id="{62F82D6A-F6C9-594F-9EBB-C62A43CA81C2}"/>
               </a:ext>
             </a:extLst>
           </p:cNvPr>
@@ -11203,7 +10978,7 @@
           <p:cNvPr id="516" name="Straight Arrow Connector 515">
             <a:extLst>
               <a:ext uri="{FF2B5EF4-FFF2-40B4-BE49-F238E27FC236}">
-                <a16:creationId xmlns:a16="http://schemas.microsoft.com/office/drawing/2014/main" xmlns="" id="{4E947511-977C-A546-9CDB-9E411EC6C5FC}"/>
+                <a16:creationId xmlns:a16="http://schemas.microsoft.com/office/drawing/2014/main" id="{4E947511-977C-A546-9CDB-9E411EC6C5FC}"/>
               </a:ext>
             </a:extLst>
           </p:cNvPr>
@@ -11249,7 +11024,7 @@
           <p:cNvPr id="518" name="Rectangle 517">
             <a:extLst>
               <a:ext uri="{FF2B5EF4-FFF2-40B4-BE49-F238E27FC236}">
-                <a16:creationId xmlns:a16="http://schemas.microsoft.com/office/drawing/2014/main" xmlns="" id="{8932A5D0-16A7-CB40-8B78-128F8A773B2B}"/>
+                <a16:creationId xmlns:a16="http://schemas.microsoft.com/office/drawing/2014/main" id="{8932A5D0-16A7-CB40-8B78-128F8A773B2B}"/>
               </a:ext>
             </a:extLst>
           </p:cNvPr>
@@ -11311,7 +11086,7 @@
           <p:cNvPr id="519" name="TextBox 518">
             <a:extLst>
               <a:ext uri="{FF2B5EF4-FFF2-40B4-BE49-F238E27FC236}">
-                <a16:creationId xmlns:a16="http://schemas.microsoft.com/office/drawing/2014/main" xmlns="" id="{3F80F65C-DA1F-234F-BE27-CA16E074B096}"/>
+                <a16:creationId xmlns:a16="http://schemas.microsoft.com/office/drawing/2014/main" id="{3F80F65C-DA1F-234F-BE27-CA16E074B096}"/>
               </a:ext>
             </a:extLst>
           </p:cNvPr>
@@ -11356,7 +11131,7 @@
           <p:cNvPr id="532" name="Right Arrow 531">
             <a:extLst>
               <a:ext uri="{FF2B5EF4-FFF2-40B4-BE49-F238E27FC236}">
-                <a16:creationId xmlns:a16="http://schemas.microsoft.com/office/drawing/2014/main" xmlns="" id="{257D457D-58E3-6245-8694-58EA0D419458}"/>
+                <a16:creationId xmlns:a16="http://schemas.microsoft.com/office/drawing/2014/main" id="{257D457D-58E3-6245-8694-58EA0D419458}"/>
               </a:ext>
             </a:extLst>
           </p:cNvPr>
@@ -11412,7 +11187,7 @@
           <p:cNvPr id="533" name="TextBox 532">
             <a:extLst>
               <a:ext uri="{FF2B5EF4-FFF2-40B4-BE49-F238E27FC236}">
-                <a16:creationId xmlns:a16="http://schemas.microsoft.com/office/drawing/2014/main" xmlns="" id="{88FB5058-BFCB-4545-A2E7-8901DAEFB253}"/>
+                <a16:creationId xmlns:a16="http://schemas.microsoft.com/office/drawing/2014/main" id="{88FB5058-BFCB-4545-A2E7-8901DAEFB253}"/>
               </a:ext>
             </a:extLst>
           </p:cNvPr>
@@ -11450,7 +11225,7 @@
           <p:cNvPr id="197" name="TextBox 196">
             <a:extLst>
               <a:ext uri="{FF2B5EF4-FFF2-40B4-BE49-F238E27FC236}">
-                <a16:creationId xmlns:a16="http://schemas.microsoft.com/office/drawing/2014/main" xmlns="" id="{781ADA0B-3433-164A-B662-024FCB5A6608}"/>
+                <a16:creationId xmlns:a16="http://schemas.microsoft.com/office/drawing/2014/main" id="{781ADA0B-3433-164A-B662-024FCB5A6608}"/>
               </a:ext>
             </a:extLst>
           </p:cNvPr>
@@ -11495,7 +11270,7 @@
           <p:cNvPr id="198" name="Straight Connector 197">
             <a:extLst>
               <a:ext uri="{FF2B5EF4-FFF2-40B4-BE49-F238E27FC236}">
-                <a16:creationId xmlns:a16="http://schemas.microsoft.com/office/drawing/2014/main" xmlns="" id="{AA21A16E-B7D4-584C-8795-9AAB37E69F3C}"/>
+                <a16:creationId xmlns:a16="http://schemas.microsoft.com/office/drawing/2014/main" id="{AA21A16E-B7D4-584C-8795-9AAB37E69F3C}"/>
               </a:ext>
             </a:extLst>
           </p:cNvPr>
@@ -11533,7 +11308,7 @@
           <p:cNvPr id="199" name="TextBox 198">
             <a:extLst>
               <a:ext uri="{FF2B5EF4-FFF2-40B4-BE49-F238E27FC236}">
-                <a16:creationId xmlns:a16="http://schemas.microsoft.com/office/drawing/2014/main" xmlns="" id="{56AAB109-1AF6-AB4A-8672-E259F57FF97F}"/>
+                <a16:creationId xmlns:a16="http://schemas.microsoft.com/office/drawing/2014/main" id="{56AAB109-1AF6-AB4A-8672-E259F57FF97F}"/>
               </a:ext>
             </a:extLst>
           </p:cNvPr>
@@ -11571,7 +11346,7 @@
           <p:cNvPr id="255" name="TextBox 254">
             <a:extLst>
               <a:ext uri="{FF2B5EF4-FFF2-40B4-BE49-F238E27FC236}">
-                <a16:creationId xmlns:a16="http://schemas.microsoft.com/office/drawing/2014/main" xmlns="" id="{03C907C3-AD3A-3845-9D28-9C7F1294C3E3}"/>
+                <a16:creationId xmlns:a16="http://schemas.microsoft.com/office/drawing/2014/main" id="{03C907C3-AD3A-3845-9D28-9C7F1294C3E3}"/>
               </a:ext>
             </a:extLst>
           </p:cNvPr>
@@ -11609,7 +11384,7 @@
           <p:cNvPr id="256" name="TextBox 255">
             <a:extLst>
               <a:ext uri="{FF2B5EF4-FFF2-40B4-BE49-F238E27FC236}">
-                <a16:creationId xmlns:a16="http://schemas.microsoft.com/office/drawing/2014/main" xmlns="" id="{FE84C85F-C5A9-C041-95D5-9F1724A87329}"/>
+                <a16:creationId xmlns:a16="http://schemas.microsoft.com/office/drawing/2014/main" id="{FE84C85F-C5A9-C041-95D5-9F1724A87329}"/>
               </a:ext>
             </a:extLst>
           </p:cNvPr>
@@ -11651,7 +11426,7 @@
           <p:cNvPr id="257" name="TextBox 256">
             <a:extLst>
               <a:ext uri="{FF2B5EF4-FFF2-40B4-BE49-F238E27FC236}">
-                <a16:creationId xmlns:a16="http://schemas.microsoft.com/office/drawing/2014/main" xmlns="" id="{D02F6C57-26BE-DD48-9341-17B372548595}"/>
+                <a16:creationId xmlns:a16="http://schemas.microsoft.com/office/drawing/2014/main" id="{D02F6C57-26BE-DD48-9341-17B372548595}"/>
               </a:ext>
             </a:extLst>
           </p:cNvPr>
@@ -11689,7 +11464,7 @@
           <p:cNvPr id="258" name="TextBox 257">
             <a:extLst>
               <a:ext uri="{FF2B5EF4-FFF2-40B4-BE49-F238E27FC236}">
-                <a16:creationId xmlns:a16="http://schemas.microsoft.com/office/drawing/2014/main" xmlns="" id="{5BECCDCE-D034-5C41-ABF8-E9107555CD95}"/>
+                <a16:creationId xmlns:a16="http://schemas.microsoft.com/office/drawing/2014/main" id="{5BECCDCE-D034-5C41-ABF8-E9107555CD95}"/>
               </a:ext>
             </a:extLst>
           </p:cNvPr>
@@ -11727,7 +11502,7 @@
           <p:cNvPr id="260" name="TextBox 259">
             <a:extLst>
               <a:ext uri="{FF2B5EF4-FFF2-40B4-BE49-F238E27FC236}">
-                <a16:creationId xmlns:a16="http://schemas.microsoft.com/office/drawing/2014/main" xmlns="" id="{C33A7D5B-627E-3946-8220-77D1F53F4809}"/>
+                <a16:creationId xmlns:a16="http://schemas.microsoft.com/office/drawing/2014/main" id="{C33A7D5B-627E-3946-8220-77D1F53F4809}"/>
               </a:ext>
             </a:extLst>
           </p:cNvPr>
@@ -11765,7 +11540,7 @@
           <p:cNvPr id="261" name="TextBox 260">
             <a:extLst>
               <a:ext uri="{FF2B5EF4-FFF2-40B4-BE49-F238E27FC236}">
-                <a16:creationId xmlns:a16="http://schemas.microsoft.com/office/drawing/2014/main" xmlns="" id="{61D0D6BB-F4EC-934F-A330-66D04332DDED}"/>
+                <a16:creationId xmlns:a16="http://schemas.microsoft.com/office/drawing/2014/main" id="{61D0D6BB-F4EC-934F-A330-66D04332DDED}"/>
               </a:ext>
             </a:extLst>
           </p:cNvPr>
@@ -11803,7 +11578,7 @@
           <p:cNvPr id="262" name="TextBox 261">
             <a:extLst>
               <a:ext uri="{FF2B5EF4-FFF2-40B4-BE49-F238E27FC236}">
-                <a16:creationId xmlns:a16="http://schemas.microsoft.com/office/drawing/2014/main" xmlns="" id="{DA1BC310-4883-4143-9357-2808D7E89A0D}"/>
+                <a16:creationId xmlns:a16="http://schemas.microsoft.com/office/drawing/2014/main" id="{DA1BC310-4883-4143-9357-2808D7E89A0D}"/>
               </a:ext>
             </a:extLst>
           </p:cNvPr>
@@ -11841,7 +11616,7 @@
           <p:cNvPr id="263" name="TextBox 262">
             <a:extLst>
               <a:ext uri="{FF2B5EF4-FFF2-40B4-BE49-F238E27FC236}">
-                <a16:creationId xmlns:a16="http://schemas.microsoft.com/office/drawing/2014/main" xmlns="" id="{9BD30AFE-32CB-7E4B-885D-53CCBEAD6502}"/>
+                <a16:creationId xmlns:a16="http://schemas.microsoft.com/office/drawing/2014/main" id="{9BD30AFE-32CB-7E4B-885D-53CCBEAD6502}"/>
               </a:ext>
             </a:extLst>
           </p:cNvPr>
@@ -11879,7 +11654,7 @@
           <p:cNvPr id="264" name="TextBox 263">
             <a:extLst>
               <a:ext uri="{FF2B5EF4-FFF2-40B4-BE49-F238E27FC236}">
-                <a16:creationId xmlns:a16="http://schemas.microsoft.com/office/drawing/2014/main" xmlns="" id="{D0D1F8CD-D588-3343-948C-11B1A6885A84}"/>
+                <a16:creationId xmlns:a16="http://schemas.microsoft.com/office/drawing/2014/main" id="{D0D1F8CD-D588-3343-948C-11B1A6885A84}"/>
               </a:ext>
             </a:extLst>
           </p:cNvPr>
@@ -11921,7 +11696,7 @@
           <p:cNvPr id="265" name="TextBox 264">
             <a:extLst>
               <a:ext uri="{FF2B5EF4-FFF2-40B4-BE49-F238E27FC236}">
-                <a16:creationId xmlns:a16="http://schemas.microsoft.com/office/drawing/2014/main" xmlns="" id="{1D6C337E-98B9-654F-A81C-B66943714594}"/>
+                <a16:creationId xmlns:a16="http://schemas.microsoft.com/office/drawing/2014/main" id="{1D6C337E-98B9-654F-A81C-B66943714594}"/>
               </a:ext>
             </a:extLst>
           </p:cNvPr>
@@ -11959,7 +11734,7 @@
           <p:cNvPr id="266" name="TextBox 265">
             <a:extLst>
               <a:ext uri="{FF2B5EF4-FFF2-40B4-BE49-F238E27FC236}">
-                <a16:creationId xmlns:a16="http://schemas.microsoft.com/office/drawing/2014/main" xmlns="" id="{0BA588E7-FE0A-C34A-AF3E-D4EC487DA280}"/>
+                <a16:creationId xmlns:a16="http://schemas.microsoft.com/office/drawing/2014/main" id="{0BA588E7-FE0A-C34A-AF3E-D4EC487DA280}"/>
               </a:ext>
             </a:extLst>
           </p:cNvPr>
@@ -11997,7 +11772,7 @@
           <p:cNvPr id="267" name="TextBox 266">
             <a:extLst>
               <a:ext uri="{FF2B5EF4-FFF2-40B4-BE49-F238E27FC236}">
-                <a16:creationId xmlns:a16="http://schemas.microsoft.com/office/drawing/2014/main" xmlns="" id="{1905CCA9-0202-304D-A88A-E00A7660080F}"/>
+                <a16:creationId xmlns:a16="http://schemas.microsoft.com/office/drawing/2014/main" id="{1905CCA9-0202-304D-A88A-E00A7660080F}"/>
               </a:ext>
             </a:extLst>
           </p:cNvPr>
@@ -12035,7 +11810,7 @@
           <p:cNvPr id="268" name="TextBox 267">
             <a:extLst>
               <a:ext uri="{FF2B5EF4-FFF2-40B4-BE49-F238E27FC236}">
-                <a16:creationId xmlns:a16="http://schemas.microsoft.com/office/drawing/2014/main" xmlns="" id="{AE2404AC-1A26-7848-BB8A-E73CD3734CA9}"/>
+                <a16:creationId xmlns:a16="http://schemas.microsoft.com/office/drawing/2014/main" id="{AE2404AC-1A26-7848-BB8A-E73CD3734CA9}"/>
               </a:ext>
             </a:extLst>
           </p:cNvPr>
@@ -12073,7 +11848,7 @@
           <p:cNvPr id="269" name="TextBox 268">
             <a:extLst>
               <a:ext uri="{FF2B5EF4-FFF2-40B4-BE49-F238E27FC236}">
-                <a16:creationId xmlns:a16="http://schemas.microsoft.com/office/drawing/2014/main" xmlns="" id="{A1F98A0E-D0AC-CE4C-B54C-B17BD1E39095}"/>
+                <a16:creationId xmlns:a16="http://schemas.microsoft.com/office/drawing/2014/main" id="{A1F98A0E-D0AC-CE4C-B54C-B17BD1E39095}"/>
               </a:ext>
             </a:extLst>
           </p:cNvPr>
@@ -12111,7 +11886,7 @@
           <p:cNvPr id="270" name="TextBox 269">
             <a:extLst>
               <a:ext uri="{FF2B5EF4-FFF2-40B4-BE49-F238E27FC236}">
-                <a16:creationId xmlns:a16="http://schemas.microsoft.com/office/drawing/2014/main" xmlns="" id="{25EE0574-0226-7D40-94CD-94F02A6506EC}"/>
+                <a16:creationId xmlns:a16="http://schemas.microsoft.com/office/drawing/2014/main" id="{25EE0574-0226-7D40-94CD-94F02A6506EC}"/>
               </a:ext>
             </a:extLst>
           </p:cNvPr>
@@ -12120,7 +11895,7 @@
         </p:nvSpPr>
         <p:spPr>
           <a:xfrm>
-            <a:off x="573969" y="1298101"/>
+            <a:off x="574102" y="1114801"/>
             <a:ext cx="510333" cy="276999"/>
           </a:xfrm>
           <a:prstGeom prst="rect">
@@ -12153,7 +11928,7 @@
           <p:cNvPr id="271" name="TextBox 270">
             <a:extLst>
               <a:ext uri="{FF2B5EF4-FFF2-40B4-BE49-F238E27FC236}">
-                <a16:creationId xmlns:a16="http://schemas.microsoft.com/office/drawing/2014/main" xmlns="" id="{C1B1AA9C-47C9-634A-AB17-AEE4E90F732E}"/>
+                <a16:creationId xmlns:a16="http://schemas.microsoft.com/office/drawing/2014/main" id="{C1B1AA9C-47C9-634A-AB17-AEE4E90F732E}"/>
               </a:ext>
             </a:extLst>
           </p:cNvPr>
@@ -12195,7 +11970,7 @@
           <p:cNvPr id="272" name="TextBox 271">
             <a:extLst>
               <a:ext uri="{FF2B5EF4-FFF2-40B4-BE49-F238E27FC236}">
-                <a16:creationId xmlns:a16="http://schemas.microsoft.com/office/drawing/2014/main" xmlns="" id="{6790B259-4671-9144-B672-20D3C02889D9}"/>
+                <a16:creationId xmlns:a16="http://schemas.microsoft.com/office/drawing/2014/main" id="{6790B259-4671-9144-B672-20D3C02889D9}"/>
               </a:ext>
             </a:extLst>
           </p:cNvPr>
@@ -12233,7 +12008,7 @@
           <p:cNvPr id="273" name="TextBox 272">
             <a:extLst>
               <a:ext uri="{FF2B5EF4-FFF2-40B4-BE49-F238E27FC236}">
-                <a16:creationId xmlns:a16="http://schemas.microsoft.com/office/drawing/2014/main" xmlns="" id="{5BA303EF-5B50-F14A-94B2-440FBA334248}"/>
+                <a16:creationId xmlns:a16="http://schemas.microsoft.com/office/drawing/2014/main" id="{5BA303EF-5B50-F14A-94B2-440FBA334248}"/>
               </a:ext>
             </a:extLst>
           </p:cNvPr>
@@ -12266,12 +12041,132 @@
           </a:p>
         </p:txBody>
       </p:sp>
+      <p:grpSp>
+        <p:nvGrpSpPr>
+          <p:cNvPr id="234" name="Group 233">
+            <a:extLst>
+              <a:ext uri="{FF2B5EF4-FFF2-40B4-BE49-F238E27FC236}">
+                <a16:creationId xmlns:a16="http://schemas.microsoft.com/office/drawing/2014/main" id="{A5405738-843E-4640-9037-85FB70AF9EF1}"/>
+              </a:ext>
+            </a:extLst>
+          </p:cNvPr>
+          <p:cNvGrpSpPr/>
+          <p:nvPr/>
+        </p:nvGrpSpPr>
+        <p:grpSpPr>
+          <a:xfrm>
+            <a:off x="6547566" y="4943338"/>
+            <a:ext cx="394531" cy="394531"/>
+            <a:chOff x="2397512" y="1594624"/>
+            <a:chExt cx="635620" cy="635620"/>
+          </a:xfrm>
+          <a:noFill/>
+        </p:grpSpPr>
+        <p:sp>
+          <p:nvSpPr>
+            <p:cNvPr id="235" name="Oval 234">
+              <a:extLst>
+                <a:ext uri="{FF2B5EF4-FFF2-40B4-BE49-F238E27FC236}">
+                  <a16:creationId xmlns:a16="http://schemas.microsoft.com/office/drawing/2014/main" id="{1B3FE477-6889-F04E-AB07-B9C65522B663}"/>
+                </a:ext>
+              </a:extLst>
+            </p:cNvPr>
+            <p:cNvSpPr/>
+            <p:nvPr/>
+          </p:nvSpPr>
+          <p:spPr>
+            <a:xfrm>
+              <a:off x="2397512" y="1594624"/>
+              <a:ext cx="635620" cy="635620"/>
+            </a:xfrm>
+            <a:prstGeom prst="ellipse">
+              <a:avLst/>
+            </a:prstGeom>
+            <a:grpFill/>
+            <a:ln w="25400">
+              <a:solidFill>
+                <a:schemeClr val="tx1"/>
+              </a:solidFill>
+            </a:ln>
+          </p:spPr>
+          <p:style>
+            <a:lnRef idx="2">
+              <a:schemeClr val="accent1">
+                <a:shade val="50000"/>
+              </a:schemeClr>
+            </a:lnRef>
+            <a:fillRef idx="1">
+              <a:schemeClr val="accent1"/>
+            </a:fillRef>
+            <a:effectRef idx="0">
+              <a:schemeClr val="accent1"/>
+            </a:effectRef>
+            <a:fontRef idx="minor">
+              <a:schemeClr val="lt1"/>
+            </a:fontRef>
+          </p:style>
+          <p:txBody>
+            <a:bodyPr rot="0" spcFirstLastPara="0" vertOverflow="overflow" horzOverflow="overflow" vert="horz" wrap="square" lIns="56757" tIns="28378" rIns="56757" bIns="28378" numCol="1" spcCol="0" rtlCol="0" fromWordArt="0" anchor="ctr" anchorCtr="0" forceAA="0" compatLnSpc="1">
+              <a:prstTxWarp prst="textNoShape">
+                <a:avLst/>
+              </a:prstTxWarp>
+              <a:noAutofit/>
+            </a:bodyPr>
+            <a:lstStyle/>
+            <a:p>
+              <a:pPr algn="ctr"/>
+              <a:endParaRPr lang="en-US" sz="1200">
+                <a:latin typeface="+mj-lt"/>
+                <a:cs typeface="Times New Roman" panose="02020603050405020304" pitchFamily="18" charset="0"/>
+              </a:endParaRPr>
+            </a:p>
+          </p:txBody>
+        </p:sp>
+        <p:sp>
+          <p:nvSpPr>
+            <p:cNvPr id="236" name="TextBox 235">
+              <a:extLst>
+                <a:ext uri="{FF2B5EF4-FFF2-40B4-BE49-F238E27FC236}">
+                  <a16:creationId xmlns:a16="http://schemas.microsoft.com/office/drawing/2014/main" id="{6FBA77EB-C3E2-464C-9291-BC98800F8EE3}"/>
+                </a:ext>
+              </a:extLst>
+            </p:cNvPr>
+            <p:cNvSpPr txBox="1"/>
+            <p:nvPr/>
+          </p:nvSpPr>
+          <p:spPr>
+            <a:xfrm>
+              <a:off x="2427633" y="1648363"/>
+              <a:ext cx="545437" cy="446267"/>
+            </a:xfrm>
+            <a:prstGeom prst="rect">
+              <a:avLst/>
+            </a:prstGeom>
+            <a:grpFill/>
+          </p:spPr>
+          <p:txBody>
+            <a:bodyPr wrap="none" rtlCol="0">
+              <a:spAutoFit/>
+            </a:bodyPr>
+            <a:lstStyle/>
+            <a:p>
+              <a:r>
+                <a:rPr lang="en-US" sz="1200" dirty="0">
+                  <a:latin typeface="+mj-lt"/>
+                  <a:cs typeface="Times New Roman" panose="02020603050405020304" pitchFamily="18" charset="0"/>
+                </a:rPr>
+                <a:t>e6</a:t>
+              </a:r>
+            </a:p>
+          </p:txBody>
+        </p:sp>
+      </p:grpSp>
       <p:sp>
         <p:nvSpPr>
           <p:cNvPr id="274" name="TextBox 273">
             <a:extLst>
               <a:ext uri="{FF2B5EF4-FFF2-40B4-BE49-F238E27FC236}">
-                <a16:creationId xmlns:a16="http://schemas.microsoft.com/office/drawing/2014/main" xmlns="" id="{40A33AD6-5F27-C143-AA28-BDEB251B3532}"/>
+                <a16:creationId xmlns:a16="http://schemas.microsoft.com/office/drawing/2014/main" id="{40A33AD6-5F27-C143-AA28-BDEB251B3532}"/>
               </a:ext>
             </a:extLst>
           </p:cNvPr>
@@ -12300,6 +12195,44 @@
                 <a:cs typeface="Times New Roman" panose="02020603050405020304" pitchFamily="18" charset="0"/>
               </a:rPr>
               <a:t>used</a:t>
+            </a:r>
+          </a:p>
+        </p:txBody>
+      </p:sp>
+      <p:sp>
+        <p:nvSpPr>
+          <p:cNvPr id="240" name="TextBox 239">
+            <a:extLst>
+              <a:ext uri="{FF2B5EF4-FFF2-40B4-BE49-F238E27FC236}">
+                <a16:creationId xmlns:a16="http://schemas.microsoft.com/office/drawing/2014/main" id="{BFFD8545-E1E3-014C-8E0C-BF15F7295472}"/>
+              </a:ext>
+            </a:extLst>
+          </p:cNvPr>
+          <p:cNvSpPr txBox="1"/>
+          <p:nvPr/>
+        </p:nvSpPr>
+        <p:spPr>
+          <a:xfrm>
+            <a:off x="1118296" y="4366571"/>
+            <a:ext cx="338554" cy="276999"/>
+          </a:xfrm>
+          <a:prstGeom prst="rect">
+            <a:avLst/>
+          </a:prstGeom>
+          <a:noFill/>
+        </p:spPr>
+        <p:txBody>
+          <a:bodyPr wrap="none" rtlCol="0">
+            <a:spAutoFit/>
+          </a:bodyPr>
+          <a:lstStyle/>
+          <a:p>
+            <a:r>
+              <a:rPr lang="en-US" sz="1200" dirty="0">
+                <a:latin typeface="+mj-lt"/>
+                <a:cs typeface="Times New Roman" panose="02020603050405020304" pitchFamily="18" charset="0"/>
+              </a:rPr>
+              <a:t>e3</a:t>
             </a:r>
           </a:p>
         </p:txBody>
@@ -12606,7 +12539,7 @@
   <a:extraClrSchemeLst/>
   <a:extLst>
     <a:ext uri="{05A4C25C-085E-4340-85A3-A5531E510DB2}">
-      <thm15:themeFamily xmlns:thm15="http://schemas.microsoft.com/office/thememl/2012/main" xmlns="" name="Office Theme" id="{62F939B6-93AF-4DB8-9C6B-D6C7DFDC589F}" vid="{4A3C46E8-61CC-4603-A589-7422A47A8E4A}"/>
+      <thm15:themeFamily xmlns:thm15="http://schemas.microsoft.com/office/thememl/2012/main" name="Office Theme" id="{62F939B6-93AF-4DB8-9C6B-D6C7DFDC589F}" vid="{4A3C46E8-61CC-4603-A589-7422A47A8E4A}"/>
     </a:ext>
   </a:extLst>
 </a:theme>

--- a/FGCS-2019/reworked-fig8.pptx
+++ b/FGCS-2019/reworked-fig8.pptx
@@ -10216,6 +10216,66 @@
           </p:txBody>
         </p:sp>
       </p:grpSp>
+      <p:sp>
+        <p:nvSpPr>
+          <p:cNvPr id="508" name="Oval 507">
+            <a:extLst>
+              <a:ext uri="{FF2B5EF4-FFF2-40B4-BE49-F238E27FC236}">
+                <a16:creationId xmlns:a16="http://schemas.microsoft.com/office/drawing/2014/main" id="{CA6C0272-7DD9-6B4B-9EAC-0C015BD04F85}"/>
+              </a:ext>
+            </a:extLst>
+          </p:cNvPr>
+          <p:cNvSpPr/>
+          <p:nvPr/>
+        </p:nvSpPr>
+        <p:spPr>
+          <a:xfrm>
+            <a:off x="1081995" y="4917929"/>
+            <a:ext cx="394531" cy="394531"/>
+          </a:xfrm>
+          <a:prstGeom prst="ellipse">
+            <a:avLst/>
+          </a:prstGeom>
+          <a:noFill/>
+          <a:ln w="25400">
+            <a:solidFill>
+              <a:schemeClr val="tx1"/>
+            </a:solidFill>
+          </a:ln>
+        </p:spPr>
+        <p:style>
+          <a:lnRef idx="2">
+            <a:schemeClr val="accent1">
+              <a:shade val="50000"/>
+            </a:schemeClr>
+          </a:lnRef>
+          <a:fillRef idx="1">
+            <a:schemeClr val="accent1"/>
+          </a:fillRef>
+          <a:effectRef idx="0">
+            <a:schemeClr val="accent1"/>
+          </a:effectRef>
+          <a:fontRef idx="minor">
+            <a:schemeClr val="lt1"/>
+          </a:fontRef>
+        </p:style>
+        <p:txBody>
+          <a:bodyPr rot="0" spcFirstLastPara="0" vertOverflow="overflow" horzOverflow="overflow" vert="horz" wrap="square" lIns="56757" tIns="28378" rIns="56757" bIns="28378" numCol="1" spcCol="0" rtlCol="0" fromWordArt="0" anchor="ctr" anchorCtr="0" forceAA="0" compatLnSpc="1">
+            <a:prstTxWarp prst="textNoShape">
+              <a:avLst/>
+            </a:prstTxWarp>
+            <a:noAutofit/>
+          </a:bodyPr>
+          <a:lstStyle/>
+          <a:p>
+            <a:pPr algn="ctr"/>
+            <a:endParaRPr lang="en-US" sz="1200">
+              <a:latin typeface="+mj-lt"/>
+              <a:cs typeface="Times New Roman" panose="02020603050405020304" pitchFamily="18" charset="0"/>
+            </a:endParaRPr>
+          </a:p>
+        </p:txBody>
+      </p:sp>
       <p:grpSp>
         <p:nvGrpSpPr>
           <p:cNvPr id="468" name="Group 467">
@@ -10473,66 +10533,6 @@
           </a:fontRef>
         </p:style>
       </p:cxnSp>
-      <p:sp>
-        <p:nvSpPr>
-          <p:cNvPr id="508" name="Oval 507">
-            <a:extLst>
-              <a:ext uri="{FF2B5EF4-FFF2-40B4-BE49-F238E27FC236}">
-                <a16:creationId xmlns:a16="http://schemas.microsoft.com/office/drawing/2014/main" id="{CA6C0272-7DD9-6B4B-9EAC-0C015BD04F85}"/>
-              </a:ext>
-            </a:extLst>
-          </p:cNvPr>
-          <p:cNvSpPr/>
-          <p:nvPr/>
-        </p:nvSpPr>
-        <p:spPr>
-          <a:xfrm>
-            <a:off x="1081995" y="4917929"/>
-            <a:ext cx="394531" cy="394531"/>
-          </a:xfrm>
-          <a:prstGeom prst="ellipse">
-            <a:avLst/>
-          </a:prstGeom>
-          <a:noFill/>
-          <a:ln w="25400">
-            <a:solidFill>
-              <a:schemeClr val="tx1"/>
-            </a:solidFill>
-          </a:ln>
-        </p:spPr>
-        <p:style>
-          <a:lnRef idx="2">
-            <a:schemeClr val="accent1">
-              <a:shade val="50000"/>
-            </a:schemeClr>
-          </a:lnRef>
-          <a:fillRef idx="1">
-            <a:schemeClr val="accent1"/>
-          </a:fillRef>
-          <a:effectRef idx="0">
-            <a:schemeClr val="accent1"/>
-          </a:effectRef>
-          <a:fontRef idx="minor">
-            <a:schemeClr val="lt1"/>
-          </a:fontRef>
-        </p:style>
-        <p:txBody>
-          <a:bodyPr rot="0" spcFirstLastPara="0" vertOverflow="overflow" horzOverflow="overflow" vert="horz" wrap="square" lIns="56757" tIns="28378" rIns="56757" bIns="28378" numCol="1" spcCol="0" rtlCol="0" fromWordArt="0" anchor="ctr" anchorCtr="0" forceAA="0" compatLnSpc="1">
-            <a:prstTxWarp prst="textNoShape">
-              <a:avLst/>
-            </a:prstTxWarp>
-            <a:noAutofit/>
-          </a:bodyPr>
-          <a:lstStyle/>
-          <a:p>
-            <a:pPr algn="ctr"/>
-            <a:endParaRPr lang="en-US" sz="1200">
-              <a:latin typeface="+mj-lt"/>
-              <a:cs typeface="Times New Roman" panose="02020603050405020304" pitchFamily="18" charset="0"/>
-            </a:endParaRPr>
-          </a:p>
-        </p:txBody>
-      </p:sp>
       <p:cxnSp>
         <p:nvCxnSpPr>
           <p:cNvPr id="481" name="Straight Arrow Connector 480">
@@ -10577,6 +10577,41 @@
           </a:fontRef>
         </p:style>
       </p:cxnSp>
+      <p:sp>
+        <p:nvSpPr>
+          <p:cNvPr id="509" name="TextBox 508">
+            <a:extLst>
+              <a:ext uri="{FF2B5EF4-FFF2-40B4-BE49-F238E27FC236}">
+                <a16:creationId xmlns:a16="http://schemas.microsoft.com/office/drawing/2014/main" id="{B9BB64D6-0383-B745-AEA5-E0F525C33A49}"/>
+              </a:ext>
+            </a:extLst>
+          </p:cNvPr>
+          <p:cNvSpPr txBox="1"/>
+          <p:nvPr/>
+        </p:nvSpPr>
+        <p:spPr>
+          <a:xfrm>
+            <a:off x="1149812" y="5000572"/>
+            <a:ext cx="184731" cy="276999"/>
+          </a:xfrm>
+          <a:prstGeom prst="rect">
+            <a:avLst/>
+          </a:prstGeom>
+          <a:noFill/>
+        </p:spPr>
+        <p:txBody>
+          <a:bodyPr wrap="none" rtlCol="0">
+            <a:spAutoFit/>
+          </a:bodyPr>
+          <a:lstStyle/>
+          <a:p>
+            <a:endParaRPr lang="en-US" sz="1200" dirty="0">
+              <a:latin typeface="+mj-lt"/>
+              <a:cs typeface="Times New Roman" panose="02020603050405020304" pitchFamily="18" charset="0"/>
+            </a:endParaRPr>
+          </a:p>
+        </p:txBody>
+      </p:sp>
       <p:cxnSp>
         <p:nvCxnSpPr>
           <p:cNvPr id="482" name="Straight Arrow Connector 481">
@@ -10657,41 +10692,6 @@
               </a:rPr>
               <a:t>e2</a:t>
             </a:r>
-          </a:p>
-        </p:txBody>
-      </p:sp>
-      <p:sp>
-        <p:nvSpPr>
-          <p:cNvPr id="509" name="TextBox 508">
-            <a:extLst>
-              <a:ext uri="{FF2B5EF4-FFF2-40B4-BE49-F238E27FC236}">
-                <a16:creationId xmlns:a16="http://schemas.microsoft.com/office/drawing/2014/main" id="{B9BB64D6-0383-B745-AEA5-E0F525C33A49}"/>
-              </a:ext>
-            </a:extLst>
-          </p:cNvPr>
-          <p:cNvSpPr txBox="1"/>
-          <p:nvPr/>
-        </p:nvSpPr>
-        <p:spPr>
-          <a:xfrm>
-            <a:off x="1149812" y="5000572"/>
-            <a:ext cx="184731" cy="276999"/>
-          </a:xfrm>
-          <a:prstGeom prst="rect">
-            <a:avLst/>
-          </a:prstGeom>
-          <a:noFill/>
-        </p:spPr>
-        <p:txBody>
-          <a:bodyPr wrap="none" rtlCol="0">
-            <a:spAutoFit/>
-          </a:bodyPr>
-          <a:lstStyle/>
-          <a:p>
-            <a:endParaRPr lang="en-US" sz="1200" dirty="0">
-              <a:latin typeface="+mj-lt"/>
-              <a:cs typeface="Times New Roman" panose="02020603050405020304" pitchFamily="18" charset="0"/>
-            </a:endParaRPr>
           </a:p>
         </p:txBody>
       </p:sp>
@@ -11881,166 +11881,6 @@
           </a:p>
         </p:txBody>
       </p:sp>
-      <p:sp>
-        <p:nvSpPr>
-          <p:cNvPr id="270" name="TextBox 269">
-            <a:extLst>
-              <a:ext uri="{FF2B5EF4-FFF2-40B4-BE49-F238E27FC236}">
-                <a16:creationId xmlns:a16="http://schemas.microsoft.com/office/drawing/2014/main" id="{25EE0574-0226-7D40-94CD-94F02A6506EC}"/>
-              </a:ext>
-            </a:extLst>
-          </p:cNvPr>
-          <p:cNvSpPr txBox="1"/>
-          <p:nvPr/>
-        </p:nvSpPr>
-        <p:spPr>
-          <a:xfrm>
-            <a:off x="574102" y="1114801"/>
-            <a:ext cx="510333" cy="276999"/>
-          </a:xfrm>
-          <a:prstGeom prst="rect">
-            <a:avLst/>
-          </a:prstGeom>
-          <a:noFill/>
-        </p:spPr>
-        <p:txBody>
-          <a:bodyPr wrap="none" rtlCol="0">
-            <a:spAutoFit/>
-          </a:bodyPr>
-          <a:lstStyle/>
-          <a:p>
-            <a:r>
-              <a:rPr lang="en-US" sz="1200" dirty="0" err="1">
-                <a:latin typeface="+mj-lt"/>
-                <a:cs typeface="Times New Roman" panose="02020603050405020304" pitchFamily="18" charset="0"/>
-              </a:rPr>
-              <a:t>wgBy</a:t>
-            </a:r>
-            <a:endParaRPr lang="en-US" sz="1200" dirty="0">
-              <a:latin typeface="+mj-lt"/>
-              <a:cs typeface="Times New Roman" panose="02020603050405020304" pitchFamily="18" charset="0"/>
-            </a:endParaRPr>
-          </a:p>
-        </p:txBody>
-      </p:sp>
-      <p:sp>
-        <p:nvSpPr>
-          <p:cNvPr id="271" name="TextBox 270">
-            <a:extLst>
-              <a:ext uri="{FF2B5EF4-FFF2-40B4-BE49-F238E27FC236}">
-                <a16:creationId xmlns:a16="http://schemas.microsoft.com/office/drawing/2014/main" id="{C1B1AA9C-47C9-634A-AB17-AEE4E90F732E}"/>
-              </a:ext>
-            </a:extLst>
-          </p:cNvPr>
-          <p:cNvSpPr txBox="1"/>
-          <p:nvPr/>
-        </p:nvSpPr>
-        <p:spPr>
-          <a:xfrm>
-            <a:off x="6077788" y="3727313"/>
-            <a:ext cx="510333" cy="276999"/>
-          </a:xfrm>
-          <a:prstGeom prst="rect">
-            <a:avLst/>
-          </a:prstGeom>
-          <a:noFill/>
-        </p:spPr>
-        <p:txBody>
-          <a:bodyPr wrap="none" rtlCol="0">
-            <a:spAutoFit/>
-          </a:bodyPr>
-          <a:lstStyle/>
-          <a:p>
-            <a:r>
-              <a:rPr lang="en-US" sz="1200" dirty="0" err="1">
-                <a:latin typeface="+mj-lt"/>
-                <a:cs typeface="Times New Roman" panose="02020603050405020304" pitchFamily="18" charset="0"/>
-              </a:rPr>
-              <a:t>wgBy</a:t>
-            </a:r>
-            <a:endParaRPr lang="en-US" sz="1200" dirty="0">
-              <a:latin typeface="+mj-lt"/>
-              <a:cs typeface="Times New Roman" panose="02020603050405020304" pitchFamily="18" charset="0"/>
-            </a:endParaRPr>
-          </a:p>
-        </p:txBody>
-      </p:sp>
-      <p:sp>
-        <p:nvSpPr>
-          <p:cNvPr id="272" name="TextBox 271">
-            <a:extLst>
-              <a:ext uri="{FF2B5EF4-FFF2-40B4-BE49-F238E27FC236}">
-                <a16:creationId xmlns:a16="http://schemas.microsoft.com/office/drawing/2014/main" id="{6790B259-4671-9144-B672-20D3C02889D9}"/>
-              </a:ext>
-            </a:extLst>
-          </p:cNvPr>
-          <p:cNvSpPr txBox="1"/>
-          <p:nvPr/>
-        </p:nvSpPr>
-        <p:spPr>
-          <a:xfrm>
-            <a:off x="2120472" y="3733811"/>
-            <a:ext cx="482824" cy="276999"/>
-          </a:xfrm>
-          <a:prstGeom prst="rect">
-            <a:avLst/>
-          </a:prstGeom>
-          <a:noFill/>
-        </p:spPr>
-        <p:txBody>
-          <a:bodyPr wrap="none" rtlCol="0">
-            <a:spAutoFit/>
-          </a:bodyPr>
-          <a:lstStyle/>
-          <a:p>
-            <a:r>
-              <a:rPr lang="en-US" sz="1200" dirty="0">
-                <a:latin typeface="+mj-lt"/>
-                <a:cs typeface="Times New Roman" panose="02020603050405020304" pitchFamily="18" charset="0"/>
-              </a:rPr>
-              <a:t>used</a:t>
-            </a:r>
-          </a:p>
-        </p:txBody>
-      </p:sp>
-      <p:sp>
-        <p:nvSpPr>
-          <p:cNvPr id="273" name="TextBox 272">
-            <a:extLst>
-              <a:ext uri="{FF2B5EF4-FFF2-40B4-BE49-F238E27FC236}">
-                <a16:creationId xmlns:a16="http://schemas.microsoft.com/office/drawing/2014/main" id="{5BA303EF-5B50-F14A-94B2-440FBA334248}"/>
-              </a:ext>
-            </a:extLst>
-          </p:cNvPr>
-          <p:cNvSpPr txBox="1"/>
-          <p:nvPr/>
-        </p:nvSpPr>
-        <p:spPr>
-          <a:xfrm>
-            <a:off x="1854115" y="4515344"/>
-            <a:ext cx="482824" cy="276999"/>
-          </a:xfrm>
-          <a:prstGeom prst="rect">
-            <a:avLst/>
-          </a:prstGeom>
-          <a:noFill/>
-        </p:spPr>
-        <p:txBody>
-          <a:bodyPr wrap="none" rtlCol="0">
-            <a:spAutoFit/>
-          </a:bodyPr>
-          <a:lstStyle/>
-          <a:p>
-            <a:r>
-              <a:rPr lang="en-US" sz="1200" dirty="0">
-                <a:latin typeface="+mj-lt"/>
-                <a:cs typeface="Times New Roman" panose="02020603050405020304" pitchFamily="18" charset="0"/>
-              </a:rPr>
-              <a:t>used</a:t>
-            </a:r>
-          </a:p>
-        </p:txBody>
-      </p:sp>
       <p:grpSp>
         <p:nvGrpSpPr>
           <p:cNvPr id="234" name="Group 233">
@@ -12163,10 +12003,10 @@
       </p:grpSp>
       <p:sp>
         <p:nvSpPr>
-          <p:cNvPr id="274" name="TextBox 273">
-            <a:extLst>
-              <a:ext uri="{FF2B5EF4-FFF2-40B4-BE49-F238E27FC236}">
-                <a16:creationId xmlns:a16="http://schemas.microsoft.com/office/drawing/2014/main" id="{40A33AD6-5F27-C143-AA28-BDEB251B3532}"/>
+          <p:cNvPr id="270" name="TextBox 269">
+            <a:extLst>
+              <a:ext uri="{FF2B5EF4-FFF2-40B4-BE49-F238E27FC236}">
+                <a16:creationId xmlns:a16="http://schemas.microsoft.com/office/drawing/2014/main" id="{25EE0574-0226-7D40-94CD-94F02A6506EC}"/>
               </a:ext>
             </a:extLst>
           </p:cNvPr>
@@ -12175,7 +12015,91 @@
         </p:nvSpPr>
         <p:spPr>
           <a:xfrm>
-            <a:off x="1972165" y="4250342"/>
+            <a:off x="574102" y="1114801"/>
+            <a:ext cx="510333" cy="276999"/>
+          </a:xfrm>
+          <a:prstGeom prst="rect">
+            <a:avLst/>
+          </a:prstGeom>
+          <a:noFill/>
+        </p:spPr>
+        <p:txBody>
+          <a:bodyPr wrap="none" rtlCol="0">
+            <a:spAutoFit/>
+          </a:bodyPr>
+          <a:lstStyle/>
+          <a:p>
+            <a:r>
+              <a:rPr lang="en-US" sz="1200" dirty="0" err="1">
+                <a:latin typeface="+mj-lt"/>
+                <a:cs typeface="Times New Roman" panose="02020603050405020304" pitchFamily="18" charset="0"/>
+              </a:rPr>
+              <a:t>wgBy</a:t>
+            </a:r>
+            <a:endParaRPr lang="en-US" sz="1200" dirty="0">
+              <a:latin typeface="+mj-lt"/>
+              <a:cs typeface="Times New Roman" panose="02020603050405020304" pitchFamily="18" charset="0"/>
+            </a:endParaRPr>
+          </a:p>
+        </p:txBody>
+      </p:sp>
+      <p:sp>
+        <p:nvSpPr>
+          <p:cNvPr id="271" name="TextBox 270">
+            <a:extLst>
+              <a:ext uri="{FF2B5EF4-FFF2-40B4-BE49-F238E27FC236}">
+                <a16:creationId xmlns:a16="http://schemas.microsoft.com/office/drawing/2014/main" id="{C1B1AA9C-47C9-634A-AB17-AEE4E90F732E}"/>
+              </a:ext>
+            </a:extLst>
+          </p:cNvPr>
+          <p:cNvSpPr txBox="1"/>
+          <p:nvPr/>
+        </p:nvSpPr>
+        <p:spPr>
+          <a:xfrm>
+            <a:off x="6077788" y="3727313"/>
+            <a:ext cx="510333" cy="276999"/>
+          </a:xfrm>
+          <a:prstGeom prst="rect">
+            <a:avLst/>
+          </a:prstGeom>
+          <a:noFill/>
+        </p:spPr>
+        <p:txBody>
+          <a:bodyPr wrap="none" rtlCol="0">
+            <a:spAutoFit/>
+          </a:bodyPr>
+          <a:lstStyle/>
+          <a:p>
+            <a:r>
+              <a:rPr lang="en-US" sz="1200" dirty="0" err="1">
+                <a:latin typeface="+mj-lt"/>
+                <a:cs typeface="Times New Roman" panose="02020603050405020304" pitchFamily="18" charset="0"/>
+              </a:rPr>
+              <a:t>wgBy</a:t>
+            </a:r>
+            <a:endParaRPr lang="en-US" sz="1200" dirty="0">
+              <a:latin typeface="+mj-lt"/>
+              <a:cs typeface="Times New Roman" panose="02020603050405020304" pitchFamily="18" charset="0"/>
+            </a:endParaRPr>
+          </a:p>
+        </p:txBody>
+      </p:sp>
+      <p:sp>
+        <p:nvSpPr>
+          <p:cNvPr id="272" name="TextBox 271">
+            <a:extLst>
+              <a:ext uri="{FF2B5EF4-FFF2-40B4-BE49-F238E27FC236}">
+                <a16:creationId xmlns:a16="http://schemas.microsoft.com/office/drawing/2014/main" id="{6790B259-4671-9144-B672-20D3C02889D9}"/>
+              </a:ext>
+            </a:extLst>
+          </p:cNvPr>
+          <p:cNvSpPr txBox="1"/>
+          <p:nvPr/>
+        </p:nvSpPr>
+        <p:spPr>
+          <a:xfrm>
+            <a:off x="2120472" y="3733811"/>
             <a:ext cx="482824" cy="276999"/>
           </a:xfrm>
           <a:prstGeom prst="rect">
@@ -12233,6 +12157,82 @@
                 <a:cs typeface="Times New Roman" panose="02020603050405020304" pitchFamily="18" charset="0"/>
               </a:rPr>
               <a:t>e3</a:t>
+            </a:r>
+          </a:p>
+        </p:txBody>
+      </p:sp>
+      <p:sp>
+        <p:nvSpPr>
+          <p:cNvPr id="273" name="TextBox 272">
+            <a:extLst>
+              <a:ext uri="{FF2B5EF4-FFF2-40B4-BE49-F238E27FC236}">
+                <a16:creationId xmlns:a16="http://schemas.microsoft.com/office/drawing/2014/main" id="{5BA303EF-5B50-F14A-94B2-440FBA334248}"/>
+              </a:ext>
+            </a:extLst>
+          </p:cNvPr>
+          <p:cNvSpPr txBox="1"/>
+          <p:nvPr/>
+        </p:nvSpPr>
+        <p:spPr>
+          <a:xfrm>
+            <a:off x="1854115" y="4515344"/>
+            <a:ext cx="482824" cy="276999"/>
+          </a:xfrm>
+          <a:prstGeom prst="rect">
+            <a:avLst/>
+          </a:prstGeom>
+          <a:noFill/>
+        </p:spPr>
+        <p:txBody>
+          <a:bodyPr wrap="none" rtlCol="0">
+            <a:spAutoFit/>
+          </a:bodyPr>
+          <a:lstStyle/>
+          <a:p>
+            <a:r>
+              <a:rPr lang="en-US" sz="1200" dirty="0">
+                <a:latin typeface="+mj-lt"/>
+                <a:cs typeface="Times New Roman" panose="02020603050405020304" pitchFamily="18" charset="0"/>
+              </a:rPr>
+              <a:t>used</a:t>
+            </a:r>
+          </a:p>
+        </p:txBody>
+      </p:sp>
+      <p:sp>
+        <p:nvSpPr>
+          <p:cNvPr id="274" name="TextBox 273">
+            <a:extLst>
+              <a:ext uri="{FF2B5EF4-FFF2-40B4-BE49-F238E27FC236}">
+                <a16:creationId xmlns:a16="http://schemas.microsoft.com/office/drawing/2014/main" id="{40A33AD6-5F27-C143-AA28-BDEB251B3532}"/>
+              </a:ext>
+            </a:extLst>
+          </p:cNvPr>
+          <p:cNvSpPr txBox="1"/>
+          <p:nvPr/>
+        </p:nvSpPr>
+        <p:spPr>
+          <a:xfrm>
+            <a:off x="1972165" y="4250342"/>
+            <a:ext cx="482824" cy="276999"/>
+          </a:xfrm>
+          <a:prstGeom prst="rect">
+            <a:avLst/>
+          </a:prstGeom>
+          <a:noFill/>
+        </p:spPr>
+        <p:txBody>
+          <a:bodyPr wrap="none" rtlCol="0">
+            <a:spAutoFit/>
+          </a:bodyPr>
+          <a:lstStyle/>
+          <a:p>
+            <a:r>
+              <a:rPr lang="en-US" sz="1200" dirty="0">
+                <a:latin typeface="+mj-lt"/>
+                <a:cs typeface="Times New Roman" panose="02020603050405020304" pitchFamily="18" charset="0"/>
+              </a:rPr>
+              <a:t>used</a:t>
             </a:r>
           </a:p>
         </p:txBody>
